--- a/Lecture05_DataCleaning/Lecture5_DataCleaning-ResearchDesign.pptx
+++ b/Lecture05_DataCleaning/Lecture5_DataCleaning-ResearchDesign.pptx
@@ -276,7 +276,7 @@
           <a:p>
             <a:fld id="{EF911157-0FC2-4F06-8D61-FD647FE4E19D}" type="datetimeFigureOut">
               <a:rPr lang="en-US" smtClean="0"/>
-              <a:t>10/10/2024</a:t>
+              <a:t>8/22/2025</a:t>
             </a:fld>
             <a:endParaRPr lang="en-US"/>
           </a:p>
@@ -4188,8 +4188,20 @@
           <a:lstStyle/>
           <a:p>
             <a:r>
+              <a:rPr lang="en-US" b="1" dirty="0"/>
+              <a:t>Update these slides since they are now in Lecture 2. Answer the question: what kind of descriptive evidence should I produce? What does exploratory analysis </a:t>
+            </a:r>
+            <a:r>
+              <a:rPr lang="en-US" b="1"/>
+              <a:t>look like? </a:t>
+            </a:r>
+            <a:r>
+              <a:rPr lang="en-US"/>
+              <a:t>See </a:t>
+            </a:r>
+            <a:r>
               <a:rPr lang="en-US" dirty="0"/>
-              <a:t>See “Mere description” in the folder. Even though we’re after a causal pathway, a solid set of descriptive stats (or better, a single descriptive figure that tells your story) helps you to sell your work before it begins. By </a:t>
+              <a:t>“Mere description” in the folder. Even though we’re after a causal pathway, a solid set of descriptive stats (or better, a single descriptive figure that tells your story) helps you to sell your work before it begins. By </a:t>
             </a:r>
             <a:r>
               <a:rPr lang="en-US" dirty="0" err="1"/>
@@ -6804,13 +6816,8 @@
           <a:p>
             <a:r>
               <a:rPr lang="en-US" dirty="0"/>
-              <a:t>* Ideas should be simple, and you should focus on one. People think I do this, </a:t>
-            </a:r>
-            <a:r>
-              <a:rPr lang="en-US"/>
-              <a:t>but really I do this (start at 6minutes)</a:t>
-            </a:r>
-            <a:endParaRPr lang="en-US" dirty="0"/>
+              <a:t>* Ideas should be simple, and you should focus on one. People think I do this, but really I do this (start at 6minutes)</a:t>
+            </a:r>
           </a:p>
         </p:txBody>
       </p:sp>
@@ -7454,7 +7461,7 @@
             <a:fld id="{0972D05C-DCFB-4BB6-B49C-AC126BF3ED2C}" type="datetimeFigureOut">
               <a:rPr lang="en-US" smtClean="0"/>
               <a:pPr/>
-              <a:t>10/10/2024</a:t>
+              <a:t>8/22/2025</a:t>
             </a:fld>
             <a:endParaRPr lang="en-US"/>
           </a:p>
@@ -7684,7 +7691,7 @@
             <a:fld id="{0972D05C-DCFB-4BB6-B49C-AC126BF3ED2C}" type="datetimeFigureOut">
               <a:rPr lang="en-US" smtClean="0"/>
               <a:pPr/>
-              <a:t>10/10/2024</a:t>
+              <a:t>8/22/2025</a:t>
             </a:fld>
             <a:endParaRPr lang="en-US"/>
           </a:p>
@@ -7866,7 +7873,7 @@
             <a:fld id="{0972D05C-DCFB-4BB6-B49C-AC126BF3ED2C}" type="datetimeFigureOut">
               <a:rPr lang="en-US" smtClean="0"/>
               <a:pPr/>
-              <a:t>10/10/2024</a:t>
+              <a:t>8/22/2025</a:t>
             </a:fld>
             <a:endParaRPr lang="en-US"/>
           </a:p>
@@ -8038,7 +8045,7 @@
             <a:fld id="{0972D05C-DCFB-4BB6-B49C-AC126BF3ED2C}" type="datetimeFigureOut">
               <a:rPr lang="en-US" smtClean="0"/>
               <a:pPr/>
-              <a:t>10/10/2024</a:t>
+              <a:t>8/22/2025</a:t>
             </a:fld>
             <a:endParaRPr lang="en-US"/>
           </a:p>
@@ -8294,7 +8301,7 @@
             <a:fld id="{0972D05C-DCFB-4BB6-B49C-AC126BF3ED2C}" type="datetimeFigureOut">
               <a:rPr lang="en-US" smtClean="0"/>
               <a:pPr/>
-              <a:t>10/10/2024</a:t>
+              <a:t>8/22/2025</a:t>
             </a:fld>
             <a:endParaRPr lang="en-US"/>
           </a:p>
@@ -8622,7 +8629,7 @@
             <a:fld id="{0972D05C-DCFB-4BB6-B49C-AC126BF3ED2C}" type="datetimeFigureOut">
               <a:rPr lang="en-US" smtClean="0"/>
               <a:pPr/>
-              <a:t>10/10/2024</a:t>
+              <a:t>8/22/2025</a:t>
             </a:fld>
             <a:endParaRPr lang="en-US"/>
           </a:p>
@@ -9075,7 +9082,7 @@
             <a:fld id="{0972D05C-DCFB-4BB6-B49C-AC126BF3ED2C}" type="datetimeFigureOut">
               <a:rPr lang="en-US" smtClean="0"/>
               <a:pPr/>
-              <a:t>10/10/2024</a:t>
+              <a:t>8/22/2025</a:t>
             </a:fld>
             <a:endParaRPr lang="en-US"/>
           </a:p>
@@ -9195,7 +9202,7 @@
             <a:fld id="{0972D05C-DCFB-4BB6-B49C-AC126BF3ED2C}" type="datetimeFigureOut">
               <a:rPr lang="en-US" smtClean="0"/>
               <a:pPr/>
-              <a:t>10/10/2024</a:t>
+              <a:t>8/22/2025</a:t>
             </a:fld>
             <a:endParaRPr lang="en-US"/>
           </a:p>
@@ -9292,7 +9299,7 @@
             <a:fld id="{0972D05C-DCFB-4BB6-B49C-AC126BF3ED2C}" type="datetimeFigureOut">
               <a:rPr lang="en-US" smtClean="0"/>
               <a:pPr/>
-              <a:t>10/10/2024</a:t>
+              <a:t>8/22/2025</a:t>
             </a:fld>
             <a:endParaRPr lang="en-US"/>
           </a:p>
@@ -9581,7 +9588,7 @@
             <a:fld id="{0972D05C-DCFB-4BB6-B49C-AC126BF3ED2C}" type="datetimeFigureOut">
               <a:rPr lang="en-US" smtClean="0"/>
               <a:pPr/>
-              <a:t>10/10/2024</a:t>
+              <a:t>8/22/2025</a:t>
             </a:fld>
             <a:endParaRPr lang="en-US"/>
           </a:p>
@@ -9905,7 +9912,7 @@
             <a:fld id="{0972D05C-DCFB-4BB6-B49C-AC126BF3ED2C}" type="datetimeFigureOut">
               <a:rPr lang="en-US" smtClean="0"/>
               <a:pPr/>
-              <a:t>10/10/2024</a:t>
+              <a:t>8/22/2025</a:t>
             </a:fld>
             <a:endParaRPr lang="en-US"/>
           </a:p>
@@ -10160,7 +10167,7 @@
             <a:fld id="{0972D05C-DCFB-4BB6-B49C-AC126BF3ED2C}" type="datetimeFigureOut">
               <a:rPr lang="en-US" smtClean="0"/>
               <a:pPr/>
-              <a:t>10/10/2024</a:t>
+              <a:t>8/22/2025</a:t>
             </a:fld>
             <a:endParaRPr lang="en-US" dirty="0"/>
           </a:p>

--- a/Lecture05_DataCleaning/Lecture5_DataCleaning-ResearchDesign.pptx
+++ b/Lecture05_DataCleaning/Lecture5_DataCleaning-ResearchDesign.pptx
@@ -5,7 +5,7 @@
     <p:sldMasterId id="2147483738" r:id="rId1"/>
   </p:sldMasterIdLst>
   <p:notesMasterIdLst>
-    <p:notesMasterId r:id="rId85"/>
+    <p:notesMasterId r:id="rId86"/>
   </p:notesMasterIdLst>
   <p:sldIdLst>
     <p:sldId id="256" r:id="rId2"/>
@@ -17,80 +17,81 @@
     <p:sldId id="728" r:id="rId8"/>
     <p:sldId id="726" r:id="rId9"/>
     <p:sldId id="730" r:id="rId10"/>
-    <p:sldId id="739" r:id="rId11"/>
-    <p:sldId id="735" r:id="rId12"/>
-    <p:sldId id="772" r:id="rId13"/>
-    <p:sldId id="731" r:id="rId14"/>
-    <p:sldId id="732" r:id="rId15"/>
-    <p:sldId id="257" r:id="rId16"/>
-    <p:sldId id="733" r:id="rId17"/>
-    <p:sldId id="774" r:id="rId18"/>
-    <p:sldId id="775" r:id="rId19"/>
-    <p:sldId id="776" r:id="rId20"/>
-    <p:sldId id="771" r:id="rId21"/>
-    <p:sldId id="736" r:id="rId22"/>
-    <p:sldId id="675" r:id="rId23"/>
-    <p:sldId id="683" r:id="rId24"/>
-    <p:sldId id="684" r:id="rId25"/>
-    <p:sldId id="685" r:id="rId26"/>
-    <p:sldId id="686" r:id="rId27"/>
-    <p:sldId id="687" r:id="rId28"/>
-    <p:sldId id="688" r:id="rId29"/>
-    <p:sldId id="689" r:id="rId30"/>
-    <p:sldId id="691" r:id="rId31"/>
-    <p:sldId id="695" r:id="rId32"/>
-    <p:sldId id="692" r:id="rId33"/>
-    <p:sldId id="696" r:id="rId34"/>
-    <p:sldId id="697" r:id="rId35"/>
-    <p:sldId id="693" r:id="rId36"/>
-    <p:sldId id="751" r:id="rId37"/>
-    <p:sldId id="729" r:id="rId38"/>
-    <p:sldId id="679" r:id="rId39"/>
-    <p:sldId id="752" r:id="rId40"/>
-    <p:sldId id="754" r:id="rId41"/>
-    <p:sldId id="755" r:id="rId42"/>
-    <p:sldId id="753" r:id="rId43"/>
-    <p:sldId id="756" r:id="rId44"/>
-    <p:sldId id="759" r:id="rId45"/>
-    <p:sldId id="757" r:id="rId46"/>
-    <p:sldId id="758" r:id="rId47"/>
-    <p:sldId id="760" r:id="rId48"/>
-    <p:sldId id="762" r:id="rId49"/>
-    <p:sldId id="763" r:id="rId50"/>
-    <p:sldId id="764" r:id="rId51"/>
-    <p:sldId id="766" r:id="rId52"/>
-    <p:sldId id="767" r:id="rId53"/>
-    <p:sldId id="768" r:id="rId54"/>
-    <p:sldId id="769" r:id="rId55"/>
-    <p:sldId id="770" r:id="rId56"/>
-    <p:sldId id="672" r:id="rId57"/>
-    <p:sldId id="742" r:id="rId58"/>
-    <p:sldId id="682" r:id="rId59"/>
-    <p:sldId id="741" r:id="rId60"/>
-    <p:sldId id="761" r:id="rId61"/>
-    <p:sldId id="717" r:id="rId62"/>
-    <p:sldId id="677" r:id="rId63"/>
-    <p:sldId id="743" r:id="rId64"/>
-    <p:sldId id="744" r:id="rId65"/>
-    <p:sldId id="745" r:id="rId66"/>
-    <p:sldId id="708" r:id="rId67"/>
-    <p:sldId id="746" r:id="rId68"/>
-    <p:sldId id="747" r:id="rId69"/>
-    <p:sldId id="748" r:id="rId70"/>
-    <p:sldId id="749" r:id="rId71"/>
-    <p:sldId id="750" r:id="rId72"/>
-    <p:sldId id="676" r:id="rId73"/>
-    <p:sldId id="709" r:id="rId74"/>
-    <p:sldId id="718" r:id="rId75"/>
-    <p:sldId id="673" r:id="rId76"/>
-    <p:sldId id="681" r:id="rId77"/>
-    <p:sldId id="719" r:id="rId78"/>
-    <p:sldId id="720" r:id="rId79"/>
-    <p:sldId id="721" r:id="rId80"/>
-    <p:sldId id="722" r:id="rId81"/>
-    <p:sldId id="680" r:id="rId82"/>
-    <p:sldId id="698" r:id="rId83"/>
-    <p:sldId id="723" r:id="rId84"/>
+    <p:sldId id="777" r:id="rId11"/>
+    <p:sldId id="739" r:id="rId12"/>
+    <p:sldId id="735" r:id="rId13"/>
+    <p:sldId id="772" r:id="rId14"/>
+    <p:sldId id="731" r:id="rId15"/>
+    <p:sldId id="732" r:id="rId16"/>
+    <p:sldId id="257" r:id="rId17"/>
+    <p:sldId id="733" r:id="rId18"/>
+    <p:sldId id="774" r:id="rId19"/>
+    <p:sldId id="775" r:id="rId20"/>
+    <p:sldId id="776" r:id="rId21"/>
+    <p:sldId id="771" r:id="rId22"/>
+    <p:sldId id="736" r:id="rId23"/>
+    <p:sldId id="675" r:id="rId24"/>
+    <p:sldId id="683" r:id="rId25"/>
+    <p:sldId id="684" r:id="rId26"/>
+    <p:sldId id="685" r:id="rId27"/>
+    <p:sldId id="686" r:id="rId28"/>
+    <p:sldId id="687" r:id="rId29"/>
+    <p:sldId id="688" r:id="rId30"/>
+    <p:sldId id="689" r:id="rId31"/>
+    <p:sldId id="691" r:id="rId32"/>
+    <p:sldId id="695" r:id="rId33"/>
+    <p:sldId id="692" r:id="rId34"/>
+    <p:sldId id="696" r:id="rId35"/>
+    <p:sldId id="697" r:id="rId36"/>
+    <p:sldId id="693" r:id="rId37"/>
+    <p:sldId id="751" r:id="rId38"/>
+    <p:sldId id="729" r:id="rId39"/>
+    <p:sldId id="679" r:id="rId40"/>
+    <p:sldId id="752" r:id="rId41"/>
+    <p:sldId id="754" r:id="rId42"/>
+    <p:sldId id="755" r:id="rId43"/>
+    <p:sldId id="753" r:id="rId44"/>
+    <p:sldId id="756" r:id="rId45"/>
+    <p:sldId id="759" r:id="rId46"/>
+    <p:sldId id="757" r:id="rId47"/>
+    <p:sldId id="758" r:id="rId48"/>
+    <p:sldId id="760" r:id="rId49"/>
+    <p:sldId id="762" r:id="rId50"/>
+    <p:sldId id="763" r:id="rId51"/>
+    <p:sldId id="764" r:id="rId52"/>
+    <p:sldId id="766" r:id="rId53"/>
+    <p:sldId id="767" r:id="rId54"/>
+    <p:sldId id="768" r:id="rId55"/>
+    <p:sldId id="769" r:id="rId56"/>
+    <p:sldId id="770" r:id="rId57"/>
+    <p:sldId id="672" r:id="rId58"/>
+    <p:sldId id="742" r:id="rId59"/>
+    <p:sldId id="682" r:id="rId60"/>
+    <p:sldId id="741" r:id="rId61"/>
+    <p:sldId id="761" r:id="rId62"/>
+    <p:sldId id="717" r:id="rId63"/>
+    <p:sldId id="677" r:id="rId64"/>
+    <p:sldId id="743" r:id="rId65"/>
+    <p:sldId id="744" r:id="rId66"/>
+    <p:sldId id="745" r:id="rId67"/>
+    <p:sldId id="708" r:id="rId68"/>
+    <p:sldId id="746" r:id="rId69"/>
+    <p:sldId id="747" r:id="rId70"/>
+    <p:sldId id="748" r:id="rId71"/>
+    <p:sldId id="749" r:id="rId72"/>
+    <p:sldId id="750" r:id="rId73"/>
+    <p:sldId id="676" r:id="rId74"/>
+    <p:sldId id="709" r:id="rId75"/>
+    <p:sldId id="718" r:id="rId76"/>
+    <p:sldId id="673" r:id="rId77"/>
+    <p:sldId id="681" r:id="rId78"/>
+    <p:sldId id="719" r:id="rId79"/>
+    <p:sldId id="720" r:id="rId80"/>
+    <p:sldId id="721" r:id="rId81"/>
+    <p:sldId id="722" r:id="rId82"/>
+    <p:sldId id="680" r:id="rId83"/>
+    <p:sldId id="698" r:id="rId84"/>
+    <p:sldId id="723" r:id="rId85"/>
   </p:sldIdLst>
   <p:sldSz cx="12192000" cy="6858000"/>
   <p:notesSz cx="7010400" cy="9296400"/>
@@ -290,7 +291,7 @@
           <a:p>
             <a:fld id="{EF911157-0FC2-4F06-8D61-FD647FE4E19D}" type="datetimeFigureOut">
               <a:rPr lang="en-US" smtClean="0"/>
-              <a:t>10/3/2025</a:t>
+              <a:t>10/6/2025</a:t>
             </a:fld>
             <a:endParaRPr lang="en-US"/>
           </a:p>
@@ -706,7 +707,13 @@
   <p:cSld>
     <p:spTree>
       <p:nvGrpSpPr>
-        <p:cNvPr id="1" name=""/>
+        <p:cNvPr id="1" name="">
+          <a:extLst>
+            <a:ext uri="{FF2B5EF4-FFF2-40B4-BE49-F238E27FC236}">
+              <a16:creationId xmlns:a16="http://schemas.microsoft.com/office/drawing/2014/main" id="{AC8E9D06-701D-1B4E-4AC4-2402AB9D1E6E}"/>
+            </a:ext>
+          </a:extLst>
+        </p:cNvPr>
         <p:cNvGrpSpPr/>
         <p:nvPr/>
       </p:nvGrpSpPr>
@@ -720,7 +727,13 @@
       </p:grpSpPr>
       <p:sp>
         <p:nvSpPr>
-          <p:cNvPr id="2" name="Slide Image Placeholder 1"/>
+          <p:cNvPr id="2" name="Slide Image Placeholder 1">
+            <a:extLst>
+              <a:ext uri="{FF2B5EF4-FFF2-40B4-BE49-F238E27FC236}">
+                <a16:creationId xmlns:a16="http://schemas.microsoft.com/office/drawing/2014/main" id="{F5568FD3-21C5-28C5-525B-F51DA71CF314}"/>
+              </a:ext>
+            </a:extLst>
+          </p:cNvPr>
           <p:cNvSpPr>
             <a:spLocks noGrp="1" noRot="1" noChangeAspect="1"/>
           </p:cNvSpPr>
@@ -732,7 +745,13 @@
       </p:sp>
       <p:sp>
         <p:nvSpPr>
-          <p:cNvPr id="3" name="Notes Placeholder 2"/>
+          <p:cNvPr id="3" name="Notes Placeholder 2">
+            <a:extLst>
+              <a:ext uri="{FF2B5EF4-FFF2-40B4-BE49-F238E27FC236}">
+                <a16:creationId xmlns:a16="http://schemas.microsoft.com/office/drawing/2014/main" id="{2890C8BE-4FDD-D611-0A61-7678B7167018}"/>
+              </a:ext>
+            </a:extLst>
+          </p:cNvPr>
           <p:cNvSpPr>
             <a:spLocks noGrp="1"/>
           </p:cNvSpPr>
@@ -747,23 +766,20 @@
           <a:p>
             <a:r>
               <a:rPr lang="en-US" dirty="0"/>
-              <a:t>You can really get bogged down in data cleaning. Use copilot, google, your old code, your friends, me…</a:t>
-            </a:r>
-          </a:p>
-          <a:p>
-            <a:endParaRPr lang="en-US" dirty="0"/>
-          </a:p>
-          <a:p>
-            <a:r>
-              <a:rPr lang="en-US" dirty="0"/>
-              <a:t>IN R:  - Removing missing data    - Recoding variables    - Creating new variables    - Summarizing variables    - Creating descriptive figures</a:t>
-            </a:r>
-          </a:p>
-        </p:txBody>
-      </p:sp>
-      <p:sp>
-        <p:nvSpPr>
-          <p:cNvPr id="4" name="Slide Number Placeholder 3"/>
+              <a:t>What does this entail? Going through variables, looking at descriptive characteristics, etc. </a:t>
+            </a:r>
+          </a:p>
+        </p:txBody>
+      </p:sp>
+      <p:sp>
+        <p:nvSpPr>
+          <p:cNvPr id="4" name="Slide Number Placeholder 3">
+            <a:extLst>
+              <a:ext uri="{FF2B5EF4-FFF2-40B4-BE49-F238E27FC236}">
+                <a16:creationId xmlns:a16="http://schemas.microsoft.com/office/drawing/2014/main" id="{33CB5AB8-798C-52B5-02CE-D976625AA985}"/>
+              </a:ext>
+            </a:extLst>
+          </p:cNvPr>
           <p:cNvSpPr>
             <a:spLocks noGrp="1"/>
           </p:cNvSpPr>
@@ -787,7 +803,7 @@
     </p:spTree>
     <p:extLst>
       <p:ext uri="{BB962C8B-B14F-4D97-AF65-F5344CB8AC3E}">
-        <p14:creationId xmlns:p14="http://schemas.microsoft.com/office/powerpoint/2010/main" val="1195761273"/>
+        <p14:creationId xmlns:p14="http://schemas.microsoft.com/office/powerpoint/2010/main" val="3582086698"/>
       </p:ext>
     </p:extLst>
   </p:cSld>
@@ -843,7 +859,16 @@
           <a:p>
             <a:r>
               <a:rPr lang="en-US" dirty="0"/>
-              <a:t>One good way to make sure your data is cleaned – poke around a lot! What does this data tell us? If I didn’t have variable names, not much!</a:t>
+              <a:t>You can really get bogged down in data cleaning. Use copilot, google, your old code, your friends, me…</a:t>
+            </a:r>
+          </a:p>
+          <a:p>
+            <a:endParaRPr lang="en-US" dirty="0"/>
+          </a:p>
+          <a:p>
+            <a:r>
+              <a:rPr lang="en-US" dirty="0"/>
+              <a:t>IN R:  - Removing missing data    - Recoding variables    - Creating new variables    - Summarizing variables    - Creating descriptive figures</a:t>
             </a:r>
           </a:p>
         </p:txBody>
@@ -866,6 +891,93 @@
             <a:fld id="{4AF79E1B-2C51-4B9B-8EA4-26DE9E345AFF}" type="slidenum">
               <a:rPr lang="en-US" smtClean="0"/>
               <a:t>11</a:t>
+            </a:fld>
+            <a:endParaRPr lang="en-US"/>
+          </a:p>
+        </p:txBody>
+      </p:sp>
+    </p:spTree>
+    <p:extLst>
+      <p:ext uri="{BB962C8B-B14F-4D97-AF65-F5344CB8AC3E}">
+        <p14:creationId xmlns:p14="http://schemas.microsoft.com/office/powerpoint/2010/main" val="1195761273"/>
+      </p:ext>
+    </p:extLst>
+  </p:cSld>
+  <p:clrMapOvr>
+    <a:masterClrMapping/>
+  </p:clrMapOvr>
+</p:notes>
+</file>
+
+<file path=ppt/notesSlides/notesSlide12.xml><?xml version="1.0" encoding="utf-8"?>
+<p:notes xmlns:a="http://schemas.openxmlformats.org/drawingml/2006/main" xmlns:r="http://schemas.openxmlformats.org/officeDocument/2006/relationships" xmlns:p="http://schemas.openxmlformats.org/presentationml/2006/main">
+  <p:cSld>
+    <p:spTree>
+      <p:nvGrpSpPr>
+        <p:cNvPr id="1" name=""/>
+        <p:cNvGrpSpPr/>
+        <p:nvPr/>
+      </p:nvGrpSpPr>
+      <p:grpSpPr>
+        <a:xfrm>
+          <a:off x="0" y="0"/>
+          <a:ext cx="0" cy="0"/>
+          <a:chOff x="0" y="0"/>
+          <a:chExt cx="0" cy="0"/>
+        </a:xfrm>
+      </p:grpSpPr>
+      <p:sp>
+        <p:nvSpPr>
+          <p:cNvPr id="2" name="Slide Image Placeholder 1"/>
+          <p:cNvSpPr>
+            <a:spLocks noGrp="1" noRot="1" noChangeAspect="1"/>
+          </p:cNvSpPr>
+          <p:nvPr>
+            <p:ph type="sldImg"/>
+          </p:nvPr>
+        </p:nvSpPr>
+        <p:spPr/>
+      </p:sp>
+      <p:sp>
+        <p:nvSpPr>
+          <p:cNvPr id="3" name="Notes Placeholder 2"/>
+          <p:cNvSpPr>
+            <a:spLocks noGrp="1"/>
+          </p:cNvSpPr>
+          <p:nvPr>
+            <p:ph type="body" idx="1"/>
+          </p:nvPr>
+        </p:nvSpPr>
+        <p:spPr/>
+        <p:txBody>
+          <a:bodyPr/>
+          <a:lstStyle/>
+          <a:p>
+            <a:r>
+              <a:rPr lang="en-US" dirty="0"/>
+              <a:t>One good way to make sure your data is cleaned – poke around a lot! What does this data tell us? If I didn’t have variable names, not much!</a:t>
+            </a:r>
+          </a:p>
+        </p:txBody>
+      </p:sp>
+      <p:sp>
+        <p:nvSpPr>
+          <p:cNvPr id="4" name="Slide Number Placeholder 3"/>
+          <p:cNvSpPr>
+            <a:spLocks noGrp="1"/>
+          </p:cNvSpPr>
+          <p:nvPr>
+            <p:ph type="sldNum" sz="quarter" idx="5"/>
+          </p:nvPr>
+        </p:nvSpPr>
+        <p:spPr/>
+        <p:txBody>
+          <a:bodyPr/>
+          <a:lstStyle/>
+          <a:p>
+            <a:fld id="{4AF79E1B-2C51-4B9B-8EA4-26DE9E345AFF}" type="slidenum">
+              <a:rPr lang="en-US" smtClean="0"/>
+              <a:t>12</a:t>
             </a:fld>
             <a:endParaRPr lang="en-US"/>
           </a:p>
@@ -884,7 +996,7 @@
 </p:notes>
 </file>
 
-<file path=ppt/notesSlides/notesSlide12.xml><?xml version="1.0" encoding="utf-8"?>
+<file path=ppt/notesSlides/notesSlide13.xml><?xml version="1.0" encoding="utf-8"?>
 <p:notes xmlns:a="http://schemas.openxmlformats.org/drawingml/2006/main" xmlns:r="http://schemas.openxmlformats.org/officeDocument/2006/relationships" xmlns:p="http://schemas.openxmlformats.org/presentationml/2006/main">
   <p:cSld>
     <p:spTree>
@@ -976,7 +1088,7 @@
           <a:p>
             <a:fld id="{4AF79E1B-2C51-4B9B-8EA4-26DE9E345AFF}" type="slidenum">
               <a:rPr lang="en-US" smtClean="0"/>
-              <a:t>12</a:t>
+              <a:t>13</a:t>
             </a:fld>
             <a:endParaRPr lang="en-US"/>
           </a:p>
@@ -986,93 +1098,6 @@
     <p:extLst>
       <p:ext uri="{BB962C8B-B14F-4D97-AF65-F5344CB8AC3E}">
         <p14:creationId xmlns:p14="http://schemas.microsoft.com/office/powerpoint/2010/main" val="487036231"/>
-      </p:ext>
-    </p:extLst>
-  </p:cSld>
-  <p:clrMapOvr>
-    <a:masterClrMapping/>
-  </p:clrMapOvr>
-</p:notes>
-</file>
-
-<file path=ppt/notesSlides/notesSlide13.xml><?xml version="1.0" encoding="utf-8"?>
-<p:notes xmlns:a="http://schemas.openxmlformats.org/drawingml/2006/main" xmlns:r="http://schemas.openxmlformats.org/officeDocument/2006/relationships" xmlns:p="http://schemas.openxmlformats.org/presentationml/2006/main">
-  <p:cSld>
-    <p:spTree>
-      <p:nvGrpSpPr>
-        <p:cNvPr id="1" name=""/>
-        <p:cNvGrpSpPr/>
-        <p:nvPr/>
-      </p:nvGrpSpPr>
-      <p:grpSpPr>
-        <a:xfrm>
-          <a:off x="0" y="0"/>
-          <a:ext cx="0" cy="0"/>
-          <a:chOff x="0" y="0"/>
-          <a:chExt cx="0" cy="0"/>
-        </a:xfrm>
-      </p:grpSpPr>
-      <p:sp>
-        <p:nvSpPr>
-          <p:cNvPr id="2" name="Slide Image Placeholder 1"/>
-          <p:cNvSpPr>
-            <a:spLocks noGrp="1" noRot="1" noChangeAspect="1"/>
-          </p:cNvSpPr>
-          <p:nvPr>
-            <p:ph type="sldImg"/>
-          </p:nvPr>
-        </p:nvSpPr>
-        <p:spPr/>
-      </p:sp>
-      <p:sp>
-        <p:nvSpPr>
-          <p:cNvPr id="3" name="Notes Placeholder 2"/>
-          <p:cNvSpPr>
-            <a:spLocks noGrp="1"/>
-          </p:cNvSpPr>
-          <p:nvPr>
-            <p:ph type="body" idx="1"/>
-          </p:nvPr>
-        </p:nvSpPr>
-        <p:spPr/>
-        <p:txBody>
-          <a:bodyPr/>
-          <a:lstStyle/>
-          <a:p>
-            <a:r>
-              <a:rPr lang="en-US" dirty="0"/>
-              <a:t>Takes a surprising amount of time! </a:t>
-            </a:r>
-          </a:p>
-        </p:txBody>
-      </p:sp>
-      <p:sp>
-        <p:nvSpPr>
-          <p:cNvPr id="4" name="Slide Number Placeholder 3"/>
-          <p:cNvSpPr>
-            <a:spLocks noGrp="1"/>
-          </p:cNvSpPr>
-          <p:nvPr>
-            <p:ph type="sldNum" sz="quarter" idx="5"/>
-          </p:nvPr>
-        </p:nvSpPr>
-        <p:spPr/>
-        <p:txBody>
-          <a:bodyPr/>
-          <a:lstStyle/>
-          <a:p>
-            <a:fld id="{4AF79E1B-2C51-4B9B-8EA4-26DE9E345AFF}" type="slidenum">
-              <a:rPr lang="en-US" smtClean="0"/>
-              <a:t>13</a:t>
-            </a:fld>
-            <a:endParaRPr lang="en-US"/>
-          </a:p>
-        </p:txBody>
-      </p:sp>
-    </p:spTree>
-    <p:extLst>
-      <p:ext uri="{BB962C8B-B14F-4D97-AF65-F5344CB8AC3E}">
-        <p14:creationId xmlns:p14="http://schemas.microsoft.com/office/powerpoint/2010/main" val="282163819"/>
       </p:ext>
     </p:extLst>
   </p:cSld>
@@ -1159,7 +1184,7 @@
     </p:spTree>
     <p:extLst>
       <p:ext uri="{BB962C8B-B14F-4D97-AF65-F5344CB8AC3E}">
-        <p14:creationId xmlns:p14="http://schemas.microsoft.com/office/powerpoint/2010/main" val="986091751"/>
+        <p14:creationId xmlns:p14="http://schemas.microsoft.com/office/powerpoint/2010/main" val="282163819"/>
       </p:ext>
     </p:extLst>
   </p:cSld>
@@ -1215,57 +1240,7 @@
           <a:p>
             <a:r>
               <a:rPr lang="en-US" dirty="0"/>
-              <a:t>Notes on folders – don’t overwrite your data! How can you construct this? How do we think about replicability? </a:t>
-            </a:r>
-          </a:p>
-          <a:p>
-            <a:pPr marL="171450" indent="-171450">
-              <a:buFont typeface="Arial" panose="020B0604020202020204" pitchFamily="34" charset="0"/>
-              <a:buChar char="•"/>
-            </a:pPr>
-            <a:r>
-              <a:rPr lang="en-US" dirty="0"/>
-              <a:t>Master.do file</a:t>
-            </a:r>
-          </a:p>
-          <a:p>
-            <a:pPr marL="171450" indent="-171450">
-              <a:buFont typeface="Arial" panose="020B0604020202020204" pitchFamily="34" charset="0"/>
-              <a:buChar char="•"/>
-            </a:pPr>
-            <a:r>
-              <a:rPr lang="en-US" dirty="0"/>
-              <a:t>GitHub</a:t>
-            </a:r>
-          </a:p>
-          <a:p>
-            <a:pPr marL="171450" indent="-171450">
-              <a:buFont typeface="Arial" panose="020B0604020202020204" pitchFamily="34" charset="0"/>
-              <a:buChar char="•"/>
-            </a:pPr>
-            <a:r>
-              <a:rPr lang="en-US" dirty="0"/>
-              <a:t>All results should run together (use the “here” library, for example)</a:t>
-            </a:r>
-          </a:p>
-          <a:p>
-            <a:pPr marL="171450" indent="-171450">
-              <a:buFont typeface="Arial" panose="020B0604020202020204" pitchFamily="34" charset="0"/>
-              <a:buChar char="•"/>
-            </a:pPr>
-            <a:r>
-              <a:rPr lang="en-US" dirty="0"/>
-              <a:t>Lots of comments! </a:t>
-            </a:r>
-          </a:p>
-          <a:p>
-            <a:pPr marL="171450" indent="-171450">
-              <a:buFont typeface="Arial" panose="020B0604020202020204" pitchFamily="34" charset="0"/>
-              <a:buChar char="•"/>
-            </a:pPr>
-            <a:r>
-              <a:rPr lang="en-US" dirty="0"/>
-              <a:t>Curious about more? See here: https://julianreif.com/guide/ (this is for Stata)</a:t>
+              <a:t>Takes a surprising amount of time! </a:t>
             </a:r>
           </a:p>
         </p:txBody>
@@ -1296,7 +1271,7 @@
     </p:spTree>
     <p:extLst>
       <p:ext uri="{BB962C8B-B14F-4D97-AF65-F5344CB8AC3E}">
-        <p14:creationId xmlns:p14="http://schemas.microsoft.com/office/powerpoint/2010/main" val="3428859710"/>
+        <p14:creationId xmlns:p14="http://schemas.microsoft.com/office/powerpoint/2010/main" val="986091751"/>
       </p:ext>
     </p:extLst>
   </p:cSld>
@@ -1352,7 +1327,57 @@
           <a:p>
             <a:r>
               <a:rPr lang="en-US" dirty="0"/>
-              <a:t>We’ll skip over the main analysis – and likely skip over a lot of the real reporting here as well. This is where we will spend all our time moving forward!</a:t>
+              <a:t>Notes on folders – don’t overwrite your data! How can you construct this? How do we think about replicability? </a:t>
+            </a:r>
+          </a:p>
+          <a:p>
+            <a:pPr marL="171450" indent="-171450">
+              <a:buFont typeface="Arial" panose="020B0604020202020204" pitchFamily="34" charset="0"/>
+              <a:buChar char="•"/>
+            </a:pPr>
+            <a:r>
+              <a:rPr lang="en-US" dirty="0"/>
+              <a:t>Master.do file</a:t>
+            </a:r>
+          </a:p>
+          <a:p>
+            <a:pPr marL="171450" indent="-171450">
+              <a:buFont typeface="Arial" panose="020B0604020202020204" pitchFamily="34" charset="0"/>
+              <a:buChar char="•"/>
+            </a:pPr>
+            <a:r>
+              <a:rPr lang="en-US" dirty="0"/>
+              <a:t>GitHub</a:t>
+            </a:r>
+          </a:p>
+          <a:p>
+            <a:pPr marL="171450" indent="-171450">
+              <a:buFont typeface="Arial" panose="020B0604020202020204" pitchFamily="34" charset="0"/>
+              <a:buChar char="•"/>
+            </a:pPr>
+            <a:r>
+              <a:rPr lang="en-US" dirty="0"/>
+              <a:t>All results should run together (use the “here” library, for example)</a:t>
+            </a:r>
+          </a:p>
+          <a:p>
+            <a:pPr marL="171450" indent="-171450">
+              <a:buFont typeface="Arial" panose="020B0604020202020204" pitchFamily="34" charset="0"/>
+              <a:buChar char="•"/>
+            </a:pPr>
+            <a:r>
+              <a:rPr lang="en-US" dirty="0"/>
+              <a:t>Lots of comments! </a:t>
+            </a:r>
+          </a:p>
+          <a:p>
+            <a:pPr marL="171450" indent="-171450">
+              <a:buFont typeface="Arial" panose="020B0604020202020204" pitchFamily="34" charset="0"/>
+              <a:buChar char="•"/>
+            </a:pPr>
+            <a:r>
+              <a:rPr lang="en-US" dirty="0"/>
+              <a:t>Curious about more? See here: https://julianreif.com/guide/ (this is for Stata)</a:t>
             </a:r>
           </a:p>
         </p:txBody>
@@ -1375,6 +1400,93 @@
             <a:fld id="{4AF79E1B-2C51-4B9B-8EA4-26DE9E345AFF}" type="slidenum">
               <a:rPr lang="en-US" smtClean="0"/>
               <a:t>16</a:t>
+            </a:fld>
+            <a:endParaRPr lang="en-US"/>
+          </a:p>
+        </p:txBody>
+      </p:sp>
+    </p:spTree>
+    <p:extLst>
+      <p:ext uri="{BB962C8B-B14F-4D97-AF65-F5344CB8AC3E}">
+        <p14:creationId xmlns:p14="http://schemas.microsoft.com/office/powerpoint/2010/main" val="3428859710"/>
+      </p:ext>
+    </p:extLst>
+  </p:cSld>
+  <p:clrMapOvr>
+    <a:masterClrMapping/>
+  </p:clrMapOvr>
+</p:notes>
+</file>
+
+<file path=ppt/notesSlides/notesSlide17.xml><?xml version="1.0" encoding="utf-8"?>
+<p:notes xmlns:a="http://schemas.openxmlformats.org/drawingml/2006/main" xmlns:r="http://schemas.openxmlformats.org/officeDocument/2006/relationships" xmlns:p="http://schemas.openxmlformats.org/presentationml/2006/main">
+  <p:cSld>
+    <p:spTree>
+      <p:nvGrpSpPr>
+        <p:cNvPr id="1" name=""/>
+        <p:cNvGrpSpPr/>
+        <p:nvPr/>
+      </p:nvGrpSpPr>
+      <p:grpSpPr>
+        <a:xfrm>
+          <a:off x="0" y="0"/>
+          <a:ext cx="0" cy="0"/>
+          <a:chOff x="0" y="0"/>
+          <a:chExt cx="0" cy="0"/>
+        </a:xfrm>
+      </p:grpSpPr>
+      <p:sp>
+        <p:nvSpPr>
+          <p:cNvPr id="2" name="Slide Image Placeholder 1"/>
+          <p:cNvSpPr>
+            <a:spLocks noGrp="1" noRot="1" noChangeAspect="1"/>
+          </p:cNvSpPr>
+          <p:nvPr>
+            <p:ph type="sldImg"/>
+          </p:nvPr>
+        </p:nvSpPr>
+        <p:spPr/>
+      </p:sp>
+      <p:sp>
+        <p:nvSpPr>
+          <p:cNvPr id="3" name="Notes Placeholder 2"/>
+          <p:cNvSpPr>
+            <a:spLocks noGrp="1"/>
+          </p:cNvSpPr>
+          <p:nvPr>
+            <p:ph type="body" idx="1"/>
+          </p:nvPr>
+        </p:nvSpPr>
+        <p:spPr/>
+        <p:txBody>
+          <a:bodyPr/>
+          <a:lstStyle/>
+          <a:p>
+            <a:r>
+              <a:rPr lang="en-US" dirty="0"/>
+              <a:t>We’ll skip over the main analysis – and likely skip over a lot of the real reporting here as well. This is where we will spend all our time moving forward!</a:t>
+            </a:r>
+          </a:p>
+        </p:txBody>
+      </p:sp>
+      <p:sp>
+        <p:nvSpPr>
+          <p:cNvPr id="4" name="Slide Number Placeholder 3"/>
+          <p:cNvSpPr>
+            <a:spLocks noGrp="1"/>
+          </p:cNvSpPr>
+          <p:nvPr>
+            <p:ph type="sldNum" sz="quarter" idx="5"/>
+          </p:nvPr>
+        </p:nvSpPr>
+        <p:spPr/>
+        <p:txBody>
+          <a:bodyPr/>
+          <a:lstStyle/>
+          <a:p>
+            <a:fld id="{4AF79E1B-2C51-4B9B-8EA4-26DE9E345AFF}" type="slidenum">
+              <a:rPr lang="en-US" smtClean="0"/>
+              <a:t>17</a:t>
             </a:fld>
             <a:endParaRPr lang="en-US"/>
           </a:p>
@@ -1393,7 +1505,7 @@
 </p:notes>
 </file>
 
-<file path=ppt/notesSlides/notesSlide17.xml><?xml version="1.0" encoding="utf-8"?>
+<file path=ppt/notesSlides/notesSlide18.xml><?xml version="1.0" encoding="utf-8"?>
 <p:notes xmlns:a="http://schemas.openxmlformats.org/drawingml/2006/main" xmlns:r="http://schemas.openxmlformats.org/officeDocument/2006/relationships" xmlns:p="http://schemas.openxmlformats.org/presentationml/2006/main">
   <p:cSld>
     <p:spTree>
@@ -1485,7 +1597,7 @@
           <a:p>
             <a:fld id="{4AF79E1B-2C51-4B9B-8EA4-26DE9E345AFF}" type="slidenum">
               <a:rPr lang="en-US" smtClean="0"/>
-              <a:t>17</a:t>
+              <a:t>18</a:t>
             </a:fld>
             <a:endParaRPr lang="en-US"/>
           </a:p>
@@ -1504,7 +1616,7 @@
 </p:notes>
 </file>
 
-<file path=ppt/notesSlides/notesSlide18.xml><?xml version="1.0" encoding="utf-8"?>
+<file path=ppt/notesSlides/notesSlide19.xml><?xml version="1.0" encoding="utf-8"?>
 <p:notes xmlns:a="http://schemas.openxmlformats.org/drawingml/2006/main" xmlns:r="http://schemas.openxmlformats.org/officeDocument/2006/relationships" xmlns:p="http://schemas.openxmlformats.org/presentationml/2006/main">
   <p:cSld>
     <p:spTree>
@@ -1596,7 +1708,7 @@
           <a:p>
             <a:fld id="{4AF79E1B-2C51-4B9B-8EA4-26DE9E345AFF}" type="slidenum">
               <a:rPr lang="en-US" smtClean="0"/>
-              <a:t>18</a:t>
+              <a:t>19</a:t>
             </a:fld>
             <a:endParaRPr lang="en-US"/>
           </a:p>
@@ -1606,117 +1718,6 @@
     <p:extLst>
       <p:ext uri="{BB962C8B-B14F-4D97-AF65-F5344CB8AC3E}">
         <p14:creationId xmlns:p14="http://schemas.microsoft.com/office/powerpoint/2010/main" val="1790137001"/>
-      </p:ext>
-    </p:extLst>
-  </p:cSld>
-  <p:clrMapOvr>
-    <a:masterClrMapping/>
-  </p:clrMapOvr>
-</p:notes>
-</file>
-
-<file path=ppt/notesSlides/notesSlide19.xml><?xml version="1.0" encoding="utf-8"?>
-<p:notes xmlns:a="http://schemas.openxmlformats.org/drawingml/2006/main" xmlns:r="http://schemas.openxmlformats.org/officeDocument/2006/relationships" xmlns:p="http://schemas.openxmlformats.org/presentationml/2006/main">
-  <p:cSld>
-    <p:spTree>
-      <p:nvGrpSpPr>
-        <p:cNvPr id="1" name="">
-          <a:extLst>
-            <a:ext uri="{FF2B5EF4-FFF2-40B4-BE49-F238E27FC236}">
-              <a16:creationId xmlns:a16="http://schemas.microsoft.com/office/drawing/2014/main" id="{7937E8F5-4C3E-B057-15A2-573CB8F6A958}"/>
-            </a:ext>
-          </a:extLst>
-        </p:cNvPr>
-        <p:cNvGrpSpPr/>
-        <p:nvPr/>
-      </p:nvGrpSpPr>
-      <p:grpSpPr>
-        <a:xfrm>
-          <a:off x="0" y="0"/>
-          <a:ext cx="0" cy="0"/>
-          <a:chOff x="0" y="0"/>
-          <a:chExt cx="0" cy="0"/>
-        </a:xfrm>
-      </p:grpSpPr>
-      <p:sp>
-        <p:nvSpPr>
-          <p:cNvPr id="2" name="Slide Image Placeholder 1">
-            <a:extLst>
-              <a:ext uri="{FF2B5EF4-FFF2-40B4-BE49-F238E27FC236}">
-                <a16:creationId xmlns:a16="http://schemas.microsoft.com/office/drawing/2014/main" id="{5FEA77D3-7100-0133-09BC-072A4B610BCE}"/>
-              </a:ext>
-            </a:extLst>
-          </p:cNvPr>
-          <p:cNvSpPr>
-            <a:spLocks noGrp="1" noRot="1" noChangeAspect="1"/>
-          </p:cNvSpPr>
-          <p:nvPr>
-            <p:ph type="sldImg"/>
-          </p:nvPr>
-        </p:nvSpPr>
-        <p:spPr/>
-      </p:sp>
-      <p:sp>
-        <p:nvSpPr>
-          <p:cNvPr id="3" name="Notes Placeholder 2">
-            <a:extLst>
-              <a:ext uri="{FF2B5EF4-FFF2-40B4-BE49-F238E27FC236}">
-                <a16:creationId xmlns:a16="http://schemas.microsoft.com/office/drawing/2014/main" id="{F411F30A-D4ED-D3A9-7B78-38C2AA7BD527}"/>
-              </a:ext>
-            </a:extLst>
-          </p:cNvPr>
-          <p:cNvSpPr>
-            <a:spLocks noGrp="1"/>
-          </p:cNvSpPr>
-          <p:nvPr>
-            <p:ph type="body" idx="1"/>
-          </p:nvPr>
-        </p:nvSpPr>
-        <p:spPr/>
-        <p:txBody>
-          <a:bodyPr/>
-          <a:lstStyle/>
-          <a:p>
-            <a:r>
-              <a:rPr lang="en-US" dirty="0"/>
-              <a:t>Different strokes for different folks. Discussion here.</a:t>
-            </a:r>
-          </a:p>
-        </p:txBody>
-      </p:sp>
-      <p:sp>
-        <p:nvSpPr>
-          <p:cNvPr id="4" name="Slide Number Placeholder 3">
-            <a:extLst>
-              <a:ext uri="{FF2B5EF4-FFF2-40B4-BE49-F238E27FC236}">
-                <a16:creationId xmlns:a16="http://schemas.microsoft.com/office/drawing/2014/main" id="{0102585F-2C1C-CE1C-05B3-69A63E745EA6}"/>
-              </a:ext>
-            </a:extLst>
-          </p:cNvPr>
-          <p:cNvSpPr>
-            <a:spLocks noGrp="1"/>
-          </p:cNvSpPr>
-          <p:nvPr>
-            <p:ph type="sldNum" sz="quarter" idx="5"/>
-          </p:nvPr>
-        </p:nvSpPr>
-        <p:spPr/>
-        <p:txBody>
-          <a:bodyPr/>
-          <a:lstStyle/>
-          <a:p>
-            <a:fld id="{4AF79E1B-2C51-4B9B-8EA4-26DE9E345AFF}" type="slidenum">
-              <a:rPr lang="en-US" smtClean="0"/>
-              <a:t>19</a:t>
-            </a:fld>
-            <a:endParaRPr lang="en-US"/>
-          </a:p>
-        </p:txBody>
-      </p:sp>
-    </p:spTree>
-    <p:extLst>
-      <p:ext uri="{BB962C8B-B14F-4D97-AF65-F5344CB8AC3E}">
-        <p14:creationId xmlns:p14="http://schemas.microsoft.com/office/powerpoint/2010/main" val="4180196962"/>
       </p:ext>
     </p:extLst>
   </p:cSld>
@@ -1818,6 +1819,117 @@
         <p:cNvPr id="1" name="">
           <a:extLst>
             <a:ext uri="{FF2B5EF4-FFF2-40B4-BE49-F238E27FC236}">
+              <a16:creationId xmlns:a16="http://schemas.microsoft.com/office/drawing/2014/main" id="{7937E8F5-4C3E-B057-15A2-573CB8F6A958}"/>
+            </a:ext>
+          </a:extLst>
+        </p:cNvPr>
+        <p:cNvGrpSpPr/>
+        <p:nvPr/>
+      </p:nvGrpSpPr>
+      <p:grpSpPr>
+        <a:xfrm>
+          <a:off x="0" y="0"/>
+          <a:ext cx="0" cy="0"/>
+          <a:chOff x="0" y="0"/>
+          <a:chExt cx="0" cy="0"/>
+        </a:xfrm>
+      </p:grpSpPr>
+      <p:sp>
+        <p:nvSpPr>
+          <p:cNvPr id="2" name="Slide Image Placeholder 1">
+            <a:extLst>
+              <a:ext uri="{FF2B5EF4-FFF2-40B4-BE49-F238E27FC236}">
+                <a16:creationId xmlns:a16="http://schemas.microsoft.com/office/drawing/2014/main" id="{5FEA77D3-7100-0133-09BC-072A4B610BCE}"/>
+              </a:ext>
+            </a:extLst>
+          </p:cNvPr>
+          <p:cNvSpPr>
+            <a:spLocks noGrp="1" noRot="1" noChangeAspect="1"/>
+          </p:cNvSpPr>
+          <p:nvPr>
+            <p:ph type="sldImg"/>
+          </p:nvPr>
+        </p:nvSpPr>
+        <p:spPr/>
+      </p:sp>
+      <p:sp>
+        <p:nvSpPr>
+          <p:cNvPr id="3" name="Notes Placeholder 2">
+            <a:extLst>
+              <a:ext uri="{FF2B5EF4-FFF2-40B4-BE49-F238E27FC236}">
+                <a16:creationId xmlns:a16="http://schemas.microsoft.com/office/drawing/2014/main" id="{F411F30A-D4ED-D3A9-7B78-38C2AA7BD527}"/>
+              </a:ext>
+            </a:extLst>
+          </p:cNvPr>
+          <p:cNvSpPr>
+            <a:spLocks noGrp="1"/>
+          </p:cNvSpPr>
+          <p:nvPr>
+            <p:ph type="body" idx="1"/>
+          </p:nvPr>
+        </p:nvSpPr>
+        <p:spPr/>
+        <p:txBody>
+          <a:bodyPr/>
+          <a:lstStyle/>
+          <a:p>
+            <a:r>
+              <a:rPr lang="en-US" dirty="0"/>
+              <a:t>Different strokes for different folks. Discussion here.</a:t>
+            </a:r>
+          </a:p>
+        </p:txBody>
+      </p:sp>
+      <p:sp>
+        <p:nvSpPr>
+          <p:cNvPr id="4" name="Slide Number Placeholder 3">
+            <a:extLst>
+              <a:ext uri="{FF2B5EF4-FFF2-40B4-BE49-F238E27FC236}">
+                <a16:creationId xmlns:a16="http://schemas.microsoft.com/office/drawing/2014/main" id="{0102585F-2C1C-CE1C-05B3-69A63E745EA6}"/>
+              </a:ext>
+            </a:extLst>
+          </p:cNvPr>
+          <p:cNvSpPr>
+            <a:spLocks noGrp="1"/>
+          </p:cNvSpPr>
+          <p:nvPr>
+            <p:ph type="sldNum" sz="quarter" idx="5"/>
+          </p:nvPr>
+        </p:nvSpPr>
+        <p:spPr/>
+        <p:txBody>
+          <a:bodyPr/>
+          <a:lstStyle/>
+          <a:p>
+            <a:fld id="{4AF79E1B-2C51-4B9B-8EA4-26DE9E345AFF}" type="slidenum">
+              <a:rPr lang="en-US" smtClean="0"/>
+              <a:t>20</a:t>
+            </a:fld>
+            <a:endParaRPr lang="en-US"/>
+          </a:p>
+        </p:txBody>
+      </p:sp>
+    </p:spTree>
+    <p:extLst>
+      <p:ext uri="{BB962C8B-B14F-4D97-AF65-F5344CB8AC3E}">
+        <p14:creationId xmlns:p14="http://schemas.microsoft.com/office/powerpoint/2010/main" val="4180196962"/>
+      </p:ext>
+    </p:extLst>
+  </p:cSld>
+  <p:clrMapOvr>
+    <a:masterClrMapping/>
+  </p:clrMapOvr>
+</p:notes>
+</file>
+
+<file path=ppt/notesSlides/notesSlide21.xml><?xml version="1.0" encoding="utf-8"?>
+<p:notes xmlns:a="http://schemas.openxmlformats.org/drawingml/2006/main" xmlns:r="http://schemas.openxmlformats.org/officeDocument/2006/relationships" xmlns:p="http://schemas.openxmlformats.org/presentationml/2006/main">
+  <p:cSld>
+    <p:spTree>
+      <p:nvGrpSpPr>
+        <p:cNvPr id="1" name="">
+          <a:extLst>
+            <a:ext uri="{FF2B5EF4-FFF2-40B4-BE49-F238E27FC236}">
               <a16:creationId xmlns:a16="http://schemas.microsoft.com/office/drawing/2014/main" id="{F52B5E24-1272-9D85-0E08-1C091A816445}"/>
             </a:ext>
           </a:extLst>
@@ -1902,7 +2014,7 @@
           <a:p>
             <a:fld id="{4AF79E1B-2C51-4B9B-8EA4-26DE9E345AFF}" type="slidenum">
               <a:rPr lang="en-US" smtClean="0"/>
-              <a:t>20</a:t>
+              <a:t>21</a:t>
             </a:fld>
             <a:endParaRPr lang="en-US"/>
           </a:p>
@@ -1912,113 +2024,6 @@
     <p:extLst>
       <p:ext uri="{BB962C8B-B14F-4D97-AF65-F5344CB8AC3E}">
         <p14:creationId xmlns:p14="http://schemas.microsoft.com/office/powerpoint/2010/main" val="3072961306"/>
-      </p:ext>
-    </p:extLst>
-  </p:cSld>
-  <p:clrMapOvr>
-    <a:masterClrMapping/>
-  </p:clrMapOvr>
-</p:notes>
-</file>
-
-<file path=ppt/notesSlides/notesSlide21.xml><?xml version="1.0" encoding="utf-8"?>
-<p:notes xmlns:a="http://schemas.openxmlformats.org/drawingml/2006/main" xmlns:r="http://schemas.openxmlformats.org/officeDocument/2006/relationships" xmlns:p="http://schemas.openxmlformats.org/presentationml/2006/main">
-  <p:cSld>
-    <p:spTree>
-      <p:nvGrpSpPr>
-        <p:cNvPr id="1" name=""/>
-        <p:cNvGrpSpPr/>
-        <p:nvPr/>
-      </p:nvGrpSpPr>
-      <p:grpSpPr>
-        <a:xfrm>
-          <a:off x="0" y="0"/>
-          <a:ext cx="0" cy="0"/>
-          <a:chOff x="0" y="0"/>
-          <a:chExt cx="0" cy="0"/>
-        </a:xfrm>
-      </p:grpSpPr>
-      <p:sp>
-        <p:nvSpPr>
-          <p:cNvPr id="2" name="Slide Image Placeholder 1"/>
-          <p:cNvSpPr>
-            <a:spLocks noGrp="1" noRot="1" noChangeAspect="1"/>
-          </p:cNvSpPr>
-          <p:nvPr>
-            <p:ph type="sldImg"/>
-          </p:nvPr>
-        </p:nvSpPr>
-        <p:spPr/>
-      </p:sp>
-      <p:sp>
-        <p:nvSpPr>
-          <p:cNvPr id="3" name="Notes Placeholder 2"/>
-          <p:cNvSpPr>
-            <a:spLocks noGrp="1"/>
-          </p:cNvSpPr>
-          <p:nvPr>
-            <p:ph type="body" idx="1"/>
-          </p:nvPr>
-        </p:nvSpPr>
-        <p:spPr/>
-        <p:txBody>
-          <a:bodyPr/>
-          <a:lstStyle/>
-          <a:p>
-            <a:r>
-              <a:rPr lang="en-US" dirty="0"/>
-              <a:t>Obviously we don’t have everything here. But what *do* we have? Where would we go next? </a:t>
-            </a:r>
-          </a:p>
-          <a:p>
-            <a:pPr marL="171450" indent="-171450">
-              <a:buFontTx/>
-              <a:buChar char="-"/>
-            </a:pPr>
-            <a:r>
-              <a:rPr lang="en-US" dirty="0"/>
-              <a:t>Discussion question: what do you do when you have a negative result here? When do you give up and move on to the next idea? </a:t>
-            </a:r>
-          </a:p>
-          <a:p>
-            <a:pPr marL="171450" indent="-171450">
-              <a:buFontTx/>
-              <a:buChar char="-"/>
-            </a:pPr>
-            <a:r>
-              <a:rPr lang="en-US" dirty="0"/>
-              <a:t>Think about identification and potential selection. Do you expect the story to be clearer if you adjust for something? Is there a high opportunity cost of poking around more? </a:t>
-            </a:r>
-          </a:p>
-        </p:txBody>
-      </p:sp>
-      <p:sp>
-        <p:nvSpPr>
-          <p:cNvPr id="4" name="Slide Number Placeholder 3"/>
-          <p:cNvSpPr>
-            <a:spLocks noGrp="1"/>
-          </p:cNvSpPr>
-          <p:nvPr>
-            <p:ph type="sldNum" sz="quarter" idx="5"/>
-          </p:nvPr>
-        </p:nvSpPr>
-        <p:spPr/>
-        <p:txBody>
-          <a:bodyPr/>
-          <a:lstStyle/>
-          <a:p>
-            <a:fld id="{4AF79E1B-2C51-4B9B-8EA4-26DE9E345AFF}" type="slidenum">
-              <a:rPr lang="en-US" smtClean="0"/>
-              <a:t>21</a:t>
-            </a:fld>
-            <a:endParaRPr lang="en-US"/>
-          </a:p>
-        </p:txBody>
-      </p:sp>
-    </p:spTree>
-    <p:extLst>
-      <p:ext uri="{BB962C8B-B14F-4D97-AF65-F5344CB8AC3E}">
-        <p14:creationId xmlns:p14="http://schemas.microsoft.com/office/powerpoint/2010/main" val="4193769832"/>
       </p:ext>
     </p:extLst>
   </p:cSld>
@@ -2074,15 +2079,27 @@
           <a:p>
             <a:r>
               <a:rPr lang="en-US" dirty="0"/>
-              <a:t>Cover this </a:t>
-            </a:r>
-            <a:r>
-              <a:rPr lang="en-US" i="1" dirty="0"/>
-              <a:t>quickly </a:t>
-            </a:r>
+              <a:t>Obviously we don’t have everything here. But what *do* we have? Where would we go next? </a:t>
+            </a:r>
+          </a:p>
+          <a:p>
+            <a:pPr marL="171450" indent="-171450">
+              <a:buFontTx/>
+              <a:buChar char="-"/>
+            </a:pPr>
             <a:r>
               <a:rPr lang="en-US" dirty="0"/>
-              <a:t>only unless you’re super behind. </a:t>
+              <a:t>Discussion question: what do you do when you have a negative result here? When do you give up and move on to the next idea? </a:t>
+            </a:r>
+          </a:p>
+          <a:p>
+            <a:pPr marL="171450" indent="-171450">
+              <a:buFontTx/>
+              <a:buChar char="-"/>
+            </a:pPr>
+            <a:r>
+              <a:rPr lang="en-US" dirty="0"/>
+              <a:t>Think about identification and potential selection. Do you expect the story to be clearer if you adjust for something? Is there a high opportunity cost of poking around more? </a:t>
             </a:r>
           </a:p>
         </p:txBody>
@@ -2113,7 +2130,7 @@
     </p:spTree>
     <p:extLst>
       <p:ext uri="{BB962C8B-B14F-4D97-AF65-F5344CB8AC3E}">
-        <p14:creationId xmlns:p14="http://schemas.microsoft.com/office/powerpoint/2010/main" val="1818860211"/>
+        <p14:creationId xmlns:p14="http://schemas.microsoft.com/office/powerpoint/2010/main" val="4193769832"/>
       </p:ext>
     </p:extLst>
   </p:cSld>
@@ -2167,7 +2184,18 @@
           <a:bodyPr/>
           <a:lstStyle/>
           <a:p>
-            <a:endParaRPr lang="en-US" dirty="0"/>
+            <a:r>
+              <a:rPr lang="en-US" dirty="0"/>
+              <a:t>Cover this </a:t>
+            </a:r>
+            <a:r>
+              <a:rPr lang="en-US" i="1" dirty="0"/>
+              <a:t>quickly </a:t>
+            </a:r>
+            <a:r>
+              <a:rPr lang="en-US" dirty="0"/>
+              <a:t>only unless you’re super behind. </a:t>
+            </a:r>
           </a:p>
         </p:txBody>
       </p:sp>
@@ -2197,7 +2225,7 @@
     </p:spTree>
     <p:extLst>
       <p:ext uri="{BB962C8B-B14F-4D97-AF65-F5344CB8AC3E}">
-        <p14:creationId xmlns:p14="http://schemas.microsoft.com/office/powerpoint/2010/main" val="4022806391"/>
+        <p14:creationId xmlns:p14="http://schemas.microsoft.com/office/powerpoint/2010/main" val="1818860211"/>
       </p:ext>
     </p:extLst>
   </p:cSld>
@@ -2251,20 +2279,7 @@
           <a:bodyPr/>
           <a:lstStyle/>
           <a:p>
-            <a:pPr algn="l">
-              <a:buFont typeface="Arial" panose="020B0604020202020204" pitchFamily="34" charset="0"/>
-              <a:buNone/>
-            </a:pPr>
-            <a:r>
-              <a:rPr lang="en-US" b="0" i="0" dirty="0">
-                <a:solidFill>
-                  <a:srgbClr val="000000"/>
-                </a:solidFill>
-                <a:effectLst/>
-                <a:latin typeface="Fira Sans" panose="020B0503050000020004" pitchFamily="34" charset="0"/>
-              </a:rPr>
-              <a:t>Clean code saves you and your collaborators time! You will always make a mistake while coding -- what makes good programmers great is their ability to quickly identify and correct mistakes. </a:t>
-            </a:r>
+            <a:endParaRPr lang="en-US" dirty="0"/>
           </a:p>
         </p:txBody>
       </p:sp>
@@ -2294,7 +2309,7 @@
     </p:spTree>
     <p:extLst>
       <p:ext uri="{BB962C8B-B14F-4D97-AF65-F5344CB8AC3E}">
-        <p14:creationId xmlns:p14="http://schemas.microsoft.com/office/powerpoint/2010/main" val="3455219302"/>
+        <p14:creationId xmlns:p14="http://schemas.microsoft.com/office/powerpoint/2010/main" val="4022806391"/>
       </p:ext>
     </p:extLst>
   </p:cSld>
@@ -2391,7 +2406,7 @@
     </p:spTree>
     <p:extLst>
       <p:ext uri="{BB962C8B-B14F-4D97-AF65-F5344CB8AC3E}">
-        <p14:creationId xmlns:p14="http://schemas.microsoft.com/office/powerpoint/2010/main" val="1008095494"/>
+        <p14:creationId xmlns:p14="http://schemas.microsoft.com/office/powerpoint/2010/main" val="3455219302"/>
       </p:ext>
     </p:extLst>
   </p:cSld>
@@ -2457,7 +2472,7 @@
                 <a:effectLst/>
                 <a:latin typeface="Fira Sans" panose="020B0503050000020004" pitchFamily="34" charset="0"/>
               </a:rPr>
-              <a:t>You should have a single script that runs all of your chunks from beginning to end – this is for reproducibility and efficiency (it’s like showing your work)</a:t>
+              <a:t>Clean code saves you and your collaborators time! You will always make a mistake while coding -- what makes good programmers great is their ability to quickly identify and correct mistakes. </a:t>
             </a:r>
           </a:p>
         </p:txBody>
@@ -2488,7 +2503,7 @@
     </p:spTree>
     <p:extLst>
       <p:ext uri="{BB962C8B-B14F-4D97-AF65-F5344CB8AC3E}">
-        <p14:creationId xmlns:p14="http://schemas.microsoft.com/office/powerpoint/2010/main" val="2373457886"/>
+        <p14:creationId xmlns:p14="http://schemas.microsoft.com/office/powerpoint/2010/main" val="1008095494"/>
       </p:ext>
     </p:extLst>
   </p:cSld>
@@ -2554,7 +2569,7 @@
                 <a:effectLst/>
                 <a:latin typeface="Fira Sans" panose="020B0503050000020004" pitchFamily="34" charset="0"/>
               </a:rPr>
-              <a:t>Use collaborative software that tracks versions of your code! easily undo changes, test out new specifications, and more</a:t>
+              <a:t>You should have a single script that runs all of your chunks from beginning to end – this is for reproducibility and efficiency (it’s like showing your work)</a:t>
             </a:r>
           </a:p>
         </p:txBody>
@@ -2585,7 +2600,7 @@
     </p:spTree>
     <p:extLst>
       <p:ext uri="{BB962C8B-B14F-4D97-AF65-F5344CB8AC3E}">
-        <p14:creationId xmlns:p14="http://schemas.microsoft.com/office/powerpoint/2010/main" val="1460120840"/>
+        <p14:creationId xmlns:p14="http://schemas.microsoft.com/office/powerpoint/2010/main" val="2373457886"/>
       </p:ext>
     </p:extLst>
   </p:cSld>
@@ -2639,22 +2654,9 @@
           <a:bodyPr/>
           <a:lstStyle/>
           <a:p>
-            <a:pPr marL="0" marR="0" lvl="0" indent="0" algn="l" defTabSz="914400" rtl="0" eaLnBrk="1" fontAlgn="auto" latinLnBrk="0" hangingPunct="1">
-              <a:lnSpc>
-                <a:spcPct val="100000"/>
-              </a:lnSpc>
-              <a:spcBef>
-                <a:spcPts val="0"/>
-              </a:spcBef>
-              <a:spcAft>
-                <a:spcPts val="0"/>
-              </a:spcAft>
-              <a:buClrTx/>
-              <a:buSzTx/>
+            <a:pPr algn="l">
               <a:buFont typeface="Arial" panose="020B0604020202020204" pitchFamily="34" charset="0"/>
               <a:buNone/>
-              <a:tabLst/>
-              <a:defRPr/>
             </a:pPr>
             <a:r>
               <a:rPr lang="en-US" b="0" i="0" dirty="0">
@@ -2664,76 +2666,8 @@
                 <a:effectLst/>
                 <a:latin typeface="Fira Sans" panose="020B0503050000020004" pitchFamily="34" charset="0"/>
               </a:rPr>
-              <a:t>e.g. A dishwasher -- all I need to know is how to put dirty dishes in and which button, not how the electrical wiring works. Define a function once also makes it more reliable if you use it multiple times. You should abstract to eliminate redundancy and improve clarity (but not otherwise – can make code impenetrable!) </a:t>
-            </a:r>
-          </a:p>
-          <a:p>
-            <a:pPr marL="0" marR="0" lvl="0" indent="0" algn="l" defTabSz="914400" rtl="0" eaLnBrk="1" fontAlgn="auto" latinLnBrk="0" hangingPunct="1">
-              <a:lnSpc>
-                <a:spcPct val="100000"/>
-              </a:lnSpc>
-              <a:spcBef>
-                <a:spcPts val="0"/>
-              </a:spcBef>
-              <a:spcAft>
-                <a:spcPts val="0"/>
-              </a:spcAft>
-              <a:buClrTx/>
-              <a:buSzTx/>
-              <a:buFont typeface="Arial" panose="020B0604020202020204" pitchFamily="34" charset="0"/>
-              <a:buNone/>
-              <a:tabLst/>
-              <a:defRPr/>
-            </a:pPr>
-            <a:endParaRPr lang="en-US" b="0" i="0" dirty="0">
-              <a:solidFill>
-                <a:srgbClr val="000000"/>
-              </a:solidFill>
-              <a:effectLst/>
-              <a:latin typeface="Fira Sans" panose="020B0503050000020004" pitchFamily="34" charset="0"/>
-            </a:endParaRPr>
-          </a:p>
-          <a:p>
-            <a:pPr marL="0" marR="0" lvl="0" indent="0" algn="l" defTabSz="914400" rtl="0" eaLnBrk="1" fontAlgn="auto" latinLnBrk="0" hangingPunct="1">
-              <a:lnSpc>
-                <a:spcPct val="100000"/>
-              </a:lnSpc>
-              <a:spcBef>
-                <a:spcPts val="0"/>
-              </a:spcBef>
-              <a:spcAft>
-                <a:spcPts val="0"/>
-              </a:spcAft>
-              <a:buClrTx/>
-              <a:buSzTx/>
-              <a:buFont typeface="Arial" panose="020B0604020202020204" pitchFamily="34" charset="0"/>
-              <a:buNone/>
-              <a:tabLst/>
-              <a:defRPr/>
-            </a:pPr>
-            <a:r>
-              <a:rPr lang="en-US" b="0" i="0" dirty="0">
-                <a:solidFill>
-                  <a:srgbClr val="000000"/>
-                </a:solidFill>
-                <a:effectLst/>
-                <a:latin typeface="Fira Sans" panose="020B0503050000020004" pitchFamily="34" charset="0"/>
-              </a:rPr>
-              <a:t>Can you have one file that adjusts all your variables for inflation, or one file that runs regressions on multiple outcomes, etc.?</a:t>
-            </a:r>
-          </a:p>
-          <a:p>
-            <a:pPr algn="l">
-              <a:buFont typeface="Arial" panose="020B0604020202020204" pitchFamily="34" charset="0"/>
-              <a:buNone/>
-            </a:pPr>
-            <a:endParaRPr lang="en-US" b="0" i="0" dirty="0">
-              <a:solidFill>
-                <a:srgbClr val="000000"/>
-              </a:solidFill>
-              <a:effectLst/>
-              <a:latin typeface="Fira Sans" panose="020B0503050000020004" pitchFamily="34" charset="0"/>
-            </a:endParaRPr>
+              <a:t>Use collaborative software that tracks versions of your code! easily undo changes, test out new specifications, and more</a:t>
+            </a:r>
           </a:p>
         </p:txBody>
       </p:sp>
@@ -2763,7 +2697,7 @@
     </p:spTree>
     <p:extLst>
       <p:ext uri="{BB962C8B-B14F-4D97-AF65-F5344CB8AC3E}">
-        <p14:creationId xmlns:p14="http://schemas.microsoft.com/office/powerpoint/2010/main" val="1246026232"/>
+        <p14:creationId xmlns:p14="http://schemas.microsoft.com/office/powerpoint/2010/main" val="1460120840"/>
       </p:ext>
     </p:extLst>
   </p:cSld>
@@ -2817,9 +2751,22 @@
           <a:bodyPr/>
           <a:lstStyle/>
           <a:p>
-            <a:pPr algn="l">
+            <a:pPr marL="0" marR="0" lvl="0" indent="0" algn="l" defTabSz="914400" rtl="0" eaLnBrk="1" fontAlgn="auto" latinLnBrk="0" hangingPunct="1">
+              <a:lnSpc>
+                <a:spcPct val="100000"/>
+              </a:lnSpc>
+              <a:spcBef>
+                <a:spcPts val="0"/>
+              </a:spcBef>
+              <a:spcAft>
+                <a:spcPts val="0"/>
+              </a:spcAft>
+              <a:buClrTx/>
+              <a:buSzTx/>
               <a:buFont typeface="Arial" panose="020B0604020202020204" pitchFamily="34" charset="0"/>
               <a:buNone/>
+              <a:tabLst/>
+              <a:defRPr/>
             </a:pPr>
             <a:r>
               <a:rPr lang="en-US" b="0" i="0" dirty="0">
@@ -2829,8 +2776,76 @@
                 <a:effectLst/>
                 <a:latin typeface="Fira Sans" panose="020B0503050000020004" pitchFamily="34" charset="0"/>
               </a:rPr>
-              <a:t>Use names that people can understand (make code readable). Of course, don’t document if you aren’t going to update the documentation!</a:t>
-            </a:r>
+              <a:t>e.g. A dishwasher -- all I need to know is how to put dirty dishes in and which button, not how the electrical wiring works. Define a function once also makes it more reliable if you use it multiple times. You should abstract to eliminate redundancy and improve clarity (but not otherwise – can make code impenetrable!) </a:t>
+            </a:r>
+          </a:p>
+          <a:p>
+            <a:pPr marL="0" marR="0" lvl="0" indent="0" algn="l" defTabSz="914400" rtl="0" eaLnBrk="1" fontAlgn="auto" latinLnBrk="0" hangingPunct="1">
+              <a:lnSpc>
+                <a:spcPct val="100000"/>
+              </a:lnSpc>
+              <a:spcBef>
+                <a:spcPts val="0"/>
+              </a:spcBef>
+              <a:spcAft>
+                <a:spcPts val="0"/>
+              </a:spcAft>
+              <a:buClrTx/>
+              <a:buSzTx/>
+              <a:buFont typeface="Arial" panose="020B0604020202020204" pitchFamily="34" charset="0"/>
+              <a:buNone/>
+              <a:tabLst/>
+              <a:defRPr/>
+            </a:pPr>
+            <a:endParaRPr lang="en-US" b="0" i="0" dirty="0">
+              <a:solidFill>
+                <a:srgbClr val="000000"/>
+              </a:solidFill>
+              <a:effectLst/>
+              <a:latin typeface="Fira Sans" panose="020B0503050000020004" pitchFamily="34" charset="0"/>
+            </a:endParaRPr>
+          </a:p>
+          <a:p>
+            <a:pPr marL="0" marR="0" lvl="0" indent="0" algn="l" defTabSz="914400" rtl="0" eaLnBrk="1" fontAlgn="auto" latinLnBrk="0" hangingPunct="1">
+              <a:lnSpc>
+                <a:spcPct val="100000"/>
+              </a:lnSpc>
+              <a:spcBef>
+                <a:spcPts val="0"/>
+              </a:spcBef>
+              <a:spcAft>
+                <a:spcPts val="0"/>
+              </a:spcAft>
+              <a:buClrTx/>
+              <a:buSzTx/>
+              <a:buFont typeface="Arial" panose="020B0604020202020204" pitchFamily="34" charset="0"/>
+              <a:buNone/>
+              <a:tabLst/>
+              <a:defRPr/>
+            </a:pPr>
+            <a:r>
+              <a:rPr lang="en-US" b="0" i="0" dirty="0">
+                <a:solidFill>
+                  <a:srgbClr val="000000"/>
+                </a:solidFill>
+                <a:effectLst/>
+                <a:latin typeface="Fira Sans" panose="020B0503050000020004" pitchFamily="34" charset="0"/>
+              </a:rPr>
+              <a:t>Can you have one file that adjusts all your variables for inflation, or one file that runs regressions on multiple outcomes, etc.?</a:t>
+            </a:r>
+          </a:p>
+          <a:p>
+            <a:pPr algn="l">
+              <a:buFont typeface="Arial" panose="020B0604020202020204" pitchFamily="34" charset="0"/>
+              <a:buNone/>
+            </a:pPr>
+            <a:endParaRPr lang="en-US" b="0" i="0" dirty="0">
+              <a:solidFill>
+                <a:srgbClr val="000000"/>
+              </a:solidFill>
+              <a:effectLst/>
+              <a:latin typeface="Fira Sans" panose="020B0503050000020004" pitchFamily="34" charset="0"/>
+            </a:endParaRPr>
           </a:p>
         </p:txBody>
       </p:sp>
@@ -2860,7 +2875,7 @@
     </p:spTree>
     <p:extLst>
       <p:ext uri="{BB962C8B-B14F-4D97-AF65-F5344CB8AC3E}">
-        <p14:creationId xmlns:p14="http://schemas.microsoft.com/office/powerpoint/2010/main" val="2589871222"/>
+        <p14:creationId xmlns:p14="http://schemas.microsoft.com/office/powerpoint/2010/main" val="1246026232"/>
       </p:ext>
     </p:extLst>
   </p:cSld>
@@ -3061,39 +3076,7 @@
                 <a:effectLst/>
                 <a:latin typeface="Fira Sans" panose="020B0503050000020004" pitchFamily="34" charset="0"/>
               </a:rPr>
-              <a:t>Coding is time intensive, and too many breaks or a strained/tired mental state will come back to bite you</a:t>
-            </a:r>
-          </a:p>
-          <a:p>
-            <a:pPr algn="l">
-              <a:buFont typeface="Arial" panose="020B0604020202020204" pitchFamily="34" charset="0"/>
-              <a:buChar char="•"/>
-            </a:pPr>
-            <a:r>
-              <a:rPr lang="en-US" b="0" i="0" dirty="0">
-                <a:solidFill>
-                  <a:srgbClr val="000000"/>
-                </a:solidFill>
-                <a:effectLst/>
-                <a:latin typeface="Fira Sans" panose="020B0503050000020004" pitchFamily="34" charset="0"/>
-              </a:rPr>
-              <a:t>Schedule long blocks of time (1.5 hours - 3 hours) to work on coding where you eliminate distractions (email, social media, etc.)</a:t>
-            </a:r>
-          </a:p>
-          <a:p>
-            <a:pPr algn="l">
-              <a:buFont typeface="Arial" panose="020B0604020202020204" pitchFamily="34" charset="0"/>
-              <a:buChar char="•"/>
-            </a:pPr>
-            <a:r>
-              <a:rPr lang="en-US" b="0" i="0" dirty="0">
-                <a:solidFill>
-                  <a:srgbClr val="000000"/>
-                </a:solidFill>
-                <a:effectLst/>
-                <a:latin typeface="Fira Sans" panose="020B0503050000020004" pitchFamily="34" charset="0"/>
-              </a:rPr>
-              <a:t>Stop coding when you feel that your focus or energy is dissipating</a:t>
+              <a:t>Use names that people can understand (make code readable). Of course, don’t document if you aren’t going to update the documentation!</a:t>
             </a:r>
           </a:p>
         </p:txBody>
@@ -3124,7 +3107,7 @@
     </p:spTree>
     <p:extLst>
       <p:ext uri="{BB962C8B-B14F-4D97-AF65-F5344CB8AC3E}">
-        <p14:creationId xmlns:p14="http://schemas.microsoft.com/office/powerpoint/2010/main" val="2228062518"/>
+        <p14:creationId xmlns:p14="http://schemas.microsoft.com/office/powerpoint/2010/main" val="2589871222"/>
       </p:ext>
     </p:extLst>
   </p:cSld>
@@ -3190,18 +3173,14 @@
                 <a:effectLst/>
                 <a:latin typeface="Fira Sans" panose="020B0503050000020004" pitchFamily="34" charset="0"/>
               </a:rPr>
-              <a:t>Trello is a great organizer for tasks. Don’t use email/slack, but rather a shared space just for the project. Another good one is </a:t>
-            </a:r>
-            <a:r>
-              <a:rPr lang="en-US" b="0" i="0" dirty="0" err="1">
-                <a:solidFill>
-                  <a:srgbClr val="000000"/>
-                </a:solidFill>
-                <a:effectLst/>
-                <a:latin typeface="Fira Sans" panose="020B0503050000020004" pitchFamily="34" charset="0"/>
-              </a:rPr>
-              <a:t>Github</a:t>
-            </a:r>
+              <a:t>Coding is time intensive, and too many breaks or a strained/tired mental state will come back to bite you</a:t>
+            </a:r>
+          </a:p>
+          <a:p>
+            <a:pPr algn="l">
+              <a:buFont typeface="Arial" panose="020B0604020202020204" pitchFamily="34" charset="0"/>
+              <a:buChar char="•"/>
+            </a:pPr>
             <a:r>
               <a:rPr lang="en-US" b="0" i="0" dirty="0">
                 <a:solidFill>
@@ -3210,7 +3189,23 @@
                 <a:effectLst/>
                 <a:latin typeface="Fira Sans" panose="020B0503050000020004" pitchFamily="34" charset="0"/>
               </a:rPr>
-              <a:t> Issues. </a:t>
+              <a:t>Schedule long blocks of time (1.5 hours - 3 hours) to work on coding where you eliminate distractions (email, social media, etc.)</a:t>
+            </a:r>
+          </a:p>
+          <a:p>
+            <a:pPr algn="l">
+              <a:buFont typeface="Arial" panose="020B0604020202020204" pitchFamily="34" charset="0"/>
+              <a:buChar char="•"/>
+            </a:pPr>
+            <a:r>
+              <a:rPr lang="en-US" b="0" i="0" dirty="0">
+                <a:solidFill>
+                  <a:srgbClr val="000000"/>
+                </a:solidFill>
+                <a:effectLst/>
+                <a:latin typeface="Fira Sans" panose="020B0503050000020004" pitchFamily="34" charset="0"/>
+              </a:rPr>
+              <a:t>Stop coding when you feel that your focus or energy is dissipating</a:t>
             </a:r>
           </a:p>
         </p:txBody>
@@ -3241,7 +3236,7 @@
     </p:spTree>
     <p:extLst>
       <p:ext uri="{BB962C8B-B14F-4D97-AF65-F5344CB8AC3E}">
-        <p14:creationId xmlns:p14="http://schemas.microsoft.com/office/powerpoint/2010/main" val="2646596243"/>
+        <p14:creationId xmlns:p14="http://schemas.microsoft.com/office/powerpoint/2010/main" val="2228062518"/>
       </p:ext>
     </p:extLst>
   </p:cSld>
@@ -3297,7 +3292,7 @@
           <a:p>
             <a:pPr algn="l">
               <a:buFont typeface="Arial" panose="020B0604020202020204" pitchFamily="34" charset="0"/>
-              <a:buChar char="•"/>
+              <a:buNone/>
             </a:pPr>
             <a:r>
               <a:rPr lang="en-US" b="0" i="0" dirty="0">
@@ -3307,127 +3302,28 @@
                 <a:effectLst/>
                 <a:latin typeface="Fira Sans" panose="020B0503050000020004" pitchFamily="34" charset="0"/>
               </a:rPr>
-              <a:t>Test-driven development (TDD) consists of a suite of tools for writing code that can be automatically tested</a:t>
-            </a:r>
-          </a:p>
-          <a:p>
-            <a:pPr algn="l">
-              <a:buFont typeface="Arial" panose="020B0604020202020204" pitchFamily="34" charset="0"/>
-              <a:buChar char="•"/>
-            </a:pPr>
-            <a:r>
-              <a:rPr lang="en-US" b="1" i="0" dirty="0">
+              <a:t>Trello is a great organizer for tasks. Don’t use email/slack, but rather a shared space just for the project. Another good one is </a:t>
+            </a:r>
+            <a:r>
+              <a:rPr lang="en-US" b="0" i="0" dirty="0" err="1">
                 <a:solidFill>
-                  <a:srgbClr val="841617"/>
+                  <a:srgbClr val="000000"/>
                 </a:solidFill>
                 <a:effectLst/>
                 <a:latin typeface="Fira Sans" panose="020B0503050000020004" pitchFamily="34" charset="0"/>
               </a:rPr>
-              <a:t>Unit testing: </a:t>
+              <a:t>Github</a:t>
             </a:r>
             <a:r>
               <a:rPr lang="en-US" b="0" i="0" dirty="0">
                 <a:solidFill>
-                  <a:srgbClr val="841617"/>
+                  <a:srgbClr val="000000"/>
                 </a:solidFill>
                 <a:effectLst/>
                 <a:latin typeface="Fira Sans" panose="020B0503050000020004" pitchFamily="34" charset="0"/>
               </a:rPr>
-              <a:t>checking that each piece of code works as you move through the structure. I recommend the </a:t>
-            </a:r>
-            <a:r>
-              <a:rPr lang="en-US" b="0" i="0" dirty="0" err="1">
-                <a:solidFill>
-                  <a:srgbClr val="841617"/>
-                </a:solidFill>
-                <a:effectLst/>
-                <a:latin typeface="Fira Sans" panose="020B0503050000020004" pitchFamily="34" charset="0"/>
-              </a:rPr>
-              <a:t>testthat</a:t>
-            </a:r>
-            <a:r>
-              <a:rPr lang="en-US" b="0" i="0" dirty="0">
-                <a:solidFill>
-                  <a:srgbClr val="841617"/>
-                </a:solidFill>
-                <a:effectLst/>
-                <a:latin typeface="Fira Sans" panose="020B0503050000020004" pitchFamily="34" charset="0"/>
-              </a:rPr>
-              <a:t> package for this</a:t>
-            </a:r>
-            <a:endParaRPr lang="en-US" b="1" i="0" dirty="0">
-              <a:solidFill>
-                <a:srgbClr val="841617"/>
-              </a:solidFill>
-              <a:effectLst/>
-              <a:latin typeface="Fira Sans" panose="020B0503050000020004" pitchFamily="34" charset="0"/>
-            </a:endParaRPr>
-          </a:p>
-          <a:p>
-            <a:pPr algn="l">
-              <a:buFont typeface="Arial" panose="020B0604020202020204" pitchFamily="34" charset="0"/>
-              <a:buChar char="•"/>
-            </a:pPr>
-            <a:r>
-              <a:rPr lang="en-US" b="1" i="0" dirty="0">
-                <a:solidFill>
-                  <a:srgbClr val="841617"/>
-                </a:solidFill>
-                <a:effectLst/>
-                <a:latin typeface="Fira Sans" panose="020B0503050000020004" pitchFamily="34" charset="0"/>
-              </a:rPr>
-              <a:t>Profiling: </a:t>
-            </a:r>
-            <a:r>
-              <a:rPr lang="en-US" b="0" i="0" dirty="0">
-                <a:solidFill>
-                  <a:srgbClr val="841617"/>
-                </a:solidFill>
-                <a:effectLst/>
-                <a:latin typeface="Fira Sans" panose="020B0503050000020004" pitchFamily="34" charset="0"/>
-              </a:rPr>
-              <a:t>how many resources does it take to run my code? Can I speed things up, make it faster, etc.? </a:t>
-            </a:r>
-            <a:endParaRPr lang="en-US" b="1" i="0" dirty="0">
-              <a:solidFill>
-                <a:srgbClr val="841617"/>
-              </a:solidFill>
-              <a:effectLst/>
-              <a:latin typeface="Fira Sans" panose="020B0503050000020004" pitchFamily="34" charset="0"/>
-            </a:endParaRPr>
-          </a:p>
-          <a:p>
-            <a:pPr algn="l">
-              <a:buFont typeface="Arial" panose="020B0604020202020204" pitchFamily="34" charset="0"/>
-              <a:buChar char="•"/>
-            </a:pPr>
-            <a:r>
-              <a:rPr lang="en-US" b="1" i="0" dirty="0">
-                <a:solidFill>
-                  <a:srgbClr val="841617"/>
-                </a:solidFill>
-                <a:effectLst/>
-                <a:latin typeface="Fira Sans" panose="020B0503050000020004" pitchFamily="34" charset="0"/>
-              </a:rPr>
-              <a:t>Refactoring: </a:t>
-            </a:r>
-            <a:r>
-              <a:rPr lang="en-US" b="0" i="0" dirty="0">
-                <a:solidFill>
-                  <a:srgbClr val="841617"/>
-                </a:solidFill>
-                <a:effectLst/>
-                <a:latin typeface="Fira Sans" panose="020B0503050000020004" pitchFamily="34" charset="0"/>
-              </a:rPr>
-              <a:t>can I make the code more readable / less redundant?</a:t>
-            </a:r>
-            <a:endParaRPr lang="en-US" b="0" i="0" dirty="0">
-              <a:solidFill>
-                <a:srgbClr val="000000"/>
-              </a:solidFill>
-              <a:effectLst/>
-              <a:latin typeface="Fira Sans" panose="020B0503050000020004" pitchFamily="34" charset="0"/>
-            </a:endParaRPr>
+              <a:t> Issues. </a:t>
+            </a:r>
           </a:p>
         </p:txBody>
       </p:sp>
@@ -3457,7 +3353,7 @@
     </p:spTree>
     <p:extLst>
       <p:ext uri="{BB962C8B-B14F-4D97-AF65-F5344CB8AC3E}">
-        <p14:creationId xmlns:p14="http://schemas.microsoft.com/office/powerpoint/2010/main" val="1629969817"/>
+        <p14:creationId xmlns:p14="http://schemas.microsoft.com/office/powerpoint/2010/main" val="2646596243"/>
       </p:ext>
     </p:extLst>
   </p:cSld>
@@ -3523,8 +3419,127 @@
                 <a:effectLst/>
                 <a:latin typeface="Fira Sans" panose="020B0503050000020004" pitchFamily="34" charset="0"/>
               </a:rPr>
-              <a:t>Suppose we have a function like this – we want to make sure that the function works for a set of values</a:t>
-            </a:r>
+              <a:t>Test-driven development (TDD) consists of a suite of tools for writing code that can be automatically tested</a:t>
+            </a:r>
+          </a:p>
+          <a:p>
+            <a:pPr algn="l">
+              <a:buFont typeface="Arial" panose="020B0604020202020204" pitchFamily="34" charset="0"/>
+              <a:buChar char="•"/>
+            </a:pPr>
+            <a:r>
+              <a:rPr lang="en-US" b="1" i="0" dirty="0">
+                <a:solidFill>
+                  <a:srgbClr val="841617"/>
+                </a:solidFill>
+                <a:effectLst/>
+                <a:latin typeface="Fira Sans" panose="020B0503050000020004" pitchFamily="34" charset="0"/>
+              </a:rPr>
+              <a:t>Unit testing: </a:t>
+            </a:r>
+            <a:r>
+              <a:rPr lang="en-US" b="0" i="0" dirty="0">
+                <a:solidFill>
+                  <a:srgbClr val="841617"/>
+                </a:solidFill>
+                <a:effectLst/>
+                <a:latin typeface="Fira Sans" panose="020B0503050000020004" pitchFamily="34" charset="0"/>
+              </a:rPr>
+              <a:t>checking that each piece of code works as you move through the structure. I recommend the </a:t>
+            </a:r>
+            <a:r>
+              <a:rPr lang="en-US" b="0" i="0" dirty="0" err="1">
+                <a:solidFill>
+                  <a:srgbClr val="841617"/>
+                </a:solidFill>
+                <a:effectLst/>
+                <a:latin typeface="Fira Sans" panose="020B0503050000020004" pitchFamily="34" charset="0"/>
+              </a:rPr>
+              <a:t>testthat</a:t>
+            </a:r>
+            <a:r>
+              <a:rPr lang="en-US" b="0" i="0" dirty="0">
+                <a:solidFill>
+                  <a:srgbClr val="841617"/>
+                </a:solidFill>
+                <a:effectLst/>
+                <a:latin typeface="Fira Sans" panose="020B0503050000020004" pitchFamily="34" charset="0"/>
+              </a:rPr>
+              <a:t> package for this</a:t>
+            </a:r>
+            <a:endParaRPr lang="en-US" b="1" i="0" dirty="0">
+              <a:solidFill>
+                <a:srgbClr val="841617"/>
+              </a:solidFill>
+              <a:effectLst/>
+              <a:latin typeface="Fira Sans" panose="020B0503050000020004" pitchFamily="34" charset="0"/>
+            </a:endParaRPr>
+          </a:p>
+          <a:p>
+            <a:pPr algn="l">
+              <a:buFont typeface="Arial" panose="020B0604020202020204" pitchFamily="34" charset="0"/>
+              <a:buChar char="•"/>
+            </a:pPr>
+            <a:r>
+              <a:rPr lang="en-US" b="1" i="0" dirty="0">
+                <a:solidFill>
+                  <a:srgbClr val="841617"/>
+                </a:solidFill>
+                <a:effectLst/>
+                <a:latin typeface="Fira Sans" panose="020B0503050000020004" pitchFamily="34" charset="0"/>
+              </a:rPr>
+              <a:t>Profiling: </a:t>
+            </a:r>
+            <a:r>
+              <a:rPr lang="en-US" b="0" i="0" dirty="0">
+                <a:solidFill>
+                  <a:srgbClr val="841617"/>
+                </a:solidFill>
+                <a:effectLst/>
+                <a:latin typeface="Fira Sans" panose="020B0503050000020004" pitchFamily="34" charset="0"/>
+              </a:rPr>
+              <a:t>how many resources does it take to run my code? Can I speed things up, make it faster, etc.? </a:t>
+            </a:r>
+            <a:endParaRPr lang="en-US" b="1" i="0" dirty="0">
+              <a:solidFill>
+                <a:srgbClr val="841617"/>
+              </a:solidFill>
+              <a:effectLst/>
+              <a:latin typeface="Fira Sans" panose="020B0503050000020004" pitchFamily="34" charset="0"/>
+            </a:endParaRPr>
+          </a:p>
+          <a:p>
+            <a:pPr algn="l">
+              <a:buFont typeface="Arial" panose="020B0604020202020204" pitchFamily="34" charset="0"/>
+              <a:buChar char="•"/>
+            </a:pPr>
+            <a:r>
+              <a:rPr lang="en-US" b="1" i="0" dirty="0">
+                <a:solidFill>
+                  <a:srgbClr val="841617"/>
+                </a:solidFill>
+                <a:effectLst/>
+                <a:latin typeface="Fira Sans" panose="020B0503050000020004" pitchFamily="34" charset="0"/>
+              </a:rPr>
+              <a:t>Refactoring: </a:t>
+            </a:r>
+            <a:r>
+              <a:rPr lang="en-US" b="0" i="0" dirty="0">
+                <a:solidFill>
+                  <a:srgbClr val="841617"/>
+                </a:solidFill>
+                <a:effectLst/>
+                <a:latin typeface="Fira Sans" panose="020B0503050000020004" pitchFamily="34" charset="0"/>
+              </a:rPr>
+              <a:t>can I make the code more readable / less redundant?</a:t>
+            </a:r>
+            <a:endParaRPr lang="en-US" b="0" i="0" dirty="0">
+              <a:solidFill>
+                <a:srgbClr val="000000"/>
+              </a:solidFill>
+              <a:effectLst/>
+              <a:latin typeface="Fira Sans" panose="020B0503050000020004" pitchFamily="34" charset="0"/>
+            </a:endParaRPr>
           </a:p>
         </p:txBody>
       </p:sp>
@@ -3554,7 +3569,7 @@
     </p:spTree>
     <p:extLst>
       <p:ext uri="{BB962C8B-B14F-4D97-AF65-F5344CB8AC3E}">
-        <p14:creationId xmlns:p14="http://schemas.microsoft.com/office/powerpoint/2010/main" val="4092986303"/>
+        <p14:creationId xmlns:p14="http://schemas.microsoft.com/office/powerpoint/2010/main" val="1629969817"/>
       </p:ext>
     </p:extLst>
   </p:cSld>
@@ -3620,7 +3635,7 @@
                 <a:effectLst/>
                 <a:latin typeface="Fira Sans" panose="020B0503050000020004" pitchFamily="34" charset="0"/>
               </a:rPr>
-              <a:t>This package will test that!</a:t>
+              <a:t>Suppose we have a function like this – we want to make sure that the function works for a set of values</a:t>
             </a:r>
           </a:p>
         </p:txBody>
@@ -3651,7 +3666,7 @@
     </p:spTree>
     <p:extLst>
       <p:ext uri="{BB962C8B-B14F-4D97-AF65-F5344CB8AC3E}">
-        <p14:creationId xmlns:p14="http://schemas.microsoft.com/office/powerpoint/2010/main" val="2504921575"/>
+        <p14:creationId xmlns:p14="http://schemas.microsoft.com/office/powerpoint/2010/main" val="4092986303"/>
       </p:ext>
     </p:extLst>
   </p:cSld>
@@ -3707,7 +3722,7 @@
           <a:p>
             <a:pPr algn="l">
               <a:buFont typeface="Arial" panose="020B0604020202020204" pitchFamily="34" charset="0"/>
-              <a:buNone/>
+              <a:buChar char="•"/>
             </a:pPr>
             <a:r>
               <a:rPr lang="en-US" b="0" i="0" dirty="0">
@@ -3717,7 +3732,7 @@
                 <a:effectLst/>
                 <a:latin typeface="Fira Sans" panose="020B0503050000020004" pitchFamily="34" charset="0"/>
               </a:rPr>
-              <a:t>Some people literally mean pair programming as in two people writing code together (one writes, another reviews simultaneously). But at any case, more than one set of eyes should look over all code (it’s definitely a learned skill to read code)</a:t>
+              <a:t>This package will test that!</a:t>
             </a:r>
           </a:p>
         </p:txBody>
@@ -3740,6 +3755,103 @@
             <a:fld id="{4AF79E1B-2C51-4B9B-8EA4-26DE9E345AFF}" type="slidenum">
               <a:rPr lang="en-US" smtClean="0"/>
               <a:t>35</a:t>
+            </a:fld>
+            <a:endParaRPr lang="en-US"/>
+          </a:p>
+        </p:txBody>
+      </p:sp>
+    </p:spTree>
+    <p:extLst>
+      <p:ext uri="{BB962C8B-B14F-4D97-AF65-F5344CB8AC3E}">
+        <p14:creationId xmlns:p14="http://schemas.microsoft.com/office/powerpoint/2010/main" val="2504921575"/>
+      </p:ext>
+    </p:extLst>
+  </p:cSld>
+  <p:clrMapOvr>
+    <a:masterClrMapping/>
+  </p:clrMapOvr>
+</p:notes>
+</file>
+
+<file path=ppt/notesSlides/notesSlide36.xml><?xml version="1.0" encoding="utf-8"?>
+<p:notes xmlns:a="http://schemas.openxmlformats.org/drawingml/2006/main" xmlns:r="http://schemas.openxmlformats.org/officeDocument/2006/relationships" xmlns:p="http://schemas.openxmlformats.org/presentationml/2006/main">
+  <p:cSld>
+    <p:spTree>
+      <p:nvGrpSpPr>
+        <p:cNvPr id="1" name=""/>
+        <p:cNvGrpSpPr/>
+        <p:nvPr/>
+      </p:nvGrpSpPr>
+      <p:grpSpPr>
+        <a:xfrm>
+          <a:off x="0" y="0"/>
+          <a:ext cx="0" cy="0"/>
+          <a:chOff x="0" y="0"/>
+          <a:chExt cx="0" cy="0"/>
+        </a:xfrm>
+      </p:grpSpPr>
+      <p:sp>
+        <p:nvSpPr>
+          <p:cNvPr id="2" name="Slide Image Placeholder 1"/>
+          <p:cNvSpPr>
+            <a:spLocks noGrp="1" noRot="1" noChangeAspect="1"/>
+          </p:cNvSpPr>
+          <p:nvPr>
+            <p:ph type="sldImg"/>
+          </p:nvPr>
+        </p:nvSpPr>
+        <p:spPr/>
+      </p:sp>
+      <p:sp>
+        <p:nvSpPr>
+          <p:cNvPr id="3" name="Notes Placeholder 2"/>
+          <p:cNvSpPr>
+            <a:spLocks noGrp="1"/>
+          </p:cNvSpPr>
+          <p:nvPr>
+            <p:ph type="body" idx="1"/>
+          </p:nvPr>
+        </p:nvSpPr>
+        <p:spPr/>
+        <p:txBody>
+          <a:bodyPr/>
+          <a:lstStyle/>
+          <a:p>
+            <a:pPr algn="l">
+              <a:buFont typeface="Arial" panose="020B0604020202020204" pitchFamily="34" charset="0"/>
+              <a:buNone/>
+            </a:pPr>
+            <a:r>
+              <a:rPr lang="en-US" b="0" i="0" dirty="0">
+                <a:solidFill>
+                  <a:srgbClr val="000000"/>
+                </a:solidFill>
+                <a:effectLst/>
+                <a:latin typeface="Fira Sans" panose="020B0503050000020004" pitchFamily="34" charset="0"/>
+              </a:rPr>
+              <a:t>Some people literally mean pair programming as in two people writing code together (one writes, another reviews simultaneously). But at any case, more than one set of eyes should look over all code (it’s definitely a learned skill to read code)</a:t>
+            </a:r>
+          </a:p>
+        </p:txBody>
+      </p:sp>
+      <p:sp>
+        <p:nvSpPr>
+          <p:cNvPr id="4" name="Slide Number Placeholder 3"/>
+          <p:cNvSpPr>
+            <a:spLocks noGrp="1"/>
+          </p:cNvSpPr>
+          <p:nvPr>
+            <p:ph type="sldNum" sz="quarter" idx="5"/>
+          </p:nvPr>
+        </p:nvSpPr>
+        <p:spPr/>
+        <p:txBody>
+          <a:bodyPr/>
+          <a:lstStyle/>
+          <a:p>
+            <a:fld id="{4AF79E1B-2C51-4B9B-8EA4-26DE9E345AFF}" type="slidenum">
+              <a:rPr lang="en-US" smtClean="0"/>
+              <a:t>36</a:t>
             </a:fld>
             <a:endParaRPr lang="en-US"/>
           </a:p>
@@ -3758,7 +3870,7 @@
 </p:notes>
 </file>
 
-<file path=ppt/notesSlides/notesSlide36.xml><?xml version="1.0" encoding="utf-8"?>
+<file path=ppt/notesSlides/notesSlide37.xml><?xml version="1.0" encoding="utf-8"?>
 <p:notes xmlns:a="http://schemas.openxmlformats.org/drawingml/2006/main" xmlns:r="http://schemas.openxmlformats.org/officeDocument/2006/relationships" xmlns:p="http://schemas.openxmlformats.org/presentationml/2006/main">
   <p:cSld>
     <p:spTree>
@@ -3850,7 +3962,7 @@
           <a:p>
             <a:fld id="{4AF79E1B-2C51-4B9B-8EA4-26DE9E345AFF}" type="slidenum">
               <a:rPr lang="en-US" smtClean="0"/>
-              <a:t>36</a:t>
+              <a:t>37</a:t>
             </a:fld>
             <a:endParaRPr lang="en-US"/>
           </a:p>
@@ -3860,90 +3972,6 @@
     <p:extLst>
       <p:ext uri="{BB962C8B-B14F-4D97-AF65-F5344CB8AC3E}">
         <p14:creationId xmlns:p14="http://schemas.microsoft.com/office/powerpoint/2010/main" val="3707248847"/>
-      </p:ext>
-    </p:extLst>
-  </p:cSld>
-  <p:clrMapOvr>
-    <a:masterClrMapping/>
-  </p:clrMapOvr>
-</p:notes>
-</file>
-
-<file path=ppt/notesSlides/notesSlide37.xml><?xml version="1.0" encoding="utf-8"?>
-<p:notes xmlns:a="http://schemas.openxmlformats.org/drawingml/2006/main" xmlns:r="http://schemas.openxmlformats.org/officeDocument/2006/relationships" xmlns:p="http://schemas.openxmlformats.org/presentationml/2006/main">
-  <p:cSld>
-    <p:spTree>
-      <p:nvGrpSpPr>
-        <p:cNvPr id="1" name=""/>
-        <p:cNvGrpSpPr/>
-        <p:nvPr/>
-      </p:nvGrpSpPr>
-      <p:grpSpPr>
-        <a:xfrm>
-          <a:off x="0" y="0"/>
-          <a:ext cx="0" cy="0"/>
-          <a:chOff x="0" y="0"/>
-          <a:chExt cx="0" cy="0"/>
-        </a:xfrm>
-      </p:grpSpPr>
-      <p:sp>
-        <p:nvSpPr>
-          <p:cNvPr id="2" name="Slide Image Placeholder 1"/>
-          <p:cNvSpPr>
-            <a:spLocks noGrp="1" noRot="1" noChangeAspect="1"/>
-          </p:cNvSpPr>
-          <p:nvPr>
-            <p:ph type="sldImg"/>
-          </p:nvPr>
-        </p:nvSpPr>
-        <p:spPr/>
-      </p:sp>
-      <p:sp>
-        <p:nvSpPr>
-          <p:cNvPr id="3" name="Notes Placeholder 2"/>
-          <p:cNvSpPr>
-            <a:spLocks noGrp="1"/>
-          </p:cNvSpPr>
-          <p:nvPr>
-            <p:ph type="body" idx="1"/>
-          </p:nvPr>
-        </p:nvSpPr>
-        <p:spPr/>
-        <p:txBody>
-          <a:bodyPr/>
-          <a:lstStyle/>
-          <a:p>
-            <a:endParaRPr lang="en-US" dirty="0"/>
-          </a:p>
-        </p:txBody>
-      </p:sp>
-      <p:sp>
-        <p:nvSpPr>
-          <p:cNvPr id="4" name="Slide Number Placeholder 3"/>
-          <p:cNvSpPr>
-            <a:spLocks noGrp="1"/>
-          </p:cNvSpPr>
-          <p:nvPr>
-            <p:ph type="sldNum" sz="quarter" idx="5"/>
-          </p:nvPr>
-        </p:nvSpPr>
-        <p:spPr/>
-        <p:txBody>
-          <a:bodyPr/>
-          <a:lstStyle/>
-          <a:p>
-            <a:fld id="{4AF79E1B-2C51-4B9B-8EA4-26DE9E345AFF}" type="slidenum">
-              <a:rPr lang="en-US" smtClean="0"/>
-              <a:t>37</a:t>
-            </a:fld>
-            <a:endParaRPr lang="en-US"/>
-          </a:p>
-        </p:txBody>
-      </p:sp>
-    </p:spTree>
-    <p:extLst>
-      <p:ext uri="{BB962C8B-B14F-4D97-AF65-F5344CB8AC3E}">
-        <p14:creationId xmlns:p14="http://schemas.microsoft.com/office/powerpoint/2010/main" val="3506188523"/>
       </p:ext>
     </p:extLst>
   </p:cSld>
@@ -3997,14 +4025,7 @@
           <a:bodyPr/>
           <a:lstStyle/>
           <a:p>
-            <a:pPr marL="0" indent="0">
-              <a:buFont typeface="Arial" panose="020B0604020202020204" pitchFamily="34" charset="0"/>
-              <a:buNone/>
-            </a:pPr>
-            <a:r>
-              <a:rPr lang="en-US" dirty="0"/>
-              <a:t>There are remixes of this but I actually like the original here. We’ll talk about an example here in a minute. </a:t>
-            </a:r>
+            <a:endParaRPr lang="en-US" dirty="0"/>
           </a:p>
         </p:txBody>
       </p:sp>
@@ -4034,7 +4055,7 @@
     </p:spTree>
     <p:extLst>
       <p:ext uri="{BB962C8B-B14F-4D97-AF65-F5344CB8AC3E}">
-        <p14:creationId xmlns:p14="http://schemas.microsoft.com/office/powerpoint/2010/main" val="2061061159"/>
+        <p14:creationId xmlns:p14="http://schemas.microsoft.com/office/powerpoint/2010/main" val="3506188523"/>
       </p:ext>
     </p:extLst>
   </p:cSld>
@@ -4049,13 +4070,7 @@
   <p:cSld>
     <p:spTree>
       <p:nvGrpSpPr>
-        <p:cNvPr id="1" name="">
-          <a:extLst>
-            <a:ext uri="{FF2B5EF4-FFF2-40B4-BE49-F238E27FC236}">
-              <a16:creationId xmlns:a16="http://schemas.microsoft.com/office/drawing/2014/main" id="{E50A5CEB-DE7B-5E78-74C5-5A247866B370}"/>
-            </a:ext>
-          </a:extLst>
-        </p:cNvPr>
+        <p:cNvPr id="1" name=""/>
         <p:cNvGrpSpPr/>
         <p:nvPr/>
       </p:nvGrpSpPr>
@@ -4069,13 +4084,7 @@
       </p:grpSpPr>
       <p:sp>
         <p:nvSpPr>
-          <p:cNvPr id="2" name="Slide Image Placeholder 1">
-            <a:extLst>
-              <a:ext uri="{FF2B5EF4-FFF2-40B4-BE49-F238E27FC236}">
-                <a16:creationId xmlns:a16="http://schemas.microsoft.com/office/drawing/2014/main" id="{2D4BB548-4157-3BE2-ACD7-7A618F6073A0}"/>
-              </a:ext>
-            </a:extLst>
-          </p:cNvPr>
+          <p:cNvPr id="2" name="Slide Image Placeholder 1"/>
           <p:cNvSpPr>
             <a:spLocks noGrp="1" noRot="1" noChangeAspect="1"/>
           </p:cNvSpPr>
@@ -4087,13 +4096,7 @@
       </p:sp>
       <p:sp>
         <p:nvSpPr>
-          <p:cNvPr id="3" name="Notes Placeholder 2">
-            <a:extLst>
-              <a:ext uri="{FF2B5EF4-FFF2-40B4-BE49-F238E27FC236}">
-                <a16:creationId xmlns:a16="http://schemas.microsoft.com/office/drawing/2014/main" id="{F0BEB340-F1A3-AD0D-DE74-C6F946DBFD38}"/>
-              </a:ext>
-            </a:extLst>
-          </p:cNvPr>
+          <p:cNvPr id="3" name="Notes Placeholder 2"/>
           <p:cNvSpPr>
             <a:spLocks noGrp="1"/>
           </p:cNvSpPr>
@@ -4106,33 +4109,20 @@
           <a:bodyPr/>
           <a:lstStyle/>
           <a:p>
-            <a:pPr marL="171450" indent="-171450">
+            <a:pPr marL="0" indent="0">
               <a:buFont typeface="Arial" panose="020B0604020202020204" pitchFamily="34" charset="0"/>
-              <a:buChar char="•"/>
+              <a:buNone/>
             </a:pPr>
             <a:r>
               <a:rPr lang="en-US" dirty="0"/>
-              <a:t>Remixing may seem like copying, but it’s actually something much more – it can empower you to be more creative. </a:t>
-            </a:r>
-          </a:p>
-          <a:p>
-            <a:pPr marL="171450" indent="-171450">
-              <a:buFont typeface="Arial" panose="020B0604020202020204" pitchFamily="34" charset="0"/>
-              <a:buChar char="•"/>
-            </a:pPr>
-            <a:endParaRPr lang="en-US" dirty="0"/>
-          </a:p>
-        </p:txBody>
-      </p:sp>
-      <p:sp>
-        <p:nvSpPr>
-          <p:cNvPr id="4" name="Slide Number Placeholder 3">
-            <a:extLst>
-              <a:ext uri="{FF2B5EF4-FFF2-40B4-BE49-F238E27FC236}">
-                <a16:creationId xmlns:a16="http://schemas.microsoft.com/office/drawing/2014/main" id="{976E3EA8-9D37-8279-A03C-14BF07DC555E}"/>
-              </a:ext>
-            </a:extLst>
-          </p:cNvPr>
+              <a:t>There are remixes of this but I actually like the original here. We’ll talk about an example here in a minute. </a:t>
+            </a:r>
+          </a:p>
+        </p:txBody>
+      </p:sp>
+      <p:sp>
+        <p:nvSpPr>
+          <p:cNvPr id="4" name="Slide Number Placeholder 3"/>
           <p:cNvSpPr>
             <a:spLocks noGrp="1"/>
           </p:cNvSpPr>
@@ -4156,7 +4146,7 @@
     </p:spTree>
     <p:extLst>
       <p:ext uri="{BB962C8B-B14F-4D97-AF65-F5344CB8AC3E}">
-        <p14:creationId xmlns:p14="http://schemas.microsoft.com/office/powerpoint/2010/main" val="1175633380"/>
+        <p14:creationId xmlns:p14="http://schemas.microsoft.com/office/powerpoint/2010/main" val="2061061159"/>
       </p:ext>
     </p:extLst>
   </p:cSld>
@@ -4265,6 +4255,128 @@
         <p:cNvPr id="1" name="">
           <a:extLst>
             <a:ext uri="{FF2B5EF4-FFF2-40B4-BE49-F238E27FC236}">
+              <a16:creationId xmlns:a16="http://schemas.microsoft.com/office/drawing/2014/main" id="{E50A5CEB-DE7B-5E78-74C5-5A247866B370}"/>
+            </a:ext>
+          </a:extLst>
+        </p:cNvPr>
+        <p:cNvGrpSpPr/>
+        <p:nvPr/>
+      </p:nvGrpSpPr>
+      <p:grpSpPr>
+        <a:xfrm>
+          <a:off x="0" y="0"/>
+          <a:ext cx="0" cy="0"/>
+          <a:chOff x="0" y="0"/>
+          <a:chExt cx="0" cy="0"/>
+        </a:xfrm>
+      </p:grpSpPr>
+      <p:sp>
+        <p:nvSpPr>
+          <p:cNvPr id="2" name="Slide Image Placeholder 1">
+            <a:extLst>
+              <a:ext uri="{FF2B5EF4-FFF2-40B4-BE49-F238E27FC236}">
+                <a16:creationId xmlns:a16="http://schemas.microsoft.com/office/drawing/2014/main" id="{2D4BB548-4157-3BE2-ACD7-7A618F6073A0}"/>
+              </a:ext>
+            </a:extLst>
+          </p:cNvPr>
+          <p:cNvSpPr>
+            <a:spLocks noGrp="1" noRot="1" noChangeAspect="1"/>
+          </p:cNvSpPr>
+          <p:nvPr>
+            <p:ph type="sldImg"/>
+          </p:nvPr>
+        </p:nvSpPr>
+        <p:spPr/>
+      </p:sp>
+      <p:sp>
+        <p:nvSpPr>
+          <p:cNvPr id="3" name="Notes Placeholder 2">
+            <a:extLst>
+              <a:ext uri="{FF2B5EF4-FFF2-40B4-BE49-F238E27FC236}">
+                <a16:creationId xmlns:a16="http://schemas.microsoft.com/office/drawing/2014/main" id="{F0BEB340-F1A3-AD0D-DE74-C6F946DBFD38}"/>
+              </a:ext>
+            </a:extLst>
+          </p:cNvPr>
+          <p:cNvSpPr>
+            <a:spLocks noGrp="1"/>
+          </p:cNvSpPr>
+          <p:nvPr>
+            <p:ph type="body" idx="1"/>
+          </p:nvPr>
+        </p:nvSpPr>
+        <p:spPr/>
+        <p:txBody>
+          <a:bodyPr/>
+          <a:lstStyle/>
+          <a:p>
+            <a:pPr marL="171450" indent="-171450">
+              <a:buFont typeface="Arial" panose="020B0604020202020204" pitchFamily="34" charset="0"/>
+              <a:buChar char="•"/>
+            </a:pPr>
+            <a:r>
+              <a:rPr lang="en-US" dirty="0"/>
+              <a:t>Remixing may seem like copying, but it’s actually something much more – it can empower you to be more creative. </a:t>
+            </a:r>
+          </a:p>
+          <a:p>
+            <a:pPr marL="171450" indent="-171450">
+              <a:buFont typeface="Arial" panose="020B0604020202020204" pitchFamily="34" charset="0"/>
+              <a:buChar char="•"/>
+            </a:pPr>
+            <a:endParaRPr lang="en-US" dirty="0"/>
+          </a:p>
+        </p:txBody>
+      </p:sp>
+      <p:sp>
+        <p:nvSpPr>
+          <p:cNvPr id="4" name="Slide Number Placeholder 3">
+            <a:extLst>
+              <a:ext uri="{FF2B5EF4-FFF2-40B4-BE49-F238E27FC236}">
+                <a16:creationId xmlns:a16="http://schemas.microsoft.com/office/drawing/2014/main" id="{976E3EA8-9D37-8279-A03C-14BF07DC555E}"/>
+              </a:ext>
+            </a:extLst>
+          </p:cNvPr>
+          <p:cNvSpPr>
+            <a:spLocks noGrp="1"/>
+          </p:cNvSpPr>
+          <p:nvPr>
+            <p:ph type="sldNum" sz="quarter" idx="5"/>
+          </p:nvPr>
+        </p:nvSpPr>
+        <p:spPr/>
+        <p:txBody>
+          <a:bodyPr/>
+          <a:lstStyle/>
+          <a:p>
+            <a:fld id="{4AF79E1B-2C51-4B9B-8EA4-26DE9E345AFF}" type="slidenum">
+              <a:rPr lang="en-US" smtClean="0"/>
+              <a:t>40</a:t>
+            </a:fld>
+            <a:endParaRPr lang="en-US"/>
+          </a:p>
+        </p:txBody>
+      </p:sp>
+    </p:spTree>
+    <p:extLst>
+      <p:ext uri="{BB962C8B-B14F-4D97-AF65-F5344CB8AC3E}">
+        <p14:creationId xmlns:p14="http://schemas.microsoft.com/office/powerpoint/2010/main" val="1175633380"/>
+      </p:ext>
+    </p:extLst>
+  </p:cSld>
+  <p:clrMapOvr>
+    <a:masterClrMapping/>
+  </p:clrMapOvr>
+</p:notes>
+</file>
+
+<file path=ppt/notesSlides/notesSlide41.xml><?xml version="1.0" encoding="utf-8"?>
+<p:notes xmlns:a="http://schemas.openxmlformats.org/drawingml/2006/main" xmlns:r="http://schemas.openxmlformats.org/officeDocument/2006/relationships" xmlns:p="http://schemas.openxmlformats.org/presentationml/2006/main">
+  <p:cSld>
+    <p:spTree>
+      <p:nvGrpSpPr>
+        <p:cNvPr id="1" name="">
+          <a:extLst>
+            <a:ext uri="{FF2B5EF4-FFF2-40B4-BE49-F238E27FC236}">
               <a16:creationId xmlns:a16="http://schemas.microsoft.com/office/drawing/2014/main" id="{CA84BE0F-F1D4-C832-0230-4F73A3186309}"/>
             </a:ext>
           </a:extLst>
@@ -4373,7 +4485,7 @@
           <a:p>
             <a:fld id="{4AF79E1B-2C51-4B9B-8EA4-26DE9E345AFF}" type="slidenum">
               <a:rPr lang="en-US" smtClean="0"/>
-              <a:t>40</a:t>
+              <a:t>41</a:t>
             </a:fld>
             <a:endParaRPr lang="en-US"/>
           </a:p>
@@ -4392,7 +4504,7 @@
 </p:notes>
 </file>
 
-<file path=ppt/notesSlides/notesSlide41.xml><?xml version="1.0" encoding="utf-8"?>
+<file path=ppt/notesSlides/notesSlide42.xml><?xml version="1.0" encoding="utf-8"?>
 <p:notes xmlns:a="http://schemas.openxmlformats.org/drawingml/2006/main" xmlns:r="http://schemas.openxmlformats.org/officeDocument/2006/relationships" xmlns:p="http://schemas.openxmlformats.org/presentationml/2006/main">
   <p:cSld>
     <p:spTree>
@@ -4485,7 +4597,7 @@
           <a:p>
             <a:fld id="{4AF79E1B-2C51-4B9B-8EA4-26DE9E345AFF}" type="slidenum">
               <a:rPr lang="en-US" smtClean="0"/>
-              <a:t>41</a:t>
+              <a:t>42</a:t>
             </a:fld>
             <a:endParaRPr lang="en-US"/>
           </a:p>
@@ -4504,7 +4616,7 @@
 </p:notes>
 </file>
 
-<file path=ppt/notesSlides/notesSlide42.xml><?xml version="1.0" encoding="utf-8"?>
+<file path=ppt/notesSlides/notesSlide43.xml><?xml version="1.0" encoding="utf-8"?>
 <p:notes xmlns:a="http://schemas.openxmlformats.org/drawingml/2006/main" xmlns:r="http://schemas.openxmlformats.org/officeDocument/2006/relationships" xmlns:p="http://schemas.openxmlformats.org/presentationml/2006/main">
   <p:cSld>
     <p:spTree>
@@ -4617,7 +4729,7 @@
           <a:p>
             <a:fld id="{4AF79E1B-2C51-4B9B-8EA4-26DE9E345AFF}" type="slidenum">
               <a:rPr lang="en-US" smtClean="0"/>
-              <a:t>42</a:t>
+              <a:t>43</a:t>
             </a:fld>
             <a:endParaRPr lang="en-US"/>
           </a:p>
@@ -4636,7 +4748,7 @@
 </p:notes>
 </file>
 
-<file path=ppt/notesSlides/notesSlide43.xml><?xml version="1.0" encoding="utf-8"?>
+<file path=ppt/notesSlides/notesSlide44.xml><?xml version="1.0" encoding="utf-8"?>
 <p:notes xmlns:a="http://schemas.openxmlformats.org/drawingml/2006/main" xmlns:r="http://schemas.openxmlformats.org/officeDocument/2006/relationships" xmlns:p="http://schemas.openxmlformats.org/presentationml/2006/main">
   <p:cSld>
     <p:spTree>
@@ -4766,7 +4878,7 @@
           <a:p>
             <a:fld id="{4AF79E1B-2C51-4B9B-8EA4-26DE9E345AFF}" type="slidenum">
               <a:rPr lang="en-US" smtClean="0"/>
-              <a:t>43</a:t>
+              <a:t>44</a:t>
             </a:fld>
             <a:endParaRPr lang="en-US"/>
           </a:p>
@@ -4785,7 +4897,7 @@
 </p:notes>
 </file>
 
-<file path=ppt/notesSlides/notesSlide44.xml><?xml version="1.0" encoding="utf-8"?>
+<file path=ppt/notesSlides/notesSlide45.xml><?xml version="1.0" encoding="utf-8"?>
 <p:notes xmlns:a="http://schemas.openxmlformats.org/drawingml/2006/main" xmlns:r="http://schemas.openxmlformats.org/officeDocument/2006/relationships" xmlns:p="http://schemas.openxmlformats.org/presentationml/2006/main">
   <p:cSld>
     <p:spTree>
@@ -4881,7 +4993,7 @@
           <a:p>
             <a:fld id="{4AF79E1B-2C51-4B9B-8EA4-26DE9E345AFF}" type="slidenum">
               <a:rPr lang="en-US" smtClean="0"/>
-              <a:t>44</a:t>
+              <a:t>45</a:t>
             </a:fld>
             <a:endParaRPr lang="en-US"/>
           </a:p>
@@ -4900,7 +5012,7 @@
 </p:notes>
 </file>
 
-<file path=ppt/notesSlides/notesSlide45.xml><?xml version="1.0" encoding="utf-8"?>
+<file path=ppt/notesSlides/notesSlide46.xml><?xml version="1.0" encoding="utf-8"?>
 <p:notes xmlns:a="http://schemas.openxmlformats.org/drawingml/2006/main" xmlns:r="http://schemas.openxmlformats.org/officeDocument/2006/relationships" xmlns:p="http://schemas.openxmlformats.org/presentationml/2006/main">
   <p:cSld>
     <p:spTree>
@@ -5024,7 +5136,7 @@
           <a:p>
             <a:fld id="{4AF79E1B-2C51-4B9B-8EA4-26DE9E345AFF}" type="slidenum">
               <a:rPr lang="en-US" smtClean="0"/>
-              <a:t>45</a:t>
+              <a:t>46</a:t>
             </a:fld>
             <a:endParaRPr lang="en-US"/>
           </a:p>
@@ -5043,7 +5155,7 @@
 </p:notes>
 </file>
 
-<file path=ppt/notesSlides/notesSlide46.xml><?xml version="1.0" encoding="utf-8"?>
+<file path=ppt/notesSlides/notesSlide47.xml><?xml version="1.0" encoding="utf-8"?>
 <p:notes xmlns:a="http://schemas.openxmlformats.org/drawingml/2006/main" xmlns:r="http://schemas.openxmlformats.org/officeDocument/2006/relationships" xmlns:p="http://schemas.openxmlformats.org/presentationml/2006/main">
   <p:cSld>
     <p:spTree>
@@ -5147,7 +5259,7 @@
           <a:p>
             <a:fld id="{4AF79E1B-2C51-4B9B-8EA4-26DE9E345AFF}" type="slidenum">
               <a:rPr lang="en-US" smtClean="0"/>
-              <a:t>46</a:t>
+              <a:t>47</a:t>
             </a:fld>
             <a:endParaRPr lang="en-US"/>
           </a:p>
@@ -5166,7 +5278,7 @@
 </p:notes>
 </file>
 
-<file path=ppt/notesSlides/notesSlide47.xml><?xml version="1.0" encoding="utf-8"?>
+<file path=ppt/notesSlides/notesSlide48.xml><?xml version="1.0" encoding="utf-8"?>
 <p:notes xmlns:a="http://schemas.openxmlformats.org/drawingml/2006/main" xmlns:r="http://schemas.openxmlformats.org/officeDocument/2006/relationships" xmlns:p="http://schemas.openxmlformats.org/presentationml/2006/main">
   <p:cSld>
     <p:spTree>
@@ -5262,7 +5374,7 @@
           <a:p>
             <a:fld id="{4AF79E1B-2C51-4B9B-8EA4-26DE9E345AFF}" type="slidenum">
               <a:rPr lang="en-US" smtClean="0"/>
-              <a:t>47</a:t>
+              <a:t>48</a:t>
             </a:fld>
             <a:endParaRPr lang="en-US"/>
           </a:p>
@@ -5281,7 +5393,7 @@
 </p:notes>
 </file>
 
-<file path=ppt/notesSlides/notesSlide48.xml><?xml version="1.0" encoding="utf-8"?>
+<file path=ppt/notesSlides/notesSlide49.xml><?xml version="1.0" encoding="utf-8"?>
 <p:notes xmlns:a="http://schemas.openxmlformats.org/drawingml/2006/main" xmlns:r="http://schemas.openxmlformats.org/officeDocument/2006/relationships" xmlns:p="http://schemas.openxmlformats.org/presentationml/2006/main">
   <p:cSld>
     <p:spTree>
@@ -5373,7 +5485,7 @@
           <a:p>
             <a:fld id="{4AF79E1B-2C51-4B9B-8EA4-26DE9E345AFF}" type="slidenum">
               <a:rPr lang="en-US" smtClean="0"/>
-              <a:t>48</a:t>
+              <a:t>49</a:t>
             </a:fld>
             <a:endParaRPr lang="en-US"/>
           </a:p>
@@ -5383,121 +5495,6 @@
     <p:extLst>
       <p:ext uri="{BB962C8B-B14F-4D97-AF65-F5344CB8AC3E}">
         <p14:creationId xmlns:p14="http://schemas.microsoft.com/office/powerpoint/2010/main" val="2985598320"/>
-      </p:ext>
-    </p:extLst>
-  </p:cSld>
-  <p:clrMapOvr>
-    <a:masterClrMapping/>
-  </p:clrMapOvr>
-</p:notes>
-</file>
-
-<file path=ppt/notesSlides/notesSlide49.xml><?xml version="1.0" encoding="utf-8"?>
-<p:notes xmlns:a="http://schemas.openxmlformats.org/drawingml/2006/main" xmlns:r="http://schemas.openxmlformats.org/officeDocument/2006/relationships" xmlns:p="http://schemas.openxmlformats.org/presentationml/2006/main">
-  <p:cSld>
-    <p:spTree>
-      <p:nvGrpSpPr>
-        <p:cNvPr id="1" name="">
-          <a:extLst>
-            <a:ext uri="{FF2B5EF4-FFF2-40B4-BE49-F238E27FC236}">
-              <a16:creationId xmlns:a16="http://schemas.microsoft.com/office/drawing/2014/main" id="{5FC08EFE-3ED0-0440-E57D-71ABB0BC909A}"/>
-            </a:ext>
-          </a:extLst>
-        </p:cNvPr>
-        <p:cNvGrpSpPr/>
-        <p:nvPr/>
-      </p:nvGrpSpPr>
-      <p:grpSpPr>
-        <a:xfrm>
-          <a:off x="0" y="0"/>
-          <a:ext cx="0" cy="0"/>
-          <a:chOff x="0" y="0"/>
-          <a:chExt cx="0" cy="0"/>
-        </a:xfrm>
-      </p:grpSpPr>
-      <p:sp>
-        <p:nvSpPr>
-          <p:cNvPr id="2" name="Slide Image Placeholder 1">
-            <a:extLst>
-              <a:ext uri="{FF2B5EF4-FFF2-40B4-BE49-F238E27FC236}">
-                <a16:creationId xmlns:a16="http://schemas.microsoft.com/office/drawing/2014/main" id="{10F09D87-3627-6347-D329-A3E48FB66A04}"/>
-              </a:ext>
-            </a:extLst>
-          </p:cNvPr>
-          <p:cNvSpPr>
-            <a:spLocks noGrp="1" noRot="1" noChangeAspect="1"/>
-          </p:cNvSpPr>
-          <p:nvPr>
-            <p:ph type="sldImg"/>
-          </p:nvPr>
-        </p:nvSpPr>
-        <p:spPr/>
-      </p:sp>
-      <p:sp>
-        <p:nvSpPr>
-          <p:cNvPr id="3" name="Notes Placeholder 2">
-            <a:extLst>
-              <a:ext uri="{FF2B5EF4-FFF2-40B4-BE49-F238E27FC236}">
-                <a16:creationId xmlns:a16="http://schemas.microsoft.com/office/drawing/2014/main" id="{79B7E2A2-0031-4B04-7D89-AC8979251C5B}"/>
-              </a:ext>
-            </a:extLst>
-          </p:cNvPr>
-          <p:cNvSpPr>
-            <a:spLocks noGrp="1"/>
-          </p:cNvSpPr>
-          <p:nvPr>
-            <p:ph type="body" idx="1"/>
-          </p:nvPr>
-        </p:nvSpPr>
-        <p:spPr/>
-        <p:txBody>
-          <a:bodyPr/>
-          <a:lstStyle/>
-          <a:p>
-            <a:pPr marL="0" indent="0">
-              <a:buFont typeface="Arial" panose="020B0604020202020204" pitchFamily="34" charset="0"/>
-              <a:buNone/>
-            </a:pPr>
-            <a:r>
-              <a:rPr lang="en-US" dirty="0"/>
-              <a:t>One particular concern is moral hazard: over-utilization. </a:t>
-            </a:r>
-          </a:p>
-        </p:txBody>
-      </p:sp>
-      <p:sp>
-        <p:nvSpPr>
-          <p:cNvPr id="4" name="Slide Number Placeholder 3">
-            <a:extLst>
-              <a:ext uri="{FF2B5EF4-FFF2-40B4-BE49-F238E27FC236}">
-                <a16:creationId xmlns:a16="http://schemas.microsoft.com/office/drawing/2014/main" id="{9436B4E3-14CB-4063-A7E4-6239B6793D16}"/>
-              </a:ext>
-            </a:extLst>
-          </p:cNvPr>
-          <p:cNvSpPr>
-            <a:spLocks noGrp="1"/>
-          </p:cNvSpPr>
-          <p:nvPr>
-            <p:ph type="sldNum" sz="quarter" idx="5"/>
-          </p:nvPr>
-        </p:nvSpPr>
-        <p:spPr/>
-        <p:txBody>
-          <a:bodyPr/>
-          <a:lstStyle/>
-          <a:p>
-            <a:fld id="{4AF79E1B-2C51-4B9B-8EA4-26DE9E345AFF}" type="slidenum">
-              <a:rPr lang="en-US" smtClean="0"/>
-              <a:t>49</a:t>
-            </a:fld>
-            <a:endParaRPr lang="en-US"/>
-          </a:p>
-        </p:txBody>
-      </p:sp>
-    </p:spTree>
-    <p:extLst>
-      <p:ext uri="{BB962C8B-B14F-4D97-AF65-F5344CB8AC3E}">
-        <p14:creationId xmlns:p14="http://schemas.microsoft.com/office/powerpoint/2010/main" val="3244199860"/>
       </p:ext>
     </p:extLst>
   </p:cSld>
@@ -5607,6 +5604,121 @@
         <p:cNvPr id="1" name="">
           <a:extLst>
             <a:ext uri="{FF2B5EF4-FFF2-40B4-BE49-F238E27FC236}">
+              <a16:creationId xmlns:a16="http://schemas.microsoft.com/office/drawing/2014/main" id="{5FC08EFE-3ED0-0440-E57D-71ABB0BC909A}"/>
+            </a:ext>
+          </a:extLst>
+        </p:cNvPr>
+        <p:cNvGrpSpPr/>
+        <p:nvPr/>
+      </p:nvGrpSpPr>
+      <p:grpSpPr>
+        <a:xfrm>
+          <a:off x="0" y="0"/>
+          <a:ext cx="0" cy="0"/>
+          <a:chOff x="0" y="0"/>
+          <a:chExt cx="0" cy="0"/>
+        </a:xfrm>
+      </p:grpSpPr>
+      <p:sp>
+        <p:nvSpPr>
+          <p:cNvPr id="2" name="Slide Image Placeholder 1">
+            <a:extLst>
+              <a:ext uri="{FF2B5EF4-FFF2-40B4-BE49-F238E27FC236}">
+                <a16:creationId xmlns:a16="http://schemas.microsoft.com/office/drawing/2014/main" id="{10F09D87-3627-6347-D329-A3E48FB66A04}"/>
+              </a:ext>
+            </a:extLst>
+          </p:cNvPr>
+          <p:cNvSpPr>
+            <a:spLocks noGrp="1" noRot="1" noChangeAspect="1"/>
+          </p:cNvSpPr>
+          <p:nvPr>
+            <p:ph type="sldImg"/>
+          </p:nvPr>
+        </p:nvSpPr>
+        <p:spPr/>
+      </p:sp>
+      <p:sp>
+        <p:nvSpPr>
+          <p:cNvPr id="3" name="Notes Placeholder 2">
+            <a:extLst>
+              <a:ext uri="{FF2B5EF4-FFF2-40B4-BE49-F238E27FC236}">
+                <a16:creationId xmlns:a16="http://schemas.microsoft.com/office/drawing/2014/main" id="{79B7E2A2-0031-4B04-7D89-AC8979251C5B}"/>
+              </a:ext>
+            </a:extLst>
+          </p:cNvPr>
+          <p:cNvSpPr>
+            <a:spLocks noGrp="1"/>
+          </p:cNvSpPr>
+          <p:nvPr>
+            <p:ph type="body" idx="1"/>
+          </p:nvPr>
+        </p:nvSpPr>
+        <p:spPr/>
+        <p:txBody>
+          <a:bodyPr/>
+          <a:lstStyle/>
+          <a:p>
+            <a:pPr marL="0" indent="0">
+              <a:buFont typeface="Arial" panose="020B0604020202020204" pitchFamily="34" charset="0"/>
+              <a:buNone/>
+            </a:pPr>
+            <a:r>
+              <a:rPr lang="en-US" dirty="0"/>
+              <a:t>One particular concern is moral hazard: over-utilization. </a:t>
+            </a:r>
+          </a:p>
+        </p:txBody>
+      </p:sp>
+      <p:sp>
+        <p:nvSpPr>
+          <p:cNvPr id="4" name="Slide Number Placeholder 3">
+            <a:extLst>
+              <a:ext uri="{FF2B5EF4-FFF2-40B4-BE49-F238E27FC236}">
+                <a16:creationId xmlns:a16="http://schemas.microsoft.com/office/drawing/2014/main" id="{9436B4E3-14CB-4063-A7E4-6239B6793D16}"/>
+              </a:ext>
+            </a:extLst>
+          </p:cNvPr>
+          <p:cNvSpPr>
+            <a:spLocks noGrp="1"/>
+          </p:cNvSpPr>
+          <p:nvPr>
+            <p:ph type="sldNum" sz="quarter" idx="5"/>
+          </p:nvPr>
+        </p:nvSpPr>
+        <p:spPr/>
+        <p:txBody>
+          <a:bodyPr/>
+          <a:lstStyle/>
+          <a:p>
+            <a:fld id="{4AF79E1B-2C51-4B9B-8EA4-26DE9E345AFF}" type="slidenum">
+              <a:rPr lang="en-US" smtClean="0"/>
+              <a:t>50</a:t>
+            </a:fld>
+            <a:endParaRPr lang="en-US"/>
+          </a:p>
+        </p:txBody>
+      </p:sp>
+    </p:spTree>
+    <p:extLst>
+      <p:ext uri="{BB962C8B-B14F-4D97-AF65-F5344CB8AC3E}">
+        <p14:creationId xmlns:p14="http://schemas.microsoft.com/office/powerpoint/2010/main" val="3244199860"/>
+      </p:ext>
+    </p:extLst>
+  </p:cSld>
+  <p:clrMapOvr>
+    <a:masterClrMapping/>
+  </p:clrMapOvr>
+</p:notes>
+</file>
+
+<file path=ppt/notesSlides/notesSlide51.xml><?xml version="1.0" encoding="utf-8"?>
+<p:notes xmlns:a="http://schemas.openxmlformats.org/drawingml/2006/main" xmlns:r="http://schemas.openxmlformats.org/officeDocument/2006/relationships" xmlns:p="http://schemas.openxmlformats.org/presentationml/2006/main">
+  <p:cSld>
+    <p:spTree>
+      <p:nvGrpSpPr>
+        <p:cNvPr id="1" name="">
+          <a:extLst>
+            <a:ext uri="{FF2B5EF4-FFF2-40B4-BE49-F238E27FC236}">
               <a16:creationId xmlns:a16="http://schemas.microsoft.com/office/drawing/2014/main" id="{2CB69F9C-AE52-9211-74D6-4CAD73DA90F0}"/>
             </a:ext>
           </a:extLst>
@@ -5695,7 +5807,7 @@
           <a:p>
             <a:fld id="{4AF79E1B-2C51-4B9B-8EA4-26DE9E345AFF}" type="slidenum">
               <a:rPr lang="en-US" smtClean="0"/>
-              <a:t>50</a:t>
+              <a:t>51</a:t>
             </a:fld>
             <a:endParaRPr lang="en-US"/>
           </a:p>
@@ -5714,7 +5826,7 @@
 </p:notes>
 </file>
 
-<file path=ppt/notesSlides/notesSlide51.xml><?xml version="1.0" encoding="utf-8"?>
+<file path=ppt/notesSlides/notesSlide52.xml><?xml version="1.0" encoding="utf-8"?>
 <p:notes xmlns:a="http://schemas.openxmlformats.org/drawingml/2006/main" xmlns:r="http://schemas.openxmlformats.org/officeDocument/2006/relationships" xmlns:p="http://schemas.openxmlformats.org/presentationml/2006/main">
   <p:cSld>
     <p:spTree>
@@ -5827,7 +5939,7 @@
           <a:p>
             <a:fld id="{4AF79E1B-2C51-4B9B-8EA4-26DE9E345AFF}" type="slidenum">
               <a:rPr lang="en-US" smtClean="0"/>
-              <a:t>51</a:t>
+              <a:t>52</a:t>
             </a:fld>
             <a:endParaRPr lang="en-US"/>
           </a:p>
@@ -5846,7 +5958,7 @@
 </p:notes>
 </file>
 
-<file path=ppt/notesSlides/notesSlide52.xml><?xml version="1.0" encoding="utf-8"?>
+<file path=ppt/notesSlides/notesSlide53.xml><?xml version="1.0" encoding="utf-8"?>
 <p:notes xmlns:a="http://schemas.openxmlformats.org/drawingml/2006/main" xmlns:r="http://schemas.openxmlformats.org/officeDocument/2006/relationships" xmlns:p="http://schemas.openxmlformats.org/presentationml/2006/main">
   <p:cSld>
     <p:spTree>
@@ -5942,7 +6054,7 @@
           <a:p>
             <a:fld id="{4AF79E1B-2C51-4B9B-8EA4-26DE9E345AFF}" type="slidenum">
               <a:rPr lang="en-US" smtClean="0"/>
-              <a:t>52</a:t>
+              <a:t>53</a:t>
             </a:fld>
             <a:endParaRPr lang="en-US"/>
           </a:p>
@@ -5961,7 +6073,7 @@
 </p:notes>
 </file>
 
-<file path=ppt/notesSlides/notesSlide53.xml><?xml version="1.0" encoding="utf-8"?>
+<file path=ppt/notesSlides/notesSlide54.xml><?xml version="1.0" encoding="utf-8"?>
 <p:notes xmlns:a="http://schemas.openxmlformats.org/drawingml/2006/main" xmlns:r="http://schemas.openxmlformats.org/officeDocument/2006/relationships" xmlns:p="http://schemas.openxmlformats.org/presentationml/2006/main">
   <p:cSld>
     <p:spTree>
@@ -6070,7 +6182,7 @@
           <a:p>
             <a:fld id="{4AF79E1B-2C51-4B9B-8EA4-26DE9E345AFF}" type="slidenum">
               <a:rPr lang="en-US" smtClean="0"/>
-              <a:t>53</a:t>
+              <a:t>54</a:t>
             </a:fld>
             <a:endParaRPr lang="en-US"/>
           </a:p>
@@ -6089,7 +6201,7 @@
 </p:notes>
 </file>
 
-<file path=ppt/notesSlides/notesSlide54.xml><?xml version="1.0" encoding="utf-8"?>
+<file path=ppt/notesSlides/notesSlide55.xml><?xml version="1.0" encoding="utf-8"?>
 <p:notes xmlns:a="http://schemas.openxmlformats.org/drawingml/2006/main" xmlns:r="http://schemas.openxmlformats.org/officeDocument/2006/relationships" xmlns:p="http://schemas.openxmlformats.org/presentationml/2006/main">
   <p:cSld>
     <p:spTree>
@@ -6205,7 +6317,7 @@
           <a:p>
             <a:fld id="{4AF79E1B-2C51-4B9B-8EA4-26DE9E345AFF}" type="slidenum">
               <a:rPr lang="en-US" smtClean="0"/>
-              <a:t>54</a:t>
+              <a:t>55</a:t>
             </a:fld>
             <a:endParaRPr lang="en-US"/>
           </a:p>
@@ -6224,7 +6336,7 @@
 </p:notes>
 </file>
 
-<file path=ppt/notesSlides/notesSlide55.xml><?xml version="1.0" encoding="utf-8"?>
+<file path=ppt/notesSlides/notesSlide56.xml><?xml version="1.0" encoding="utf-8"?>
 <p:notes xmlns:a="http://schemas.openxmlformats.org/drawingml/2006/main" xmlns:r="http://schemas.openxmlformats.org/officeDocument/2006/relationships" xmlns:p="http://schemas.openxmlformats.org/presentationml/2006/main">
   <p:cSld>
     <p:spTree>
@@ -6540,7 +6652,7 @@
           <a:p>
             <a:fld id="{4AF79E1B-2C51-4B9B-8EA4-26DE9E345AFF}" type="slidenum">
               <a:rPr lang="en-US" smtClean="0"/>
-              <a:t>55</a:t>
+              <a:t>56</a:t>
             </a:fld>
             <a:endParaRPr lang="en-US"/>
           </a:p>
@@ -6550,101 +6662,6 @@
     <p:extLst>
       <p:ext uri="{BB962C8B-B14F-4D97-AF65-F5344CB8AC3E}">
         <p14:creationId xmlns:p14="http://schemas.microsoft.com/office/powerpoint/2010/main" val="2813407867"/>
-      </p:ext>
-    </p:extLst>
-  </p:cSld>
-  <p:clrMapOvr>
-    <a:masterClrMapping/>
-  </p:clrMapOvr>
-</p:notes>
-</file>
-
-<file path=ppt/notesSlides/notesSlide56.xml><?xml version="1.0" encoding="utf-8"?>
-<p:notes xmlns:a="http://schemas.openxmlformats.org/drawingml/2006/main" xmlns:r="http://schemas.openxmlformats.org/officeDocument/2006/relationships" xmlns:p="http://schemas.openxmlformats.org/presentationml/2006/main">
-  <p:cSld>
-    <p:spTree>
-      <p:nvGrpSpPr>
-        <p:cNvPr id="1" name=""/>
-        <p:cNvGrpSpPr/>
-        <p:nvPr/>
-      </p:nvGrpSpPr>
-      <p:grpSpPr>
-        <a:xfrm>
-          <a:off x="0" y="0"/>
-          <a:ext cx="0" cy="0"/>
-          <a:chOff x="0" y="0"/>
-          <a:chExt cx="0" cy="0"/>
-        </a:xfrm>
-      </p:grpSpPr>
-      <p:sp>
-        <p:nvSpPr>
-          <p:cNvPr id="2" name="Slide Image Placeholder 1"/>
-          <p:cNvSpPr>
-            <a:spLocks noGrp="1" noRot="1" noChangeAspect="1"/>
-          </p:cNvSpPr>
-          <p:nvPr>
-            <p:ph type="sldImg"/>
-          </p:nvPr>
-        </p:nvSpPr>
-        <p:spPr/>
-      </p:sp>
-      <p:sp>
-        <p:nvSpPr>
-          <p:cNvPr id="3" name="Notes Placeholder 2"/>
-          <p:cNvSpPr>
-            <a:spLocks noGrp="1"/>
-          </p:cNvSpPr>
-          <p:nvPr>
-            <p:ph type="body" idx="1"/>
-          </p:nvPr>
-        </p:nvSpPr>
-        <p:spPr/>
-        <p:txBody>
-          <a:bodyPr/>
-          <a:lstStyle/>
-          <a:p>
-            <a:r>
-              <a:rPr lang="en-US" dirty="0"/>
-              <a:t>With this framework of remixing and thinking about your </a:t>
-            </a:r>
-            <a:r>
-              <a:rPr lang="en-US" dirty="0" err="1"/>
-              <a:t>estimand</a:t>
-            </a:r>
-            <a:r>
-              <a:rPr lang="en-US" dirty="0"/>
-              <a:t> in mind, let’s talk about how to pick a research design? Can save this for lecture 6 if needed. </a:t>
-            </a:r>
-          </a:p>
-        </p:txBody>
-      </p:sp>
-      <p:sp>
-        <p:nvSpPr>
-          <p:cNvPr id="4" name="Slide Number Placeholder 3"/>
-          <p:cNvSpPr>
-            <a:spLocks noGrp="1"/>
-          </p:cNvSpPr>
-          <p:nvPr>
-            <p:ph type="sldNum" sz="quarter" idx="5"/>
-          </p:nvPr>
-        </p:nvSpPr>
-        <p:spPr/>
-        <p:txBody>
-          <a:bodyPr/>
-          <a:lstStyle/>
-          <a:p>
-            <a:fld id="{4AF79E1B-2C51-4B9B-8EA4-26DE9E345AFF}" type="slidenum">
-              <a:rPr lang="en-US" smtClean="0"/>
-              <a:t>56</a:t>
-            </a:fld>
-            <a:endParaRPr lang="en-US"/>
-          </a:p>
-        </p:txBody>
-      </p:sp>
-    </p:spTree>
-    <p:extLst>
-      <p:ext uri="{BB962C8B-B14F-4D97-AF65-F5344CB8AC3E}">
-        <p14:creationId xmlns:p14="http://schemas.microsoft.com/office/powerpoint/2010/main" val="1085293199"/>
       </p:ext>
     </p:extLst>
   </p:cSld>
@@ -6698,7 +6715,18 @@
           <a:bodyPr/>
           <a:lstStyle/>
           <a:p>
-            <a:endParaRPr lang="en-US" dirty="0"/>
+            <a:r>
+              <a:rPr lang="en-US" dirty="0"/>
+              <a:t>With this framework of remixing and thinking about your </a:t>
+            </a:r>
+            <a:r>
+              <a:rPr lang="en-US" dirty="0" err="1"/>
+              <a:t>estimand</a:t>
+            </a:r>
+            <a:r>
+              <a:rPr lang="en-US" dirty="0"/>
+              <a:t> in mind, let’s talk about how to pick a research design? Can save this for lecture 6 if needed. </a:t>
+            </a:r>
           </a:p>
         </p:txBody>
       </p:sp>
@@ -6728,7 +6756,7 @@
     </p:spTree>
     <p:extLst>
       <p:ext uri="{BB962C8B-B14F-4D97-AF65-F5344CB8AC3E}">
-        <p14:creationId xmlns:p14="http://schemas.microsoft.com/office/powerpoint/2010/main" val="1832422868"/>
+        <p14:creationId xmlns:p14="http://schemas.microsoft.com/office/powerpoint/2010/main" val="1085293199"/>
       </p:ext>
     </p:extLst>
   </p:cSld>
@@ -6782,10 +6810,7 @@
           <a:bodyPr/>
           <a:lstStyle/>
           <a:p>
-            <a:r>
-              <a:rPr lang="en-US" dirty="0"/>
-              <a:t>Others include KFF morning briefing (US) and Healthy Debate (Canada)</a:t>
-            </a:r>
+            <a:endParaRPr lang="en-US" dirty="0"/>
           </a:p>
         </p:txBody>
       </p:sp>
@@ -6815,7 +6840,7 @@
     </p:spTree>
     <p:extLst>
       <p:ext uri="{BB962C8B-B14F-4D97-AF65-F5344CB8AC3E}">
-        <p14:creationId xmlns:p14="http://schemas.microsoft.com/office/powerpoint/2010/main" val="2538809164"/>
+        <p14:creationId xmlns:p14="http://schemas.microsoft.com/office/powerpoint/2010/main" val="1832422868"/>
       </p:ext>
     </p:extLst>
   </p:cSld>
@@ -6871,7 +6896,7 @@
           <a:p>
             <a:r>
               <a:rPr lang="en-US" dirty="0"/>
-              <a:t>This is the truth about all projects! </a:t>
+              <a:t>Others include KFF morning briefing (US) and Healthy Debate (Canada)</a:t>
             </a:r>
           </a:p>
         </p:txBody>
@@ -6902,7 +6927,7 @@
     </p:spTree>
     <p:extLst>
       <p:ext uri="{BB962C8B-B14F-4D97-AF65-F5344CB8AC3E}">
-        <p14:creationId xmlns:p14="http://schemas.microsoft.com/office/powerpoint/2010/main" val="2409574444"/>
+        <p14:creationId xmlns:p14="http://schemas.microsoft.com/office/powerpoint/2010/main" val="2538809164"/>
       </p:ext>
     </p:extLst>
   </p:cSld>
@@ -7004,6 +7029,93 @@
   <p:cSld>
     <p:spTree>
       <p:nvGrpSpPr>
+        <p:cNvPr id="1" name=""/>
+        <p:cNvGrpSpPr/>
+        <p:nvPr/>
+      </p:nvGrpSpPr>
+      <p:grpSpPr>
+        <a:xfrm>
+          <a:off x="0" y="0"/>
+          <a:ext cx="0" cy="0"/>
+          <a:chOff x="0" y="0"/>
+          <a:chExt cx="0" cy="0"/>
+        </a:xfrm>
+      </p:grpSpPr>
+      <p:sp>
+        <p:nvSpPr>
+          <p:cNvPr id="2" name="Slide Image Placeholder 1"/>
+          <p:cNvSpPr>
+            <a:spLocks noGrp="1" noRot="1" noChangeAspect="1"/>
+          </p:cNvSpPr>
+          <p:nvPr>
+            <p:ph type="sldImg"/>
+          </p:nvPr>
+        </p:nvSpPr>
+        <p:spPr/>
+      </p:sp>
+      <p:sp>
+        <p:nvSpPr>
+          <p:cNvPr id="3" name="Notes Placeholder 2"/>
+          <p:cNvSpPr>
+            <a:spLocks noGrp="1"/>
+          </p:cNvSpPr>
+          <p:nvPr>
+            <p:ph type="body" idx="1"/>
+          </p:nvPr>
+        </p:nvSpPr>
+        <p:spPr/>
+        <p:txBody>
+          <a:bodyPr/>
+          <a:lstStyle/>
+          <a:p>
+            <a:r>
+              <a:rPr lang="en-US" dirty="0"/>
+              <a:t>This is the truth about all projects! </a:t>
+            </a:r>
+          </a:p>
+        </p:txBody>
+      </p:sp>
+      <p:sp>
+        <p:nvSpPr>
+          <p:cNvPr id="4" name="Slide Number Placeholder 3"/>
+          <p:cNvSpPr>
+            <a:spLocks noGrp="1"/>
+          </p:cNvSpPr>
+          <p:nvPr>
+            <p:ph type="sldNum" sz="quarter" idx="5"/>
+          </p:nvPr>
+        </p:nvSpPr>
+        <p:spPr/>
+        <p:txBody>
+          <a:bodyPr/>
+          <a:lstStyle/>
+          <a:p>
+            <a:fld id="{4AF79E1B-2C51-4B9B-8EA4-26DE9E345AFF}" type="slidenum">
+              <a:rPr lang="en-US" smtClean="0"/>
+              <a:t>60</a:t>
+            </a:fld>
+            <a:endParaRPr lang="en-US"/>
+          </a:p>
+        </p:txBody>
+      </p:sp>
+    </p:spTree>
+    <p:extLst>
+      <p:ext uri="{BB962C8B-B14F-4D97-AF65-F5344CB8AC3E}">
+        <p14:creationId xmlns:p14="http://schemas.microsoft.com/office/powerpoint/2010/main" val="2409574444"/>
+      </p:ext>
+    </p:extLst>
+  </p:cSld>
+  <p:clrMapOvr>
+    <a:masterClrMapping/>
+  </p:clrMapOvr>
+</p:notes>
+</file>
+
+<file path=ppt/notesSlides/notesSlide61.xml><?xml version="1.0" encoding="utf-8"?>
+<p:notes xmlns:a="http://schemas.openxmlformats.org/drawingml/2006/main" xmlns:r="http://schemas.openxmlformats.org/officeDocument/2006/relationships" xmlns:p="http://schemas.openxmlformats.org/presentationml/2006/main">
+  <p:cSld>
+    <p:spTree>
+      <p:nvGrpSpPr>
         <p:cNvPr id="1" name="">
           <a:extLst>
             <a:ext uri="{FF2B5EF4-FFF2-40B4-BE49-F238E27FC236}">
@@ -7091,7 +7203,7 @@
           <a:p>
             <a:fld id="{4AF79E1B-2C51-4B9B-8EA4-26DE9E345AFF}" type="slidenum">
               <a:rPr lang="en-US" smtClean="0"/>
-              <a:t>60</a:t>
+              <a:t>61</a:t>
             </a:fld>
             <a:endParaRPr lang="en-US"/>
           </a:p>
@@ -7101,90 +7213,6 @@
     <p:extLst>
       <p:ext uri="{BB962C8B-B14F-4D97-AF65-F5344CB8AC3E}">
         <p14:creationId xmlns:p14="http://schemas.microsoft.com/office/powerpoint/2010/main" val="2880392013"/>
-      </p:ext>
-    </p:extLst>
-  </p:cSld>
-  <p:clrMapOvr>
-    <a:masterClrMapping/>
-  </p:clrMapOvr>
-</p:notes>
-</file>
-
-<file path=ppt/notesSlides/notesSlide61.xml><?xml version="1.0" encoding="utf-8"?>
-<p:notes xmlns:a="http://schemas.openxmlformats.org/drawingml/2006/main" xmlns:r="http://schemas.openxmlformats.org/officeDocument/2006/relationships" xmlns:p="http://schemas.openxmlformats.org/presentationml/2006/main">
-  <p:cSld>
-    <p:spTree>
-      <p:nvGrpSpPr>
-        <p:cNvPr id="1" name=""/>
-        <p:cNvGrpSpPr/>
-        <p:nvPr/>
-      </p:nvGrpSpPr>
-      <p:grpSpPr>
-        <a:xfrm>
-          <a:off x="0" y="0"/>
-          <a:ext cx="0" cy="0"/>
-          <a:chOff x="0" y="0"/>
-          <a:chExt cx="0" cy="0"/>
-        </a:xfrm>
-      </p:grpSpPr>
-      <p:sp>
-        <p:nvSpPr>
-          <p:cNvPr id="2" name="Slide Image Placeholder 1"/>
-          <p:cNvSpPr>
-            <a:spLocks noGrp="1" noRot="1" noChangeAspect="1"/>
-          </p:cNvSpPr>
-          <p:nvPr>
-            <p:ph type="sldImg"/>
-          </p:nvPr>
-        </p:nvSpPr>
-        <p:spPr/>
-      </p:sp>
-      <p:sp>
-        <p:nvSpPr>
-          <p:cNvPr id="3" name="Notes Placeholder 2"/>
-          <p:cNvSpPr>
-            <a:spLocks noGrp="1"/>
-          </p:cNvSpPr>
-          <p:nvPr>
-            <p:ph type="body" idx="1"/>
-          </p:nvPr>
-        </p:nvSpPr>
-        <p:spPr/>
-        <p:txBody>
-          <a:bodyPr/>
-          <a:lstStyle/>
-          <a:p>
-            <a:endParaRPr lang="en-US" dirty="0"/>
-          </a:p>
-        </p:txBody>
-      </p:sp>
-      <p:sp>
-        <p:nvSpPr>
-          <p:cNvPr id="4" name="Slide Number Placeholder 3"/>
-          <p:cNvSpPr>
-            <a:spLocks noGrp="1"/>
-          </p:cNvSpPr>
-          <p:nvPr>
-            <p:ph type="sldNum" sz="quarter" idx="5"/>
-          </p:nvPr>
-        </p:nvSpPr>
-        <p:spPr/>
-        <p:txBody>
-          <a:bodyPr/>
-          <a:lstStyle/>
-          <a:p>
-            <a:fld id="{4AF79E1B-2C51-4B9B-8EA4-26DE9E345AFF}" type="slidenum">
-              <a:rPr lang="en-US" smtClean="0"/>
-              <a:t>61</a:t>
-            </a:fld>
-            <a:endParaRPr lang="en-US"/>
-          </a:p>
-        </p:txBody>
-      </p:sp>
-    </p:spTree>
-    <p:extLst>
-      <p:ext uri="{BB962C8B-B14F-4D97-AF65-F5344CB8AC3E}">
-        <p14:creationId xmlns:p14="http://schemas.microsoft.com/office/powerpoint/2010/main" val="3947675849"/>
       </p:ext>
     </p:extLst>
   </p:cSld>
@@ -7268,7 +7296,7 @@
     </p:spTree>
     <p:extLst>
       <p:ext uri="{BB962C8B-B14F-4D97-AF65-F5344CB8AC3E}">
-        <p14:creationId xmlns:p14="http://schemas.microsoft.com/office/powerpoint/2010/main" val="2981808148"/>
+        <p14:creationId xmlns:p14="http://schemas.microsoft.com/office/powerpoint/2010/main" val="3947675849"/>
       </p:ext>
     </p:extLst>
   </p:cSld>
@@ -7322,10 +7350,7 @@
           <a:bodyPr/>
           <a:lstStyle/>
           <a:p>
-            <a:r>
-              <a:rPr lang="en-US" dirty="0"/>
-              <a:t>Source: David Card’s lectures https://davidcard.berkeley.edu/lectures/woytinsky.pdf. </a:t>
-            </a:r>
+            <a:endParaRPr lang="en-US" dirty="0"/>
           </a:p>
         </p:txBody>
       </p:sp>
@@ -7355,7 +7380,7 @@
     </p:spTree>
     <p:extLst>
       <p:ext uri="{BB962C8B-B14F-4D97-AF65-F5344CB8AC3E}">
-        <p14:creationId xmlns:p14="http://schemas.microsoft.com/office/powerpoint/2010/main" val="551824792"/>
+        <p14:creationId xmlns:p14="http://schemas.microsoft.com/office/powerpoint/2010/main" val="2981808148"/>
       </p:ext>
     </p:extLst>
   </p:cSld>
@@ -7442,7 +7467,7 @@
     </p:spTree>
     <p:extLst>
       <p:ext uri="{BB962C8B-B14F-4D97-AF65-F5344CB8AC3E}">
-        <p14:creationId xmlns:p14="http://schemas.microsoft.com/office/powerpoint/2010/main" val="1178471820"/>
+        <p14:creationId xmlns:p14="http://schemas.microsoft.com/office/powerpoint/2010/main" val="551824792"/>
       </p:ext>
     </p:extLst>
   </p:cSld>
@@ -7529,7 +7554,7 @@
     </p:spTree>
     <p:extLst>
       <p:ext uri="{BB962C8B-B14F-4D97-AF65-F5344CB8AC3E}">
-        <p14:creationId xmlns:p14="http://schemas.microsoft.com/office/powerpoint/2010/main" val="2681681332"/>
+        <p14:creationId xmlns:p14="http://schemas.microsoft.com/office/powerpoint/2010/main" val="1178471820"/>
       </p:ext>
     </p:extLst>
   </p:cSld>
@@ -7585,7 +7610,7 @@
           <a:p>
             <a:r>
               <a:rPr lang="en-US" dirty="0"/>
-              <a:t>Building a model may require some calculus to solve it, but provides useful insights into relative comparative statics, what the real parameter of interest is (hint: usually a first/second derivative). Can embed these even further into a structural approach (more on this in a separate course, if there is demand?)</a:t>
+              <a:t>Source: David Card’s lectures https://davidcard.berkeley.edu/lectures/woytinsky.pdf. </a:t>
             </a:r>
           </a:p>
         </p:txBody>
@@ -7616,7 +7641,7 @@
     </p:spTree>
     <p:extLst>
       <p:ext uri="{BB962C8B-B14F-4D97-AF65-F5344CB8AC3E}">
-        <p14:creationId xmlns:p14="http://schemas.microsoft.com/office/powerpoint/2010/main" val="1148368308"/>
+        <p14:creationId xmlns:p14="http://schemas.microsoft.com/office/powerpoint/2010/main" val="2681681332"/>
       </p:ext>
     </p:extLst>
   </p:cSld>
@@ -7672,7 +7697,7 @@
           <a:p>
             <a:r>
               <a:rPr lang="en-US" dirty="0"/>
-              <a:t>Source: David Card’s lectures https://davidcard.berkeley.edu/lectures/woytinsky.pdf. Limited extrapolation/external validity for one. No understanding of underlying behavior either. Example: what’s the effect of a health shock? What is the quasi-exogenous variation we are using? What’s the one-equation model? </a:t>
+              <a:t>Building a model may require some calculus to solve it, but provides useful insights into relative comparative statics, what the real parameter of interest is (hint: usually a first/second derivative). Can embed these even further into a structural approach (more on this in a separate course, if there is demand?)</a:t>
             </a:r>
           </a:p>
         </p:txBody>
@@ -7703,7 +7728,7 @@
     </p:spTree>
     <p:extLst>
       <p:ext uri="{BB962C8B-B14F-4D97-AF65-F5344CB8AC3E}">
-        <p14:creationId xmlns:p14="http://schemas.microsoft.com/office/powerpoint/2010/main" val="1989243959"/>
+        <p14:creationId xmlns:p14="http://schemas.microsoft.com/office/powerpoint/2010/main" val="1148368308"/>
       </p:ext>
     </p:extLst>
   </p:cSld>
@@ -7759,7 +7784,7 @@
           <a:p>
             <a:r>
               <a:rPr lang="en-US" dirty="0"/>
-              <a:t>Source: David Card’s lectures https://davidcard.berkeley.edu/lectures/woytinsky.pdf. Example: what’s the effect of a health shock? What is the quasi-exogenous variation we are using? What’s the counterfactual? </a:t>
+              <a:t>Source: David Card’s lectures https://davidcard.berkeley.edu/lectures/woytinsky.pdf. Limited extrapolation/external validity for one. No understanding of underlying behavior either. Example: what’s the effect of a health shock? What is the quasi-exogenous variation we are using? What’s the one-equation model? </a:t>
             </a:r>
           </a:p>
         </p:txBody>
@@ -7790,7 +7815,7 @@
     </p:spTree>
     <p:extLst>
       <p:ext uri="{BB962C8B-B14F-4D97-AF65-F5344CB8AC3E}">
-        <p14:creationId xmlns:p14="http://schemas.microsoft.com/office/powerpoint/2010/main" val="1572588499"/>
+        <p14:creationId xmlns:p14="http://schemas.microsoft.com/office/powerpoint/2010/main" val="1989243959"/>
       </p:ext>
     </p:extLst>
   </p:cSld>
@@ -7846,7 +7871,7 @@
           <a:p>
             <a:r>
               <a:rPr lang="en-US" dirty="0"/>
-              <a:t>There are a whole lot more too! </a:t>
+              <a:t>Source: David Card’s lectures https://davidcard.berkeley.edu/lectures/woytinsky.pdf. Example: what’s the effect of a health shock? What is the quasi-exogenous variation we are using? What’s the counterfactual? </a:t>
             </a:r>
           </a:p>
         </p:txBody>
@@ -7877,7 +7902,7 @@
     </p:spTree>
     <p:extLst>
       <p:ext uri="{BB962C8B-B14F-4D97-AF65-F5344CB8AC3E}">
-        <p14:creationId xmlns:p14="http://schemas.microsoft.com/office/powerpoint/2010/main" val="2723029515"/>
+        <p14:creationId xmlns:p14="http://schemas.microsoft.com/office/powerpoint/2010/main" val="1572588499"/>
       </p:ext>
     </p:extLst>
   </p:cSld>
@@ -8048,7 +8073,7 @@
     </p:spTree>
     <p:extLst>
       <p:ext uri="{BB962C8B-B14F-4D97-AF65-F5344CB8AC3E}">
-        <p14:creationId xmlns:p14="http://schemas.microsoft.com/office/powerpoint/2010/main" val="2115962145"/>
+        <p14:creationId xmlns:p14="http://schemas.microsoft.com/office/powerpoint/2010/main" val="2723029515"/>
       </p:ext>
     </p:extLst>
   </p:cSld>
@@ -8104,7 +8129,7 @@
           <a:p>
             <a:r>
               <a:rPr lang="en-US" dirty="0"/>
-              <a:t>There are a whole lot more too! Lots of spins on this we will cover</a:t>
+              <a:t>There are a whole lot more too! </a:t>
             </a:r>
           </a:p>
         </p:txBody>
@@ -8135,7 +8160,7 @@
     </p:spTree>
     <p:extLst>
       <p:ext uri="{BB962C8B-B14F-4D97-AF65-F5344CB8AC3E}">
-        <p14:creationId xmlns:p14="http://schemas.microsoft.com/office/powerpoint/2010/main" val="1359051087"/>
+        <p14:creationId xmlns:p14="http://schemas.microsoft.com/office/powerpoint/2010/main" val="2115962145"/>
       </p:ext>
     </p:extLst>
   </p:cSld>
@@ -8191,7 +8216,7 @@
           <a:p>
             <a:r>
               <a:rPr lang="en-US" dirty="0"/>
-              <a:t>So in the proposal, next week you need to tell me what your question is and your team – not your method! Unless you have a good idea of one. But you do need to select a method by Nov. 1, and if you want to do a DD for example, you will need to look at the code ahead of time. I recommend talking to me about your method choices in this context! (I know there’s a tradeoff here in that you have to look ahead at resources we haven’t covered quite yet, but the value is that you get to practice applying the method most relevant to your research question). </a:t>
+              <a:t>There are a whole lot more too! Lots of spins on this we will cover</a:t>
             </a:r>
           </a:p>
         </p:txBody>
@@ -8222,7 +8247,7 @@
     </p:spTree>
     <p:extLst>
       <p:ext uri="{BB962C8B-B14F-4D97-AF65-F5344CB8AC3E}">
-        <p14:creationId xmlns:p14="http://schemas.microsoft.com/office/powerpoint/2010/main" val="808882375"/>
+        <p14:creationId xmlns:p14="http://schemas.microsoft.com/office/powerpoint/2010/main" val="1359051087"/>
       </p:ext>
     </p:extLst>
   </p:cSld>
@@ -8278,7 +8303,7 @@
           <a:p>
             <a:r>
               <a:rPr lang="en-US" dirty="0"/>
-              <a:t>Don’t be scared of regression equations – in fact, formalizing them will help you see threats to identification and improve your estimation approach. </a:t>
+              <a:t>So in the proposal, next week you need to tell me what your question is and your team – not your method! Unless you have a good idea of one. But you do need to select a method by Nov. 1, and if you want to do a DD for example, you will need to look at the code ahead of time. I recommend talking to me about your method choices in this context! (I know there’s a tradeoff here in that you have to look ahead at resources we haven’t covered quite yet, but the value is that you get to practice applying the method most relevant to your research question). </a:t>
             </a:r>
           </a:p>
         </p:txBody>
@@ -8309,7 +8334,7 @@
     </p:spTree>
     <p:extLst>
       <p:ext uri="{BB962C8B-B14F-4D97-AF65-F5344CB8AC3E}">
-        <p14:creationId xmlns:p14="http://schemas.microsoft.com/office/powerpoint/2010/main" val="221562421"/>
+        <p14:creationId xmlns:p14="http://schemas.microsoft.com/office/powerpoint/2010/main" val="808882375"/>
       </p:ext>
     </p:extLst>
   </p:cSld>
@@ -8365,7 +8390,7 @@
           <a:p>
             <a:r>
               <a:rPr lang="en-US" dirty="0"/>
-              <a:t>You’ll develop an intuition for this over time. Talk to lots of people about your thoughts!</a:t>
+              <a:t>Don’t be scared of regression equations – in fact, formalizing them will help you see threats to identification and improve your estimation approach. </a:t>
             </a:r>
           </a:p>
         </p:txBody>
@@ -8396,7 +8421,7 @@
     </p:spTree>
     <p:extLst>
       <p:ext uri="{BB962C8B-B14F-4D97-AF65-F5344CB8AC3E}">
-        <p14:creationId xmlns:p14="http://schemas.microsoft.com/office/powerpoint/2010/main" val="4126975419"/>
+        <p14:creationId xmlns:p14="http://schemas.microsoft.com/office/powerpoint/2010/main" val="221562421"/>
       </p:ext>
     </p:extLst>
   </p:cSld>
@@ -8452,7 +8477,7 @@
           <a:p>
             <a:r>
               <a:rPr lang="en-US" dirty="0"/>
-              <a:t>(skip this section if needed for time). Your figures and tables are valuable real estate! Treat them as such. </a:t>
+              <a:t>You’ll develop an intuition for this over time. Talk to lots of people about your thoughts!</a:t>
             </a:r>
           </a:p>
         </p:txBody>
@@ -8483,7 +8508,7 @@
     </p:spTree>
     <p:extLst>
       <p:ext uri="{BB962C8B-B14F-4D97-AF65-F5344CB8AC3E}">
-        <p14:creationId xmlns:p14="http://schemas.microsoft.com/office/powerpoint/2010/main" val="3632658708"/>
+        <p14:creationId xmlns:p14="http://schemas.microsoft.com/office/powerpoint/2010/main" val="4126975419"/>
       </p:ext>
     </p:extLst>
   </p:cSld>
@@ -8539,27 +8564,7 @@
           <a:p>
             <a:r>
               <a:rPr lang="en-US" dirty="0"/>
-              <a:t>Figures are </a:t>
-            </a:r>
-            <a:r>
-              <a:rPr lang="en-US" b="1" dirty="0"/>
-              <a:t>the most important thing </a:t>
-            </a:r>
-            <a:r>
-              <a:rPr lang="en-US" b="0" dirty="0"/>
-              <a:t>about a paper – no, really. I think this is why TWFE took off more than anything else – the figures. </a:t>
-            </a:r>
-            <a:r>
-              <a:rPr lang="en-US" dirty="0"/>
-              <a:t>Read this article in </a:t>
-            </a:r>
-            <a:r>
-              <a:rPr lang="en-US" dirty="0" err="1"/>
-              <a:t>Github</a:t>
-            </a:r>
-            <a:r>
-              <a:rPr lang="en-US" dirty="0"/>
-              <a:t> repo. How does the data viz stack up to some of these principles</a:t>
+              <a:t>(skip this section if needed for time). Your figures and tables are valuable real estate! Treat them as such. </a:t>
             </a:r>
           </a:p>
         </p:txBody>
@@ -8590,7 +8595,7 @@
     </p:spTree>
     <p:extLst>
       <p:ext uri="{BB962C8B-B14F-4D97-AF65-F5344CB8AC3E}">
-        <p14:creationId xmlns:p14="http://schemas.microsoft.com/office/powerpoint/2010/main" val="4181808659"/>
+        <p14:creationId xmlns:p14="http://schemas.microsoft.com/office/powerpoint/2010/main" val="3632658708"/>
       </p:ext>
     </p:extLst>
   </p:cSld>
@@ -8646,15 +8651,27 @@
           <a:p>
             <a:r>
               <a:rPr lang="en-US" dirty="0"/>
-              <a:t>What are some problems with this? This graph is super easy to make in R – but it pays to take the </a:t>
+              <a:t>Figures are </a:t>
+            </a:r>
+            <a:r>
+              <a:rPr lang="en-US" b="1" dirty="0"/>
+              <a:t>the most important thing </a:t>
+            </a:r>
+            <a:r>
+              <a:rPr lang="en-US" b="0" dirty="0"/>
+              <a:t>about a paper – no, really. I think this is why TWFE took off more than anything else – the figures. </a:t>
+            </a:r>
+            <a:r>
+              <a:rPr lang="en-US" dirty="0"/>
+              <a:t>Read this article in </a:t>
             </a:r>
             <a:r>
               <a:rPr lang="en-US" dirty="0" err="1"/>
-              <a:t>tmie</a:t>
+              <a:t>Github</a:t>
             </a:r>
             <a:r>
               <a:rPr lang="en-US" dirty="0"/>
-              <a:t> to clean it up. </a:t>
+              <a:t> repo. How does the data viz stack up to some of these principles</a:t>
             </a:r>
           </a:p>
         </p:txBody>
@@ -8685,7 +8702,7 @@
     </p:spTree>
     <p:extLst>
       <p:ext uri="{BB962C8B-B14F-4D97-AF65-F5344CB8AC3E}">
-        <p14:creationId xmlns:p14="http://schemas.microsoft.com/office/powerpoint/2010/main" val="2852813994"/>
+        <p14:creationId xmlns:p14="http://schemas.microsoft.com/office/powerpoint/2010/main" val="4181808659"/>
       </p:ext>
     </p:extLst>
   </p:cSld>
@@ -8741,7 +8758,15 @@
           <a:p>
             <a:r>
               <a:rPr lang="en-US" dirty="0"/>
-              <a:t>How is this better/ What does it tell us about the paper without reading it? </a:t>
+              <a:t>What are some problems with this? This graph is super easy to make in R – but it pays to take the </a:t>
+            </a:r>
+            <a:r>
+              <a:rPr lang="en-US" dirty="0" err="1"/>
+              <a:t>tmie</a:t>
+            </a:r>
+            <a:r>
+              <a:rPr lang="en-US" dirty="0"/>
+              <a:t> to clean it up. </a:t>
             </a:r>
           </a:p>
         </p:txBody>
@@ -8772,7 +8797,7 @@
     </p:spTree>
     <p:extLst>
       <p:ext uri="{BB962C8B-B14F-4D97-AF65-F5344CB8AC3E}">
-        <p14:creationId xmlns:p14="http://schemas.microsoft.com/office/powerpoint/2010/main" val="1183015076"/>
+        <p14:creationId xmlns:p14="http://schemas.microsoft.com/office/powerpoint/2010/main" val="2852813994"/>
       </p:ext>
     </p:extLst>
   </p:cSld>
@@ -8828,7 +8853,7 @@
           <a:p>
             <a:r>
               <a:rPr lang="en-US" dirty="0"/>
-              <a:t>This chart just doesn’t tell the story we want it to!</a:t>
+              <a:t>How is this better/ What does it tell us about the paper without reading it? </a:t>
             </a:r>
           </a:p>
         </p:txBody>
@@ -8859,7 +8884,7 @@
     </p:spTree>
     <p:extLst>
       <p:ext uri="{BB962C8B-B14F-4D97-AF65-F5344CB8AC3E}">
-        <p14:creationId xmlns:p14="http://schemas.microsoft.com/office/powerpoint/2010/main" val="3487485327"/>
+        <p14:creationId xmlns:p14="http://schemas.microsoft.com/office/powerpoint/2010/main" val="1183015076"/>
       </p:ext>
     </p:extLst>
   </p:cSld>
@@ -9002,7 +9027,7 @@
           <a:p>
             <a:r>
               <a:rPr lang="en-US" dirty="0"/>
-              <a:t>Now what’s the takeaway? </a:t>
+              <a:t>This chart just doesn’t tell the story we want it to!</a:t>
             </a:r>
           </a:p>
         </p:txBody>
@@ -9033,7 +9058,7 @@
     </p:spTree>
     <p:extLst>
       <p:ext uri="{BB962C8B-B14F-4D97-AF65-F5344CB8AC3E}">
-        <p14:creationId xmlns:p14="http://schemas.microsoft.com/office/powerpoint/2010/main" val="646126177"/>
+        <p14:creationId xmlns:p14="http://schemas.microsoft.com/office/powerpoint/2010/main" val="3487485327"/>
       </p:ext>
     </p:extLst>
   </p:cSld>
@@ -9089,13 +9114,7 @@
           <a:p>
             <a:r>
               <a:rPr lang="en-US" dirty="0"/>
-              <a:t>If there’s time, data storytelling ted talks (probably will have to skip). Start with #1 if time. </a:t>
-            </a:r>
-          </a:p>
-          <a:p>
-            <a:r>
-              <a:rPr lang="en-US" dirty="0"/>
-              <a:t>* Ideas should be simple, and you should focus on one. People think I do this, but really I do this (start at 6minutes)</a:t>
+              <a:t>Now what’s the takeaway? </a:t>
             </a:r>
           </a:p>
         </p:txBody>
@@ -9126,7 +9145,7 @@
     </p:spTree>
     <p:extLst>
       <p:ext uri="{BB962C8B-B14F-4D97-AF65-F5344CB8AC3E}">
-        <p14:creationId xmlns:p14="http://schemas.microsoft.com/office/powerpoint/2010/main" val="3595373388"/>
+        <p14:creationId xmlns:p14="http://schemas.microsoft.com/office/powerpoint/2010/main" val="646126177"/>
       </p:ext>
     </p:extLst>
   </p:cSld>
@@ -9182,7 +9201,13 @@
           <a:p>
             <a:r>
               <a:rPr lang="en-US" dirty="0"/>
-              <a:t>Follow the outlines! </a:t>
+              <a:t>If there’s time, data storytelling ted talks (probably will have to skip). Start with #1 if time. </a:t>
+            </a:r>
+          </a:p>
+          <a:p>
+            <a:r>
+              <a:rPr lang="en-US" dirty="0"/>
+              <a:t>* Ideas should be simple, and you should focus on one. People think I do this, but really I do this (start at 6minutes)</a:t>
             </a:r>
           </a:p>
         </p:txBody>
@@ -9213,7 +9238,7 @@
     </p:spTree>
     <p:extLst>
       <p:ext uri="{BB962C8B-B14F-4D97-AF65-F5344CB8AC3E}">
-        <p14:creationId xmlns:p14="http://schemas.microsoft.com/office/powerpoint/2010/main" val="3569071865"/>
+        <p14:creationId xmlns:p14="http://schemas.microsoft.com/office/powerpoint/2010/main" val="3595373388"/>
       </p:ext>
     </p:extLst>
   </p:cSld>
@@ -9269,7 +9294,7 @@
           <a:p>
             <a:r>
               <a:rPr lang="en-US" dirty="0"/>
-              <a:t>What’s more, just copy structures of papers you think are good (literally – table 1 does X, etc.) This both makes your writing better and makes it easier for reviewers. </a:t>
+              <a:t>Follow the outlines! </a:t>
             </a:r>
           </a:p>
         </p:txBody>
@@ -9292,6 +9317,93 @@
             <a:fld id="{4AF79E1B-2C51-4B9B-8EA4-26DE9E345AFF}" type="slidenum">
               <a:rPr lang="en-US" smtClean="0"/>
               <a:t>83</a:t>
+            </a:fld>
+            <a:endParaRPr lang="en-US"/>
+          </a:p>
+        </p:txBody>
+      </p:sp>
+    </p:spTree>
+    <p:extLst>
+      <p:ext uri="{BB962C8B-B14F-4D97-AF65-F5344CB8AC3E}">
+        <p14:creationId xmlns:p14="http://schemas.microsoft.com/office/powerpoint/2010/main" val="3569071865"/>
+      </p:ext>
+    </p:extLst>
+  </p:cSld>
+  <p:clrMapOvr>
+    <a:masterClrMapping/>
+  </p:clrMapOvr>
+</p:notes>
+</file>
+
+<file path=ppt/notesSlides/notesSlide84.xml><?xml version="1.0" encoding="utf-8"?>
+<p:notes xmlns:a="http://schemas.openxmlformats.org/drawingml/2006/main" xmlns:r="http://schemas.openxmlformats.org/officeDocument/2006/relationships" xmlns:p="http://schemas.openxmlformats.org/presentationml/2006/main">
+  <p:cSld>
+    <p:spTree>
+      <p:nvGrpSpPr>
+        <p:cNvPr id="1" name=""/>
+        <p:cNvGrpSpPr/>
+        <p:nvPr/>
+      </p:nvGrpSpPr>
+      <p:grpSpPr>
+        <a:xfrm>
+          <a:off x="0" y="0"/>
+          <a:ext cx="0" cy="0"/>
+          <a:chOff x="0" y="0"/>
+          <a:chExt cx="0" cy="0"/>
+        </a:xfrm>
+      </p:grpSpPr>
+      <p:sp>
+        <p:nvSpPr>
+          <p:cNvPr id="2" name="Slide Image Placeholder 1"/>
+          <p:cNvSpPr>
+            <a:spLocks noGrp="1" noRot="1" noChangeAspect="1"/>
+          </p:cNvSpPr>
+          <p:nvPr>
+            <p:ph type="sldImg"/>
+          </p:nvPr>
+        </p:nvSpPr>
+        <p:spPr/>
+      </p:sp>
+      <p:sp>
+        <p:nvSpPr>
+          <p:cNvPr id="3" name="Notes Placeholder 2"/>
+          <p:cNvSpPr>
+            <a:spLocks noGrp="1"/>
+          </p:cNvSpPr>
+          <p:nvPr>
+            <p:ph type="body" idx="1"/>
+          </p:nvPr>
+        </p:nvSpPr>
+        <p:spPr/>
+        <p:txBody>
+          <a:bodyPr/>
+          <a:lstStyle/>
+          <a:p>
+            <a:r>
+              <a:rPr lang="en-US" dirty="0"/>
+              <a:t>What’s more, just copy structures of papers you think are good (literally – table 1 does X, etc.) This both makes your writing better and makes it easier for reviewers. </a:t>
+            </a:r>
+          </a:p>
+        </p:txBody>
+      </p:sp>
+      <p:sp>
+        <p:nvSpPr>
+          <p:cNvPr id="4" name="Slide Number Placeholder 3"/>
+          <p:cNvSpPr>
+            <a:spLocks noGrp="1"/>
+          </p:cNvSpPr>
+          <p:nvPr>
+            <p:ph type="sldNum" sz="quarter" idx="5"/>
+          </p:nvPr>
+        </p:nvSpPr>
+        <p:spPr/>
+        <p:txBody>
+          <a:bodyPr/>
+          <a:lstStyle/>
+          <a:p>
+            <a:fld id="{4AF79E1B-2C51-4B9B-8EA4-26DE9E345AFF}" type="slidenum">
+              <a:rPr lang="en-US" smtClean="0"/>
+              <a:t>84</a:t>
             </a:fld>
             <a:endParaRPr lang="en-US"/>
           </a:p>
@@ -9566,7 +9678,7 @@
             <a:fld id="{0972D05C-DCFB-4BB6-B49C-AC126BF3ED2C}" type="datetimeFigureOut">
               <a:rPr lang="en-US" smtClean="0"/>
               <a:pPr/>
-              <a:t>10/3/2025</a:t>
+              <a:t>10/6/2025</a:t>
             </a:fld>
             <a:endParaRPr lang="en-US"/>
           </a:p>
@@ -9803,7 +9915,7 @@
             <a:fld id="{0972D05C-DCFB-4BB6-B49C-AC126BF3ED2C}" type="datetimeFigureOut">
               <a:rPr lang="en-US" smtClean="0"/>
               <a:pPr/>
-              <a:t>10/3/2025</a:t>
+              <a:t>10/6/2025</a:t>
             </a:fld>
             <a:endParaRPr lang="en-US"/>
           </a:p>
@@ -9985,7 +10097,7 @@
             <a:fld id="{0972D05C-DCFB-4BB6-B49C-AC126BF3ED2C}" type="datetimeFigureOut">
               <a:rPr lang="en-US" smtClean="0"/>
               <a:pPr/>
-              <a:t>10/3/2025</a:t>
+              <a:t>10/6/2025</a:t>
             </a:fld>
             <a:endParaRPr lang="en-US"/>
           </a:p>
@@ -10157,7 +10269,7 @@
             <a:fld id="{0972D05C-DCFB-4BB6-B49C-AC126BF3ED2C}" type="datetimeFigureOut">
               <a:rPr lang="en-US" smtClean="0"/>
               <a:pPr/>
-              <a:t>10/3/2025</a:t>
+              <a:t>10/6/2025</a:t>
             </a:fld>
             <a:endParaRPr lang="en-US"/>
           </a:p>
@@ -10413,7 +10525,7 @@
             <a:fld id="{0972D05C-DCFB-4BB6-B49C-AC126BF3ED2C}" type="datetimeFigureOut">
               <a:rPr lang="en-US" smtClean="0"/>
               <a:pPr/>
-              <a:t>10/3/2025</a:t>
+              <a:t>10/6/2025</a:t>
             </a:fld>
             <a:endParaRPr lang="en-US"/>
           </a:p>
@@ -10741,7 +10853,7 @@
             <a:fld id="{0972D05C-DCFB-4BB6-B49C-AC126BF3ED2C}" type="datetimeFigureOut">
               <a:rPr lang="en-US" smtClean="0"/>
               <a:pPr/>
-              <a:t>10/3/2025</a:t>
+              <a:t>10/6/2025</a:t>
             </a:fld>
             <a:endParaRPr lang="en-US"/>
           </a:p>
@@ -11194,7 +11306,7 @@
             <a:fld id="{0972D05C-DCFB-4BB6-B49C-AC126BF3ED2C}" type="datetimeFigureOut">
               <a:rPr lang="en-US" smtClean="0"/>
               <a:pPr/>
-              <a:t>10/3/2025</a:t>
+              <a:t>10/6/2025</a:t>
             </a:fld>
             <a:endParaRPr lang="en-US"/>
           </a:p>
@@ -11314,7 +11426,7 @@
             <a:fld id="{0972D05C-DCFB-4BB6-B49C-AC126BF3ED2C}" type="datetimeFigureOut">
               <a:rPr lang="en-US" smtClean="0"/>
               <a:pPr/>
-              <a:t>10/3/2025</a:t>
+              <a:t>10/6/2025</a:t>
             </a:fld>
             <a:endParaRPr lang="en-US"/>
           </a:p>
@@ -11411,7 +11523,7 @@
             <a:fld id="{0972D05C-DCFB-4BB6-B49C-AC126BF3ED2C}" type="datetimeFigureOut">
               <a:rPr lang="en-US" smtClean="0"/>
               <a:pPr/>
-              <a:t>10/3/2025</a:t>
+              <a:t>10/6/2025</a:t>
             </a:fld>
             <a:endParaRPr lang="en-US"/>
           </a:p>
@@ -11700,7 +11812,7 @@
             <a:fld id="{0972D05C-DCFB-4BB6-B49C-AC126BF3ED2C}" type="datetimeFigureOut">
               <a:rPr lang="en-US" smtClean="0"/>
               <a:pPr/>
-              <a:t>10/3/2025</a:t>
+              <a:t>10/6/2025</a:t>
             </a:fld>
             <a:endParaRPr lang="en-US"/>
           </a:p>
@@ -12024,7 +12136,7 @@
             <a:fld id="{0972D05C-DCFB-4BB6-B49C-AC126BF3ED2C}" type="datetimeFigureOut">
               <a:rPr lang="en-US" smtClean="0"/>
               <a:pPr/>
-              <a:t>10/3/2025</a:t>
+              <a:t>10/6/2025</a:t>
             </a:fld>
             <a:endParaRPr lang="en-US"/>
           </a:p>
@@ -12286,7 +12398,7 @@
             <a:fld id="{0972D05C-DCFB-4BB6-B49C-AC126BF3ED2C}" type="datetimeFigureOut">
               <a:rPr lang="en-US" smtClean="0"/>
               <a:pPr/>
-              <a:t>10/3/2025</a:t>
+              <a:t>10/6/2025</a:t>
             </a:fld>
             <a:endParaRPr lang="en-US" dirty="0"/>
           </a:p>
@@ -12873,6 +12985,152 @@
   <p:cSld>
     <p:spTree>
       <p:nvGrpSpPr>
+        <p:cNvPr id="1" name="">
+          <a:extLst>
+            <a:ext uri="{FF2B5EF4-FFF2-40B4-BE49-F238E27FC236}">
+              <a16:creationId xmlns:a16="http://schemas.microsoft.com/office/drawing/2014/main" id="{04D94B09-66A3-1639-E79E-CA4D5B7C435C}"/>
+            </a:ext>
+          </a:extLst>
+        </p:cNvPr>
+        <p:cNvGrpSpPr/>
+        <p:nvPr/>
+      </p:nvGrpSpPr>
+      <p:grpSpPr>
+        <a:xfrm>
+          <a:off x="0" y="0"/>
+          <a:ext cx="0" cy="0"/>
+          <a:chOff x="0" y="0"/>
+          <a:chExt cx="0" cy="0"/>
+        </a:xfrm>
+      </p:grpSpPr>
+      <p:sp>
+        <p:nvSpPr>
+          <p:cNvPr id="5" name="Title 4">
+            <a:extLst>
+              <a:ext uri="{FF2B5EF4-FFF2-40B4-BE49-F238E27FC236}">
+                <a16:creationId xmlns:a16="http://schemas.microsoft.com/office/drawing/2014/main" id="{61EAF8C6-037C-285E-D30A-2EA895A391FA}"/>
+              </a:ext>
+            </a:extLst>
+          </p:cNvPr>
+          <p:cNvSpPr>
+            <a:spLocks noGrp="1"/>
+          </p:cNvSpPr>
+          <p:nvPr>
+            <p:ph type="title"/>
+          </p:nvPr>
+        </p:nvSpPr>
+        <p:spPr/>
+        <p:txBody>
+          <a:bodyPr/>
+          <a:lstStyle/>
+          <a:p>
+            <a:endParaRPr lang="en-CA"/>
+          </a:p>
+        </p:txBody>
+      </p:sp>
+      <p:pic>
+        <p:nvPicPr>
+          <p:cNvPr id="1026" name="Picture 2" descr="🎤 Ken voice: 'My job is just... beach.' 🌊 Would you like to be a  full-time beachcomber?">
+            <a:extLst>
+              <a:ext uri="{FF2B5EF4-FFF2-40B4-BE49-F238E27FC236}">
+                <a16:creationId xmlns:a16="http://schemas.microsoft.com/office/drawing/2014/main" id="{0E5627B7-6175-7CA7-5645-EEE71274CE25}"/>
+              </a:ext>
+            </a:extLst>
+          </p:cNvPr>
+          <p:cNvPicPr>
+            <a:picLocks noChangeAspect="1" noChangeArrowheads="1"/>
+          </p:cNvPicPr>
+          <p:nvPr/>
+        </p:nvPicPr>
+        <p:blipFill>
+          <a:blip r:embed="rId3">
+            <a:extLst>
+              <a:ext uri="{28A0092B-C50C-407E-A947-70E740481C1C}">
+                <a14:useLocalDpi xmlns:a14="http://schemas.microsoft.com/office/drawing/2010/main" val="0"/>
+              </a:ext>
+            </a:extLst>
+          </a:blip>
+          <a:srcRect/>
+          <a:stretch>
+            <a:fillRect/>
+          </a:stretch>
+        </p:blipFill>
+        <p:spPr bwMode="auto">
+          <a:xfrm>
+            <a:off x="457199" y="348826"/>
+            <a:ext cx="10484733" cy="5899573"/>
+          </a:xfrm>
+          <a:prstGeom prst="rect">
+            <a:avLst/>
+          </a:prstGeom>
+          <a:noFill/>
+          <a:extLst>
+            <a:ext uri="{909E8E84-426E-40DD-AFC4-6F175D3DCCD1}">
+              <a14:hiddenFill xmlns:a14="http://schemas.microsoft.com/office/drawing/2010/main">
+                <a:solidFill>
+                  <a:srgbClr val="FFFFFF"/>
+                </a:solidFill>
+              </a14:hiddenFill>
+            </a:ext>
+          </a:extLst>
+        </p:spPr>
+      </p:pic>
+      <p:sp>
+        <p:nvSpPr>
+          <p:cNvPr id="12" name="TextBox 11">
+            <a:extLst>
+              <a:ext uri="{FF2B5EF4-FFF2-40B4-BE49-F238E27FC236}">
+                <a16:creationId xmlns:a16="http://schemas.microsoft.com/office/drawing/2014/main" id="{EC7E712B-CA41-A25B-65EE-B5C709ECFE41}"/>
+              </a:ext>
+            </a:extLst>
+          </p:cNvPr>
+          <p:cNvSpPr txBox="1"/>
+          <p:nvPr/>
+        </p:nvSpPr>
+        <p:spPr>
+          <a:xfrm>
+            <a:off x="7315200" y="5715000"/>
+            <a:ext cx="1981200" cy="369332"/>
+          </a:xfrm>
+          <a:prstGeom prst="rect">
+            <a:avLst/>
+          </a:prstGeom>
+          <a:solidFill>
+            <a:schemeClr val="bg1"/>
+          </a:solidFill>
+        </p:spPr>
+        <p:txBody>
+          <a:bodyPr wrap="square" rtlCol="0">
+            <a:spAutoFit/>
+          </a:bodyPr>
+          <a:lstStyle/>
+          <a:p>
+            <a:r>
+              <a:rPr lang="en-US" b="1" dirty="0"/>
+              <a:t>Data cleaning</a:t>
+            </a:r>
+            <a:endParaRPr lang="en-CA" b="1" dirty="0"/>
+          </a:p>
+        </p:txBody>
+      </p:sp>
+    </p:spTree>
+    <p:extLst>
+      <p:ext uri="{BB962C8B-B14F-4D97-AF65-F5344CB8AC3E}">
+        <p14:creationId xmlns:p14="http://schemas.microsoft.com/office/powerpoint/2010/main" val="3635539773"/>
+      </p:ext>
+    </p:extLst>
+  </p:cSld>
+  <p:clrMapOvr>
+    <a:masterClrMapping/>
+  </p:clrMapOvr>
+</p:sld>
+</file>
+
+<file path=ppt/slides/slide11.xml><?xml version="1.0" encoding="utf-8"?>
+<p:sld xmlns:a="http://schemas.openxmlformats.org/drawingml/2006/main" xmlns:r="http://schemas.openxmlformats.org/officeDocument/2006/relationships" xmlns:p="http://schemas.openxmlformats.org/presentationml/2006/main">
+  <p:cSld>
+    <p:spTree>
+      <p:nvGrpSpPr>
         <p:cNvPr id="1" name=""/>
         <p:cNvGrpSpPr/>
         <p:nvPr/>
@@ -13003,7 +13261,7 @@
 </p:sld>
 </file>
 
-<file path=ppt/slides/slide11.xml><?xml version="1.0" encoding="utf-8"?>
+<file path=ppt/slides/slide12.xml><?xml version="1.0" encoding="utf-8"?>
 <p:sld xmlns:a="http://schemas.openxmlformats.org/drawingml/2006/main" xmlns:r="http://schemas.openxmlformats.org/officeDocument/2006/relationships" xmlns:p="http://schemas.openxmlformats.org/presentationml/2006/main">
   <p:cSld>
     <p:spTree>
@@ -13095,7 +13353,7 @@
 </p:sld>
 </file>
 
-<file path=ppt/slides/slide12.xml><?xml version="1.0" encoding="utf-8"?>
+<file path=ppt/slides/slide13.xml><?xml version="1.0" encoding="utf-8"?>
 <p:sld xmlns:a="http://schemas.openxmlformats.org/drawingml/2006/main" xmlns:r="http://schemas.openxmlformats.org/officeDocument/2006/relationships" xmlns:p="http://schemas.openxmlformats.org/presentationml/2006/main">
   <p:cSld>
     <p:spTree>
@@ -13229,7 +13487,7 @@
 </p:sld>
 </file>
 
-<file path=ppt/slides/slide13.xml><?xml version="1.0" encoding="utf-8"?>
+<file path=ppt/slides/slide14.xml><?xml version="1.0" encoding="utf-8"?>
 <p:sld xmlns:a="http://schemas.openxmlformats.org/drawingml/2006/main" xmlns:r="http://schemas.openxmlformats.org/officeDocument/2006/relationships" xmlns:p="http://schemas.openxmlformats.org/presentationml/2006/main">
   <p:cSld>
     <p:spTree>
@@ -14159,7 +14417,7 @@
 </p:sld>
 </file>
 
-<file path=ppt/slides/slide14.xml><?xml version="1.0" encoding="utf-8"?>
+<file path=ppt/slides/slide15.xml><?xml version="1.0" encoding="utf-8"?>
 <p:sld xmlns:a="http://schemas.openxmlformats.org/drawingml/2006/main" xmlns:r="http://schemas.openxmlformats.org/officeDocument/2006/relationships" xmlns:p="http://schemas.openxmlformats.org/presentationml/2006/main">
   <p:cSld>
     <p:spTree>
@@ -15089,7 +15347,7 @@
 </p:sld>
 </file>
 
-<file path=ppt/slides/slide15.xml><?xml version="1.0" encoding="utf-8"?>
+<file path=ppt/slides/slide16.xml><?xml version="1.0" encoding="utf-8"?>
 <p:sld xmlns:a="http://schemas.openxmlformats.org/drawingml/2006/main" xmlns:r="http://schemas.openxmlformats.org/officeDocument/2006/relationships" xmlns:p="http://schemas.openxmlformats.org/presentationml/2006/main">
   <p:cSld>
     <p:spTree>
@@ -15280,7 +15538,7 @@
 </p:sld>
 </file>
 
-<file path=ppt/slides/slide16.xml><?xml version="1.0" encoding="utf-8"?>
+<file path=ppt/slides/slide17.xml><?xml version="1.0" encoding="utf-8"?>
 <p:sld xmlns:a="http://schemas.openxmlformats.org/drawingml/2006/main" xmlns:r="http://schemas.openxmlformats.org/officeDocument/2006/relationships" xmlns:p="http://schemas.openxmlformats.org/presentationml/2006/main">
   <p:cSld>
     <p:spTree>
@@ -16210,7 +16468,7 @@
 </p:sld>
 </file>
 
-<file path=ppt/slides/slide17.xml><?xml version="1.0" encoding="utf-8"?>
+<file path=ppt/slides/slide18.xml><?xml version="1.0" encoding="utf-8"?>
 <p:sld xmlns:a="http://schemas.openxmlformats.org/drawingml/2006/main" xmlns:r="http://schemas.openxmlformats.org/officeDocument/2006/relationships" xmlns:p="http://schemas.openxmlformats.org/presentationml/2006/main">
   <p:cSld>
     <p:spTree>
@@ -16404,7 +16662,7 @@
 </p:sld>
 </file>
 
-<file path=ppt/slides/slide18.xml><?xml version="1.0" encoding="utf-8"?>
+<file path=ppt/slides/slide19.xml><?xml version="1.0" encoding="utf-8"?>
 <p:sld xmlns:a="http://schemas.openxmlformats.org/drawingml/2006/main" xmlns:r="http://schemas.openxmlformats.org/officeDocument/2006/relationships" xmlns:p="http://schemas.openxmlformats.org/presentationml/2006/main">
   <p:cSld>
     <p:spTree>
@@ -16542,271 +16800,6 @@
     <p:extLst>
       <p:ext uri="{BB962C8B-B14F-4D97-AF65-F5344CB8AC3E}">
         <p14:creationId xmlns:p14="http://schemas.microsoft.com/office/powerpoint/2010/main" val="3507720372"/>
-      </p:ext>
-    </p:extLst>
-  </p:cSld>
-  <p:clrMapOvr>
-    <a:masterClrMapping/>
-  </p:clrMapOvr>
-</p:sld>
-</file>
-
-<file path=ppt/slides/slide19.xml><?xml version="1.0" encoding="utf-8"?>
-<p:sld xmlns:a="http://schemas.openxmlformats.org/drawingml/2006/main" xmlns:r="http://schemas.openxmlformats.org/officeDocument/2006/relationships" xmlns:p="http://schemas.openxmlformats.org/presentationml/2006/main">
-  <p:cSld>
-    <p:spTree>
-      <p:nvGrpSpPr>
-        <p:cNvPr id="1" name="">
-          <a:extLst>
-            <a:ext uri="{FF2B5EF4-FFF2-40B4-BE49-F238E27FC236}">
-              <a16:creationId xmlns:a16="http://schemas.microsoft.com/office/drawing/2014/main" id="{042D9556-E3CF-19F2-E99B-85A2281A163D}"/>
-            </a:ext>
-          </a:extLst>
-        </p:cNvPr>
-        <p:cNvGrpSpPr/>
-        <p:nvPr/>
-      </p:nvGrpSpPr>
-      <p:grpSpPr>
-        <a:xfrm>
-          <a:off x="0" y="0"/>
-          <a:ext cx="0" cy="0"/>
-          <a:chOff x="0" y="0"/>
-          <a:chExt cx="0" cy="0"/>
-        </a:xfrm>
-      </p:grpSpPr>
-      <p:sp>
-        <p:nvSpPr>
-          <p:cNvPr id="2" name="Title 1">
-            <a:extLst>
-              <a:ext uri="{FF2B5EF4-FFF2-40B4-BE49-F238E27FC236}">
-                <a16:creationId xmlns:a16="http://schemas.microsoft.com/office/drawing/2014/main" id="{C1B5E2D4-2091-0EF1-78B2-1A02C18F370F}"/>
-              </a:ext>
-            </a:extLst>
-          </p:cNvPr>
-          <p:cNvSpPr>
-            <a:spLocks noGrp="1"/>
-          </p:cNvSpPr>
-          <p:nvPr>
-            <p:ph type="title"/>
-          </p:nvPr>
-        </p:nvSpPr>
-        <p:spPr>
-          <a:xfrm>
-            <a:off x="609600" y="337392"/>
-            <a:ext cx="10439400" cy="624840"/>
-          </a:xfrm>
-        </p:spPr>
-        <p:txBody>
-          <a:bodyPr>
-            <a:noAutofit/>
-          </a:bodyPr>
-          <a:lstStyle/>
-          <a:p>
-            <a:r>
-              <a:rPr lang="en-US" sz="3600" dirty="0">
-                <a:cs typeface="Times New Roman" panose="02020603050405020304" pitchFamily="18" charset="0"/>
-              </a:rPr>
-              <a:t>Pre-Analysis Plans in Quantitative Research </a:t>
-            </a:r>
-            <a:endParaRPr lang="en-US" sz="3600" dirty="0">
-              <a:latin typeface="Times New Roman" panose="02020603050405020304" pitchFamily="18" charset="0"/>
-              <a:cs typeface="Times New Roman" panose="02020603050405020304" pitchFamily="18" charset="0"/>
-            </a:endParaRPr>
-          </a:p>
-        </p:txBody>
-      </p:sp>
-      <p:sp>
-        <p:nvSpPr>
-          <p:cNvPr id="5" name="Content Placeholder 2">
-            <a:extLst>
-              <a:ext uri="{FF2B5EF4-FFF2-40B4-BE49-F238E27FC236}">
-                <a16:creationId xmlns:a16="http://schemas.microsoft.com/office/drawing/2014/main" id="{1C616851-53E9-D0EC-7FD8-CAA006776DD4}"/>
-              </a:ext>
-            </a:extLst>
-          </p:cNvPr>
-          <p:cNvSpPr>
-            <a:spLocks noGrp="1"/>
-          </p:cNvSpPr>
-          <p:nvPr>
-            <p:ph idx="1"/>
-          </p:nvPr>
-        </p:nvSpPr>
-        <p:spPr>
-          <a:xfrm>
-            <a:off x="609601" y="1066801"/>
-            <a:ext cx="10015390" cy="5141388"/>
-          </a:xfrm>
-        </p:spPr>
-        <p:txBody>
-          <a:bodyPr>
-            <a:noAutofit/>
-          </a:bodyPr>
-          <a:lstStyle/>
-          <a:p>
-            <a:pPr marL="0" indent="0">
-              <a:buNone/>
-            </a:pPr>
-            <a:r>
-              <a:rPr lang="en-US" sz="2400" dirty="0">
-                <a:cs typeface="Times New Roman" panose="02020603050405020304" pitchFamily="18" charset="0"/>
-              </a:rPr>
-              <a:t>Should I specify a pre-analysis plan (PAP) for my project?</a:t>
-            </a:r>
-          </a:p>
-          <a:p>
-            <a:pPr marL="0" indent="0">
-              <a:buNone/>
-            </a:pPr>
-            <a:r>
-              <a:rPr lang="en-US" sz="2400" dirty="0">
-                <a:cs typeface="Times New Roman" panose="02020603050405020304" pitchFamily="18" charset="0"/>
-              </a:rPr>
-              <a:t>Pros: Increase transparency, meet the “genre” of your field if needed. Also helpful to box yourself in a bit! </a:t>
-            </a:r>
-          </a:p>
-          <a:p>
-            <a:pPr marL="0" indent="0">
-              <a:buNone/>
-            </a:pPr>
-            <a:r>
-              <a:rPr lang="en-US" sz="2400" dirty="0">
-                <a:cs typeface="Times New Roman" panose="02020603050405020304" pitchFamily="18" charset="0"/>
-              </a:rPr>
-              <a:t>Cons: Limits flexibility when new questions arise (what are the mechanisms) or when you are in a field that preempts referee reports (e.g., additional analysis expected prior to submission). </a:t>
-            </a:r>
-          </a:p>
-          <a:p>
-            <a:pPr marL="0" indent="0">
-              <a:buNone/>
-            </a:pPr>
-            <a:r>
-              <a:rPr lang="en-US" sz="2400" dirty="0">
-                <a:cs typeface="Times New Roman" panose="02020603050405020304" pitchFamily="18" charset="0"/>
-              </a:rPr>
-              <a:t>Field expectations: This is far less common in observational research compared to RCTs, but there is some overlap. </a:t>
-            </a:r>
-          </a:p>
-          <a:p>
-            <a:pPr marL="0" indent="0">
-              <a:buNone/>
-            </a:pPr>
-            <a:r>
-              <a:rPr lang="en-US" sz="2400" dirty="0">
-                <a:cs typeface="Times New Roman" panose="02020603050405020304" pitchFamily="18" charset="0"/>
-              </a:rPr>
-              <a:t>What I recommend: Have a </a:t>
-            </a:r>
-            <a:r>
-              <a:rPr lang="en-US" sz="2400" i="1" dirty="0">
-                <a:cs typeface="Times New Roman" panose="02020603050405020304" pitchFamily="18" charset="0"/>
-              </a:rPr>
-              <a:t>flexible </a:t>
-            </a:r>
-            <a:r>
-              <a:rPr lang="en-US" sz="2400" dirty="0">
-                <a:cs typeface="Times New Roman" panose="02020603050405020304" pitchFamily="18" charset="0"/>
-              </a:rPr>
-              <a:t>PAP that specifies: </a:t>
-            </a:r>
-          </a:p>
-          <a:p>
-            <a:pPr lvl="1"/>
-            <a:r>
-              <a:rPr lang="en-US" sz="2200" b="1" dirty="0">
-                <a:cs typeface="Times New Roman" panose="02020603050405020304" pitchFamily="18" charset="0"/>
-              </a:rPr>
-              <a:t>Hypothesis/research question</a:t>
-            </a:r>
-          </a:p>
-          <a:p>
-            <a:pPr lvl="1"/>
-            <a:r>
-              <a:rPr lang="en-US" sz="2200" b="1" dirty="0">
-                <a:cs typeface="Times New Roman" panose="02020603050405020304" pitchFamily="18" charset="0"/>
-              </a:rPr>
-              <a:t>Primary</a:t>
-            </a:r>
-            <a:r>
-              <a:rPr lang="en-US" sz="2200" dirty="0">
-                <a:cs typeface="Times New Roman" panose="02020603050405020304" pitchFamily="18" charset="0"/>
-              </a:rPr>
-              <a:t> and </a:t>
-            </a:r>
-            <a:r>
-              <a:rPr lang="en-US" sz="2200" b="1" dirty="0">
-                <a:cs typeface="Times New Roman" panose="02020603050405020304" pitchFamily="18" charset="0"/>
-              </a:rPr>
-              <a:t>some </a:t>
-            </a:r>
-            <a:r>
-              <a:rPr lang="en-US" sz="2200" dirty="0">
-                <a:cs typeface="Times New Roman" panose="02020603050405020304" pitchFamily="18" charset="0"/>
-              </a:rPr>
-              <a:t>secondary outcomes</a:t>
-            </a:r>
-          </a:p>
-          <a:p>
-            <a:pPr lvl="1"/>
-            <a:r>
-              <a:rPr lang="en-US" sz="2200" dirty="0">
-                <a:cs typeface="Times New Roman" panose="02020603050405020304" pitchFamily="18" charset="0"/>
-              </a:rPr>
-              <a:t>Statistical models </a:t>
-            </a:r>
-            <a:r>
-              <a:rPr lang="en-US" sz="2200" dirty="0">
-                <a:cs typeface="Times New Roman" panose="02020603050405020304" pitchFamily="18" charset="0"/>
-                <a:sym typeface="Wingdings" panose="05000000000000000000" pitchFamily="2" charset="2"/>
-              </a:rPr>
-              <a:t> </a:t>
-            </a:r>
-            <a:r>
-              <a:rPr lang="en-US" sz="2200" b="1" dirty="0">
-                <a:cs typeface="Times New Roman" panose="02020603050405020304" pitchFamily="18" charset="0"/>
-                <a:sym typeface="Wingdings" panose="05000000000000000000" pitchFamily="2" charset="2"/>
-              </a:rPr>
-              <a:t>research design and identification </a:t>
-            </a:r>
-            <a:r>
-              <a:rPr lang="en-US" sz="2200" dirty="0">
-                <a:cs typeface="Times New Roman" panose="02020603050405020304" pitchFamily="18" charset="0"/>
-                <a:sym typeface="Wingdings" panose="05000000000000000000" pitchFamily="2" charset="2"/>
-              </a:rPr>
-              <a:t>(this won’t change</a:t>
-            </a:r>
-            <a:endParaRPr lang="en-US" sz="2200" dirty="0">
-              <a:cs typeface="Times New Roman" panose="02020603050405020304" pitchFamily="18" charset="0"/>
-            </a:endParaRPr>
-          </a:p>
-          <a:p>
-            <a:pPr lvl="1"/>
-            <a:r>
-              <a:rPr lang="en-US" sz="2200" b="1" dirty="0">
-                <a:cs typeface="Times New Roman" panose="02020603050405020304" pitchFamily="18" charset="0"/>
-              </a:rPr>
-              <a:t>Some </a:t>
-            </a:r>
-            <a:r>
-              <a:rPr lang="en-US" sz="2200" dirty="0">
-                <a:cs typeface="Times New Roman" panose="02020603050405020304" pitchFamily="18" charset="0"/>
-              </a:rPr>
-              <a:t>Subgroup analyses</a:t>
-            </a:r>
-          </a:p>
-          <a:p>
-            <a:pPr marL="0" indent="0">
-              <a:buNone/>
-            </a:pPr>
-            <a:endParaRPr lang="en-US" sz="2400" dirty="0">
-              <a:cs typeface="Times New Roman" panose="02020603050405020304" pitchFamily="18" charset="0"/>
-            </a:endParaRPr>
-          </a:p>
-        </p:txBody>
-      </p:sp>
-    </p:spTree>
-    <p:extLst>
-      <p:ext uri="{BB962C8B-B14F-4D97-AF65-F5344CB8AC3E}">
-        <p14:creationId xmlns:p14="http://schemas.microsoft.com/office/powerpoint/2010/main" val="3261555403"/>
       </p:ext>
     </p:extLst>
   </p:cSld>
@@ -16949,6 +16942,271 @@
 </file>
 
 <file path=ppt/slides/slide20.xml><?xml version="1.0" encoding="utf-8"?>
+<p:sld xmlns:a="http://schemas.openxmlformats.org/drawingml/2006/main" xmlns:r="http://schemas.openxmlformats.org/officeDocument/2006/relationships" xmlns:p="http://schemas.openxmlformats.org/presentationml/2006/main">
+  <p:cSld>
+    <p:spTree>
+      <p:nvGrpSpPr>
+        <p:cNvPr id="1" name="">
+          <a:extLst>
+            <a:ext uri="{FF2B5EF4-FFF2-40B4-BE49-F238E27FC236}">
+              <a16:creationId xmlns:a16="http://schemas.microsoft.com/office/drawing/2014/main" id="{042D9556-E3CF-19F2-E99B-85A2281A163D}"/>
+            </a:ext>
+          </a:extLst>
+        </p:cNvPr>
+        <p:cNvGrpSpPr/>
+        <p:nvPr/>
+      </p:nvGrpSpPr>
+      <p:grpSpPr>
+        <a:xfrm>
+          <a:off x="0" y="0"/>
+          <a:ext cx="0" cy="0"/>
+          <a:chOff x="0" y="0"/>
+          <a:chExt cx="0" cy="0"/>
+        </a:xfrm>
+      </p:grpSpPr>
+      <p:sp>
+        <p:nvSpPr>
+          <p:cNvPr id="2" name="Title 1">
+            <a:extLst>
+              <a:ext uri="{FF2B5EF4-FFF2-40B4-BE49-F238E27FC236}">
+                <a16:creationId xmlns:a16="http://schemas.microsoft.com/office/drawing/2014/main" id="{C1B5E2D4-2091-0EF1-78B2-1A02C18F370F}"/>
+              </a:ext>
+            </a:extLst>
+          </p:cNvPr>
+          <p:cNvSpPr>
+            <a:spLocks noGrp="1"/>
+          </p:cNvSpPr>
+          <p:nvPr>
+            <p:ph type="title"/>
+          </p:nvPr>
+        </p:nvSpPr>
+        <p:spPr>
+          <a:xfrm>
+            <a:off x="609600" y="337392"/>
+            <a:ext cx="10439400" cy="624840"/>
+          </a:xfrm>
+        </p:spPr>
+        <p:txBody>
+          <a:bodyPr>
+            <a:noAutofit/>
+          </a:bodyPr>
+          <a:lstStyle/>
+          <a:p>
+            <a:r>
+              <a:rPr lang="en-US" sz="3600" dirty="0">
+                <a:cs typeface="Times New Roman" panose="02020603050405020304" pitchFamily="18" charset="0"/>
+              </a:rPr>
+              <a:t>Pre-Analysis Plans in Quantitative Research </a:t>
+            </a:r>
+            <a:endParaRPr lang="en-US" sz="3600" dirty="0">
+              <a:latin typeface="Times New Roman" panose="02020603050405020304" pitchFamily="18" charset="0"/>
+              <a:cs typeface="Times New Roman" panose="02020603050405020304" pitchFamily="18" charset="0"/>
+            </a:endParaRPr>
+          </a:p>
+        </p:txBody>
+      </p:sp>
+      <p:sp>
+        <p:nvSpPr>
+          <p:cNvPr id="5" name="Content Placeholder 2">
+            <a:extLst>
+              <a:ext uri="{FF2B5EF4-FFF2-40B4-BE49-F238E27FC236}">
+                <a16:creationId xmlns:a16="http://schemas.microsoft.com/office/drawing/2014/main" id="{1C616851-53E9-D0EC-7FD8-CAA006776DD4}"/>
+              </a:ext>
+            </a:extLst>
+          </p:cNvPr>
+          <p:cNvSpPr>
+            <a:spLocks noGrp="1"/>
+          </p:cNvSpPr>
+          <p:nvPr>
+            <p:ph idx="1"/>
+          </p:nvPr>
+        </p:nvSpPr>
+        <p:spPr>
+          <a:xfrm>
+            <a:off x="609601" y="1066801"/>
+            <a:ext cx="10015390" cy="5141388"/>
+          </a:xfrm>
+        </p:spPr>
+        <p:txBody>
+          <a:bodyPr>
+            <a:noAutofit/>
+          </a:bodyPr>
+          <a:lstStyle/>
+          <a:p>
+            <a:pPr marL="0" indent="0">
+              <a:buNone/>
+            </a:pPr>
+            <a:r>
+              <a:rPr lang="en-US" sz="2400" dirty="0">
+                <a:cs typeface="Times New Roman" panose="02020603050405020304" pitchFamily="18" charset="0"/>
+              </a:rPr>
+              <a:t>Should I specify a pre-analysis plan (PAP) for my project?</a:t>
+            </a:r>
+          </a:p>
+          <a:p>
+            <a:pPr marL="0" indent="0">
+              <a:buNone/>
+            </a:pPr>
+            <a:r>
+              <a:rPr lang="en-US" sz="2400" dirty="0">
+                <a:cs typeface="Times New Roman" panose="02020603050405020304" pitchFamily="18" charset="0"/>
+              </a:rPr>
+              <a:t>Pros: Increase transparency, meet the “genre” of your field if needed. Also helpful to box yourself in a bit! </a:t>
+            </a:r>
+          </a:p>
+          <a:p>
+            <a:pPr marL="0" indent="0">
+              <a:buNone/>
+            </a:pPr>
+            <a:r>
+              <a:rPr lang="en-US" sz="2400" dirty="0">
+                <a:cs typeface="Times New Roman" panose="02020603050405020304" pitchFamily="18" charset="0"/>
+              </a:rPr>
+              <a:t>Cons: Limits flexibility when new questions arise (what are the mechanisms) or when you are in a field that preempts referee reports (e.g., additional analysis expected prior to submission). </a:t>
+            </a:r>
+          </a:p>
+          <a:p>
+            <a:pPr marL="0" indent="0">
+              <a:buNone/>
+            </a:pPr>
+            <a:r>
+              <a:rPr lang="en-US" sz="2400" dirty="0">
+                <a:cs typeface="Times New Roman" panose="02020603050405020304" pitchFamily="18" charset="0"/>
+              </a:rPr>
+              <a:t>Field expectations: This is far less common in observational research compared to RCTs, but there is some overlap. </a:t>
+            </a:r>
+          </a:p>
+          <a:p>
+            <a:pPr marL="0" indent="0">
+              <a:buNone/>
+            </a:pPr>
+            <a:r>
+              <a:rPr lang="en-US" sz="2400" dirty="0">
+                <a:cs typeface="Times New Roman" panose="02020603050405020304" pitchFamily="18" charset="0"/>
+              </a:rPr>
+              <a:t>What I recommend: Have a </a:t>
+            </a:r>
+            <a:r>
+              <a:rPr lang="en-US" sz="2400" i="1" dirty="0">
+                <a:cs typeface="Times New Roman" panose="02020603050405020304" pitchFamily="18" charset="0"/>
+              </a:rPr>
+              <a:t>flexible </a:t>
+            </a:r>
+            <a:r>
+              <a:rPr lang="en-US" sz="2400" dirty="0">
+                <a:cs typeface="Times New Roman" panose="02020603050405020304" pitchFamily="18" charset="0"/>
+              </a:rPr>
+              <a:t>PAP that specifies: </a:t>
+            </a:r>
+          </a:p>
+          <a:p>
+            <a:pPr lvl="1"/>
+            <a:r>
+              <a:rPr lang="en-US" sz="2200" b="1" dirty="0">
+                <a:cs typeface="Times New Roman" panose="02020603050405020304" pitchFamily="18" charset="0"/>
+              </a:rPr>
+              <a:t>Hypothesis/research question</a:t>
+            </a:r>
+          </a:p>
+          <a:p>
+            <a:pPr lvl="1"/>
+            <a:r>
+              <a:rPr lang="en-US" sz="2200" b="1" dirty="0">
+                <a:cs typeface="Times New Roman" panose="02020603050405020304" pitchFamily="18" charset="0"/>
+              </a:rPr>
+              <a:t>Primary</a:t>
+            </a:r>
+            <a:r>
+              <a:rPr lang="en-US" sz="2200" dirty="0">
+                <a:cs typeface="Times New Roman" panose="02020603050405020304" pitchFamily="18" charset="0"/>
+              </a:rPr>
+              <a:t> and </a:t>
+            </a:r>
+            <a:r>
+              <a:rPr lang="en-US" sz="2200" b="1" dirty="0">
+                <a:cs typeface="Times New Roman" panose="02020603050405020304" pitchFamily="18" charset="0"/>
+              </a:rPr>
+              <a:t>some </a:t>
+            </a:r>
+            <a:r>
+              <a:rPr lang="en-US" sz="2200" dirty="0">
+                <a:cs typeface="Times New Roman" panose="02020603050405020304" pitchFamily="18" charset="0"/>
+              </a:rPr>
+              <a:t>secondary outcomes</a:t>
+            </a:r>
+          </a:p>
+          <a:p>
+            <a:pPr lvl="1"/>
+            <a:r>
+              <a:rPr lang="en-US" sz="2200" dirty="0">
+                <a:cs typeface="Times New Roman" panose="02020603050405020304" pitchFamily="18" charset="0"/>
+              </a:rPr>
+              <a:t>Statistical models </a:t>
+            </a:r>
+            <a:r>
+              <a:rPr lang="en-US" sz="2200" dirty="0">
+                <a:cs typeface="Times New Roman" panose="02020603050405020304" pitchFamily="18" charset="0"/>
+                <a:sym typeface="Wingdings" panose="05000000000000000000" pitchFamily="2" charset="2"/>
+              </a:rPr>
+              <a:t> </a:t>
+            </a:r>
+            <a:r>
+              <a:rPr lang="en-US" sz="2200" b="1" dirty="0">
+                <a:cs typeface="Times New Roman" panose="02020603050405020304" pitchFamily="18" charset="0"/>
+                <a:sym typeface="Wingdings" panose="05000000000000000000" pitchFamily="2" charset="2"/>
+              </a:rPr>
+              <a:t>research design and identification </a:t>
+            </a:r>
+            <a:r>
+              <a:rPr lang="en-US" sz="2200" dirty="0">
+                <a:cs typeface="Times New Roman" panose="02020603050405020304" pitchFamily="18" charset="0"/>
+                <a:sym typeface="Wingdings" panose="05000000000000000000" pitchFamily="2" charset="2"/>
+              </a:rPr>
+              <a:t>(this won’t change</a:t>
+            </a:r>
+            <a:endParaRPr lang="en-US" sz="2200" dirty="0">
+              <a:cs typeface="Times New Roman" panose="02020603050405020304" pitchFamily="18" charset="0"/>
+            </a:endParaRPr>
+          </a:p>
+          <a:p>
+            <a:pPr lvl="1"/>
+            <a:r>
+              <a:rPr lang="en-US" sz="2200" b="1" dirty="0">
+                <a:cs typeface="Times New Roman" panose="02020603050405020304" pitchFamily="18" charset="0"/>
+              </a:rPr>
+              <a:t>Some </a:t>
+            </a:r>
+            <a:r>
+              <a:rPr lang="en-US" sz="2200" dirty="0">
+                <a:cs typeface="Times New Roman" panose="02020603050405020304" pitchFamily="18" charset="0"/>
+              </a:rPr>
+              <a:t>Subgroup analyses</a:t>
+            </a:r>
+          </a:p>
+          <a:p>
+            <a:pPr marL="0" indent="0">
+              <a:buNone/>
+            </a:pPr>
+            <a:endParaRPr lang="en-US" sz="2400" dirty="0">
+              <a:cs typeface="Times New Roman" panose="02020603050405020304" pitchFamily="18" charset="0"/>
+            </a:endParaRPr>
+          </a:p>
+        </p:txBody>
+      </p:sp>
+    </p:spTree>
+    <p:extLst>
+      <p:ext uri="{BB962C8B-B14F-4D97-AF65-F5344CB8AC3E}">
+        <p14:creationId xmlns:p14="http://schemas.microsoft.com/office/powerpoint/2010/main" val="3261555403"/>
+      </p:ext>
+    </p:extLst>
+  </p:cSld>
+  <p:clrMapOvr>
+    <a:masterClrMapping/>
+  </p:clrMapOvr>
+</p:sld>
+</file>
+
+<file path=ppt/slides/slide21.xml><?xml version="1.0" encoding="utf-8"?>
 <p:sld xmlns:a="http://schemas.openxmlformats.org/drawingml/2006/main" xmlns:r="http://schemas.openxmlformats.org/officeDocument/2006/relationships" xmlns:p="http://schemas.openxmlformats.org/presentationml/2006/main">
   <p:cSld>
     <p:bg>
@@ -17279,7 +17537,7 @@
 </p:sld>
 </file>
 
-<file path=ppt/slides/slide21.xml><?xml version="1.0" encoding="utf-8"?>
+<file path=ppt/slides/slide22.xml><?xml version="1.0" encoding="utf-8"?>
 <p:sld xmlns:a="http://schemas.openxmlformats.org/drawingml/2006/main" xmlns:r="http://schemas.openxmlformats.org/officeDocument/2006/relationships" xmlns:p="http://schemas.openxmlformats.org/presentationml/2006/main">
   <p:cSld>
     <p:bg>
@@ -17477,96 +17735,6 @@
 </p:sld>
 </file>
 
-<file path=ppt/slides/slide22.xml><?xml version="1.0" encoding="utf-8"?>
-<p:sld xmlns:a="http://schemas.openxmlformats.org/drawingml/2006/main" xmlns:r="http://schemas.openxmlformats.org/officeDocument/2006/relationships" xmlns:p="http://schemas.openxmlformats.org/presentationml/2006/main">
-  <p:cSld>
-    <p:spTree>
-      <p:nvGrpSpPr>
-        <p:cNvPr id="1" name=""/>
-        <p:cNvGrpSpPr/>
-        <p:nvPr/>
-      </p:nvGrpSpPr>
-      <p:grpSpPr>
-        <a:xfrm>
-          <a:off x="0" y="0"/>
-          <a:ext cx="0" cy="0"/>
-          <a:chOff x="0" y="0"/>
-          <a:chExt cx="0" cy="0"/>
-        </a:xfrm>
-      </p:grpSpPr>
-      <p:sp>
-        <p:nvSpPr>
-          <p:cNvPr id="2" name="Title 1">
-            <a:extLst>
-              <a:ext uri="{FF2B5EF4-FFF2-40B4-BE49-F238E27FC236}">
-                <a16:creationId xmlns:a16="http://schemas.microsoft.com/office/drawing/2014/main" id="{F6693EDF-660D-4391-A114-A6C54268E445}"/>
-              </a:ext>
-            </a:extLst>
-          </p:cNvPr>
-          <p:cNvSpPr>
-            <a:spLocks noGrp="1"/>
-          </p:cNvSpPr>
-          <p:nvPr>
-            <p:ph type="ctrTitle"/>
-          </p:nvPr>
-        </p:nvSpPr>
-        <p:spPr>
-          <a:xfrm>
-            <a:off x="1261872" y="758952"/>
-            <a:ext cx="10549128" cy="4041648"/>
-          </a:xfrm>
-        </p:spPr>
-        <p:txBody>
-          <a:bodyPr/>
-          <a:lstStyle/>
-          <a:p>
-            <a:r>
-              <a:rPr lang="en-US" dirty="0"/>
-              <a:t>Organizing a Project</a:t>
-            </a:r>
-          </a:p>
-        </p:txBody>
-      </p:sp>
-      <p:sp>
-        <p:nvSpPr>
-          <p:cNvPr id="3" name="Subtitle 2">
-            <a:extLst>
-              <a:ext uri="{FF2B5EF4-FFF2-40B4-BE49-F238E27FC236}">
-                <a16:creationId xmlns:a16="http://schemas.microsoft.com/office/drawing/2014/main" id="{9A7FADE3-4D7C-4B3A-B023-71CD85AECCCB}"/>
-              </a:ext>
-            </a:extLst>
-          </p:cNvPr>
-          <p:cNvSpPr>
-            <a:spLocks noGrp="1"/>
-          </p:cNvSpPr>
-          <p:nvPr>
-            <p:ph type="subTitle" idx="1"/>
-          </p:nvPr>
-        </p:nvSpPr>
-        <p:spPr/>
-        <p:txBody>
-          <a:bodyPr>
-            <a:normAutofit/>
-          </a:bodyPr>
-          <a:lstStyle/>
-          <a:p>
-            <a:endParaRPr lang="en-US" sz="4400" dirty="0"/>
-          </a:p>
-        </p:txBody>
-      </p:sp>
-    </p:spTree>
-    <p:extLst>
-      <p:ext uri="{BB962C8B-B14F-4D97-AF65-F5344CB8AC3E}">
-        <p14:creationId xmlns:p14="http://schemas.microsoft.com/office/powerpoint/2010/main" val="3523753843"/>
-      </p:ext>
-    </p:extLst>
-  </p:cSld>
-  <p:clrMapOvr>
-    <a:masterClrMapping/>
-  </p:clrMapOvr>
-</p:sld>
-</file>
-
 <file path=ppt/slides/slide23.xml><?xml version="1.0" encoding="utf-8"?>
 <p:sld xmlns:a="http://schemas.openxmlformats.org/drawingml/2006/main" xmlns:r="http://schemas.openxmlformats.org/officeDocument/2006/relationships" xmlns:p="http://schemas.openxmlformats.org/presentationml/2006/main">
   <p:cSld>
@@ -17586,147 +17754,68 @@
       </p:grpSpPr>
       <p:sp>
         <p:nvSpPr>
-          <p:cNvPr id="2" name="Title 1"/>
-          <p:cNvSpPr>
-            <a:spLocks noGrp="1"/>
-          </p:cNvSpPr>
-          <p:nvPr>
-            <p:ph type="title"/>
+          <p:cNvPr id="2" name="Title 1">
+            <a:extLst>
+              <a:ext uri="{FF2B5EF4-FFF2-40B4-BE49-F238E27FC236}">
+                <a16:creationId xmlns:a16="http://schemas.microsoft.com/office/drawing/2014/main" id="{F6693EDF-660D-4391-A114-A6C54268E445}"/>
+              </a:ext>
+            </a:extLst>
+          </p:cNvPr>
+          <p:cNvSpPr>
+            <a:spLocks noGrp="1"/>
+          </p:cNvSpPr>
+          <p:nvPr>
+            <p:ph type="ctrTitle"/>
           </p:nvPr>
         </p:nvSpPr>
         <p:spPr>
           <a:xfrm>
-            <a:off x="609600" y="337392"/>
-            <a:ext cx="10439400" cy="624840"/>
+            <a:off x="1261872" y="758952"/>
+            <a:ext cx="10549128" cy="4041648"/>
           </a:xfrm>
         </p:spPr>
         <p:txBody>
+          <a:bodyPr/>
+          <a:lstStyle/>
+          <a:p>
+            <a:r>
+              <a:rPr lang="en-US" dirty="0"/>
+              <a:t>Organizing a Project</a:t>
+            </a:r>
+          </a:p>
+        </p:txBody>
+      </p:sp>
+      <p:sp>
+        <p:nvSpPr>
+          <p:cNvPr id="3" name="Subtitle 2">
+            <a:extLst>
+              <a:ext uri="{FF2B5EF4-FFF2-40B4-BE49-F238E27FC236}">
+                <a16:creationId xmlns:a16="http://schemas.microsoft.com/office/drawing/2014/main" id="{9A7FADE3-4D7C-4B3A-B023-71CD85AECCCB}"/>
+              </a:ext>
+            </a:extLst>
+          </p:cNvPr>
+          <p:cNvSpPr>
+            <a:spLocks noGrp="1"/>
+          </p:cNvSpPr>
+          <p:nvPr>
+            <p:ph type="subTitle" idx="1"/>
+          </p:nvPr>
+        </p:nvSpPr>
+        <p:spPr/>
+        <p:txBody>
           <a:bodyPr>
-            <a:noAutofit/>
+            <a:normAutofit/>
           </a:bodyPr>
           <a:lstStyle/>
           <a:p>
-            <a:r>
-              <a:rPr lang="en-US" sz="3600" dirty="0">
-                <a:latin typeface="Times New Roman" panose="02020603050405020304" pitchFamily="18" charset="0"/>
-                <a:cs typeface="Times New Roman" panose="02020603050405020304" pitchFamily="18" charset="0"/>
-              </a:rPr>
-              <a:t>How do we structure a project? </a:t>
-            </a:r>
-          </a:p>
-        </p:txBody>
-      </p:sp>
-      <p:sp>
-        <p:nvSpPr>
-          <p:cNvPr id="3" name="Content Placeholder 2"/>
-          <p:cNvSpPr>
-            <a:spLocks noGrp="1"/>
-          </p:cNvSpPr>
-          <p:nvPr>
-            <p:ph idx="1"/>
-          </p:nvPr>
-        </p:nvSpPr>
-        <p:spPr>
-          <a:xfrm>
-            <a:off x="1219199" y="1066801"/>
-            <a:ext cx="9405791" cy="5141388"/>
-          </a:xfrm>
-        </p:spPr>
-        <p:txBody>
-          <a:bodyPr>
-            <a:noAutofit/>
-          </a:bodyPr>
-          <a:lstStyle/>
-          <a:p>
-            <a:pPr>
-              <a:buFont typeface="+mj-lt"/>
-              <a:buAutoNum type="arabicPeriod"/>
-            </a:pPr>
-            <a:r>
-              <a:rPr lang="en-US" sz="2400" b="0" i="0" dirty="0">
-                <a:solidFill>
-                  <a:srgbClr val="000000"/>
-                </a:solidFill>
-                <a:effectLst/>
-                <a:cs typeface="Times New Roman" panose="02020603050405020304" pitchFamily="18" charset="0"/>
-              </a:rPr>
-              <a:t> File organization</a:t>
-            </a:r>
-          </a:p>
-          <a:p>
-            <a:pPr>
-              <a:buFont typeface="+mj-lt"/>
-              <a:buAutoNum type="arabicPeriod"/>
-            </a:pPr>
-            <a:r>
-              <a:rPr lang="en-US" sz="2400" b="0" i="0" dirty="0">
-                <a:solidFill>
-                  <a:srgbClr val="000000"/>
-                </a:solidFill>
-                <a:effectLst/>
-                <a:cs typeface="Times New Roman" panose="02020603050405020304" pitchFamily="18" charset="0"/>
-              </a:rPr>
-              <a:t> Clean code</a:t>
-            </a:r>
-          </a:p>
-          <a:p>
-            <a:pPr>
-              <a:buFont typeface="+mj-lt"/>
-              <a:buAutoNum type="arabicPeriod"/>
-            </a:pPr>
-            <a:r>
-              <a:rPr lang="en-US" sz="2400" dirty="0">
-                <a:solidFill>
-                  <a:srgbClr val="000000"/>
-                </a:solidFill>
-                <a:cs typeface="Times New Roman" panose="02020603050405020304" pitchFamily="18" charset="0"/>
-              </a:rPr>
-              <a:t> Robustness checks</a:t>
-            </a:r>
-            <a:endParaRPr lang="en-US" sz="2400" b="0" i="0" dirty="0">
-              <a:solidFill>
-                <a:srgbClr val="000000"/>
-              </a:solidFill>
-              <a:effectLst/>
-              <a:cs typeface="Times New Roman" panose="02020603050405020304" pitchFamily="18" charset="0"/>
-            </a:endParaRPr>
-          </a:p>
-          <a:p>
-            <a:pPr>
-              <a:buFont typeface="+mj-lt"/>
-              <a:buAutoNum type="arabicPeriod"/>
-            </a:pPr>
-            <a:r>
-              <a:rPr lang="en-US" sz="2400" dirty="0">
-                <a:solidFill>
-                  <a:srgbClr val="000000"/>
-                </a:solidFill>
-                <a:cs typeface="Times New Roman" panose="02020603050405020304" pitchFamily="18" charset="0"/>
-              </a:rPr>
-              <a:t> Writing! </a:t>
-            </a:r>
-            <a:endParaRPr lang="en-US" sz="2400" b="0" i="0" dirty="0">
-              <a:solidFill>
-                <a:srgbClr val="000000"/>
-              </a:solidFill>
-              <a:effectLst/>
-              <a:cs typeface="Times New Roman" panose="02020603050405020304" pitchFamily="18" charset="0"/>
-            </a:endParaRPr>
-          </a:p>
-          <a:p>
-            <a:pPr marL="0" indent="0">
-              <a:buNone/>
-            </a:pPr>
-            <a:endParaRPr lang="en-US" sz="2400" dirty="0">
-              <a:cs typeface="Times New Roman" panose="02020603050405020304" pitchFamily="18" charset="0"/>
-            </a:endParaRPr>
+            <a:endParaRPr lang="en-US" sz="4400" dirty="0"/>
           </a:p>
         </p:txBody>
       </p:sp>
     </p:spTree>
     <p:extLst>
       <p:ext uri="{BB962C8B-B14F-4D97-AF65-F5344CB8AC3E}">
-        <p14:creationId xmlns:p14="http://schemas.microsoft.com/office/powerpoint/2010/main" val="1084446880"/>
+        <p14:creationId xmlns:p14="http://schemas.microsoft.com/office/powerpoint/2010/main" val="3523753843"/>
       </p:ext>
     </p:extLst>
   </p:cSld>
@@ -17777,14 +17866,11 @@
           <a:p>
             <a:r>
               <a:rPr lang="en-US" sz="3600" dirty="0">
+                <a:latin typeface="Times New Roman" panose="02020603050405020304" pitchFamily="18" charset="0"/>
                 <a:cs typeface="Times New Roman" panose="02020603050405020304" pitchFamily="18" charset="0"/>
               </a:rPr>
-              <a:t>What is Clean Code? </a:t>
-            </a:r>
-            <a:endParaRPr lang="en-US" sz="3600" dirty="0">
-              <a:latin typeface="Times New Roman" panose="02020603050405020304" pitchFamily="18" charset="0"/>
-              <a:cs typeface="Times New Roman" panose="02020603050405020304" pitchFamily="18" charset="0"/>
-            </a:endParaRPr>
+              <a:t>How do we structure a project? </a:t>
+            </a:r>
           </a:p>
         </p:txBody>
       </p:sp>
@@ -17810,114 +17896,52 @@
           </a:bodyPr>
           <a:lstStyle/>
           <a:p>
-            <a:r>
-              <a:rPr lang="en-US" sz="2400" dirty="0">
-                <a:cs typeface="Times New Roman" panose="02020603050405020304" pitchFamily="18" charset="0"/>
-              </a:rPr>
-              <a:t>Code that is easy to understand, easy to modify, and hence easy to debug</a:t>
-            </a:r>
-          </a:p>
-          <a:p>
-            <a:r>
-              <a:rPr lang="en-US" sz="2400" dirty="0">
-                <a:cs typeface="Times New Roman" panose="02020603050405020304" pitchFamily="18" charset="0"/>
-              </a:rPr>
-              <a:t>Some sources: </a:t>
-            </a:r>
-          </a:p>
-          <a:p>
-            <a:pPr lvl="1">
+            <a:pPr>
               <a:buFont typeface="+mj-lt"/>
               <a:buAutoNum type="arabicPeriod"/>
             </a:pPr>
             <a:r>
-              <a:rPr lang="en-US" sz="2200" b="0" i="1" dirty="0">
+              <a:rPr lang="en-US" sz="2400" b="0" i="0" dirty="0">
                 <a:solidFill>
                   <a:srgbClr val="000000"/>
                 </a:solidFill>
                 <a:effectLst/>
                 <a:cs typeface="Times New Roman" panose="02020603050405020304" pitchFamily="18" charset="0"/>
               </a:rPr>
-              <a:t>The Clean Coder</a:t>
-            </a:r>
-            <a:r>
-              <a:rPr lang="en-US" sz="2200" b="0" i="0" dirty="0">
+              <a:t> File organization</a:t>
+            </a:r>
+          </a:p>
+          <a:p>
+            <a:pPr>
+              <a:buFont typeface="+mj-lt"/>
+              <a:buAutoNum type="arabicPeriod"/>
+            </a:pPr>
+            <a:r>
+              <a:rPr lang="en-US" sz="2400" b="0" i="0" dirty="0">
                 <a:solidFill>
                   <a:srgbClr val="000000"/>
                 </a:solidFill>
                 <a:effectLst/>
                 <a:cs typeface="Times New Roman" panose="02020603050405020304" pitchFamily="18" charset="0"/>
               </a:rPr>
-              <a:t>, by Robert C. Martin</a:t>
-            </a:r>
-          </a:p>
-          <a:p>
-            <a:pPr lvl="1">
+              <a:t> Clean code</a:t>
+            </a:r>
+          </a:p>
+          <a:p>
+            <a:pPr>
               <a:buFont typeface="+mj-lt"/>
               <a:buAutoNum type="arabicPeriod"/>
             </a:pPr>
             <a:r>
-              <a:rPr lang="en-US" sz="2200" b="0" i="1" u="none" strike="noStrike" dirty="0">
-                <a:solidFill>
-                  <a:srgbClr val="841617"/>
-                </a:solidFill>
-                <a:effectLst/>
-                <a:cs typeface="Times New Roman" panose="02020603050405020304" pitchFamily="18" charset="0"/>
-                <a:hlinkClick r:id="rId3"/>
-              </a:rPr>
-              <a:t>Code and Data for the Social Sciences: A Practitioner's Guide</a:t>
-            </a:r>
-            <a:r>
-              <a:rPr lang="en-US" sz="2200" b="0" i="0" dirty="0">
-                <a:solidFill>
-                  <a:srgbClr val="000000"/>
-                </a:solidFill>
-                <a:effectLst/>
-                <a:cs typeface="Times New Roman" panose="02020603050405020304" pitchFamily="18" charset="0"/>
-              </a:rPr>
-              <a:t>, by Gentzkow and Shapiro</a:t>
-            </a:r>
-          </a:p>
-          <a:p>
-            <a:pPr lvl="1">
-              <a:buFont typeface="+mj-lt"/>
-              <a:buAutoNum type="arabicPeriod"/>
-            </a:pPr>
-            <a:r>
-              <a:rPr lang="en-US" sz="2200" dirty="0">
+              <a:rPr lang="en-US" sz="2400" dirty="0">
                 <a:solidFill>
                   <a:srgbClr val="000000"/>
                 </a:solidFill>
                 <a:cs typeface="Times New Roman" panose="02020603050405020304" pitchFamily="18" charset="0"/>
               </a:rPr>
-              <a:t>Tyler Ransom’s (Oklahoma University) slides: </a:t>
-            </a:r>
-            <a:r>
-              <a:rPr lang="en-US" sz="2200" dirty="0">
-                <a:solidFill>
-                  <a:srgbClr val="000000"/>
-                </a:solidFill>
-                <a:cs typeface="Times New Roman" panose="02020603050405020304" pitchFamily="18" charset="0"/>
-                <a:hlinkClick r:id="rId4"/>
-              </a:rPr>
-              <a:t>https://raw.githack.com/OU-PhD-Econometrics/fall-2022/master/LectureNotes/01a-CleanCode/01aslides.html#2</a:t>
-            </a:r>
-            <a:r>
-              <a:rPr lang="en-US" sz="2200" dirty="0">
-                <a:solidFill>
-                  <a:srgbClr val="000000"/>
-                </a:solidFill>
-                <a:cs typeface="Times New Roman" panose="02020603050405020304" pitchFamily="18" charset="0"/>
-              </a:rPr>
-              <a:t> </a:t>
-            </a:r>
-          </a:p>
-          <a:p>
-            <a:pPr lvl="1">
-              <a:buFont typeface="+mj-lt"/>
-              <a:buAutoNum type="arabicPeriod"/>
-            </a:pPr>
-            <a:endParaRPr lang="en-US" sz="2200" b="0" i="0" dirty="0">
+              <a:t> Robustness checks</a:t>
+            </a:r>
+            <a:endParaRPr lang="en-US" sz="2400" b="0" i="0" dirty="0">
               <a:solidFill>
                 <a:srgbClr val="000000"/>
               </a:solidFill>
@@ -17926,6 +17950,28 @@
             </a:endParaRPr>
           </a:p>
           <a:p>
+            <a:pPr>
+              <a:buFont typeface="+mj-lt"/>
+              <a:buAutoNum type="arabicPeriod"/>
+            </a:pPr>
+            <a:r>
+              <a:rPr lang="en-US" sz="2400" dirty="0">
+                <a:solidFill>
+                  <a:srgbClr val="000000"/>
+                </a:solidFill>
+                <a:cs typeface="Times New Roman" panose="02020603050405020304" pitchFamily="18" charset="0"/>
+              </a:rPr>
+              <a:t> Writing! </a:t>
+            </a:r>
+            <a:endParaRPr lang="en-US" sz="2400" b="0" i="0" dirty="0">
+              <a:solidFill>
+                <a:srgbClr val="000000"/>
+              </a:solidFill>
+              <a:effectLst/>
+              <a:cs typeface="Times New Roman" panose="02020603050405020304" pitchFamily="18" charset="0"/>
+            </a:endParaRPr>
+          </a:p>
+          <a:p>
             <a:pPr marL="0" indent="0">
               <a:buNone/>
             </a:pPr>
@@ -17938,7 +17984,7 @@
     </p:spTree>
     <p:extLst>
       <p:ext uri="{BB962C8B-B14F-4D97-AF65-F5344CB8AC3E}">
-        <p14:creationId xmlns:p14="http://schemas.microsoft.com/office/powerpoint/2010/main" val="2215572755"/>
+        <p14:creationId xmlns:p14="http://schemas.microsoft.com/office/powerpoint/2010/main" val="1084446880"/>
       </p:ext>
     </p:extLst>
   </p:cSld>
@@ -17991,7 +18037,7 @@
               <a:rPr lang="en-US" sz="3600" dirty="0">
                 <a:cs typeface="Times New Roman" panose="02020603050405020304" pitchFamily="18" charset="0"/>
               </a:rPr>
-              <a:t>Principles of Clean Code</a:t>
+              <a:t>What is Clean Code? </a:t>
             </a:r>
             <a:endParaRPr lang="en-US" sz="3600" dirty="0">
               <a:latin typeface="Times New Roman" panose="02020603050405020304" pitchFamily="18" charset="0"/>
@@ -18012,8 +18058,8 @@
         </p:nvSpPr>
         <p:spPr>
           <a:xfrm>
-            <a:off x="609601" y="1066801"/>
-            <a:ext cx="10015390" cy="5141388"/>
+            <a:off x="1219199" y="1066801"/>
+            <a:ext cx="9405791" cy="5141388"/>
           </a:xfrm>
         </p:spPr>
         <p:txBody>
@@ -18022,123 +18068,135 @@
           </a:bodyPr>
           <a:lstStyle/>
           <a:p>
-            <a:pPr algn="l">
-              <a:buFont typeface="Arial" panose="020B0604020202020204" pitchFamily="34" charset="0"/>
-              <a:buChar char="•"/>
+            <a:r>
+              <a:rPr lang="en-US" sz="2400" dirty="0">
+                <a:cs typeface="Times New Roman" panose="02020603050405020304" pitchFamily="18" charset="0"/>
+              </a:rPr>
+              <a:t>Code that is easy to understand, easy to modify, and hence easy to debug</a:t>
+            </a:r>
+          </a:p>
+          <a:p>
+            <a:r>
+              <a:rPr lang="en-US" sz="2400" dirty="0">
+                <a:cs typeface="Times New Roman" panose="02020603050405020304" pitchFamily="18" charset="0"/>
+              </a:rPr>
+              <a:t>Some sources: </a:t>
+            </a:r>
+          </a:p>
+          <a:p>
+            <a:pPr lvl="1">
+              <a:buFont typeface="+mj-lt"/>
+              <a:buAutoNum type="arabicPeriod"/>
             </a:pPr>
             <a:r>
-              <a:rPr lang="en-US" sz="2400" b="0" i="0" dirty="0">
+              <a:rPr lang="en-US" sz="2200" b="0" i="1" dirty="0">
                 <a:solidFill>
                   <a:srgbClr val="000000"/>
                 </a:solidFill>
                 <a:effectLst/>
                 <a:cs typeface="Times New Roman" panose="02020603050405020304" pitchFamily="18" charset="0"/>
               </a:rPr>
-              <a:t>Automation</a:t>
-            </a:r>
-          </a:p>
-          <a:p>
-            <a:pPr algn="l">
-              <a:buFont typeface="Arial" panose="020B0604020202020204" pitchFamily="34" charset="0"/>
-              <a:buChar char="•"/>
-            </a:pPr>
-            <a:r>
-              <a:rPr lang="en-US" sz="2400" b="0" i="0" dirty="0">
+              <a:t>The Clean Coder</a:t>
+            </a:r>
+            <a:r>
+              <a:rPr lang="en-US" sz="2200" b="0" i="0" dirty="0">
                 <a:solidFill>
                   <a:srgbClr val="000000"/>
                 </a:solidFill>
                 <a:effectLst/>
                 <a:cs typeface="Times New Roman" panose="02020603050405020304" pitchFamily="18" charset="0"/>
               </a:rPr>
-              <a:t>Version control</a:t>
-            </a:r>
-          </a:p>
-          <a:p>
-            <a:pPr algn="l">
-              <a:buFont typeface="Arial" panose="020B0604020202020204" pitchFamily="34" charset="0"/>
-              <a:buChar char="•"/>
+              <a:t>, by Robert C. Martin</a:t>
+            </a:r>
+          </a:p>
+          <a:p>
+            <a:pPr lvl="1">
+              <a:buFont typeface="+mj-lt"/>
+              <a:buAutoNum type="arabicPeriod"/>
             </a:pPr>
             <a:r>
-              <a:rPr lang="en-US" sz="2400" b="0" i="0" dirty="0">
+              <a:rPr lang="en-US" sz="2200" b="0" i="1" u="none" strike="noStrike" dirty="0">
+                <a:solidFill>
+                  <a:srgbClr val="841617"/>
+                </a:solidFill>
+                <a:effectLst/>
+                <a:cs typeface="Times New Roman" panose="02020603050405020304" pitchFamily="18" charset="0"/>
+                <a:hlinkClick r:id="rId3"/>
+              </a:rPr>
+              <a:t>Code and Data for the Social Sciences: A Practitioner's Guide</a:t>
+            </a:r>
+            <a:r>
+              <a:rPr lang="en-US" sz="2200" b="0" i="0" dirty="0">
                 <a:solidFill>
                   <a:srgbClr val="000000"/>
                 </a:solidFill>
                 <a:effectLst/>
                 <a:cs typeface="Times New Roman" panose="02020603050405020304" pitchFamily="18" charset="0"/>
               </a:rPr>
-              <a:t>Abstraction</a:t>
-            </a:r>
-          </a:p>
-          <a:p>
-            <a:pPr algn="l">
-              <a:buFont typeface="Arial" panose="020B0604020202020204" pitchFamily="34" charset="0"/>
-              <a:buChar char="•"/>
+              <a:t>, by Gentzkow and Shapiro</a:t>
+            </a:r>
+          </a:p>
+          <a:p>
+            <a:pPr lvl="1">
+              <a:buFont typeface="+mj-lt"/>
+              <a:buAutoNum type="arabicPeriod"/>
             </a:pPr>
             <a:r>
-              <a:rPr lang="en-US" sz="2400" b="0" i="0" dirty="0">
+              <a:rPr lang="en-US" sz="2200" dirty="0">
                 <a:solidFill>
                   <a:srgbClr val="000000"/>
                 </a:solidFill>
-                <a:effectLst/>
                 <a:cs typeface="Times New Roman" panose="02020603050405020304" pitchFamily="18" charset="0"/>
               </a:rPr>
-              <a:t>Documentation</a:t>
-            </a:r>
-          </a:p>
-          <a:p>
-            <a:pPr algn="l">
-              <a:buFont typeface="Arial" panose="020B0604020202020204" pitchFamily="34" charset="0"/>
-              <a:buChar char="•"/>
-            </a:pPr>
-            <a:r>
-              <a:rPr lang="en-US" sz="2400" b="0" i="0" dirty="0">
+              <a:t>Tyler Ransom’s (Oklahoma University) slides: </a:t>
+            </a:r>
+            <a:r>
+              <a:rPr lang="en-US" sz="2200" dirty="0">
                 <a:solidFill>
                   <a:srgbClr val="000000"/>
                 </a:solidFill>
-                <a:effectLst/>
                 <a:cs typeface="Times New Roman" panose="02020603050405020304" pitchFamily="18" charset="0"/>
-              </a:rPr>
-              <a:t>Time / task management</a:t>
-            </a:r>
-          </a:p>
-          <a:p>
-            <a:pPr algn="l">
-              <a:buFont typeface="Arial" panose="020B0604020202020204" pitchFamily="34" charset="0"/>
-              <a:buChar char="•"/>
-            </a:pPr>
-            <a:r>
-              <a:rPr lang="en-US" sz="2400" b="0" i="0" dirty="0">
+                <a:hlinkClick r:id="rId4"/>
+              </a:rPr>
+              <a:t>https://raw.githack.com/OU-PhD-Econometrics/fall-2022/master/LectureNotes/01a-CleanCode/01aslides.html#2</a:t>
+            </a:r>
+            <a:r>
+              <a:rPr lang="en-US" sz="2200" dirty="0">
                 <a:solidFill>
                   <a:srgbClr val="000000"/>
                 </a:solidFill>
-                <a:effectLst/>
                 <a:cs typeface="Times New Roman" panose="02020603050405020304" pitchFamily="18" charset="0"/>
               </a:rPr>
-              <a:t>Test-driven development (unit testing, profiling, refactoring)</a:t>
-            </a:r>
-          </a:p>
-          <a:p>
-            <a:pPr algn="l">
-              <a:buFont typeface="Arial" panose="020B0604020202020204" pitchFamily="34" charset="0"/>
-              <a:buChar char="•"/>
+              <a:t> </a:t>
+            </a:r>
+          </a:p>
+          <a:p>
+            <a:pPr lvl="1">
+              <a:buFont typeface="+mj-lt"/>
+              <a:buAutoNum type="arabicPeriod"/>
             </a:pPr>
-            <a:r>
-              <a:rPr lang="en-US" sz="2400" b="0" i="0" dirty="0">
-                <a:solidFill>
-                  <a:srgbClr val="000000"/>
-                </a:solidFill>
-                <a:effectLst/>
-                <a:cs typeface="Times New Roman" panose="02020603050405020304" pitchFamily="18" charset="0"/>
-              </a:rPr>
-              <a:t>Pair programming</a:t>
-            </a:r>
+            <a:endParaRPr lang="en-US" sz="2200" b="0" i="0" dirty="0">
+              <a:solidFill>
+                <a:srgbClr val="000000"/>
+              </a:solidFill>
+              <a:effectLst/>
+              <a:cs typeface="Times New Roman" panose="02020603050405020304" pitchFamily="18" charset="0"/>
+            </a:endParaRPr>
+          </a:p>
+          <a:p>
+            <a:pPr marL="0" indent="0">
+              <a:buNone/>
+            </a:pPr>
+            <a:endParaRPr lang="en-US" sz="2400" dirty="0">
+              <a:cs typeface="Times New Roman" panose="02020603050405020304" pitchFamily="18" charset="0"/>
+            </a:endParaRPr>
           </a:p>
         </p:txBody>
       </p:sp>
     </p:spTree>
     <p:extLst>
       <p:ext uri="{BB962C8B-B14F-4D97-AF65-F5344CB8AC3E}">
-        <p14:creationId xmlns:p14="http://schemas.microsoft.com/office/powerpoint/2010/main" val="3736061425"/>
+        <p14:creationId xmlns:p14="http://schemas.microsoft.com/office/powerpoint/2010/main" val="2215572755"/>
       </p:ext>
     </p:extLst>
   </p:cSld>
@@ -18227,24 +18285,6 @@
               <a:buChar char="•"/>
             </a:pPr>
             <a:r>
-              <a:rPr lang="en-US" sz="2400" b="1" i="0" dirty="0">
-                <a:solidFill>
-                  <a:schemeClr val="accent2">
-                    <a:lumMod val="75000"/>
-                  </a:schemeClr>
-                </a:solidFill>
-                <a:effectLst/>
-                <a:cs typeface="Times New Roman" panose="02020603050405020304" pitchFamily="18" charset="0"/>
-              </a:rPr>
-              <a:t>Automation – automate everything (that can be)!</a:t>
-            </a:r>
-          </a:p>
-          <a:p>
-            <a:pPr algn="l">
-              <a:buFont typeface="Arial" panose="020B0604020202020204" pitchFamily="34" charset="0"/>
-              <a:buChar char="•"/>
-            </a:pPr>
-            <a:r>
               <a:rPr lang="en-US" sz="2400" b="0" i="0" dirty="0">
                 <a:solidFill>
                   <a:srgbClr val="000000"/>
@@ -18252,7 +18292,7 @@
                 <a:effectLst/>
                 <a:cs typeface="Times New Roman" panose="02020603050405020304" pitchFamily="18" charset="0"/>
               </a:rPr>
-              <a:t>Version control</a:t>
+              <a:t>Automation</a:t>
             </a:r>
           </a:p>
           <a:p>
@@ -18268,7 +18308,7 @@
                 <a:effectLst/>
                 <a:cs typeface="Times New Roman" panose="02020603050405020304" pitchFamily="18" charset="0"/>
               </a:rPr>
-              <a:t>Abstraction</a:t>
+              <a:t>Version control</a:t>
             </a:r>
           </a:p>
           <a:p>
@@ -18284,7 +18324,7 @@
                 <a:effectLst/>
                 <a:cs typeface="Times New Roman" panose="02020603050405020304" pitchFamily="18" charset="0"/>
               </a:rPr>
-              <a:t>Documentation</a:t>
+              <a:t>Abstraction</a:t>
             </a:r>
           </a:p>
           <a:p>
@@ -18300,7 +18340,7 @@
                 <a:effectLst/>
                 <a:cs typeface="Times New Roman" panose="02020603050405020304" pitchFamily="18" charset="0"/>
               </a:rPr>
-              <a:t>Time / task management</a:t>
+              <a:t>Documentation</a:t>
             </a:r>
           </a:p>
           <a:p>
@@ -18316,7 +18356,7 @@
                 <a:effectLst/>
                 <a:cs typeface="Times New Roman" panose="02020603050405020304" pitchFamily="18" charset="0"/>
               </a:rPr>
-              <a:t>Test-driven development (unit testing, profiling, refactoring)</a:t>
+              <a:t>Time / task management</a:t>
             </a:r>
           </a:p>
           <a:p>
@@ -18332,6 +18372,22 @@
                 <a:effectLst/>
                 <a:cs typeface="Times New Roman" panose="02020603050405020304" pitchFamily="18" charset="0"/>
               </a:rPr>
+              <a:t>Test-driven development (unit testing, profiling, refactoring)</a:t>
+            </a:r>
+          </a:p>
+          <a:p>
+            <a:pPr algn="l">
+              <a:buFont typeface="Arial" panose="020B0604020202020204" pitchFamily="34" charset="0"/>
+              <a:buChar char="•"/>
+            </a:pPr>
+            <a:r>
+              <a:rPr lang="en-US" sz="2400" b="0" i="0" dirty="0">
+                <a:solidFill>
+                  <a:srgbClr val="000000"/>
+                </a:solidFill>
+                <a:effectLst/>
+                <a:cs typeface="Times New Roman" panose="02020603050405020304" pitchFamily="18" charset="0"/>
+              </a:rPr>
               <a:t>Pair programming</a:t>
             </a:r>
           </a:p>
@@ -18340,7 +18396,7 @@
     </p:spTree>
     <p:extLst>
       <p:ext uri="{BB962C8B-B14F-4D97-AF65-F5344CB8AC3E}">
-        <p14:creationId xmlns:p14="http://schemas.microsoft.com/office/powerpoint/2010/main" val="348089801"/>
+        <p14:creationId xmlns:p14="http://schemas.microsoft.com/office/powerpoint/2010/main" val="3736061425"/>
       </p:ext>
     </p:extLst>
   </p:cSld>
@@ -18429,22 +18485,6 @@
               <a:buChar char="•"/>
             </a:pPr>
             <a:r>
-              <a:rPr lang="en-US" sz="2400" b="0" i="0" dirty="0">
-                <a:solidFill>
-                  <a:srgbClr val="000000"/>
-                </a:solidFill>
-                <a:effectLst/>
-                <a:cs typeface="Times New Roman" panose="02020603050405020304" pitchFamily="18" charset="0"/>
-              </a:rPr>
-              <a:t>Automation</a:t>
-            </a:r>
-          </a:p>
-          <a:p>
-            <a:pPr algn="l">
-              <a:buFont typeface="Arial" panose="020B0604020202020204" pitchFamily="34" charset="0"/>
-              <a:buChar char="•"/>
-            </a:pPr>
-            <a:r>
               <a:rPr lang="en-US" sz="2400" b="1" i="0" dirty="0">
                 <a:solidFill>
                   <a:schemeClr val="accent2">
@@ -18454,40 +18494,8 @@
                 <a:effectLst/>
                 <a:cs typeface="Times New Roman" panose="02020603050405020304" pitchFamily="18" charset="0"/>
               </a:rPr>
-              <a:t>Version control – </a:t>
-            </a:r>
-            <a:r>
-              <a:rPr lang="en-US" sz="2400" b="1" i="0" dirty="0" err="1">
-                <a:solidFill>
-                  <a:schemeClr val="accent2">
-                    <a:lumMod val="75000"/>
-                  </a:schemeClr>
-                </a:solidFill>
-                <a:effectLst/>
-                <a:cs typeface="Times New Roman" panose="02020603050405020304" pitchFamily="18" charset="0"/>
-              </a:rPr>
-              <a:t>Github</a:t>
-            </a:r>
-            <a:r>
-              <a:rPr lang="en-US" sz="2400" b="1" dirty="0">
-                <a:solidFill>
-                  <a:schemeClr val="accent2">
-                    <a:lumMod val="75000"/>
-                  </a:schemeClr>
-                </a:solidFill>
-                <a:cs typeface="Times New Roman" panose="02020603050405020304" pitchFamily="18" charset="0"/>
-              </a:rPr>
-              <a:t>, Dropbox, Overleaf!</a:t>
-            </a:r>
-            <a:endParaRPr lang="en-US" sz="2400" b="1" i="0" dirty="0">
-              <a:solidFill>
-                <a:schemeClr val="accent2">
-                  <a:lumMod val="75000"/>
-                </a:schemeClr>
-              </a:solidFill>
-              <a:effectLst/>
-              <a:cs typeface="Times New Roman" panose="02020603050405020304" pitchFamily="18" charset="0"/>
-            </a:endParaRPr>
+              <a:t>Automation – automate everything (that can be)!</a:t>
+            </a:r>
           </a:p>
           <a:p>
             <a:pPr algn="l">
@@ -18502,7 +18510,7 @@
                 <a:effectLst/>
                 <a:cs typeface="Times New Roman" panose="02020603050405020304" pitchFamily="18" charset="0"/>
               </a:rPr>
-              <a:t>Abstraction</a:t>
+              <a:t>Version control</a:t>
             </a:r>
           </a:p>
           <a:p>
@@ -18518,7 +18526,7 @@
                 <a:effectLst/>
                 <a:cs typeface="Times New Roman" panose="02020603050405020304" pitchFamily="18" charset="0"/>
               </a:rPr>
-              <a:t>Documentation</a:t>
+              <a:t>Abstraction</a:t>
             </a:r>
           </a:p>
           <a:p>
@@ -18534,7 +18542,7 @@
                 <a:effectLst/>
                 <a:cs typeface="Times New Roman" panose="02020603050405020304" pitchFamily="18" charset="0"/>
               </a:rPr>
-              <a:t>Time / task management</a:t>
+              <a:t>Documentation</a:t>
             </a:r>
           </a:p>
           <a:p>
@@ -18550,7 +18558,7 @@
                 <a:effectLst/>
                 <a:cs typeface="Times New Roman" panose="02020603050405020304" pitchFamily="18" charset="0"/>
               </a:rPr>
-              <a:t>Test-driven development (unit testing, profiling, refactoring)</a:t>
+              <a:t>Time / task management</a:t>
             </a:r>
           </a:p>
           <a:p>
@@ -18566,6 +18574,22 @@
                 <a:effectLst/>
                 <a:cs typeface="Times New Roman" panose="02020603050405020304" pitchFamily="18" charset="0"/>
               </a:rPr>
+              <a:t>Test-driven development (unit testing, profiling, refactoring)</a:t>
+            </a:r>
+          </a:p>
+          <a:p>
+            <a:pPr algn="l">
+              <a:buFont typeface="Arial" panose="020B0604020202020204" pitchFamily="34" charset="0"/>
+              <a:buChar char="•"/>
+            </a:pPr>
+            <a:r>
+              <a:rPr lang="en-US" sz="2400" b="0" i="0" dirty="0">
+                <a:solidFill>
+                  <a:srgbClr val="000000"/>
+                </a:solidFill>
+                <a:effectLst/>
+                <a:cs typeface="Times New Roman" panose="02020603050405020304" pitchFamily="18" charset="0"/>
+              </a:rPr>
               <a:t>Pair programming</a:t>
             </a:r>
           </a:p>
@@ -18574,7 +18598,7 @@
     </p:spTree>
     <p:extLst>
       <p:ext uri="{BB962C8B-B14F-4D97-AF65-F5344CB8AC3E}">
-        <p14:creationId xmlns:p14="http://schemas.microsoft.com/office/powerpoint/2010/main" val="1149642287"/>
+        <p14:creationId xmlns:p14="http://schemas.microsoft.com/office/powerpoint/2010/main" val="348089801"/>
       </p:ext>
     </p:extLst>
   </p:cSld>
@@ -18679,22 +18703,6 @@
               <a:buChar char="•"/>
             </a:pPr>
             <a:r>
-              <a:rPr lang="en-US" sz="2400" b="0" i="0" dirty="0">
-                <a:solidFill>
-                  <a:srgbClr val="000000"/>
-                </a:solidFill>
-                <a:effectLst/>
-                <a:cs typeface="Times New Roman" panose="02020603050405020304" pitchFamily="18" charset="0"/>
-              </a:rPr>
-              <a:t>Version control</a:t>
-            </a:r>
-          </a:p>
-          <a:p>
-            <a:pPr algn="l">
-              <a:buFont typeface="Arial" panose="020B0604020202020204" pitchFamily="34" charset="0"/>
-              <a:buChar char="•"/>
-            </a:pPr>
-            <a:r>
               <a:rPr lang="en-US" sz="2400" b="1" i="0" dirty="0">
                 <a:solidFill>
                   <a:schemeClr val="accent2">
@@ -18704,8 +18712,40 @@
                 <a:effectLst/>
                 <a:cs typeface="Times New Roman" panose="02020603050405020304" pitchFamily="18" charset="0"/>
               </a:rPr>
-              <a:t>Abstraction – use functions to reduce complexity of code!</a:t>
-            </a:r>
+              <a:t>Version control – </a:t>
+            </a:r>
+            <a:r>
+              <a:rPr lang="en-US" sz="2400" b="1" i="0" dirty="0" err="1">
+                <a:solidFill>
+                  <a:schemeClr val="accent2">
+                    <a:lumMod val="75000"/>
+                  </a:schemeClr>
+                </a:solidFill>
+                <a:effectLst/>
+                <a:cs typeface="Times New Roman" panose="02020603050405020304" pitchFamily="18" charset="0"/>
+              </a:rPr>
+              <a:t>Github</a:t>
+            </a:r>
+            <a:r>
+              <a:rPr lang="en-US" sz="2400" b="1" dirty="0">
+                <a:solidFill>
+                  <a:schemeClr val="accent2">
+                    <a:lumMod val="75000"/>
+                  </a:schemeClr>
+                </a:solidFill>
+                <a:cs typeface="Times New Roman" panose="02020603050405020304" pitchFamily="18" charset="0"/>
+              </a:rPr>
+              <a:t>, Dropbox, Overleaf!</a:t>
+            </a:r>
+            <a:endParaRPr lang="en-US" sz="2400" b="1" i="0" dirty="0">
+              <a:solidFill>
+                <a:schemeClr val="accent2">
+                  <a:lumMod val="75000"/>
+                </a:schemeClr>
+              </a:solidFill>
+              <a:effectLst/>
+              <a:cs typeface="Times New Roman" panose="02020603050405020304" pitchFamily="18" charset="0"/>
+            </a:endParaRPr>
           </a:p>
           <a:p>
             <a:pPr algn="l">
@@ -18720,7 +18760,7 @@
                 <a:effectLst/>
                 <a:cs typeface="Times New Roman" panose="02020603050405020304" pitchFamily="18" charset="0"/>
               </a:rPr>
-              <a:t>Documentation</a:t>
+              <a:t>Abstraction</a:t>
             </a:r>
           </a:p>
           <a:p>
@@ -18736,7 +18776,7 @@
                 <a:effectLst/>
                 <a:cs typeface="Times New Roman" panose="02020603050405020304" pitchFamily="18" charset="0"/>
               </a:rPr>
-              <a:t>Time / task management</a:t>
+              <a:t>Documentation</a:t>
             </a:r>
           </a:p>
           <a:p>
@@ -18752,7 +18792,7 @@
                 <a:effectLst/>
                 <a:cs typeface="Times New Roman" panose="02020603050405020304" pitchFamily="18" charset="0"/>
               </a:rPr>
-              <a:t>Test-driven development (unit testing, profiling, refactoring)</a:t>
+              <a:t>Time / task management</a:t>
             </a:r>
           </a:p>
           <a:p>
@@ -18768,6 +18808,22 @@
                 <a:effectLst/>
                 <a:cs typeface="Times New Roman" panose="02020603050405020304" pitchFamily="18" charset="0"/>
               </a:rPr>
+              <a:t>Test-driven development (unit testing, profiling, refactoring)</a:t>
+            </a:r>
+          </a:p>
+          <a:p>
+            <a:pPr algn="l">
+              <a:buFont typeface="Arial" panose="020B0604020202020204" pitchFamily="34" charset="0"/>
+              <a:buChar char="•"/>
+            </a:pPr>
+            <a:r>
+              <a:rPr lang="en-US" sz="2400" b="0" i="0" dirty="0">
+                <a:solidFill>
+                  <a:srgbClr val="000000"/>
+                </a:solidFill>
+                <a:effectLst/>
+                <a:cs typeface="Times New Roman" panose="02020603050405020304" pitchFamily="18" charset="0"/>
+              </a:rPr>
               <a:t>Pair programming</a:t>
             </a:r>
           </a:p>
@@ -18776,7 +18832,7 @@
     </p:spTree>
     <p:extLst>
       <p:ext uri="{BB962C8B-B14F-4D97-AF65-F5344CB8AC3E}">
-        <p14:creationId xmlns:p14="http://schemas.microsoft.com/office/powerpoint/2010/main" val="4227240959"/>
+        <p14:creationId xmlns:p14="http://schemas.microsoft.com/office/powerpoint/2010/main" val="1149642287"/>
       </p:ext>
     </p:extLst>
   </p:cSld>
@@ -18897,22 +18953,6 @@
               <a:buChar char="•"/>
             </a:pPr>
             <a:r>
-              <a:rPr lang="en-US" sz="2400" b="0" i="0" dirty="0">
-                <a:solidFill>
-                  <a:srgbClr val="000000"/>
-                </a:solidFill>
-                <a:effectLst/>
-                <a:cs typeface="Times New Roman" panose="02020603050405020304" pitchFamily="18" charset="0"/>
-              </a:rPr>
-              <a:t>Abstraction</a:t>
-            </a:r>
-          </a:p>
-          <a:p>
-            <a:pPr algn="l">
-              <a:buFont typeface="Arial" panose="020B0604020202020204" pitchFamily="34" charset="0"/>
-              <a:buChar char="•"/>
-            </a:pPr>
-            <a:r>
               <a:rPr lang="en-US" sz="2400" b="1" i="0" dirty="0">
                 <a:solidFill>
                   <a:schemeClr val="accent2">
@@ -18922,7 +18962,7 @@
                 <a:effectLst/>
                 <a:cs typeface="Times New Roman" panose="02020603050405020304" pitchFamily="18" charset="0"/>
               </a:rPr>
-              <a:t>Documentation – make code readable! (Variable names, comments)</a:t>
+              <a:t>Abstraction – use functions to reduce complexity of code!</a:t>
             </a:r>
           </a:p>
           <a:p>
@@ -18938,7 +18978,7 @@
                 <a:effectLst/>
                 <a:cs typeface="Times New Roman" panose="02020603050405020304" pitchFamily="18" charset="0"/>
               </a:rPr>
-              <a:t>Time / task management</a:t>
+              <a:t>Documentation</a:t>
             </a:r>
           </a:p>
           <a:p>
@@ -18954,7 +18994,7 @@
                 <a:effectLst/>
                 <a:cs typeface="Times New Roman" panose="02020603050405020304" pitchFamily="18" charset="0"/>
               </a:rPr>
-              <a:t>Test-driven development (unit testing, profiling, refactoring)</a:t>
+              <a:t>Time / task management</a:t>
             </a:r>
           </a:p>
           <a:p>
@@ -18970,6 +19010,22 @@
                 <a:effectLst/>
                 <a:cs typeface="Times New Roman" panose="02020603050405020304" pitchFamily="18" charset="0"/>
               </a:rPr>
+              <a:t>Test-driven development (unit testing, profiling, refactoring)</a:t>
+            </a:r>
+          </a:p>
+          <a:p>
+            <a:pPr algn="l">
+              <a:buFont typeface="Arial" panose="020B0604020202020204" pitchFamily="34" charset="0"/>
+              <a:buChar char="•"/>
+            </a:pPr>
+            <a:r>
+              <a:rPr lang="en-US" sz="2400" b="0" i="0" dirty="0">
+                <a:solidFill>
+                  <a:srgbClr val="000000"/>
+                </a:solidFill>
+                <a:effectLst/>
+                <a:cs typeface="Times New Roman" panose="02020603050405020304" pitchFamily="18" charset="0"/>
+              </a:rPr>
               <a:t>Pair programming</a:t>
             </a:r>
           </a:p>
@@ -18978,7 +19034,7 @@
     </p:spTree>
     <p:extLst>
       <p:ext uri="{BB962C8B-B14F-4D97-AF65-F5344CB8AC3E}">
-        <p14:creationId xmlns:p14="http://schemas.microsoft.com/office/powerpoint/2010/main" val="2032318221"/>
+        <p14:creationId xmlns:p14="http://schemas.microsoft.com/office/powerpoint/2010/main" val="4227240959"/>
       </p:ext>
     </p:extLst>
   </p:cSld>
@@ -19544,6 +19600,208 @@
               <a:buChar char="•"/>
             </a:pPr>
             <a:r>
+              <a:rPr lang="en-US" sz="2400" b="1" i="0" dirty="0">
+                <a:solidFill>
+                  <a:schemeClr val="accent2">
+                    <a:lumMod val="75000"/>
+                  </a:schemeClr>
+                </a:solidFill>
+                <a:effectLst/>
+                <a:cs typeface="Times New Roman" panose="02020603050405020304" pitchFamily="18" charset="0"/>
+              </a:rPr>
+              <a:t>Documentation – make code readable! (Variable names, comments)</a:t>
+            </a:r>
+          </a:p>
+          <a:p>
+            <a:pPr algn="l">
+              <a:buFont typeface="Arial" panose="020B0604020202020204" pitchFamily="34" charset="0"/>
+              <a:buChar char="•"/>
+            </a:pPr>
+            <a:r>
+              <a:rPr lang="en-US" sz="2400" b="0" i="0" dirty="0">
+                <a:solidFill>
+                  <a:srgbClr val="000000"/>
+                </a:solidFill>
+                <a:effectLst/>
+                <a:cs typeface="Times New Roman" panose="02020603050405020304" pitchFamily="18" charset="0"/>
+              </a:rPr>
+              <a:t>Time / task management</a:t>
+            </a:r>
+          </a:p>
+          <a:p>
+            <a:pPr algn="l">
+              <a:buFont typeface="Arial" panose="020B0604020202020204" pitchFamily="34" charset="0"/>
+              <a:buChar char="•"/>
+            </a:pPr>
+            <a:r>
+              <a:rPr lang="en-US" sz="2400" b="0" i="0" dirty="0">
+                <a:solidFill>
+                  <a:srgbClr val="000000"/>
+                </a:solidFill>
+                <a:effectLst/>
+                <a:cs typeface="Times New Roman" panose="02020603050405020304" pitchFamily="18" charset="0"/>
+              </a:rPr>
+              <a:t>Test-driven development (unit testing, profiling, refactoring)</a:t>
+            </a:r>
+          </a:p>
+          <a:p>
+            <a:pPr algn="l">
+              <a:buFont typeface="Arial" panose="020B0604020202020204" pitchFamily="34" charset="0"/>
+              <a:buChar char="•"/>
+            </a:pPr>
+            <a:r>
+              <a:rPr lang="en-US" sz="2400" b="0" i="0" dirty="0">
+                <a:solidFill>
+                  <a:srgbClr val="000000"/>
+                </a:solidFill>
+                <a:effectLst/>
+                <a:cs typeface="Times New Roman" panose="02020603050405020304" pitchFamily="18" charset="0"/>
+              </a:rPr>
+              <a:t>Pair programming</a:t>
+            </a:r>
+          </a:p>
+        </p:txBody>
+      </p:sp>
+    </p:spTree>
+    <p:extLst>
+      <p:ext uri="{BB962C8B-B14F-4D97-AF65-F5344CB8AC3E}">
+        <p14:creationId xmlns:p14="http://schemas.microsoft.com/office/powerpoint/2010/main" val="2032318221"/>
+      </p:ext>
+    </p:extLst>
+  </p:cSld>
+  <p:clrMapOvr>
+    <a:masterClrMapping/>
+  </p:clrMapOvr>
+</p:sld>
+</file>
+
+<file path=ppt/slides/slide31.xml><?xml version="1.0" encoding="utf-8"?>
+<p:sld xmlns:a="http://schemas.openxmlformats.org/drawingml/2006/main" xmlns:r="http://schemas.openxmlformats.org/officeDocument/2006/relationships" xmlns:p="http://schemas.openxmlformats.org/presentationml/2006/main">
+  <p:cSld>
+    <p:spTree>
+      <p:nvGrpSpPr>
+        <p:cNvPr id="1" name=""/>
+        <p:cNvGrpSpPr/>
+        <p:nvPr/>
+      </p:nvGrpSpPr>
+      <p:grpSpPr>
+        <a:xfrm>
+          <a:off x="0" y="0"/>
+          <a:ext cx="0" cy="0"/>
+          <a:chOff x="0" y="0"/>
+          <a:chExt cx="0" cy="0"/>
+        </a:xfrm>
+      </p:grpSpPr>
+      <p:sp>
+        <p:nvSpPr>
+          <p:cNvPr id="2" name="Title 1"/>
+          <p:cNvSpPr>
+            <a:spLocks noGrp="1"/>
+          </p:cNvSpPr>
+          <p:nvPr>
+            <p:ph type="title"/>
+          </p:nvPr>
+        </p:nvSpPr>
+        <p:spPr>
+          <a:xfrm>
+            <a:off x="609600" y="337392"/>
+            <a:ext cx="10439400" cy="624840"/>
+          </a:xfrm>
+        </p:spPr>
+        <p:txBody>
+          <a:bodyPr>
+            <a:noAutofit/>
+          </a:bodyPr>
+          <a:lstStyle/>
+          <a:p>
+            <a:r>
+              <a:rPr lang="en-US" sz="3600" dirty="0">
+                <a:cs typeface="Times New Roman" panose="02020603050405020304" pitchFamily="18" charset="0"/>
+              </a:rPr>
+              <a:t>Principles of Clean Code</a:t>
+            </a:r>
+            <a:endParaRPr lang="en-US" sz="3600" dirty="0">
+              <a:latin typeface="Times New Roman" panose="02020603050405020304" pitchFamily="18" charset="0"/>
+              <a:cs typeface="Times New Roman" panose="02020603050405020304" pitchFamily="18" charset="0"/>
+            </a:endParaRPr>
+          </a:p>
+        </p:txBody>
+      </p:sp>
+      <p:sp>
+        <p:nvSpPr>
+          <p:cNvPr id="3" name="Content Placeholder 2"/>
+          <p:cNvSpPr>
+            <a:spLocks noGrp="1"/>
+          </p:cNvSpPr>
+          <p:nvPr>
+            <p:ph idx="1"/>
+          </p:nvPr>
+        </p:nvSpPr>
+        <p:spPr>
+          <a:xfrm>
+            <a:off x="609601" y="1066801"/>
+            <a:ext cx="10015390" cy="5141388"/>
+          </a:xfrm>
+        </p:spPr>
+        <p:txBody>
+          <a:bodyPr>
+            <a:noAutofit/>
+          </a:bodyPr>
+          <a:lstStyle/>
+          <a:p>
+            <a:pPr algn="l">
+              <a:buFont typeface="Arial" panose="020B0604020202020204" pitchFamily="34" charset="0"/>
+              <a:buChar char="•"/>
+            </a:pPr>
+            <a:r>
+              <a:rPr lang="en-US" sz="2400" b="0" i="0" dirty="0">
+                <a:solidFill>
+                  <a:srgbClr val="000000"/>
+                </a:solidFill>
+                <a:effectLst/>
+                <a:cs typeface="Times New Roman" panose="02020603050405020304" pitchFamily="18" charset="0"/>
+              </a:rPr>
+              <a:t>Automation</a:t>
+            </a:r>
+          </a:p>
+          <a:p>
+            <a:pPr algn="l">
+              <a:buFont typeface="Arial" panose="020B0604020202020204" pitchFamily="34" charset="0"/>
+              <a:buChar char="•"/>
+            </a:pPr>
+            <a:r>
+              <a:rPr lang="en-US" sz="2400" b="0" i="0" dirty="0">
+                <a:solidFill>
+                  <a:srgbClr val="000000"/>
+                </a:solidFill>
+                <a:effectLst/>
+                <a:cs typeface="Times New Roman" panose="02020603050405020304" pitchFamily="18" charset="0"/>
+              </a:rPr>
+              <a:t>Version control</a:t>
+            </a:r>
+          </a:p>
+          <a:p>
+            <a:pPr algn="l">
+              <a:buFont typeface="Arial" panose="020B0604020202020204" pitchFamily="34" charset="0"/>
+              <a:buChar char="•"/>
+            </a:pPr>
+            <a:r>
+              <a:rPr lang="en-US" sz="2400" b="0" i="0" dirty="0">
+                <a:solidFill>
+                  <a:srgbClr val="000000"/>
+                </a:solidFill>
+                <a:effectLst/>
+                <a:cs typeface="Times New Roman" panose="02020603050405020304" pitchFamily="18" charset="0"/>
+              </a:rPr>
+              <a:t>Abstraction</a:t>
+            </a:r>
+          </a:p>
+          <a:p>
+            <a:pPr algn="l">
+              <a:buFont typeface="Arial" panose="020B0604020202020204" pitchFamily="34" charset="0"/>
+              <a:buChar char="•"/>
+            </a:pPr>
+            <a:r>
               <a:rPr lang="en-US" sz="2400" b="0" i="0" dirty="0">
                 <a:solidFill>
                   <a:srgbClr val="000000"/>
@@ -19652,7 +19910,7 @@
 </p:sld>
 </file>
 
-<file path=ppt/slides/slide31.xml><?xml version="1.0" encoding="utf-8"?>
+<file path=ppt/slides/slide32.xml><?xml version="1.0" encoding="utf-8"?>
 <p:sld xmlns:a="http://schemas.openxmlformats.org/drawingml/2006/main" xmlns:r="http://schemas.openxmlformats.org/officeDocument/2006/relationships" xmlns:p="http://schemas.openxmlformats.org/presentationml/2006/main">
   <p:cSld>
     <p:spTree>
@@ -19835,7 +20093,7 @@
 </p:sld>
 </file>
 
-<file path=ppt/slides/slide32.xml><?xml version="1.0" encoding="utf-8"?>
+<file path=ppt/slides/slide33.xml><?xml version="1.0" encoding="utf-8"?>
 <p:sld xmlns:a="http://schemas.openxmlformats.org/drawingml/2006/main" xmlns:r="http://schemas.openxmlformats.org/officeDocument/2006/relationships" xmlns:p="http://schemas.openxmlformats.org/presentationml/2006/main">
   <p:cSld>
     <p:spTree>
@@ -20055,7 +20313,7 @@
 </p:sld>
 </file>
 
-<file path=ppt/slides/slide33.xml><?xml version="1.0" encoding="utf-8"?>
+<file path=ppt/slides/slide34.xml><?xml version="1.0" encoding="utf-8"?>
 <p:sld xmlns:a="http://schemas.openxmlformats.org/drawingml/2006/main" xmlns:r="http://schemas.openxmlformats.org/officeDocument/2006/relationships" xmlns:p="http://schemas.openxmlformats.org/presentationml/2006/main">
   <p:cSld>
     <p:spTree>
@@ -20186,7 +20444,7 @@
 </p:sld>
 </file>
 
-<file path=ppt/slides/slide34.xml><?xml version="1.0" encoding="utf-8"?>
+<file path=ppt/slides/slide35.xml><?xml version="1.0" encoding="utf-8"?>
 <p:sld xmlns:a="http://schemas.openxmlformats.org/drawingml/2006/main" xmlns:r="http://schemas.openxmlformats.org/officeDocument/2006/relationships" xmlns:p="http://schemas.openxmlformats.org/presentationml/2006/main">
   <p:cSld>
     <p:spTree>
@@ -20317,7 +20575,7 @@
 </p:sld>
 </file>
 
-<file path=ppt/slides/slide35.xml><?xml version="1.0" encoding="utf-8"?>
+<file path=ppt/slides/slide36.xml><?xml version="1.0" encoding="utf-8"?>
 <p:sld xmlns:a="http://schemas.openxmlformats.org/drawingml/2006/main" xmlns:r="http://schemas.openxmlformats.org/officeDocument/2006/relationships" xmlns:p="http://schemas.openxmlformats.org/presentationml/2006/main">
   <p:cSld>
     <p:spTree>
@@ -20519,7 +20777,7 @@
 </p:sld>
 </file>
 
-<file path=ppt/slides/slide36.xml><?xml version="1.0" encoding="utf-8"?>
+<file path=ppt/slides/slide37.xml><?xml version="1.0" encoding="utf-8"?>
 <p:sld xmlns:a="http://schemas.openxmlformats.org/drawingml/2006/main" xmlns:r="http://schemas.openxmlformats.org/officeDocument/2006/relationships" xmlns:p="http://schemas.openxmlformats.org/presentationml/2006/main">
   <p:cSld>
     <p:spTree>
@@ -20615,7 +20873,7 @@
 </p:sld>
 </file>
 
-<file path=ppt/slides/slide37.xml><?xml version="1.0" encoding="utf-8"?>
+<file path=ppt/slides/slide38.xml><?xml version="1.0" encoding="utf-8"?>
 <p:sld xmlns:a="http://schemas.openxmlformats.org/drawingml/2006/main" xmlns:r="http://schemas.openxmlformats.org/officeDocument/2006/relationships" xmlns:p="http://schemas.openxmlformats.org/presentationml/2006/main">
   <p:cSld>
     <p:spTree>
@@ -20747,7 +21005,7 @@
 </p:sld>
 </file>
 
-<file path=ppt/slides/slide38.xml><?xml version="1.0" encoding="utf-8"?>
+<file path=ppt/slides/slide39.xml><?xml version="1.0" encoding="utf-8"?>
 <p:sld xmlns:a="http://schemas.openxmlformats.org/drawingml/2006/main" xmlns:r="http://schemas.openxmlformats.org/officeDocument/2006/relationships" xmlns:p="http://schemas.openxmlformats.org/presentationml/2006/main">
   <p:cSld>
     <p:spTree>
@@ -20981,7 +21239,97 @@
 </p:sld>
 </file>
 
-<file path=ppt/slides/slide39.xml><?xml version="1.0" encoding="utf-8"?>
+<file path=ppt/slides/slide4.xml><?xml version="1.0" encoding="utf-8"?>
+<p:sld xmlns:a="http://schemas.openxmlformats.org/drawingml/2006/main" xmlns:r="http://schemas.openxmlformats.org/officeDocument/2006/relationships" xmlns:p="http://schemas.openxmlformats.org/presentationml/2006/main">
+  <p:cSld>
+    <p:spTree>
+      <p:nvGrpSpPr>
+        <p:cNvPr id="1" name=""/>
+        <p:cNvGrpSpPr/>
+        <p:nvPr/>
+      </p:nvGrpSpPr>
+      <p:grpSpPr>
+        <a:xfrm>
+          <a:off x="0" y="0"/>
+          <a:ext cx="0" cy="0"/>
+          <a:chOff x="0" y="0"/>
+          <a:chExt cx="0" cy="0"/>
+        </a:xfrm>
+      </p:grpSpPr>
+      <p:sp>
+        <p:nvSpPr>
+          <p:cNvPr id="2" name="Title 1">
+            <a:extLst>
+              <a:ext uri="{FF2B5EF4-FFF2-40B4-BE49-F238E27FC236}">
+                <a16:creationId xmlns:a16="http://schemas.microsoft.com/office/drawing/2014/main" id="{F6693EDF-660D-4391-A114-A6C54268E445}"/>
+              </a:ext>
+            </a:extLst>
+          </p:cNvPr>
+          <p:cNvSpPr>
+            <a:spLocks noGrp="1"/>
+          </p:cNvSpPr>
+          <p:nvPr>
+            <p:ph type="ctrTitle"/>
+          </p:nvPr>
+        </p:nvSpPr>
+        <p:spPr>
+          <a:xfrm>
+            <a:off x="1261872" y="758952"/>
+            <a:ext cx="10549128" cy="4041648"/>
+          </a:xfrm>
+        </p:spPr>
+        <p:txBody>
+          <a:bodyPr/>
+          <a:lstStyle/>
+          <a:p>
+            <a:r>
+              <a:rPr lang="en-US" dirty="0"/>
+              <a:t>Finding good data</a:t>
+            </a:r>
+          </a:p>
+        </p:txBody>
+      </p:sp>
+      <p:sp>
+        <p:nvSpPr>
+          <p:cNvPr id="3" name="Subtitle 2">
+            <a:extLst>
+              <a:ext uri="{FF2B5EF4-FFF2-40B4-BE49-F238E27FC236}">
+                <a16:creationId xmlns:a16="http://schemas.microsoft.com/office/drawing/2014/main" id="{9A7FADE3-4D7C-4B3A-B023-71CD85AECCCB}"/>
+              </a:ext>
+            </a:extLst>
+          </p:cNvPr>
+          <p:cNvSpPr>
+            <a:spLocks noGrp="1"/>
+          </p:cNvSpPr>
+          <p:nvPr>
+            <p:ph type="subTitle" idx="1"/>
+          </p:nvPr>
+        </p:nvSpPr>
+        <p:spPr/>
+        <p:txBody>
+          <a:bodyPr>
+            <a:normAutofit/>
+          </a:bodyPr>
+          <a:lstStyle/>
+          <a:p>
+            <a:endParaRPr lang="en-US" sz="4400" dirty="0"/>
+          </a:p>
+        </p:txBody>
+      </p:sp>
+    </p:spTree>
+    <p:extLst>
+      <p:ext uri="{BB962C8B-B14F-4D97-AF65-F5344CB8AC3E}">
+        <p14:creationId xmlns:p14="http://schemas.microsoft.com/office/powerpoint/2010/main" val="2953910715"/>
+      </p:ext>
+    </p:extLst>
+  </p:cSld>
+  <p:clrMapOvr>
+    <a:masterClrMapping/>
+  </p:clrMapOvr>
+</p:sld>
+</file>
+
+<file path=ppt/slides/slide40.xml><?xml version="1.0" encoding="utf-8"?>
 <p:sld xmlns:a="http://schemas.openxmlformats.org/drawingml/2006/main" xmlns:r="http://schemas.openxmlformats.org/officeDocument/2006/relationships" xmlns:p="http://schemas.openxmlformats.org/presentationml/2006/main">
   <p:cSld>
     <p:spTree>
@@ -21103,97 +21451,7 @@
 </p:sld>
 </file>
 
-<file path=ppt/slides/slide4.xml><?xml version="1.0" encoding="utf-8"?>
-<p:sld xmlns:a="http://schemas.openxmlformats.org/drawingml/2006/main" xmlns:r="http://schemas.openxmlformats.org/officeDocument/2006/relationships" xmlns:p="http://schemas.openxmlformats.org/presentationml/2006/main">
-  <p:cSld>
-    <p:spTree>
-      <p:nvGrpSpPr>
-        <p:cNvPr id="1" name=""/>
-        <p:cNvGrpSpPr/>
-        <p:nvPr/>
-      </p:nvGrpSpPr>
-      <p:grpSpPr>
-        <a:xfrm>
-          <a:off x="0" y="0"/>
-          <a:ext cx="0" cy="0"/>
-          <a:chOff x="0" y="0"/>
-          <a:chExt cx="0" cy="0"/>
-        </a:xfrm>
-      </p:grpSpPr>
-      <p:sp>
-        <p:nvSpPr>
-          <p:cNvPr id="2" name="Title 1">
-            <a:extLst>
-              <a:ext uri="{FF2B5EF4-FFF2-40B4-BE49-F238E27FC236}">
-                <a16:creationId xmlns:a16="http://schemas.microsoft.com/office/drawing/2014/main" id="{F6693EDF-660D-4391-A114-A6C54268E445}"/>
-              </a:ext>
-            </a:extLst>
-          </p:cNvPr>
-          <p:cNvSpPr>
-            <a:spLocks noGrp="1"/>
-          </p:cNvSpPr>
-          <p:nvPr>
-            <p:ph type="ctrTitle"/>
-          </p:nvPr>
-        </p:nvSpPr>
-        <p:spPr>
-          <a:xfrm>
-            <a:off x="1261872" y="758952"/>
-            <a:ext cx="10549128" cy="4041648"/>
-          </a:xfrm>
-        </p:spPr>
-        <p:txBody>
-          <a:bodyPr/>
-          <a:lstStyle/>
-          <a:p>
-            <a:r>
-              <a:rPr lang="en-US" dirty="0"/>
-              <a:t>Finding good data</a:t>
-            </a:r>
-          </a:p>
-        </p:txBody>
-      </p:sp>
-      <p:sp>
-        <p:nvSpPr>
-          <p:cNvPr id="3" name="Subtitle 2">
-            <a:extLst>
-              <a:ext uri="{FF2B5EF4-FFF2-40B4-BE49-F238E27FC236}">
-                <a16:creationId xmlns:a16="http://schemas.microsoft.com/office/drawing/2014/main" id="{9A7FADE3-4D7C-4B3A-B023-71CD85AECCCB}"/>
-              </a:ext>
-            </a:extLst>
-          </p:cNvPr>
-          <p:cNvSpPr>
-            <a:spLocks noGrp="1"/>
-          </p:cNvSpPr>
-          <p:nvPr>
-            <p:ph type="subTitle" idx="1"/>
-          </p:nvPr>
-        </p:nvSpPr>
-        <p:spPr/>
-        <p:txBody>
-          <a:bodyPr>
-            <a:normAutofit/>
-          </a:bodyPr>
-          <a:lstStyle/>
-          <a:p>
-            <a:endParaRPr lang="en-US" sz="4400" dirty="0"/>
-          </a:p>
-        </p:txBody>
-      </p:sp>
-    </p:spTree>
-    <p:extLst>
-      <p:ext uri="{BB962C8B-B14F-4D97-AF65-F5344CB8AC3E}">
-        <p14:creationId xmlns:p14="http://schemas.microsoft.com/office/powerpoint/2010/main" val="2953910715"/>
-      </p:ext>
-    </p:extLst>
-  </p:cSld>
-  <p:clrMapOvr>
-    <a:masterClrMapping/>
-  </p:clrMapOvr>
-</p:sld>
-</file>
-
-<file path=ppt/slides/slide40.xml><?xml version="1.0" encoding="utf-8"?>
+<file path=ppt/slides/slide41.xml><?xml version="1.0" encoding="utf-8"?>
 <p:sld xmlns:a="http://schemas.openxmlformats.org/drawingml/2006/main" xmlns:r="http://schemas.openxmlformats.org/officeDocument/2006/relationships" xmlns:p="http://schemas.openxmlformats.org/presentationml/2006/main">
   <p:cSld>
     <p:spTree>
@@ -21338,7 +21596,7 @@
 </p:sld>
 </file>
 
-<file path=ppt/slides/slide41.xml><?xml version="1.0" encoding="utf-8"?>
+<file path=ppt/slides/slide42.xml><?xml version="1.0" encoding="utf-8"?>
 <p:sld xmlns:a="http://schemas.openxmlformats.org/drawingml/2006/main" xmlns:r="http://schemas.openxmlformats.org/officeDocument/2006/relationships" xmlns:p="http://schemas.openxmlformats.org/presentationml/2006/main">
   <p:cSld>
     <p:spTree>
@@ -21500,7 +21758,7 @@
 </p:sld>
 </file>
 
-<file path=ppt/slides/slide42.xml><?xml version="1.0" encoding="utf-8"?>
+<file path=ppt/slides/slide43.xml><?xml version="1.0" encoding="utf-8"?>
 <p:sld xmlns:a="http://schemas.openxmlformats.org/drawingml/2006/main" xmlns:r="http://schemas.openxmlformats.org/officeDocument/2006/relationships" xmlns:p="http://schemas.openxmlformats.org/presentationml/2006/main">
   <p:cSld>
     <p:spTree>
@@ -21692,7 +21950,7 @@
 </p:sld>
 </file>
 
-<file path=ppt/slides/slide43.xml><?xml version="1.0" encoding="utf-8"?>
+<file path=ppt/slides/slide44.xml><?xml version="1.0" encoding="utf-8"?>
 <p:sld xmlns:a="http://schemas.openxmlformats.org/drawingml/2006/main" xmlns:r="http://schemas.openxmlformats.org/officeDocument/2006/relationships" xmlns:p="http://schemas.openxmlformats.org/presentationml/2006/main">
   <p:cSld>
     <p:spTree>
@@ -21883,7 +22141,7 @@
 </p:sld>
 </file>
 
-<file path=ppt/slides/slide44.xml><?xml version="1.0" encoding="utf-8"?>
+<file path=ppt/slides/slide45.xml><?xml version="1.0" encoding="utf-8"?>
 <p:sld xmlns:a="http://schemas.openxmlformats.org/drawingml/2006/main" xmlns:r="http://schemas.openxmlformats.org/officeDocument/2006/relationships" xmlns:p="http://schemas.openxmlformats.org/presentationml/2006/main">
   <p:cSld>
     <p:spTree>
@@ -22104,7 +22362,7 @@
 </p:sld>
 </file>
 
-<file path=ppt/slides/slide45.xml><?xml version="1.0" encoding="utf-8"?>
+<file path=ppt/slides/slide46.xml><?xml version="1.0" encoding="utf-8"?>
 <p:sld xmlns:a="http://schemas.openxmlformats.org/drawingml/2006/main" xmlns:r="http://schemas.openxmlformats.org/officeDocument/2006/relationships" xmlns:p="http://schemas.openxmlformats.org/presentationml/2006/main">
   <p:cSld>
     <p:spTree>
@@ -22256,7 +22514,7 @@
 </p:sld>
 </file>
 
-<file path=ppt/slides/slide46.xml><?xml version="1.0" encoding="utf-8"?>
+<file path=ppt/slides/slide47.xml><?xml version="1.0" encoding="utf-8"?>
 <p:sld xmlns:a="http://schemas.openxmlformats.org/drawingml/2006/main" xmlns:r="http://schemas.openxmlformats.org/officeDocument/2006/relationships" xmlns:p="http://schemas.openxmlformats.org/presentationml/2006/main">
   <p:cSld>
     <p:spTree>
@@ -22456,7 +22714,7 @@
 </p:sld>
 </file>
 
-<file path=ppt/slides/slide47.xml><?xml version="1.0" encoding="utf-8"?>
+<file path=ppt/slides/slide48.xml><?xml version="1.0" encoding="utf-8"?>
 <p:sld xmlns:a="http://schemas.openxmlformats.org/drawingml/2006/main" xmlns:r="http://schemas.openxmlformats.org/officeDocument/2006/relationships" xmlns:p="http://schemas.openxmlformats.org/presentationml/2006/main">
   <p:cSld>
     <p:spTree>
@@ -22628,7 +22886,7 @@
 </p:sld>
 </file>
 
-<file path=ppt/slides/slide48.xml><?xml version="1.0" encoding="utf-8"?>
+<file path=ppt/slides/slide49.xml><?xml version="1.0" encoding="utf-8"?>
 <p:sld xmlns:a="http://schemas.openxmlformats.org/drawingml/2006/main" xmlns:r="http://schemas.openxmlformats.org/officeDocument/2006/relationships" xmlns:p="http://schemas.openxmlformats.org/presentationml/2006/main">
   <p:cSld>
     <p:spTree>
@@ -22715,127 +22973,6 @@
     <p:extLst>
       <p:ext uri="{BB962C8B-B14F-4D97-AF65-F5344CB8AC3E}">
         <p14:creationId xmlns:p14="http://schemas.microsoft.com/office/powerpoint/2010/main" val="3923261543"/>
-      </p:ext>
-    </p:extLst>
-  </p:cSld>
-  <p:clrMapOvr>
-    <a:masterClrMapping/>
-  </p:clrMapOvr>
-</p:sld>
-</file>
-
-<file path=ppt/slides/slide49.xml><?xml version="1.0" encoding="utf-8"?>
-<p:sld xmlns:a="http://schemas.openxmlformats.org/drawingml/2006/main" xmlns:r="http://schemas.openxmlformats.org/officeDocument/2006/relationships" xmlns:p="http://schemas.openxmlformats.org/presentationml/2006/main">
-  <p:cSld>
-    <p:spTree>
-      <p:nvGrpSpPr>
-        <p:cNvPr id="1" name="">
-          <a:extLst>
-            <a:ext uri="{FF2B5EF4-FFF2-40B4-BE49-F238E27FC236}">
-              <a16:creationId xmlns:a16="http://schemas.microsoft.com/office/drawing/2014/main" id="{BAB07A2B-3920-BFB5-6388-208256DDF404}"/>
-            </a:ext>
-          </a:extLst>
-        </p:cNvPr>
-        <p:cNvGrpSpPr/>
-        <p:nvPr/>
-      </p:nvGrpSpPr>
-      <p:grpSpPr>
-        <a:xfrm>
-          <a:off x="0" y="0"/>
-          <a:ext cx="0" cy="0"/>
-          <a:chOff x="0" y="0"/>
-          <a:chExt cx="0" cy="0"/>
-        </a:xfrm>
-      </p:grpSpPr>
-      <p:sp>
-        <p:nvSpPr>
-          <p:cNvPr id="2" name="Title 1">
-            <a:extLst>
-              <a:ext uri="{FF2B5EF4-FFF2-40B4-BE49-F238E27FC236}">
-                <a16:creationId xmlns:a16="http://schemas.microsoft.com/office/drawing/2014/main" id="{0DBF722E-7F45-0555-3F08-99F6AA4017C1}"/>
-              </a:ext>
-            </a:extLst>
-          </p:cNvPr>
-          <p:cNvSpPr>
-            <a:spLocks noGrp="1"/>
-          </p:cNvSpPr>
-          <p:nvPr>
-            <p:ph type="title"/>
-          </p:nvPr>
-        </p:nvSpPr>
-        <p:spPr>
-          <a:xfrm>
-            <a:off x="609600" y="337392"/>
-            <a:ext cx="10439400" cy="624840"/>
-          </a:xfrm>
-        </p:spPr>
-        <p:txBody>
-          <a:bodyPr>
-            <a:noAutofit/>
-          </a:bodyPr>
-          <a:lstStyle/>
-          <a:p>
-            <a:r>
-              <a:rPr lang="en-US" sz="3600" dirty="0">
-                <a:cs typeface="Times New Roman" panose="02020603050405020304" pitchFamily="18" charset="0"/>
-              </a:rPr>
-              <a:t>Framework: Everything is a Remix </a:t>
-            </a:r>
-            <a:endParaRPr lang="en-US" sz="3600" dirty="0">
-              <a:latin typeface="Times New Roman" panose="02020603050405020304" pitchFamily="18" charset="0"/>
-              <a:cs typeface="Times New Roman" panose="02020603050405020304" pitchFamily="18" charset="0"/>
-            </a:endParaRPr>
-          </a:p>
-        </p:txBody>
-      </p:sp>
-      <p:sp>
-        <p:nvSpPr>
-          <p:cNvPr id="5" name="Content Placeholder 4">
-            <a:extLst>
-              <a:ext uri="{FF2B5EF4-FFF2-40B4-BE49-F238E27FC236}">
-                <a16:creationId xmlns:a16="http://schemas.microsoft.com/office/drawing/2014/main" id="{26390CF3-9C8C-6235-01F5-A32916F29301}"/>
-              </a:ext>
-            </a:extLst>
-          </p:cNvPr>
-          <p:cNvSpPr>
-            <a:spLocks noGrp="1"/>
-          </p:cNvSpPr>
-          <p:nvPr>
-            <p:ph idx="1"/>
-          </p:nvPr>
-        </p:nvSpPr>
-        <p:spPr>
-          <a:xfrm>
-            <a:off x="609600" y="962232"/>
-            <a:ext cx="10134600" cy="5667168"/>
-          </a:xfrm>
-        </p:spPr>
-        <p:txBody>
-          <a:bodyPr>
-            <a:normAutofit/>
-          </a:bodyPr>
-          <a:lstStyle/>
-          <a:p>
-            <a:pPr marL="0" indent="0">
-              <a:buNone/>
-            </a:pPr>
-            <a:r>
-              <a:rPr lang="en-US" sz="2200" dirty="0"/>
-              <a:t>Why do we care about this question? What outcomes are important? </a:t>
-            </a:r>
-          </a:p>
-          <a:p>
-            <a:pPr marL="0" indent="0">
-              <a:buNone/>
-            </a:pPr>
-            <a:endParaRPr lang="en-US" sz="2200" dirty="0"/>
-          </a:p>
-        </p:txBody>
-      </p:sp>
-    </p:spTree>
-    <p:extLst>
-      <p:ext uri="{BB962C8B-B14F-4D97-AF65-F5344CB8AC3E}">
-        <p14:creationId xmlns:p14="http://schemas.microsoft.com/office/powerpoint/2010/main" val="3194000207"/>
       </p:ext>
     </p:extLst>
   </p:cSld>
@@ -23127,6 +23264,127 @@
         <p:cNvPr id="1" name="">
           <a:extLst>
             <a:ext uri="{FF2B5EF4-FFF2-40B4-BE49-F238E27FC236}">
+              <a16:creationId xmlns:a16="http://schemas.microsoft.com/office/drawing/2014/main" id="{BAB07A2B-3920-BFB5-6388-208256DDF404}"/>
+            </a:ext>
+          </a:extLst>
+        </p:cNvPr>
+        <p:cNvGrpSpPr/>
+        <p:nvPr/>
+      </p:nvGrpSpPr>
+      <p:grpSpPr>
+        <a:xfrm>
+          <a:off x="0" y="0"/>
+          <a:ext cx="0" cy="0"/>
+          <a:chOff x="0" y="0"/>
+          <a:chExt cx="0" cy="0"/>
+        </a:xfrm>
+      </p:grpSpPr>
+      <p:sp>
+        <p:nvSpPr>
+          <p:cNvPr id="2" name="Title 1">
+            <a:extLst>
+              <a:ext uri="{FF2B5EF4-FFF2-40B4-BE49-F238E27FC236}">
+                <a16:creationId xmlns:a16="http://schemas.microsoft.com/office/drawing/2014/main" id="{0DBF722E-7F45-0555-3F08-99F6AA4017C1}"/>
+              </a:ext>
+            </a:extLst>
+          </p:cNvPr>
+          <p:cNvSpPr>
+            <a:spLocks noGrp="1"/>
+          </p:cNvSpPr>
+          <p:nvPr>
+            <p:ph type="title"/>
+          </p:nvPr>
+        </p:nvSpPr>
+        <p:spPr>
+          <a:xfrm>
+            <a:off x="609600" y="337392"/>
+            <a:ext cx="10439400" cy="624840"/>
+          </a:xfrm>
+        </p:spPr>
+        <p:txBody>
+          <a:bodyPr>
+            <a:noAutofit/>
+          </a:bodyPr>
+          <a:lstStyle/>
+          <a:p>
+            <a:r>
+              <a:rPr lang="en-US" sz="3600" dirty="0">
+                <a:cs typeface="Times New Roman" panose="02020603050405020304" pitchFamily="18" charset="0"/>
+              </a:rPr>
+              <a:t>Framework: Everything is a Remix </a:t>
+            </a:r>
+            <a:endParaRPr lang="en-US" sz="3600" dirty="0">
+              <a:latin typeface="Times New Roman" panose="02020603050405020304" pitchFamily="18" charset="0"/>
+              <a:cs typeface="Times New Roman" panose="02020603050405020304" pitchFamily="18" charset="0"/>
+            </a:endParaRPr>
+          </a:p>
+        </p:txBody>
+      </p:sp>
+      <p:sp>
+        <p:nvSpPr>
+          <p:cNvPr id="5" name="Content Placeholder 4">
+            <a:extLst>
+              <a:ext uri="{FF2B5EF4-FFF2-40B4-BE49-F238E27FC236}">
+                <a16:creationId xmlns:a16="http://schemas.microsoft.com/office/drawing/2014/main" id="{26390CF3-9C8C-6235-01F5-A32916F29301}"/>
+              </a:ext>
+            </a:extLst>
+          </p:cNvPr>
+          <p:cNvSpPr>
+            <a:spLocks noGrp="1"/>
+          </p:cNvSpPr>
+          <p:nvPr>
+            <p:ph idx="1"/>
+          </p:nvPr>
+        </p:nvSpPr>
+        <p:spPr>
+          <a:xfrm>
+            <a:off x="609600" y="962232"/>
+            <a:ext cx="10134600" cy="5667168"/>
+          </a:xfrm>
+        </p:spPr>
+        <p:txBody>
+          <a:bodyPr>
+            <a:normAutofit/>
+          </a:bodyPr>
+          <a:lstStyle/>
+          <a:p>
+            <a:pPr marL="0" indent="0">
+              <a:buNone/>
+            </a:pPr>
+            <a:r>
+              <a:rPr lang="en-US" sz="2200" dirty="0"/>
+              <a:t>Why do we care about this question? What outcomes are important? </a:t>
+            </a:r>
+          </a:p>
+          <a:p>
+            <a:pPr marL="0" indent="0">
+              <a:buNone/>
+            </a:pPr>
+            <a:endParaRPr lang="en-US" sz="2200" dirty="0"/>
+          </a:p>
+        </p:txBody>
+      </p:sp>
+    </p:spTree>
+    <p:extLst>
+      <p:ext uri="{BB962C8B-B14F-4D97-AF65-F5344CB8AC3E}">
+        <p14:creationId xmlns:p14="http://schemas.microsoft.com/office/powerpoint/2010/main" val="3194000207"/>
+      </p:ext>
+    </p:extLst>
+  </p:cSld>
+  <p:clrMapOvr>
+    <a:masterClrMapping/>
+  </p:clrMapOvr>
+</p:sld>
+</file>
+
+<file path=ppt/slides/slide51.xml><?xml version="1.0" encoding="utf-8"?>
+<p:sld xmlns:a="http://schemas.openxmlformats.org/drawingml/2006/main" xmlns:r="http://schemas.openxmlformats.org/officeDocument/2006/relationships" xmlns:p="http://schemas.openxmlformats.org/presentationml/2006/main">
+  <p:cSld>
+    <p:spTree>
+      <p:nvGrpSpPr>
+        <p:cNvPr id="1" name="">
+          <a:extLst>
+            <a:ext uri="{FF2B5EF4-FFF2-40B4-BE49-F238E27FC236}">
               <a16:creationId xmlns:a16="http://schemas.microsoft.com/office/drawing/2014/main" id="{F85E41AE-62C7-330C-E516-A4E338F3D886}"/>
             </a:ext>
           </a:extLst>
@@ -23250,7 +23508,7 @@
 </p:sld>
 </file>
 
-<file path=ppt/slides/slide51.xml><?xml version="1.0" encoding="utf-8"?>
+<file path=ppt/slides/slide52.xml><?xml version="1.0" encoding="utf-8"?>
 <p:sld xmlns:a="http://schemas.openxmlformats.org/drawingml/2006/main" xmlns:r="http://schemas.openxmlformats.org/officeDocument/2006/relationships" xmlns:p="http://schemas.openxmlformats.org/presentationml/2006/main">
   <p:cSld>
     <p:spTree>
@@ -23488,7 +23746,7 @@
 </p:sld>
 </file>
 
-<file path=ppt/slides/slide52.xml><?xml version="1.0" encoding="utf-8"?>
+<file path=ppt/slides/slide53.xml><?xml version="1.0" encoding="utf-8"?>
 <p:sld xmlns:a="http://schemas.openxmlformats.org/drawingml/2006/main" xmlns:r="http://schemas.openxmlformats.org/officeDocument/2006/relationships" xmlns:p="http://schemas.openxmlformats.org/presentationml/2006/main">
   <p:cSld>
     <p:spTree>
@@ -23656,7 +23914,7 @@
 </p:sld>
 </file>
 
-<file path=ppt/slides/slide53.xml><?xml version="1.0" encoding="utf-8"?>
+<file path=ppt/slides/slide54.xml><?xml version="1.0" encoding="utf-8"?>
 <p:sld xmlns:a="http://schemas.openxmlformats.org/drawingml/2006/main" xmlns:r="http://schemas.openxmlformats.org/officeDocument/2006/relationships" xmlns:p="http://schemas.openxmlformats.org/presentationml/2006/main">
   <p:cSld>
     <p:spTree>
@@ -24020,7 +24278,7 @@
 </p:sld>
 </file>
 
-<file path=ppt/slides/slide54.xml><?xml version="1.0" encoding="utf-8"?>
+<file path=ppt/slides/slide55.xml><?xml version="1.0" encoding="utf-8"?>
 <p:sld xmlns:a="http://schemas.openxmlformats.org/drawingml/2006/main" xmlns:r="http://schemas.openxmlformats.org/officeDocument/2006/relationships" xmlns:p="http://schemas.openxmlformats.org/presentationml/2006/main">
   <p:cSld>
     <p:spTree>
@@ -24593,7 +24851,7 @@
 </p:sld>
 </file>
 
-<file path=ppt/slides/slide55.xml><?xml version="1.0" encoding="utf-8"?>
+<file path=ppt/slides/slide56.xml><?xml version="1.0" encoding="utf-8"?>
 <p:sld xmlns:a="http://schemas.openxmlformats.org/drawingml/2006/main" xmlns:r="http://schemas.openxmlformats.org/officeDocument/2006/relationships" xmlns:p="http://schemas.openxmlformats.org/presentationml/2006/main">
   <p:cSld>
     <p:spTree>
@@ -25354,96 +25612,6 @@
 </p:sld>
 </file>
 
-<file path=ppt/slides/slide56.xml><?xml version="1.0" encoding="utf-8"?>
-<p:sld xmlns:a="http://schemas.openxmlformats.org/drawingml/2006/main" xmlns:r="http://schemas.openxmlformats.org/officeDocument/2006/relationships" xmlns:p="http://schemas.openxmlformats.org/presentationml/2006/main">
-  <p:cSld>
-    <p:spTree>
-      <p:nvGrpSpPr>
-        <p:cNvPr id="1" name=""/>
-        <p:cNvGrpSpPr/>
-        <p:nvPr/>
-      </p:nvGrpSpPr>
-      <p:grpSpPr>
-        <a:xfrm>
-          <a:off x="0" y="0"/>
-          <a:ext cx="0" cy="0"/>
-          <a:chOff x="0" y="0"/>
-          <a:chExt cx="0" cy="0"/>
-        </a:xfrm>
-      </p:grpSpPr>
-      <p:sp>
-        <p:nvSpPr>
-          <p:cNvPr id="2" name="Title 1">
-            <a:extLst>
-              <a:ext uri="{FF2B5EF4-FFF2-40B4-BE49-F238E27FC236}">
-                <a16:creationId xmlns:a16="http://schemas.microsoft.com/office/drawing/2014/main" id="{F6693EDF-660D-4391-A114-A6C54268E445}"/>
-              </a:ext>
-            </a:extLst>
-          </p:cNvPr>
-          <p:cNvSpPr>
-            <a:spLocks noGrp="1"/>
-          </p:cNvSpPr>
-          <p:nvPr>
-            <p:ph type="ctrTitle"/>
-          </p:nvPr>
-        </p:nvSpPr>
-        <p:spPr>
-          <a:xfrm>
-            <a:off x="1261872" y="758952"/>
-            <a:ext cx="10549128" cy="4041648"/>
-          </a:xfrm>
-        </p:spPr>
-        <p:txBody>
-          <a:bodyPr/>
-          <a:lstStyle/>
-          <a:p>
-            <a:r>
-              <a:rPr lang="en-US" dirty="0"/>
-              <a:t>Selecting a Research Design</a:t>
-            </a:r>
-          </a:p>
-        </p:txBody>
-      </p:sp>
-      <p:sp>
-        <p:nvSpPr>
-          <p:cNvPr id="3" name="Subtitle 2">
-            <a:extLst>
-              <a:ext uri="{FF2B5EF4-FFF2-40B4-BE49-F238E27FC236}">
-                <a16:creationId xmlns:a16="http://schemas.microsoft.com/office/drawing/2014/main" id="{9A7FADE3-4D7C-4B3A-B023-71CD85AECCCB}"/>
-              </a:ext>
-            </a:extLst>
-          </p:cNvPr>
-          <p:cNvSpPr>
-            <a:spLocks noGrp="1"/>
-          </p:cNvSpPr>
-          <p:nvPr>
-            <p:ph type="subTitle" idx="1"/>
-          </p:nvPr>
-        </p:nvSpPr>
-        <p:spPr/>
-        <p:txBody>
-          <a:bodyPr>
-            <a:normAutofit/>
-          </a:bodyPr>
-          <a:lstStyle/>
-          <a:p>
-            <a:endParaRPr lang="en-US" sz="4400" dirty="0"/>
-          </a:p>
-        </p:txBody>
-      </p:sp>
-    </p:spTree>
-    <p:extLst>
-      <p:ext uri="{BB962C8B-B14F-4D97-AF65-F5344CB8AC3E}">
-        <p14:creationId xmlns:p14="http://schemas.microsoft.com/office/powerpoint/2010/main" val="617667713"/>
-      </p:ext>
-    </p:extLst>
-  </p:cSld>
-  <p:clrMapOvr>
-    <a:masterClrMapping/>
-  </p:clrMapOvr>
-</p:sld>
-</file>
-
 <file path=ppt/slides/slide57.xml><?xml version="1.0" encoding="utf-8"?>
 <p:sld xmlns:a="http://schemas.openxmlformats.org/drawingml/2006/main" xmlns:r="http://schemas.openxmlformats.org/officeDocument/2006/relationships" xmlns:p="http://schemas.openxmlformats.org/presentationml/2006/main">
   <p:cSld>
@@ -25463,110 +25631,68 @@
       </p:grpSpPr>
       <p:sp>
         <p:nvSpPr>
-          <p:cNvPr id="2" name="Title 1"/>
-          <p:cNvSpPr>
-            <a:spLocks noGrp="1"/>
-          </p:cNvSpPr>
-          <p:nvPr>
-            <p:ph type="title"/>
+          <p:cNvPr id="2" name="Title 1">
+            <a:extLst>
+              <a:ext uri="{FF2B5EF4-FFF2-40B4-BE49-F238E27FC236}">
+                <a16:creationId xmlns:a16="http://schemas.microsoft.com/office/drawing/2014/main" id="{F6693EDF-660D-4391-A114-A6C54268E445}"/>
+              </a:ext>
+            </a:extLst>
+          </p:cNvPr>
+          <p:cNvSpPr>
+            <a:spLocks noGrp="1"/>
+          </p:cNvSpPr>
+          <p:nvPr>
+            <p:ph type="ctrTitle"/>
           </p:nvPr>
         </p:nvSpPr>
         <p:spPr>
           <a:xfrm>
-            <a:off x="304800" y="518160"/>
-            <a:ext cx="10439400" cy="624840"/>
+            <a:off x="1261872" y="758952"/>
+            <a:ext cx="10549128" cy="4041648"/>
           </a:xfrm>
         </p:spPr>
         <p:txBody>
+          <a:bodyPr/>
+          <a:lstStyle/>
+          <a:p>
+            <a:r>
+              <a:rPr lang="en-US" dirty="0"/>
+              <a:t>Selecting a Research Design</a:t>
+            </a:r>
+          </a:p>
+        </p:txBody>
+      </p:sp>
+      <p:sp>
+        <p:nvSpPr>
+          <p:cNvPr id="3" name="Subtitle 2">
+            <a:extLst>
+              <a:ext uri="{FF2B5EF4-FFF2-40B4-BE49-F238E27FC236}">
+                <a16:creationId xmlns:a16="http://schemas.microsoft.com/office/drawing/2014/main" id="{9A7FADE3-4D7C-4B3A-B023-71CD85AECCCB}"/>
+              </a:ext>
+            </a:extLst>
+          </p:cNvPr>
+          <p:cNvSpPr>
+            <a:spLocks noGrp="1"/>
+          </p:cNvSpPr>
+          <p:nvPr>
+            <p:ph type="subTitle" idx="1"/>
+          </p:nvPr>
+        </p:nvSpPr>
+        <p:spPr/>
+        <p:txBody>
           <a:bodyPr>
-            <a:noAutofit/>
+            <a:normAutofit/>
           </a:bodyPr>
           <a:lstStyle/>
           <a:p>
-            <a:r>
-              <a:rPr lang="en-US" sz="3600" dirty="0">
-                <a:cs typeface="Times New Roman" panose="02020603050405020304" pitchFamily="18" charset="0"/>
-              </a:rPr>
-              <a:t>Answers are only as good as your data…and your question!</a:t>
-            </a:r>
-            <a:endParaRPr lang="en-US" sz="3600" dirty="0">
-              <a:latin typeface="Times New Roman" panose="02020603050405020304" pitchFamily="18" charset="0"/>
-              <a:cs typeface="Times New Roman" panose="02020603050405020304" pitchFamily="18" charset="0"/>
-            </a:endParaRPr>
-          </a:p>
-        </p:txBody>
-      </p:sp>
-      <p:sp>
-        <p:nvSpPr>
-          <p:cNvPr id="3" name="Content Placeholder 2"/>
-          <p:cNvSpPr>
-            <a:spLocks noGrp="1"/>
-          </p:cNvSpPr>
-          <p:nvPr>
-            <p:ph idx="1"/>
-          </p:nvPr>
-        </p:nvSpPr>
-        <p:spPr>
-          <a:xfrm>
-            <a:off x="762001" y="1259412"/>
-            <a:ext cx="9862990" cy="5141388"/>
-          </a:xfrm>
-        </p:spPr>
-        <p:txBody>
-          <a:bodyPr>
-            <a:noAutofit/>
-          </a:bodyPr>
-          <a:lstStyle/>
-          <a:p>
-            <a:pPr marL="514350" indent="-514350">
-              <a:buAutoNum type="arabicPeriod"/>
-            </a:pPr>
-            <a:r>
-              <a:rPr lang="en-US" sz="2800" dirty="0">
-                <a:cs typeface="Times New Roman" panose="02020603050405020304" pitchFamily="18" charset="0"/>
-              </a:rPr>
-              <a:t>Where to find data</a:t>
-            </a:r>
-          </a:p>
-          <a:p>
-            <a:pPr marL="514350" indent="-514350">
-              <a:buAutoNum type="arabicPeriod"/>
-            </a:pPr>
-            <a:r>
-              <a:rPr lang="en-US" sz="2800" dirty="0">
-                <a:cs typeface="Times New Roman" panose="02020603050405020304" pitchFamily="18" charset="0"/>
-              </a:rPr>
-              <a:t>How to work with data (data cleaning) </a:t>
-            </a:r>
-          </a:p>
-          <a:p>
-            <a:pPr marL="514350" indent="-514350">
-              <a:buAutoNum type="arabicPeriod"/>
-            </a:pPr>
-            <a:r>
-              <a:rPr lang="en-US" sz="2800" dirty="0">
-                <a:cs typeface="Times New Roman" panose="02020603050405020304" pitchFamily="18" charset="0"/>
-              </a:rPr>
-              <a:t>How to design good research questions</a:t>
-            </a:r>
-          </a:p>
-          <a:p>
-            <a:pPr marL="514350" indent="-514350">
-              <a:buAutoNum type="arabicPeriod"/>
-            </a:pPr>
-            <a:r>
-              <a:rPr lang="en-US" sz="2800" b="1" dirty="0">
-                <a:cs typeface="Times New Roman" panose="02020603050405020304" pitchFamily="18" charset="0"/>
-              </a:rPr>
-              <a:t>Research designs: where we’re headed</a:t>
-            </a:r>
+            <a:endParaRPr lang="en-US" sz="4400" dirty="0"/>
           </a:p>
         </p:txBody>
       </p:sp>
     </p:spTree>
     <p:extLst>
       <p:ext uri="{BB962C8B-B14F-4D97-AF65-F5344CB8AC3E}">
-        <p14:creationId xmlns:p14="http://schemas.microsoft.com/office/powerpoint/2010/main" val="1280337996"/>
+        <p14:creationId xmlns:p14="http://schemas.microsoft.com/office/powerpoint/2010/main" val="617667713"/>
       </p:ext>
     </p:extLst>
   </p:cSld>
@@ -25605,7 +25731,7 @@
         </p:nvSpPr>
         <p:spPr>
           <a:xfrm>
-            <a:off x="609600" y="337392"/>
+            <a:off x="304800" y="518160"/>
             <a:ext cx="10439400" cy="624840"/>
           </a:xfrm>
         </p:spPr>
@@ -25619,7 +25745,7 @@
               <a:rPr lang="en-US" sz="3600" dirty="0">
                 <a:cs typeface="Times New Roman" panose="02020603050405020304" pitchFamily="18" charset="0"/>
               </a:rPr>
-              <a:t>So where do you find questions? </a:t>
+              <a:t>Answers are only as good as your data…and your question!</a:t>
             </a:r>
             <a:endParaRPr lang="en-US" sz="3600" dirty="0">
               <a:latin typeface="Times New Roman" panose="02020603050405020304" pitchFamily="18" charset="0"/>
@@ -25640,8 +25766,8 @@
         </p:nvSpPr>
         <p:spPr>
           <a:xfrm>
-            <a:off x="609600" y="1066801"/>
-            <a:ext cx="10363199" cy="5141388"/>
+            <a:off x="762001" y="1259412"/>
+            <a:ext cx="9862990" cy="5141388"/>
           </a:xfrm>
         </p:spPr>
         <p:txBody>
@@ -25650,127 +25776,55 @@
           </a:bodyPr>
           <a:lstStyle/>
           <a:p>
+            <a:pPr marL="514350" indent="-514350">
+              <a:buAutoNum type="arabicPeriod"/>
+            </a:pPr>
             <a:r>
               <a:rPr lang="en-US" sz="2800" dirty="0">
                 <a:cs typeface="Times New Roman" panose="02020603050405020304" pitchFamily="18" charset="0"/>
               </a:rPr>
-              <a:t>Reading papers is a good start, but not everything! </a:t>
-            </a:r>
-          </a:p>
-          <a:p>
-            <a:pPr lvl="1"/>
-            <a:r>
-              <a:rPr lang="en-US" sz="2600" dirty="0">
-                <a:cs typeface="Times New Roman" panose="02020603050405020304" pitchFamily="18" charset="0"/>
-              </a:rPr>
-              <a:t>You don’t want to get caught in an echo chamber</a:t>
-            </a:r>
-          </a:p>
-          <a:p>
+              <a:t>Where to find data</a:t>
+            </a:r>
+          </a:p>
+          <a:p>
+            <a:pPr marL="514350" indent="-514350">
+              <a:buAutoNum type="arabicPeriod"/>
+            </a:pPr>
             <a:r>
               <a:rPr lang="en-US" sz="2800" dirty="0">
                 <a:cs typeface="Times New Roman" panose="02020603050405020304" pitchFamily="18" charset="0"/>
               </a:rPr>
-              <a:t>Come to seminars! </a:t>
-            </a:r>
-          </a:p>
-          <a:p>
-            <a:pPr lvl="1"/>
-            <a:r>
-              <a:rPr lang="en-US" sz="2600" dirty="0">
-                <a:cs typeface="Times New Roman" panose="02020603050405020304" pitchFamily="18" charset="0"/>
-              </a:rPr>
-              <a:t>Go see the big names when they come in (look at other departments too)</a:t>
-            </a:r>
-          </a:p>
-          <a:p>
-            <a:pPr lvl="1"/>
-            <a:r>
-              <a:rPr lang="en-US" sz="2600" dirty="0">
-                <a:cs typeface="Times New Roman" panose="02020603050405020304" pitchFamily="18" charset="0"/>
-              </a:rPr>
-              <a:t>But also go see the works in progress, what your peers are working on, your faculty, etc. </a:t>
-            </a:r>
-          </a:p>
-          <a:p>
-            <a:pPr lvl="1"/>
-            <a:r>
-              <a:rPr lang="en-US" sz="2600" dirty="0">
-                <a:cs typeface="Times New Roman" panose="02020603050405020304" pitchFamily="18" charset="0"/>
-              </a:rPr>
-              <a:t>Try to go to talks outside your field</a:t>
-            </a:r>
-          </a:p>
-          <a:p>
+              <a:t>How to work with data (data cleaning) </a:t>
+            </a:r>
+          </a:p>
+          <a:p>
+            <a:pPr marL="514350" indent="-514350">
+              <a:buAutoNum type="arabicPeriod"/>
+            </a:pPr>
             <a:r>
               <a:rPr lang="en-US" sz="2800" dirty="0">
                 <a:cs typeface="Times New Roman" panose="02020603050405020304" pitchFamily="18" charset="0"/>
               </a:rPr>
-              <a:t>Subscribe to newsletters</a:t>
-            </a:r>
-          </a:p>
-          <a:p>
-            <a:pPr lvl="1"/>
-            <a:r>
-              <a:rPr lang="en-US" sz="2600" dirty="0">
+              <a:t>How to design good research questions</a:t>
+            </a:r>
+          </a:p>
+          <a:p>
+            <a:pPr marL="514350" indent="-514350">
+              <a:buAutoNum type="arabicPeriod"/>
+            </a:pPr>
+            <a:r>
+              <a:rPr lang="en-US" sz="2800" b="1" dirty="0">
                 <a:cs typeface="Times New Roman" panose="02020603050405020304" pitchFamily="18" charset="0"/>
               </a:rPr>
-              <a:t>Academic journals, sure</a:t>
-            </a:r>
-          </a:p>
-          <a:p>
-            <a:pPr lvl="1"/>
-            <a:r>
-              <a:rPr lang="en-US" sz="2600" dirty="0">
-                <a:cs typeface="Times New Roman" panose="02020603050405020304" pitchFamily="18" charset="0"/>
-              </a:rPr>
-              <a:t>But also things like: </a:t>
-            </a:r>
-            <a:r>
-              <a:rPr lang="en-US" sz="2600" dirty="0">
-                <a:cs typeface="Times New Roman" panose="02020603050405020304" pitchFamily="18" charset="0"/>
-                <a:hlinkClick r:id="rId3"/>
-              </a:rPr>
-              <a:t>Axios Vitals</a:t>
-            </a:r>
-            <a:r>
-              <a:rPr lang="en-US" sz="2600" dirty="0">
-                <a:cs typeface="Times New Roman" panose="02020603050405020304" pitchFamily="18" charset="0"/>
-              </a:rPr>
-              <a:t>, </a:t>
-            </a:r>
-            <a:r>
-              <a:rPr lang="en-US" sz="2600" dirty="0" err="1">
-                <a:cs typeface="Times New Roman" panose="02020603050405020304" pitchFamily="18" charset="0"/>
-                <a:hlinkClick r:id="rId4"/>
-              </a:rPr>
-              <a:t>Postcall</a:t>
-            </a:r>
-            <a:r>
-              <a:rPr lang="en-US" sz="2600" dirty="0">
-                <a:cs typeface="Times New Roman" panose="02020603050405020304" pitchFamily="18" charset="0"/>
-              </a:rPr>
-              <a:t>, etc. </a:t>
-            </a:r>
-          </a:p>
-          <a:p>
-            <a:pPr lvl="1"/>
-            <a:endParaRPr lang="en-US" sz="2600" dirty="0">
-              <a:cs typeface="Times New Roman" panose="02020603050405020304" pitchFamily="18" charset="0"/>
-            </a:endParaRPr>
-          </a:p>
-          <a:p>
-            <a:pPr lvl="1"/>
-            <a:endParaRPr lang="en-US" sz="2600" dirty="0">
-              <a:cs typeface="Times New Roman" panose="02020603050405020304" pitchFamily="18" charset="0"/>
-            </a:endParaRPr>
+              <a:t>Research designs: where we’re headed</a:t>
+            </a:r>
           </a:p>
         </p:txBody>
       </p:sp>
     </p:spTree>
     <p:extLst>
       <p:ext uri="{BB962C8B-B14F-4D97-AF65-F5344CB8AC3E}">
-        <p14:creationId xmlns:p14="http://schemas.microsoft.com/office/powerpoint/2010/main" val="1439514143"/>
+        <p14:creationId xmlns:p14="http://schemas.microsoft.com/office/powerpoint/2010/main" val="1280337996"/>
       </p:ext>
     </p:extLst>
   </p:cSld>
@@ -25823,7 +25877,7 @@
               <a:rPr lang="en-US" sz="3600" dirty="0">
                 <a:cs typeface="Times New Roman" panose="02020603050405020304" pitchFamily="18" charset="0"/>
               </a:rPr>
-              <a:t>Stages of Research</a:t>
+              <a:t>So where do you find questions? </a:t>
             </a:r>
             <a:endParaRPr lang="en-US" sz="3600" dirty="0">
               <a:latin typeface="Times New Roman" panose="02020603050405020304" pitchFamily="18" charset="0"/>
@@ -25834,13 +25888,7 @@
       </p:sp>
       <p:sp>
         <p:nvSpPr>
-          <p:cNvPr id="5" name="Content Placeholder 4">
-            <a:extLst>
-              <a:ext uri="{FF2B5EF4-FFF2-40B4-BE49-F238E27FC236}">
-                <a16:creationId xmlns:a16="http://schemas.microsoft.com/office/drawing/2014/main" id="{20CBD1B4-835B-05AF-EF76-A49A2BB18B6B}"/>
-              </a:ext>
-            </a:extLst>
-          </p:cNvPr>
+          <p:cNvPr id="3" name="Content Placeholder 2"/>
           <p:cNvSpPr>
             <a:spLocks noGrp="1"/>
           </p:cNvSpPr>
@@ -25848,49 +25896,139 @@
             <p:ph idx="1"/>
           </p:nvPr>
         </p:nvSpPr>
-        <p:spPr/>
-        <p:txBody>
-          <a:bodyPr/>
-          <a:lstStyle/>
-          <a:p>
-            <a:endParaRPr lang="en-US"/>
-          </a:p>
-        </p:txBody>
-      </p:sp>
-      <p:pic>
-        <p:nvPicPr>
-          <p:cNvPr id="7" name="Picture 6">
-            <a:extLst>
-              <a:ext uri="{FF2B5EF4-FFF2-40B4-BE49-F238E27FC236}">
-                <a16:creationId xmlns:a16="http://schemas.microsoft.com/office/drawing/2014/main" id="{6B646F90-1E1A-6789-551E-B5CEF9274BA6}"/>
-              </a:ext>
-            </a:extLst>
-          </p:cNvPr>
-          <p:cNvPicPr>
-            <a:picLocks noChangeAspect="1"/>
-          </p:cNvPicPr>
-          <p:nvPr/>
-        </p:nvPicPr>
-        <p:blipFill>
-          <a:blip r:embed="rId3"/>
-          <a:stretch>
-            <a:fillRect/>
-          </a:stretch>
-        </p:blipFill>
         <p:spPr>
           <a:xfrm>
-            <a:off x="304800" y="962232"/>
-            <a:ext cx="8305800" cy="5856654"/>
+            <a:off x="609600" y="1066801"/>
+            <a:ext cx="10363199" cy="5141388"/>
           </a:xfrm>
-          <a:prstGeom prst="rect">
-            <a:avLst/>
-          </a:prstGeom>
         </p:spPr>
-      </p:pic>
+        <p:txBody>
+          <a:bodyPr>
+            <a:noAutofit/>
+          </a:bodyPr>
+          <a:lstStyle/>
+          <a:p>
+            <a:r>
+              <a:rPr lang="en-US" sz="2800" dirty="0">
+                <a:cs typeface="Times New Roman" panose="02020603050405020304" pitchFamily="18" charset="0"/>
+              </a:rPr>
+              <a:t>Reading papers is a good start, but not everything! </a:t>
+            </a:r>
+          </a:p>
+          <a:p>
+            <a:pPr lvl="1"/>
+            <a:r>
+              <a:rPr lang="en-US" sz="2600" dirty="0">
+                <a:cs typeface="Times New Roman" panose="02020603050405020304" pitchFamily="18" charset="0"/>
+              </a:rPr>
+              <a:t>You don’t want to get caught in an echo chamber</a:t>
+            </a:r>
+          </a:p>
+          <a:p>
+            <a:r>
+              <a:rPr lang="en-US" sz="2800" dirty="0">
+                <a:cs typeface="Times New Roman" panose="02020603050405020304" pitchFamily="18" charset="0"/>
+              </a:rPr>
+              <a:t>Come to seminars! </a:t>
+            </a:r>
+          </a:p>
+          <a:p>
+            <a:pPr lvl="1"/>
+            <a:r>
+              <a:rPr lang="en-US" sz="2600" dirty="0">
+                <a:cs typeface="Times New Roman" panose="02020603050405020304" pitchFamily="18" charset="0"/>
+              </a:rPr>
+              <a:t>Go see the big names when they come in (look at other departments too)</a:t>
+            </a:r>
+          </a:p>
+          <a:p>
+            <a:pPr lvl="1"/>
+            <a:r>
+              <a:rPr lang="en-US" sz="2600" dirty="0">
+                <a:cs typeface="Times New Roman" panose="02020603050405020304" pitchFamily="18" charset="0"/>
+              </a:rPr>
+              <a:t>But also go see the works in progress, what your peers are working on, your faculty, etc. </a:t>
+            </a:r>
+          </a:p>
+          <a:p>
+            <a:pPr lvl="1"/>
+            <a:r>
+              <a:rPr lang="en-US" sz="2600" dirty="0">
+                <a:cs typeface="Times New Roman" panose="02020603050405020304" pitchFamily="18" charset="0"/>
+              </a:rPr>
+              <a:t>Try to go to talks outside your field</a:t>
+            </a:r>
+          </a:p>
+          <a:p>
+            <a:r>
+              <a:rPr lang="en-US" sz="2800" dirty="0">
+                <a:cs typeface="Times New Roman" panose="02020603050405020304" pitchFamily="18" charset="0"/>
+              </a:rPr>
+              <a:t>Subscribe to newsletters</a:t>
+            </a:r>
+          </a:p>
+          <a:p>
+            <a:pPr lvl="1"/>
+            <a:r>
+              <a:rPr lang="en-US" sz="2600" dirty="0">
+                <a:cs typeface="Times New Roman" panose="02020603050405020304" pitchFamily="18" charset="0"/>
+              </a:rPr>
+              <a:t>Academic journals, sure</a:t>
+            </a:r>
+          </a:p>
+          <a:p>
+            <a:pPr lvl="1"/>
+            <a:r>
+              <a:rPr lang="en-US" sz="2600" dirty="0">
+                <a:cs typeface="Times New Roman" panose="02020603050405020304" pitchFamily="18" charset="0"/>
+              </a:rPr>
+              <a:t>But also things like: </a:t>
+            </a:r>
+            <a:r>
+              <a:rPr lang="en-US" sz="2600" dirty="0">
+                <a:cs typeface="Times New Roman" panose="02020603050405020304" pitchFamily="18" charset="0"/>
+                <a:hlinkClick r:id="rId3"/>
+              </a:rPr>
+              <a:t>Axios Vitals</a:t>
+            </a:r>
+            <a:r>
+              <a:rPr lang="en-US" sz="2600" dirty="0">
+                <a:cs typeface="Times New Roman" panose="02020603050405020304" pitchFamily="18" charset="0"/>
+              </a:rPr>
+              <a:t>, </a:t>
+            </a:r>
+            <a:r>
+              <a:rPr lang="en-US" sz="2600" dirty="0" err="1">
+                <a:cs typeface="Times New Roman" panose="02020603050405020304" pitchFamily="18" charset="0"/>
+                <a:hlinkClick r:id="rId4"/>
+              </a:rPr>
+              <a:t>Postcall</a:t>
+            </a:r>
+            <a:r>
+              <a:rPr lang="en-US" sz="2600" dirty="0">
+                <a:cs typeface="Times New Roman" panose="02020603050405020304" pitchFamily="18" charset="0"/>
+              </a:rPr>
+              <a:t>, etc. </a:t>
+            </a:r>
+          </a:p>
+          <a:p>
+            <a:pPr lvl="1"/>
+            <a:endParaRPr lang="en-US" sz="2600" dirty="0">
+              <a:cs typeface="Times New Roman" panose="02020603050405020304" pitchFamily="18" charset="0"/>
+            </a:endParaRPr>
+          </a:p>
+          <a:p>
+            <a:pPr lvl="1"/>
+            <a:endParaRPr lang="en-US" sz="2600" dirty="0">
+              <a:cs typeface="Times New Roman" panose="02020603050405020304" pitchFamily="18" charset="0"/>
+            </a:endParaRPr>
+          </a:p>
+        </p:txBody>
+      </p:sp>
     </p:spTree>
     <p:extLst>
       <p:ext uri="{BB962C8B-B14F-4D97-AF65-F5344CB8AC3E}">
-        <p14:creationId xmlns:p14="http://schemas.microsoft.com/office/powerpoint/2010/main" val="111188525"/>
+        <p14:creationId xmlns:p14="http://schemas.microsoft.com/office/powerpoint/2010/main" val="1439514143"/>
       </p:ext>
     </p:extLst>
   </p:cSld>
@@ -26043,6 +26181,126 @@
   <p:cSld>
     <p:spTree>
       <p:nvGrpSpPr>
+        <p:cNvPr id="1" name=""/>
+        <p:cNvGrpSpPr/>
+        <p:nvPr/>
+      </p:nvGrpSpPr>
+      <p:grpSpPr>
+        <a:xfrm>
+          <a:off x="0" y="0"/>
+          <a:ext cx="0" cy="0"/>
+          <a:chOff x="0" y="0"/>
+          <a:chExt cx="0" cy="0"/>
+        </a:xfrm>
+      </p:grpSpPr>
+      <p:sp>
+        <p:nvSpPr>
+          <p:cNvPr id="2" name="Title 1"/>
+          <p:cNvSpPr>
+            <a:spLocks noGrp="1"/>
+          </p:cNvSpPr>
+          <p:nvPr>
+            <p:ph type="title"/>
+          </p:nvPr>
+        </p:nvSpPr>
+        <p:spPr>
+          <a:xfrm>
+            <a:off x="609600" y="337392"/>
+            <a:ext cx="10439400" cy="624840"/>
+          </a:xfrm>
+        </p:spPr>
+        <p:txBody>
+          <a:bodyPr>
+            <a:noAutofit/>
+          </a:bodyPr>
+          <a:lstStyle/>
+          <a:p>
+            <a:r>
+              <a:rPr lang="en-US" sz="3600" dirty="0">
+                <a:cs typeface="Times New Roman" panose="02020603050405020304" pitchFamily="18" charset="0"/>
+              </a:rPr>
+              <a:t>Stages of Research</a:t>
+            </a:r>
+            <a:endParaRPr lang="en-US" sz="3600" dirty="0">
+              <a:latin typeface="Times New Roman" panose="02020603050405020304" pitchFamily="18" charset="0"/>
+              <a:cs typeface="Times New Roman" panose="02020603050405020304" pitchFamily="18" charset="0"/>
+            </a:endParaRPr>
+          </a:p>
+        </p:txBody>
+      </p:sp>
+      <p:sp>
+        <p:nvSpPr>
+          <p:cNvPr id="5" name="Content Placeholder 4">
+            <a:extLst>
+              <a:ext uri="{FF2B5EF4-FFF2-40B4-BE49-F238E27FC236}">
+                <a16:creationId xmlns:a16="http://schemas.microsoft.com/office/drawing/2014/main" id="{20CBD1B4-835B-05AF-EF76-A49A2BB18B6B}"/>
+              </a:ext>
+            </a:extLst>
+          </p:cNvPr>
+          <p:cNvSpPr>
+            <a:spLocks noGrp="1"/>
+          </p:cNvSpPr>
+          <p:nvPr>
+            <p:ph idx="1"/>
+          </p:nvPr>
+        </p:nvSpPr>
+        <p:spPr/>
+        <p:txBody>
+          <a:bodyPr/>
+          <a:lstStyle/>
+          <a:p>
+            <a:endParaRPr lang="en-US"/>
+          </a:p>
+        </p:txBody>
+      </p:sp>
+      <p:pic>
+        <p:nvPicPr>
+          <p:cNvPr id="7" name="Picture 6">
+            <a:extLst>
+              <a:ext uri="{FF2B5EF4-FFF2-40B4-BE49-F238E27FC236}">
+                <a16:creationId xmlns:a16="http://schemas.microsoft.com/office/drawing/2014/main" id="{6B646F90-1E1A-6789-551E-B5CEF9274BA6}"/>
+              </a:ext>
+            </a:extLst>
+          </p:cNvPr>
+          <p:cNvPicPr>
+            <a:picLocks noChangeAspect="1"/>
+          </p:cNvPicPr>
+          <p:nvPr/>
+        </p:nvPicPr>
+        <p:blipFill>
+          <a:blip r:embed="rId3"/>
+          <a:stretch>
+            <a:fillRect/>
+          </a:stretch>
+        </p:blipFill>
+        <p:spPr>
+          <a:xfrm>
+            <a:off x="304800" y="962232"/>
+            <a:ext cx="8305800" cy="5856654"/>
+          </a:xfrm>
+          <a:prstGeom prst="rect">
+            <a:avLst/>
+          </a:prstGeom>
+        </p:spPr>
+      </p:pic>
+    </p:spTree>
+    <p:extLst>
+      <p:ext uri="{BB962C8B-B14F-4D97-AF65-F5344CB8AC3E}">
+        <p14:creationId xmlns:p14="http://schemas.microsoft.com/office/powerpoint/2010/main" val="111188525"/>
+      </p:ext>
+    </p:extLst>
+  </p:cSld>
+  <p:clrMapOvr>
+    <a:masterClrMapping/>
+  </p:clrMapOvr>
+</p:sld>
+</file>
+
+<file path=ppt/slides/slide61.xml><?xml version="1.0" encoding="utf-8"?>
+<p:sld xmlns:a="http://schemas.openxmlformats.org/drawingml/2006/main" xmlns:r="http://schemas.openxmlformats.org/officeDocument/2006/relationships" xmlns:p="http://schemas.openxmlformats.org/presentationml/2006/main">
+  <p:cSld>
+    <p:spTree>
+      <p:nvGrpSpPr>
         <p:cNvPr id="1" name="">
           <a:extLst>
             <a:ext uri="{FF2B5EF4-FFF2-40B4-BE49-F238E27FC236}">
@@ -26213,7 +26471,7 @@
 </p:sld>
 </file>
 
-<file path=ppt/slides/slide61.xml><?xml version="1.0" encoding="utf-8"?>
+<file path=ppt/slides/slide62.xml><?xml version="1.0" encoding="utf-8"?>
 <p:sld xmlns:a="http://schemas.openxmlformats.org/drawingml/2006/main" xmlns:r="http://schemas.openxmlformats.org/officeDocument/2006/relationships" xmlns:p="http://schemas.openxmlformats.org/presentationml/2006/main">
   <p:cSld>
     <p:spTree>
@@ -26356,325 +26614,6 @@
 </p:sld>
 </file>
 
-<file path=ppt/slides/slide62.xml><?xml version="1.0" encoding="utf-8"?>
-<p:sld xmlns:a="http://schemas.openxmlformats.org/drawingml/2006/main" xmlns:r="http://schemas.openxmlformats.org/officeDocument/2006/relationships" xmlns:p="http://schemas.openxmlformats.org/presentationml/2006/main">
-  <p:cSld>
-    <p:spTree>
-      <p:nvGrpSpPr>
-        <p:cNvPr id="1" name=""/>
-        <p:cNvGrpSpPr/>
-        <p:nvPr/>
-      </p:nvGrpSpPr>
-      <p:grpSpPr>
-        <a:xfrm>
-          <a:off x="0" y="0"/>
-          <a:ext cx="0" cy="0"/>
-          <a:chOff x="0" y="0"/>
-          <a:chExt cx="0" cy="0"/>
-        </a:xfrm>
-      </p:grpSpPr>
-      <p:sp>
-        <p:nvSpPr>
-          <p:cNvPr id="2" name="Title 1"/>
-          <p:cNvSpPr>
-            <a:spLocks noGrp="1"/>
-          </p:cNvSpPr>
-          <p:nvPr>
-            <p:ph type="title"/>
-          </p:nvPr>
-        </p:nvSpPr>
-        <p:spPr>
-          <a:xfrm>
-            <a:off x="609600" y="337392"/>
-            <a:ext cx="10439400" cy="624840"/>
-          </a:xfrm>
-        </p:spPr>
-        <p:txBody>
-          <a:bodyPr>
-            <a:noAutofit/>
-          </a:bodyPr>
-          <a:lstStyle/>
-          <a:p>
-            <a:r>
-              <a:rPr lang="en-US" sz="3600" dirty="0">
-                <a:cs typeface="Times New Roman" panose="02020603050405020304" pitchFamily="18" charset="0"/>
-              </a:rPr>
-              <a:t>Model vs. Design-based Approaches</a:t>
-            </a:r>
-            <a:endParaRPr lang="en-US" sz="3600" dirty="0">
-              <a:latin typeface="Times New Roman" panose="02020603050405020304" pitchFamily="18" charset="0"/>
-              <a:cs typeface="Times New Roman" panose="02020603050405020304" pitchFamily="18" charset="0"/>
-            </a:endParaRPr>
-          </a:p>
-        </p:txBody>
-      </p:sp>
-      <p:sp>
-        <p:nvSpPr>
-          <p:cNvPr id="3" name="Content Placeholder 2"/>
-          <p:cNvSpPr>
-            <a:spLocks noGrp="1"/>
-          </p:cNvSpPr>
-          <p:nvPr>
-            <p:ph idx="1"/>
-          </p:nvPr>
-        </p:nvSpPr>
-        <p:spPr>
-          <a:xfrm>
-            <a:off x="609601" y="1066801"/>
-            <a:ext cx="10015390" cy="5141388"/>
-          </a:xfrm>
-        </p:spPr>
-        <p:txBody>
-          <a:bodyPr>
-            <a:noAutofit/>
-          </a:bodyPr>
-          <a:lstStyle/>
-          <a:p>
-            <a:r>
-              <a:rPr lang="en-US" sz="2800" dirty="0">
-                <a:cs typeface="Times New Roman" panose="02020603050405020304" pitchFamily="18" charset="0"/>
-              </a:rPr>
-              <a:t>Approaches either rest on you having a DAG (</a:t>
-            </a:r>
-            <a:r>
-              <a:rPr lang="en-US" sz="2800" dirty="0">
-                <a:solidFill>
-                  <a:schemeClr val="accent3">
-                    <a:lumMod val="75000"/>
-                  </a:schemeClr>
-                </a:solidFill>
-                <a:cs typeface="Times New Roman" panose="02020603050405020304" pitchFamily="18" charset="0"/>
-              </a:rPr>
-              <a:t>model-based</a:t>
-            </a:r>
-            <a:r>
-              <a:rPr lang="en-US" sz="2800" dirty="0">
-                <a:cs typeface="Times New Roman" panose="02020603050405020304" pitchFamily="18" charset="0"/>
-              </a:rPr>
-              <a:t>) or a good source of exogenous variation to identify data generating processes (</a:t>
-            </a:r>
-            <a:r>
-              <a:rPr lang="en-US" sz="2800" dirty="0">
-                <a:solidFill>
-                  <a:schemeClr val="accent2">
-                    <a:lumMod val="75000"/>
-                  </a:schemeClr>
-                </a:solidFill>
-                <a:cs typeface="Times New Roman" panose="02020603050405020304" pitchFamily="18" charset="0"/>
-              </a:rPr>
-              <a:t>design-based</a:t>
-            </a:r>
-            <a:r>
-              <a:rPr lang="en-US" sz="2800" dirty="0">
-                <a:cs typeface="Times New Roman" panose="02020603050405020304" pitchFamily="18" charset="0"/>
-              </a:rPr>
-              <a:t>) </a:t>
-            </a:r>
-          </a:p>
-          <a:p>
-            <a:r>
-              <a:rPr lang="en-US" sz="2800" dirty="0">
-                <a:cs typeface="Times New Roman" panose="02020603050405020304" pitchFamily="18" charset="0"/>
-              </a:rPr>
-              <a:t>Examples of </a:t>
-            </a:r>
-            <a:r>
-              <a:rPr lang="en-US" sz="2800" dirty="0">
-                <a:solidFill>
-                  <a:schemeClr val="accent3">
-                    <a:lumMod val="75000"/>
-                  </a:schemeClr>
-                </a:solidFill>
-                <a:cs typeface="Times New Roman" panose="02020603050405020304" pitchFamily="18" charset="0"/>
-              </a:rPr>
-              <a:t>model-based</a:t>
-            </a:r>
-            <a:r>
-              <a:rPr lang="en-US" sz="2800" dirty="0">
-                <a:cs typeface="Times New Roman" panose="02020603050405020304" pitchFamily="18" charset="0"/>
-              </a:rPr>
-              <a:t>: matching, controlling, IPW</a:t>
-            </a:r>
-          </a:p>
-          <a:p>
-            <a:pPr lvl="1"/>
-            <a:r>
-              <a:rPr lang="en-US" sz="2400" dirty="0">
-                <a:cs typeface="Times New Roman" panose="02020603050405020304" pitchFamily="18" charset="0"/>
-              </a:rPr>
-              <a:t>Requires a</a:t>
-            </a:r>
-            <a:r>
-              <a:rPr lang="en-US" sz="2400" dirty="0">
-                <a:solidFill>
-                  <a:schemeClr val="accent3">
-                    <a:lumMod val="75000"/>
-                  </a:schemeClr>
-                </a:solidFill>
-                <a:cs typeface="Times New Roman" panose="02020603050405020304" pitchFamily="18" charset="0"/>
-              </a:rPr>
-              <a:t> </a:t>
-            </a:r>
-            <a:r>
-              <a:rPr lang="en-US" sz="2400" b="1" dirty="0">
-                <a:solidFill>
-                  <a:schemeClr val="accent3">
-                    <a:lumMod val="75000"/>
-                  </a:schemeClr>
-                </a:solidFill>
-                <a:cs typeface="Times New Roman" panose="02020603050405020304" pitchFamily="18" charset="0"/>
-              </a:rPr>
-              <a:t>big assumption</a:t>
-            </a:r>
-            <a:r>
-              <a:rPr lang="en-US" sz="2400" dirty="0">
-                <a:cs typeface="Times New Roman" panose="02020603050405020304" pitchFamily="18" charset="0"/>
-              </a:rPr>
-              <a:t> about your DAG (and selection on </a:t>
-            </a:r>
-            <a:r>
-              <a:rPr lang="en-US" sz="2400" dirty="0" err="1">
-                <a:cs typeface="Times New Roman" panose="02020603050405020304" pitchFamily="18" charset="0"/>
-              </a:rPr>
-              <a:t>unobservables</a:t>
-            </a:r>
-            <a:r>
-              <a:rPr lang="en-US" sz="2400" dirty="0">
-                <a:cs typeface="Times New Roman" panose="02020603050405020304" pitchFamily="18" charset="0"/>
-              </a:rPr>
-              <a:t>)</a:t>
-            </a:r>
-          </a:p>
-          <a:p>
-            <a:pPr lvl="1"/>
-            <a:r>
-              <a:rPr lang="en-US" sz="2400" dirty="0">
-                <a:cs typeface="Times New Roman" panose="02020603050405020304" pitchFamily="18" charset="0"/>
-              </a:rPr>
-              <a:t>Can go as far as structural model approaches</a:t>
-            </a:r>
-          </a:p>
-          <a:p>
-            <a:r>
-              <a:rPr lang="en-US" sz="2800" dirty="0">
-                <a:cs typeface="Times New Roman" panose="02020603050405020304" pitchFamily="18" charset="0"/>
-              </a:rPr>
-              <a:t>Examples of </a:t>
-            </a:r>
-            <a:r>
-              <a:rPr lang="en-US" sz="2800" dirty="0">
-                <a:solidFill>
-                  <a:schemeClr val="accent2">
-                    <a:lumMod val="75000"/>
-                  </a:schemeClr>
-                </a:solidFill>
-                <a:cs typeface="Times New Roman" panose="02020603050405020304" pitchFamily="18" charset="0"/>
-              </a:rPr>
-              <a:t>design-based:</a:t>
-            </a:r>
-            <a:r>
-              <a:rPr lang="en-US" sz="2800" dirty="0">
-                <a:cs typeface="Times New Roman" panose="02020603050405020304" pitchFamily="18" charset="0"/>
-              </a:rPr>
-              <a:t> RCT, DID, IV</a:t>
-            </a:r>
-          </a:p>
-          <a:p>
-            <a:pPr lvl="1"/>
-            <a:r>
-              <a:rPr lang="en-US" sz="2400" dirty="0">
-                <a:cs typeface="Times New Roman" panose="02020603050405020304" pitchFamily="18" charset="0"/>
-              </a:rPr>
-              <a:t>Need a </a:t>
-            </a:r>
-            <a:r>
-              <a:rPr lang="en-US" sz="2400" b="1" dirty="0">
-                <a:solidFill>
-                  <a:schemeClr val="accent2">
-                    <a:lumMod val="75000"/>
-                  </a:schemeClr>
-                </a:solidFill>
-                <a:cs typeface="Times New Roman" panose="02020603050405020304" pitchFamily="18" charset="0"/>
-              </a:rPr>
-              <a:t>specific</a:t>
-            </a:r>
-            <a:r>
-              <a:rPr lang="en-US" sz="2400" dirty="0">
-                <a:cs typeface="Times New Roman" panose="02020603050405020304" pitchFamily="18" charset="0"/>
-              </a:rPr>
-              <a:t> set of data and </a:t>
-            </a:r>
-            <a:r>
-              <a:rPr lang="en-US" sz="2400" b="1" dirty="0">
-                <a:solidFill>
-                  <a:schemeClr val="accent2">
-                    <a:lumMod val="75000"/>
-                  </a:schemeClr>
-                </a:solidFill>
-                <a:cs typeface="Times New Roman" panose="02020603050405020304" pitchFamily="18" charset="0"/>
-              </a:rPr>
-              <a:t>circumstances</a:t>
-            </a:r>
-            <a:r>
-              <a:rPr lang="en-US" sz="2400" dirty="0">
-                <a:cs typeface="Times New Roman" panose="02020603050405020304" pitchFamily="18" charset="0"/>
-              </a:rPr>
-              <a:t> (policy change, instrument)</a:t>
-            </a:r>
-          </a:p>
-          <a:p>
-            <a:pPr lvl="1"/>
-            <a:r>
-              <a:rPr lang="en-US" sz="2400" dirty="0">
-                <a:cs typeface="Times New Roman" panose="02020603050405020304" pitchFamily="18" charset="0"/>
-              </a:rPr>
-              <a:t>Still making assumptions about an underlying model! But minimizing the set of assumptions and making them more transparent</a:t>
-            </a:r>
-          </a:p>
-          <a:p>
-            <a:pPr lvl="1"/>
-            <a:r>
-              <a:rPr lang="en-US" sz="2400" dirty="0">
-                <a:cs typeface="Times New Roman" panose="02020603050405020304" pitchFamily="18" charset="0"/>
-              </a:rPr>
-              <a:t>Typically relies on what’s referred to as </a:t>
-            </a:r>
-            <a:r>
-              <a:rPr lang="en-US" sz="2400" u="sng" dirty="0">
-                <a:cs typeface="Times New Roman" panose="02020603050405020304" pitchFamily="18" charset="0"/>
-              </a:rPr>
-              <a:t>quasi-random variation</a:t>
-            </a:r>
-          </a:p>
-          <a:p>
-            <a:pPr lvl="1"/>
-            <a:r>
-              <a:rPr lang="en-US" sz="2400" b="1" u="sng" dirty="0">
-                <a:cs typeface="Times New Roman" panose="02020603050405020304" pitchFamily="18" charset="0"/>
-              </a:rPr>
-              <a:t>This is where we’re headed</a:t>
-            </a:r>
-          </a:p>
-          <a:p>
-            <a:endParaRPr lang="en-US" sz="2800" dirty="0">
-              <a:cs typeface="Times New Roman" panose="02020603050405020304" pitchFamily="18" charset="0"/>
-            </a:endParaRPr>
-          </a:p>
-        </p:txBody>
-      </p:sp>
-    </p:spTree>
-    <p:extLst>
-      <p:ext uri="{BB962C8B-B14F-4D97-AF65-F5344CB8AC3E}">
-        <p14:creationId xmlns:p14="http://schemas.microsoft.com/office/powerpoint/2010/main" val="2824117371"/>
-      </p:ext>
-    </p:extLst>
-  </p:cSld>
-  <p:clrMapOvr>
-    <a:masterClrMapping/>
-  </p:clrMapOvr>
-</p:sld>
-</file>
-
 <file path=ppt/slides/slide63.xml><?xml version="1.0" encoding="utf-8"?>
 <p:sld xmlns:a="http://schemas.openxmlformats.org/drawingml/2006/main" xmlns:r="http://schemas.openxmlformats.org/officeDocument/2006/relationships" xmlns:p="http://schemas.openxmlformats.org/presentationml/2006/main">
   <p:cSld>
@@ -26716,6 +26655,325 @@
           <a:p>
             <a:r>
               <a:rPr lang="en-US" sz="3600" dirty="0">
+                <a:cs typeface="Times New Roman" panose="02020603050405020304" pitchFamily="18" charset="0"/>
+              </a:rPr>
+              <a:t>Model vs. Design-based Approaches</a:t>
+            </a:r>
+            <a:endParaRPr lang="en-US" sz="3600" dirty="0">
+              <a:latin typeface="Times New Roman" panose="02020603050405020304" pitchFamily="18" charset="0"/>
+              <a:cs typeface="Times New Roman" panose="02020603050405020304" pitchFamily="18" charset="0"/>
+            </a:endParaRPr>
+          </a:p>
+        </p:txBody>
+      </p:sp>
+      <p:sp>
+        <p:nvSpPr>
+          <p:cNvPr id="3" name="Content Placeholder 2"/>
+          <p:cNvSpPr>
+            <a:spLocks noGrp="1"/>
+          </p:cNvSpPr>
+          <p:nvPr>
+            <p:ph idx="1"/>
+          </p:nvPr>
+        </p:nvSpPr>
+        <p:spPr>
+          <a:xfrm>
+            <a:off x="609601" y="1066801"/>
+            <a:ext cx="10015390" cy="5141388"/>
+          </a:xfrm>
+        </p:spPr>
+        <p:txBody>
+          <a:bodyPr>
+            <a:noAutofit/>
+          </a:bodyPr>
+          <a:lstStyle/>
+          <a:p>
+            <a:r>
+              <a:rPr lang="en-US" sz="2800" dirty="0">
+                <a:cs typeface="Times New Roman" panose="02020603050405020304" pitchFamily="18" charset="0"/>
+              </a:rPr>
+              <a:t>Approaches either rest on you having a DAG (</a:t>
+            </a:r>
+            <a:r>
+              <a:rPr lang="en-US" sz="2800" dirty="0">
+                <a:solidFill>
+                  <a:schemeClr val="accent3">
+                    <a:lumMod val="75000"/>
+                  </a:schemeClr>
+                </a:solidFill>
+                <a:cs typeface="Times New Roman" panose="02020603050405020304" pitchFamily="18" charset="0"/>
+              </a:rPr>
+              <a:t>model-based</a:t>
+            </a:r>
+            <a:r>
+              <a:rPr lang="en-US" sz="2800" dirty="0">
+                <a:cs typeface="Times New Roman" panose="02020603050405020304" pitchFamily="18" charset="0"/>
+              </a:rPr>
+              <a:t>) or a good source of exogenous variation to identify data generating processes (</a:t>
+            </a:r>
+            <a:r>
+              <a:rPr lang="en-US" sz="2800" dirty="0">
+                <a:solidFill>
+                  <a:schemeClr val="accent2">
+                    <a:lumMod val="75000"/>
+                  </a:schemeClr>
+                </a:solidFill>
+                <a:cs typeface="Times New Roman" panose="02020603050405020304" pitchFamily="18" charset="0"/>
+              </a:rPr>
+              <a:t>design-based</a:t>
+            </a:r>
+            <a:r>
+              <a:rPr lang="en-US" sz="2800" dirty="0">
+                <a:cs typeface="Times New Roman" panose="02020603050405020304" pitchFamily="18" charset="0"/>
+              </a:rPr>
+              <a:t>) </a:t>
+            </a:r>
+          </a:p>
+          <a:p>
+            <a:r>
+              <a:rPr lang="en-US" sz="2800" dirty="0">
+                <a:cs typeface="Times New Roman" panose="02020603050405020304" pitchFamily="18" charset="0"/>
+              </a:rPr>
+              <a:t>Examples of </a:t>
+            </a:r>
+            <a:r>
+              <a:rPr lang="en-US" sz="2800" dirty="0">
+                <a:solidFill>
+                  <a:schemeClr val="accent3">
+                    <a:lumMod val="75000"/>
+                  </a:schemeClr>
+                </a:solidFill>
+                <a:cs typeface="Times New Roman" panose="02020603050405020304" pitchFamily="18" charset="0"/>
+              </a:rPr>
+              <a:t>model-based</a:t>
+            </a:r>
+            <a:r>
+              <a:rPr lang="en-US" sz="2800" dirty="0">
+                <a:cs typeface="Times New Roman" panose="02020603050405020304" pitchFamily="18" charset="0"/>
+              </a:rPr>
+              <a:t>: matching, controlling, IPW</a:t>
+            </a:r>
+          </a:p>
+          <a:p>
+            <a:pPr lvl="1"/>
+            <a:r>
+              <a:rPr lang="en-US" sz="2400" dirty="0">
+                <a:cs typeface="Times New Roman" panose="02020603050405020304" pitchFamily="18" charset="0"/>
+              </a:rPr>
+              <a:t>Requires a</a:t>
+            </a:r>
+            <a:r>
+              <a:rPr lang="en-US" sz="2400" dirty="0">
+                <a:solidFill>
+                  <a:schemeClr val="accent3">
+                    <a:lumMod val="75000"/>
+                  </a:schemeClr>
+                </a:solidFill>
+                <a:cs typeface="Times New Roman" panose="02020603050405020304" pitchFamily="18" charset="0"/>
+              </a:rPr>
+              <a:t> </a:t>
+            </a:r>
+            <a:r>
+              <a:rPr lang="en-US" sz="2400" b="1" dirty="0">
+                <a:solidFill>
+                  <a:schemeClr val="accent3">
+                    <a:lumMod val="75000"/>
+                  </a:schemeClr>
+                </a:solidFill>
+                <a:cs typeface="Times New Roman" panose="02020603050405020304" pitchFamily="18" charset="0"/>
+              </a:rPr>
+              <a:t>big assumption</a:t>
+            </a:r>
+            <a:r>
+              <a:rPr lang="en-US" sz="2400" dirty="0">
+                <a:cs typeface="Times New Roman" panose="02020603050405020304" pitchFamily="18" charset="0"/>
+              </a:rPr>
+              <a:t> about your DAG (and selection on </a:t>
+            </a:r>
+            <a:r>
+              <a:rPr lang="en-US" sz="2400" dirty="0" err="1">
+                <a:cs typeface="Times New Roman" panose="02020603050405020304" pitchFamily="18" charset="0"/>
+              </a:rPr>
+              <a:t>unobservables</a:t>
+            </a:r>
+            <a:r>
+              <a:rPr lang="en-US" sz="2400" dirty="0">
+                <a:cs typeface="Times New Roman" panose="02020603050405020304" pitchFamily="18" charset="0"/>
+              </a:rPr>
+              <a:t>)</a:t>
+            </a:r>
+          </a:p>
+          <a:p>
+            <a:pPr lvl="1"/>
+            <a:r>
+              <a:rPr lang="en-US" sz="2400" dirty="0">
+                <a:cs typeface="Times New Roman" panose="02020603050405020304" pitchFamily="18" charset="0"/>
+              </a:rPr>
+              <a:t>Can go as far as structural model approaches</a:t>
+            </a:r>
+          </a:p>
+          <a:p>
+            <a:r>
+              <a:rPr lang="en-US" sz="2800" dirty="0">
+                <a:cs typeface="Times New Roman" panose="02020603050405020304" pitchFamily="18" charset="0"/>
+              </a:rPr>
+              <a:t>Examples of </a:t>
+            </a:r>
+            <a:r>
+              <a:rPr lang="en-US" sz="2800" dirty="0">
+                <a:solidFill>
+                  <a:schemeClr val="accent2">
+                    <a:lumMod val="75000"/>
+                  </a:schemeClr>
+                </a:solidFill>
+                <a:cs typeface="Times New Roman" panose="02020603050405020304" pitchFamily="18" charset="0"/>
+              </a:rPr>
+              <a:t>design-based:</a:t>
+            </a:r>
+            <a:r>
+              <a:rPr lang="en-US" sz="2800" dirty="0">
+                <a:cs typeface="Times New Roman" panose="02020603050405020304" pitchFamily="18" charset="0"/>
+              </a:rPr>
+              <a:t> RCT, DID, IV</a:t>
+            </a:r>
+          </a:p>
+          <a:p>
+            <a:pPr lvl="1"/>
+            <a:r>
+              <a:rPr lang="en-US" sz="2400" dirty="0">
+                <a:cs typeface="Times New Roman" panose="02020603050405020304" pitchFamily="18" charset="0"/>
+              </a:rPr>
+              <a:t>Need a </a:t>
+            </a:r>
+            <a:r>
+              <a:rPr lang="en-US" sz="2400" b="1" dirty="0">
+                <a:solidFill>
+                  <a:schemeClr val="accent2">
+                    <a:lumMod val="75000"/>
+                  </a:schemeClr>
+                </a:solidFill>
+                <a:cs typeface="Times New Roman" panose="02020603050405020304" pitchFamily="18" charset="0"/>
+              </a:rPr>
+              <a:t>specific</a:t>
+            </a:r>
+            <a:r>
+              <a:rPr lang="en-US" sz="2400" dirty="0">
+                <a:cs typeface="Times New Roman" panose="02020603050405020304" pitchFamily="18" charset="0"/>
+              </a:rPr>
+              <a:t> set of data and </a:t>
+            </a:r>
+            <a:r>
+              <a:rPr lang="en-US" sz="2400" b="1" dirty="0">
+                <a:solidFill>
+                  <a:schemeClr val="accent2">
+                    <a:lumMod val="75000"/>
+                  </a:schemeClr>
+                </a:solidFill>
+                <a:cs typeface="Times New Roman" panose="02020603050405020304" pitchFamily="18" charset="0"/>
+              </a:rPr>
+              <a:t>circumstances</a:t>
+            </a:r>
+            <a:r>
+              <a:rPr lang="en-US" sz="2400" dirty="0">
+                <a:cs typeface="Times New Roman" panose="02020603050405020304" pitchFamily="18" charset="0"/>
+              </a:rPr>
+              <a:t> (policy change, instrument)</a:t>
+            </a:r>
+          </a:p>
+          <a:p>
+            <a:pPr lvl="1"/>
+            <a:r>
+              <a:rPr lang="en-US" sz="2400" dirty="0">
+                <a:cs typeface="Times New Roman" panose="02020603050405020304" pitchFamily="18" charset="0"/>
+              </a:rPr>
+              <a:t>Still making assumptions about an underlying model! But minimizing the set of assumptions and making them more transparent</a:t>
+            </a:r>
+          </a:p>
+          <a:p>
+            <a:pPr lvl="1"/>
+            <a:r>
+              <a:rPr lang="en-US" sz="2400" dirty="0">
+                <a:cs typeface="Times New Roman" panose="02020603050405020304" pitchFamily="18" charset="0"/>
+              </a:rPr>
+              <a:t>Typically relies on what’s referred to as </a:t>
+            </a:r>
+            <a:r>
+              <a:rPr lang="en-US" sz="2400" u="sng" dirty="0">
+                <a:cs typeface="Times New Roman" panose="02020603050405020304" pitchFamily="18" charset="0"/>
+              </a:rPr>
+              <a:t>quasi-random variation</a:t>
+            </a:r>
+          </a:p>
+          <a:p>
+            <a:pPr lvl="1"/>
+            <a:r>
+              <a:rPr lang="en-US" sz="2400" b="1" u="sng" dirty="0">
+                <a:cs typeface="Times New Roman" panose="02020603050405020304" pitchFamily="18" charset="0"/>
+              </a:rPr>
+              <a:t>This is where we’re headed</a:t>
+            </a:r>
+          </a:p>
+          <a:p>
+            <a:endParaRPr lang="en-US" sz="2800" dirty="0">
+              <a:cs typeface="Times New Roman" panose="02020603050405020304" pitchFamily="18" charset="0"/>
+            </a:endParaRPr>
+          </a:p>
+        </p:txBody>
+      </p:sp>
+    </p:spTree>
+    <p:extLst>
+      <p:ext uri="{BB962C8B-B14F-4D97-AF65-F5344CB8AC3E}">
+        <p14:creationId xmlns:p14="http://schemas.microsoft.com/office/powerpoint/2010/main" val="2824117371"/>
+      </p:ext>
+    </p:extLst>
+  </p:cSld>
+  <p:clrMapOvr>
+    <a:masterClrMapping/>
+  </p:clrMapOvr>
+</p:sld>
+</file>
+
+<file path=ppt/slides/slide64.xml><?xml version="1.0" encoding="utf-8"?>
+<p:sld xmlns:a="http://schemas.openxmlformats.org/drawingml/2006/main" xmlns:r="http://schemas.openxmlformats.org/officeDocument/2006/relationships" xmlns:p="http://schemas.openxmlformats.org/presentationml/2006/main">
+  <p:cSld>
+    <p:spTree>
+      <p:nvGrpSpPr>
+        <p:cNvPr id="1" name=""/>
+        <p:cNvGrpSpPr/>
+        <p:nvPr/>
+      </p:nvGrpSpPr>
+      <p:grpSpPr>
+        <a:xfrm>
+          <a:off x="0" y="0"/>
+          <a:ext cx="0" cy="0"/>
+          <a:chOff x="0" y="0"/>
+          <a:chExt cx="0" cy="0"/>
+        </a:xfrm>
+      </p:grpSpPr>
+      <p:sp>
+        <p:nvSpPr>
+          <p:cNvPr id="2" name="Title 1"/>
+          <p:cNvSpPr>
+            <a:spLocks noGrp="1"/>
+          </p:cNvSpPr>
+          <p:nvPr>
+            <p:ph type="title"/>
+          </p:nvPr>
+        </p:nvSpPr>
+        <p:spPr>
+          <a:xfrm>
+            <a:off x="609600" y="337392"/>
+            <a:ext cx="10439400" cy="624840"/>
+          </a:xfrm>
+        </p:spPr>
+        <p:txBody>
+          <a:bodyPr>
+            <a:noAutofit/>
+          </a:bodyPr>
+          <a:lstStyle/>
+          <a:p>
+            <a:r>
+              <a:rPr lang="en-US" sz="3600" dirty="0">
                 <a:latin typeface="Times New Roman" panose="02020603050405020304" pitchFamily="18" charset="0"/>
                 <a:cs typeface="Times New Roman" panose="02020603050405020304" pitchFamily="18" charset="0"/>
               </a:rPr>
@@ -26874,7 +27132,7 @@
 </p:sld>
 </file>
 
-<file path=ppt/slides/slide64.xml><?xml version="1.0" encoding="utf-8"?>
+<file path=ppt/slides/slide65.xml><?xml version="1.0" encoding="utf-8"?>
 <p:sld xmlns:a="http://schemas.openxmlformats.org/drawingml/2006/main" xmlns:r="http://schemas.openxmlformats.org/officeDocument/2006/relationships" xmlns:p="http://schemas.openxmlformats.org/presentationml/2006/main">
   <p:cSld>
     <p:spTree>
@@ -27450,7 +27708,7 @@
 </p:sld>
 </file>
 
-<file path=ppt/slides/slide65.xml><?xml version="1.0" encoding="utf-8"?>
+<file path=ppt/slides/slide66.xml><?xml version="1.0" encoding="utf-8"?>
 <p:sld xmlns:a="http://schemas.openxmlformats.org/drawingml/2006/main" xmlns:r="http://schemas.openxmlformats.org/officeDocument/2006/relationships" xmlns:p="http://schemas.openxmlformats.org/presentationml/2006/main">
   <p:cSld>
     <p:spTree>
@@ -27615,7 +27873,7 @@
 </p:sld>
 </file>
 
-<file path=ppt/slides/slide66.xml><?xml version="1.0" encoding="utf-8"?>
+<file path=ppt/slides/slide67.xml><?xml version="1.0" encoding="utf-8"?>
 <p:sld xmlns:a="http://schemas.openxmlformats.org/drawingml/2006/main" xmlns:r="http://schemas.openxmlformats.org/officeDocument/2006/relationships" xmlns:p="http://schemas.openxmlformats.org/presentationml/2006/main">
   <p:cSld>
     <p:spTree>
@@ -27882,184 +28140,6 @@
 </p:sld>
 </file>
 
-<file path=ppt/slides/slide67.xml><?xml version="1.0" encoding="utf-8"?>
-<p:sld xmlns:a="http://schemas.openxmlformats.org/drawingml/2006/main" xmlns:r="http://schemas.openxmlformats.org/officeDocument/2006/relationships" xmlns:p="http://schemas.openxmlformats.org/presentationml/2006/main">
-  <p:cSld>
-    <p:spTree>
-      <p:nvGrpSpPr>
-        <p:cNvPr id="1" name=""/>
-        <p:cNvGrpSpPr/>
-        <p:nvPr/>
-      </p:nvGrpSpPr>
-      <p:grpSpPr>
-        <a:xfrm>
-          <a:off x="0" y="0"/>
-          <a:ext cx="0" cy="0"/>
-          <a:chOff x="0" y="0"/>
-          <a:chExt cx="0" cy="0"/>
-        </a:xfrm>
-      </p:grpSpPr>
-      <p:sp>
-        <p:nvSpPr>
-          <p:cNvPr id="2" name="Title 1"/>
-          <p:cNvSpPr>
-            <a:spLocks noGrp="1"/>
-          </p:cNvSpPr>
-          <p:nvPr>
-            <p:ph type="title"/>
-          </p:nvPr>
-        </p:nvSpPr>
-        <p:spPr>
-          <a:xfrm>
-            <a:off x="609600" y="337392"/>
-            <a:ext cx="10439400" cy="624840"/>
-          </a:xfrm>
-        </p:spPr>
-        <p:txBody>
-          <a:bodyPr>
-            <a:noAutofit/>
-          </a:bodyPr>
-          <a:lstStyle/>
-          <a:p>
-            <a:r>
-              <a:rPr lang="en-US" sz="3600" dirty="0">
-                <a:latin typeface="Times New Roman" panose="02020603050405020304" pitchFamily="18" charset="0"/>
-                <a:cs typeface="Times New Roman" panose="02020603050405020304" pitchFamily="18" charset="0"/>
-              </a:rPr>
-              <a:t>Three Examples of Models – why design-based?</a:t>
-            </a:r>
-          </a:p>
-        </p:txBody>
-      </p:sp>
-      <p:sp>
-        <p:nvSpPr>
-          <p:cNvPr id="3" name="Content Placeholder 2"/>
-          <p:cNvSpPr>
-            <a:spLocks noGrp="1"/>
-          </p:cNvSpPr>
-          <p:nvPr>
-            <p:ph idx="1"/>
-          </p:nvPr>
-        </p:nvSpPr>
-        <p:spPr>
-          <a:xfrm>
-            <a:off x="609601" y="1066801"/>
-            <a:ext cx="10015390" cy="5141388"/>
-          </a:xfrm>
-        </p:spPr>
-        <p:txBody>
-          <a:bodyPr>
-            <a:noAutofit/>
-          </a:bodyPr>
-          <a:lstStyle/>
-          <a:p>
-            <a:pPr marL="788670" lvl="1" indent="-514350">
-              <a:buFont typeface="+mj-lt"/>
-              <a:buAutoNum type="arabicPeriod"/>
-            </a:pPr>
-            <a:r>
-              <a:rPr lang="en-US" sz="2600" dirty="0">
-                <a:cs typeface="Times New Roman" panose="02020603050405020304" pitchFamily="18" charset="0"/>
-              </a:rPr>
-              <a:t>Explicit, approximation</a:t>
-            </a:r>
-          </a:p>
-          <a:p>
-            <a:pPr marL="788670" lvl="1" indent="-514350">
-              <a:buFont typeface="+mj-lt"/>
-              <a:buAutoNum type="arabicPeriod"/>
-            </a:pPr>
-            <a:r>
-              <a:rPr lang="en-US" sz="2600" dirty="0">
-                <a:cs typeface="Times New Roman" panose="02020603050405020304" pitchFamily="18" charset="0"/>
-              </a:rPr>
-              <a:t>Explicit, (more) exact</a:t>
-            </a:r>
-          </a:p>
-          <a:p>
-            <a:pPr marL="788670" lvl="1" indent="-514350">
-              <a:buFont typeface="+mj-lt"/>
-              <a:buAutoNum type="arabicPeriod"/>
-            </a:pPr>
-            <a:r>
-              <a:rPr lang="en-US" sz="2600" u="sng" dirty="0">
-                <a:cs typeface="Times New Roman" panose="02020603050405020304" pitchFamily="18" charset="0"/>
-              </a:rPr>
-              <a:t>Implicit</a:t>
-            </a:r>
-          </a:p>
-          <a:p>
-            <a:pPr marL="788670" lvl="1" indent="-514350">
-              <a:buFont typeface="+mj-lt"/>
-              <a:buAutoNum type="arabicPeriod"/>
-            </a:pPr>
-            <a:endParaRPr lang="en-US" sz="2600" u="sng" dirty="0">
-              <a:cs typeface="Times New Roman" panose="02020603050405020304" pitchFamily="18" charset="0"/>
-            </a:endParaRPr>
-          </a:p>
-          <a:p>
-            <a:pPr marL="274320" lvl="1" indent="0">
-              <a:buNone/>
-            </a:pPr>
-            <a:r>
-              <a:rPr lang="en-US" sz="2600" dirty="0">
-                <a:cs typeface="Times New Roman" panose="02020603050405020304" pitchFamily="18" charset="0"/>
-              </a:rPr>
-              <a:t>So frequently, we do something that’s more in the middle </a:t>
-            </a:r>
-          </a:p>
-          <a:p>
-            <a:pPr marL="274320" lvl="1" indent="0">
-              <a:buNone/>
-            </a:pPr>
-            <a:endParaRPr lang="en-US" sz="2600" dirty="0">
-              <a:cs typeface="Times New Roman" panose="02020603050405020304" pitchFamily="18" charset="0"/>
-            </a:endParaRPr>
-          </a:p>
-          <a:p>
-            <a:pPr marL="274320" lvl="1" indent="0">
-              <a:buNone/>
-            </a:pPr>
-            <a:r>
-              <a:rPr lang="en-US" sz="2600" dirty="0">
-                <a:cs typeface="Times New Roman" panose="02020603050405020304" pitchFamily="18" charset="0"/>
-              </a:rPr>
-              <a:t>Rather than specify a behavioral model explicitly, we focus on a single causal relationship and identify it using quasi-exogenous variation: </a:t>
-            </a:r>
-          </a:p>
-          <a:p>
-            <a:pPr lvl="1"/>
-            <a:r>
-              <a:rPr lang="en-US" sz="2600" dirty="0">
-                <a:cs typeface="Times New Roman" panose="02020603050405020304" pitchFamily="18" charset="0"/>
-              </a:rPr>
-              <a:t>What is the effect of job training on employment/income? Find a state that randomized people to take job training and evaluate their outcomes relative to a control state</a:t>
-            </a:r>
-          </a:p>
-          <a:p>
-            <a:pPr lvl="1"/>
-            <a:r>
-              <a:rPr lang="en-US" sz="2600" dirty="0">
-                <a:cs typeface="Times New Roman" panose="02020603050405020304" pitchFamily="18" charset="0"/>
-              </a:rPr>
-              <a:t>What are the advantages/disadvantages of this? </a:t>
-            </a:r>
-          </a:p>
-        </p:txBody>
-      </p:sp>
-    </p:spTree>
-    <p:extLst>
-      <p:ext uri="{BB962C8B-B14F-4D97-AF65-F5344CB8AC3E}">
-        <p14:creationId xmlns:p14="http://schemas.microsoft.com/office/powerpoint/2010/main" val="4230878884"/>
-      </p:ext>
-    </p:extLst>
-  </p:cSld>
-  <p:clrMapOvr>
-    <a:masterClrMapping/>
-  </p:clrMapOvr>
-</p:sld>
-</file>
-
 <file path=ppt/slides/slide68.xml><?xml version="1.0" encoding="utf-8"?>
 <p:sld xmlns:a="http://schemas.openxmlformats.org/drawingml/2006/main" xmlns:r="http://schemas.openxmlformats.org/officeDocument/2006/relationships" xmlns:p="http://schemas.openxmlformats.org/presentationml/2006/main">
   <p:cSld>
@@ -28104,6 +28184,184 @@
                 <a:latin typeface="Times New Roman" panose="02020603050405020304" pitchFamily="18" charset="0"/>
                 <a:cs typeface="Times New Roman" panose="02020603050405020304" pitchFamily="18" charset="0"/>
               </a:rPr>
+              <a:t>Three Examples of Models – why design-based?</a:t>
+            </a:r>
+          </a:p>
+        </p:txBody>
+      </p:sp>
+      <p:sp>
+        <p:nvSpPr>
+          <p:cNvPr id="3" name="Content Placeholder 2"/>
+          <p:cNvSpPr>
+            <a:spLocks noGrp="1"/>
+          </p:cNvSpPr>
+          <p:nvPr>
+            <p:ph idx="1"/>
+          </p:nvPr>
+        </p:nvSpPr>
+        <p:spPr>
+          <a:xfrm>
+            <a:off x="609601" y="1066801"/>
+            <a:ext cx="10015390" cy="5141388"/>
+          </a:xfrm>
+        </p:spPr>
+        <p:txBody>
+          <a:bodyPr>
+            <a:noAutofit/>
+          </a:bodyPr>
+          <a:lstStyle/>
+          <a:p>
+            <a:pPr marL="788670" lvl="1" indent="-514350">
+              <a:buFont typeface="+mj-lt"/>
+              <a:buAutoNum type="arabicPeriod"/>
+            </a:pPr>
+            <a:r>
+              <a:rPr lang="en-US" sz="2600" dirty="0">
+                <a:cs typeface="Times New Roman" panose="02020603050405020304" pitchFamily="18" charset="0"/>
+              </a:rPr>
+              <a:t>Explicit, approximation</a:t>
+            </a:r>
+          </a:p>
+          <a:p>
+            <a:pPr marL="788670" lvl="1" indent="-514350">
+              <a:buFont typeface="+mj-lt"/>
+              <a:buAutoNum type="arabicPeriod"/>
+            </a:pPr>
+            <a:r>
+              <a:rPr lang="en-US" sz="2600" dirty="0">
+                <a:cs typeface="Times New Roman" panose="02020603050405020304" pitchFamily="18" charset="0"/>
+              </a:rPr>
+              <a:t>Explicit, (more) exact</a:t>
+            </a:r>
+          </a:p>
+          <a:p>
+            <a:pPr marL="788670" lvl="1" indent="-514350">
+              <a:buFont typeface="+mj-lt"/>
+              <a:buAutoNum type="arabicPeriod"/>
+            </a:pPr>
+            <a:r>
+              <a:rPr lang="en-US" sz="2600" u="sng" dirty="0">
+                <a:cs typeface="Times New Roman" panose="02020603050405020304" pitchFamily="18" charset="0"/>
+              </a:rPr>
+              <a:t>Implicit</a:t>
+            </a:r>
+          </a:p>
+          <a:p>
+            <a:pPr marL="788670" lvl="1" indent="-514350">
+              <a:buFont typeface="+mj-lt"/>
+              <a:buAutoNum type="arabicPeriod"/>
+            </a:pPr>
+            <a:endParaRPr lang="en-US" sz="2600" u="sng" dirty="0">
+              <a:cs typeface="Times New Roman" panose="02020603050405020304" pitchFamily="18" charset="0"/>
+            </a:endParaRPr>
+          </a:p>
+          <a:p>
+            <a:pPr marL="274320" lvl="1" indent="0">
+              <a:buNone/>
+            </a:pPr>
+            <a:r>
+              <a:rPr lang="en-US" sz="2600" dirty="0">
+                <a:cs typeface="Times New Roman" panose="02020603050405020304" pitchFamily="18" charset="0"/>
+              </a:rPr>
+              <a:t>So frequently, we do something that’s more in the middle </a:t>
+            </a:r>
+          </a:p>
+          <a:p>
+            <a:pPr marL="274320" lvl="1" indent="0">
+              <a:buNone/>
+            </a:pPr>
+            <a:endParaRPr lang="en-US" sz="2600" dirty="0">
+              <a:cs typeface="Times New Roman" panose="02020603050405020304" pitchFamily="18" charset="0"/>
+            </a:endParaRPr>
+          </a:p>
+          <a:p>
+            <a:pPr marL="274320" lvl="1" indent="0">
+              <a:buNone/>
+            </a:pPr>
+            <a:r>
+              <a:rPr lang="en-US" sz="2600" dirty="0">
+                <a:cs typeface="Times New Roman" panose="02020603050405020304" pitchFamily="18" charset="0"/>
+              </a:rPr>
+              <a:t>Rather than specify a behavioral model explicitly, we focus on a single causal relationship and identify it using quasi-exogenous variation: </a:t>
+            </a:r>
+          </a:p>
+          <a:p>
+            <a:pPr lvl="1"/>
+            <a:r>
+              <a:rPr lang="en-US" sz="2600" dirty="0">
+                <a:cs typeface="Times New Roman" panose="02020603050405020304" pitchFamily="18" charset="0"/>
+              </a:rPr>
+              <a:t>What is the effect of job training on employment/income? Find a state that randomized people to take job training and evaluate their outcomes relative to a control state</a:t>
+            </a:r>
+          </a:p>
+          <a:p>
+            <a:pPr lvl="1"/>
+            <a:r>
+              <a:rPr lang="en-US" sz="2600" dirty="0">
+                <a:cs typeface="Times New Roman" panose="02020603050405020304" pitchFamily="18" charset="0"/>
+              </a:rPr>
+              <a:t>What are the advantages/disadvantages of this? </a:t>
+            </a:r>
+          </a:p>
+        </p:txBody>
+      </p:sp>
+    </p:spTree>
+    <p:extLst>
+      <p:ext uri="{BB962C8B-B14F-4D97-AF65-F5344CB8AC3E}">
+        <p14:creationId xmlns:p14="http://schemas.microsoft.com/office/powerpoint/2010/main" val="4230878884"/>
+      </p:ext>
+    </p:extLst>
+  </p:cSld>
+  <p:clrMapOvr>
+    <a:masterClrMapping/>
+  </p:clrMapOvr>
+</p:sld>
+</file>
+
+<file path=ppt/slides/slide69.xml><?xml version="1.0" encoding="utf-8"?>
+<p:sld xmlns:a="http://schemas.openxmlformats.org/drawingml/2006/main" xmlns:r="http://schemas.openxmlformats.org/officeDocument/2006/relationships" xmlns:p="http://schemas.openxmlformats.org/presentationml/2006/main">
+  <p:cSld>
+    <p:spTree>
+      <p:nvGrpSpPr>
+        <p:cNvPr id="1" name=""/>
+        <p:cNvGrpSpPr/>
+        <p:nvPr/>
+      </p:nvGrpSpPr>
+      <p:grpSpPr>
+        <a:xfrm>
+          <a:off x="0" y="0"/>
+          <a:ext cx="0" cy="0"/>
+          <a:chOff x="0" y="0"/>
+          <a:chExt cx="0" cy="0"/>
+        </a:xfrm>
+      </p:grpSpPr>
+      <p:sp>
+        <p:nvSpPr>
+          <p:cNvPr id="2" name="Title 1"/>
+          <p:cNvSpPr>
+            <a:spLocks noGrp="1"/>
+          </p:cNvSpPr>
+          <p:nvPr>
+            <p:ph type="title"/>
+          </p:nvPr>
+        </p:nvSpPr>
+        <p:spPr>
+          <a:xfrm>
+            <a:off x="609600" y="337392"/>
+            <a:ext cx="10439400" cy="624840"/>
+          </a:xfrm>
+        </p:spPr>
+        <p:txBody>
+          <a:bodyPr>
+            <a:noAutofit/>
+          </a:bodyPr>
+          <a:lstStyle/>
+          <a:p>
+            <a:r>
+              <a:rPr lang="en-US" sz="3600" dirty="0">
+                <a:latin typeface="Times New Roman" panose="02020603050405020304" pitchFamily="18" charset="0"/>
+                <a:cs typeface="Times New Roman" panose="02020603050405020304" pitchFamily="18" charset="0"/>
+              </a:rPr>
               <a:t>So what do we get from design-based inference?</a:t>
             </a:r>
           </a:p>
@@ -28262,7 +28520,97 @@
 </p:sld>
 </file>
 
-<file path=ppt/slides/slide69.xml><?xml version="1.0" encoding="utf-8"?>
+<file path=ppt/slides/slide7.xml><?xml version="1.0" encoding="utf-8"?>
+<p:sld xmlns:a="http://schemas.openxmlformats.org/drawingml/2006/main" xmlns:r="http://schemas.openxmlformats.org/officeDocument/2006/relationships" xmlns:p="http://schemas.openxmlformats.org/presentationml/2006/main">
+  <p:cSld>
+    <p:spTree>
+      <p:nvGrpSpPr>
+        <p:cNvPr id="1" name=""/>
+        <p:cNvGrpSpPr/>
+        <p:nvPr/>
+      </p:nvGrpSpPr>
+      <p:grpSpPr>
+        <a:xfrm>
+          <a:off x="0" y="0"/>
+          <a:ext cx="0" cy="0"/>
+          <a:chOff x="0" y="0"/>
+          <a:chExt cx="0" cy="0"/>
+        </a:xfrm>
+      </p:grpSpPr>
+      <p:sp>
+        <p:nvSpPr>
+          <p:cNvPr id="2" name="Title 1">
+            <a:extLst>
+              <a:ext uri="{FF2B5EF4-FFF2-40B4-BE49-F238E27FC236}">
+                <a16:creationId xmlns:a16="http://schemas.microsoft.com/office/drawing/2014/main" id="{F6693EDF-660D-4391-A114-A6C54268E445}"/>
+              </a:ext>
+            </a:extLst>
+          </p:cNvPr>
+          <p:cNvSpPr>
+            <a:spLocks noGrp="1"/>
+          </p:cNvSpPr>
+          <p:nvPr>
+            <p:ph type="ctrTitle"/>
+          </p:nvPr>
+        </p:nvSpPr>
+        <p:spPr>
+          <a:xfrm>
+            <a:off x="1261872" y="758952"/>
+            <a:ext cx="10549128" cy="4041648"/>
+          </a:xfrm>
+        </p:spPr>
+        <p:txBody>
+          <a:bodyPr/>
+          <a:lstStyle/>
+          <a:p>
+            <a:r>
+              <a:rPr lang="en-US" dirty="0"/>
+              <a:t>Working with data</a:t>
+            </a:r>
+          </a:p>
+        </p:txBody>
+      </p:sp>
+      <p:sp>
+        <p:nvSpPr>
+          <p:cNvPr id="3" name="Subtitle 2">
+            <a:extLst>
+              <a:ext uri="{FF2B5EF4-FFF2-40B4-BE49-F238E27FC236}">
+                <a16:creationId xmlns:a16="http://schemas.microsoft.com/office/drawing/2014/main" id="{9A7FADE3-4D7C-4B3A-B023-71CD85AECCCB}"/>
+              </a:ext>
+            </a:extLst>
+          </p:cNvPr>
+          <p:cNvSpPr>
+            <a:spLocks noGrp="1"/>
+          </p:cNvSpPr>
+          <p:nvPr>
+            <p:ph type="subTitle" idx="1"/>
+          </p:nvPr>
+        </p:nvSpPr>
+        <p:spPr/>
+        <p:txBody>
+          <a:bodyPr>
+            <a:normAutofit/>
+          </a:bodyPr>
+          <a:lstStyle/>
+          <a:p>
+            <a:endParaRPr lang="en-US" sz="4400" dirty="0"/>
+          </a:p>
+        </p:txBody>
+      </p:sp>
+    </p:spTree>
+    <p:extLst>
+      <p:ext uri="{BB962C8B-B14F-4D97-AF65-F5344CB8AC3E}">
+        <p14:creationId xmlns:p14="http://schemas.microsoft.com/office/powerpoint/2010/main" val="3689462752"/>
+      </p:ext>
+    </p:extLst>
+  </p:cSld>
+  <p:clrMapOvr>
+    <a:masterClrMapping/>
+  </p:clrMapOvr>
+</p:sld>
+</file>
+
+<file path=ppt/slides/slide70.xml><?xml version="1.0" encoding="utf-8"?>
 <p:sld xmlns:a="http://schemas.openxmlformats.org/drawingml/2006/main" xmlns:r="http://schemas.openxmlformats.org/officeDocument/2006/relationships" xmlns:p="http://schemas.openxmlformats.org/presentationml/2006/main">
   <p:cSld>
     <p:spTree>
@@ -28696,97 +29044,7 @@
 </p:sld>
 </file>
 
-<file path=ppt/slides/slide7.xml><?xml version="1.0" encoding="utf-8"?>
-<p:sld xmlns:a="http://schemas.openxmlformats.org/drawingml/2006/main" xmlns:r="http://schemas.openxmlformats.org/officeDocument/2006/relationships" xmlns:p="http://schemas.openxmlformats.org/presentationml/2006/main">
-  <p:cSld>
-    <p:spTree>
-      <p:nvGrpSpPr>
-        <p:cNvPr id="1" name=""/>
-        <p:cNvGrpSpPr/>
-        <p:nvPr/>
-      </p:nvGrpSpPr>
-      <p:grpSpPr>
-        <a:xfrm>
-          <a:off x="0" y="0"/>
-          <a:ext cx="0" cy="0"/>
-          <a:chOff x="0" y="0"/>
-          <a:chExt cx="0" cy="0"/>
-        </a:xfrm>
-      </p:grpSpPr>
-      <p:sp>
-        <p:nvSpPr>
-          <p:cNvPr id="2" name="Title 1">
-            <a:extLst>
-              <a:ext uri="{FF2B5EF4-FFF2-40B4-BE49-F238E27FC236}">
-                <a16:creationId xmlns:a16="http://schemas.microsoft.com/office/drawing/2014/main" id="{F6693EDF-660D-4391-A114-A6C54268E445}"/>
-              </a:ext>
-            </a:extLst>
-          </p:cNvPr>
-          <p:cNvSpPr>
-            <a:spLocks noGrp="1"/>
-          </p:cNvSpPr>
-          <p:nvPr>
-            <p:ph type="ctrTitle"/>
-          </p:nvPr>
-        </p:nvSpPr>
-        <p:spPr>
-          <a:xfrm>
-            <a:off x="1261872" y="758952"/>
-            <a:ext cx="10549128" cy="4041648"/>
-          </a:xfrm>
-        </p:spPr>
-        <p:txBody>
-          <a:bodyPr/>
-          <a:lstStyle/>
-          <a:p>
-            <a:r>
-              <a:rPr lang="en-US" dirty="0"/>
-              <a:t>Working with data</a:t>
-            </a:r>
-          </a:p>
-        </p:txBody>
-      </p:sp>
-      <p:sp>
-        <p:nvSpPr>
-          <p:cNvPr id="3" name="Subtitle 2">
-            <a:extLst>
-              <a:ext uri="{FF2B5EF4-FFF2-40B4-BE49-F238E27FC236}">
-                <a16:creationId xmlns:a16="http://schemas.microsoft.com/office/drawing/2014/main" id="{9A7FADE3-4D7C-4B3A-B023-71CD85AECCCB}"/>
-              </a:ext>
-            </a:extLst>
-          </p:cNvPr>
-          <p:cNvSpPr>
-            <a:spLocks noGrp="1"/>
-          </p:cNvSpPr>
-          <p:nvPr>
-            <p:ph type="subTitle" idx="1"/>
-          </p:nvPr>
-        </p:nvSpPr>
-        <p:spPr/>
-        <p:txBody>
-          <a:bodyPr>
-            <a:normAutofit/>
-          </a:bodyPr>
-          <a:lstStyle/>
-          <a:p>
-            <a:endParaRPr lang="en-US" sz="4400" dirty="0"/>
-          </a:p>
-        </p:txBody>
-      </p:sp>
-    </p:spTree>
-    <p:extLst>
-      <p:ext uri="{BB962C8B-B14F-4D97-AF65-F5344CB8AC3E}">
-        <p14:creationId xmlns:p14="http://schemas.microsoft.com/office/powerpoint/2010/main" val="3689462752"/>
-      </p:ext>
-    </p:extLst>
-  </p:cSld>
-  <p:clrMapOvr>
-    <a:masterClrMapping/>
-  </p:clrMapOvr>
-</p:sld>
-</file>
-
-<file path=ppt/slides/slide70.xml><?xml version="1.0" encoding="utf-8"?>
+<file path=ppt/slides/slide71.xml><?xml version="1.0" encoding="utf-8"?>
 <p:sld xmlns:a="http://schemas.openxmlformats.org/drawingml/2006/main" xmlns:r="http://schemas.openxmlformats.org/officeDocument/2006/relationships" xmlns:p="http://schemas.openxmlformats.org/presentationml/2006/main">
   <p:cSld>
     <p:spTree>
@@ -29221,7 +29479,7 @@
 </p:sld>
 </file>
 
-<file path=ppt/slides/slide71.xml><?xml version="1.0" encoding="utf-8"?>
+<file path=ppt/slides/slide72.xml><?xml version="1.0" encoding="utf-8"?>
 <p:sld xmlns:a="http://schemas.openxmlformats.org/drawingml/2006/main" xmlns:r="http://schemas.openxmlformats.org/officeDocument/2006/relationships" xmlns:p="http://schemas.openxmlformats.org/presentationml/2006/main">
   <p:cSld>
     <p:spTree>
@@ -29698,7 +29956,7 @@
 </p:sld>
 </file>
 
-<file path=ppt/slides/slide72.xml><?xml version="1.0" encoding="utf-8"?>
+<file path=ppt/slides/slide73.xml><?xml version="1.0" encoding="utf-8"?>
 <p:sld xmlns:a="http://schemas.openxmlformats.org/drawingml/2006/main" xmlns:r="http://schemas.openxmlformats.org/officeDocument/2006/relationships" xmlns:p="http://schemas.openxmlformats.org/presentationml/2006/main">
   <p:cSld>
     <p:spTree>
@@ -29829,202 +30087,6 @@
 </p:sld>
 </file>
 
-<file path=ppt/slides/slide73.xml><?xml version="1.0" encoding="utf-8"?>
-<p:sld xmlns:a="http://schemas.openxmlformats.org/drawingml/2006/main" xmlns:r="http://schemas.openxmlformats.org/officeDocument/2006/relationships" xmlns:p="http://schemas.openxmlformats.org/presentationml/2006/main">
-  <p:cSld>
-    <p:spTree>
-      <p:nvGrpSpPr>
-        <p:cNvPr id="1" name=""/>
-        <p:cNvGrpSpPr/>
-        <p:nvPr/>
-      </p:nvGrpSpPr>
-      <p:grpSpPr>
-        <a:xfrm>
-          <a:off x="0" y="0"/>
-          <a:ext cx="0" cy="0"/>
-          <a:chOff x="0" y="0"/>
-          <a:chExt cx="0" cy="0"/>
-        </a:xfrm>
-      </p:grpSpPr>
-      <p:sp>
-        <p:nvSpPr>
-          <p:cNvPr id="2" name="Title 1"/>
-          <p:cNvSpPr>
-            <a:spLocks noGrp="1"/>
-          </p:cNvSpPr>
-          <p:nvPr>
-            <p:ph type="title"/>
-          </p:nvPr>
-        </p:nvSpPr>
-        <p:spPr>
-          <a:xfrm>
-            <a:off x="609600" y="337392"/>
-            <a:ext cx="10439400" cy="624840"/>
-          </a:xfrm>
-        </p:spPr>
-        <p:txBody>
-          <a:bodyPr>
-            <a:noAutofit/>
-          </a:bodyPr>
-          <a:lstStyle/>
-          <a:p>
-            <a:r>
-              <a:rPr lang="en-US" sz="3600" dirty="0">
-                <a:cs typeface="Times New Roman" panose="02020603050405020304" pitchFamily="18" charset="0"/>
-              </a:rPr>
-              <a:t>Choosing an Empirical Strategy</a:t>
-            </a:r>
-            <a:endParaRPr lang="en-US" sz="3600" dirty="0">
-              <a:latin typeface="Times New Roman" panose="02020603050405020304" pitchFamily="18" charset="0"/>
-              <a:cs typeface="Times New Roman" panose="02020603050405020304" pitchFamily="18" charset="0"/>
-            </a:endParaRPr>
-          </a:p>
-        </p:txBody>
-      </p:sp>
-      <p:sp>
-        <p:nvSpPr>
-          <p:cNvPr id="3" name="Content Placeholder 2"/>
-          <p:cNvSpPr>
-            <a:spLocks noGrp="1"/>
-          </p:cNvSpPr>
-          <p:nvPr>
-            <p:ph idx="1"/>
-          </p:nvPr>
-        </p:nvSpPr>
-        <p:spPr>
-          <a:xfrm>
-            <a:off x="762000" y="1066801"/>
-            <a:ext cx="10286999" cy="5141388"/>
-          </a:xfrm>
-        </p:spPr>
-        <p:txBody>
-          <a:bodyPr>
-            <a:noAutofit/>
-          </a:bodyPr>
-          <a:lstStyle/>
-          <a:p>
-            <a:pPr marL="0" indent="0">
-              <a:buNone/>
-            </a:pPr>
-            <a:r>
-              <a:rPr lang="en-US" sz="2400" dirty="0">
-                <a:cs typeface="Times New Roman" panose="02020603050405020304" pitchFamily="18" charset="0"/>
-              </a:rPr>
-              <a:t>Your empirical strategy consists of two (related) components: </a:t>
-            </a:r>
-          </a:p>
-          <a:p>
-            <a:pPr marL="457200" indent="-457200">
-              <a:buFont typeface="+mj-lt"/>
-              <a:buAutoNum type="arabicPeriod"/>
-            </a:pPr>
-            <a:r>
-              <a:rPr lang="en-US" sz="2400" b="1" dirty="0">
-                <a:solidFill>
-                  <a:schemeClr val="accent2">
-                    <a:lumMod val="75000"/>
-                  </a:schemeClr>
-                </a:solidFill>
-                <a:cs typeface="Times New Roman" panose="02020603050405020304" pitchFamily="18" charset="0"/>
-              </a:rPr>
-              <a:t>Estimation strategy: </a:t>
-            </a:r>
-            <a:r>
-              <a:rPr lang="en-US" sz="2400" dirty="0">
-                <a:cs typeface="Times New Roman" panose="02020603050405020304" pitchFamily="18" charset="0"/>
-              </a:rPr>
-              <a:t>what is estimated, how, inference, etc.</a:t>
-            </a:r>
-          </a:p>
-          <a:p>
-            <a:pPr lvl="1"/>
-            <a:r>
-              <a:rPr lang="en-US" sz="2400" dirty="0">
-                <a:cs typeface="Times New Roman" panose="02020603050405020304" pitchFamily="18" charset="0"/>
-              </a:rPr>
-              <a:t>Put equations in your papers! </a:t>
-            </a:r>
-          </a:p>
-          <a:p>
-            <a:pPr marL="457200" indent="-457200">
-              <a:buFont typeface="+mj-lt"/>
-              <a:buAutoNum type="arabicPeriod"/>
-            </a:pPr>
-            <a:r>
-              <a:rPr lang="en-US" sz="2400" b="1" dirty="0">
-                <a:solidFill>
-                  <a:schemeClr val="accent3">
-                    <a:lumMod val="75000"/>
-                  </a:schemeClr>
-                </a:solidFill>
-                <a:cs typeface="Times New Roman" panose="02020603050405020304" pitchFamily="18" charset="0"/>
-              </a:rPr>
-              <a:t>Identification strategy: </a:t>
-            </a:r>
-            <a:r>
-              <a:rPr lang="en-US" sz="2400" dirty="0">
-                <a:cs typeface="Times New Roman" panose="02020603050405020304" pitchFamily="18" charset="0"/>
-              </a:rPr>
-              <a:t>what allows making a causal statement?</a:t>
-            </a:r>
-          </a:p>
-          <a:p>
-            <a:pPr lvl="1"/>
-            <a:r>
-              <a:rPr lang="en-US" sz="2400" dirty="0">
-                <a:cs typeface="Times New Roman" panose="02020603050405020304" pitchFamily="18" charset="0"/>
-              </a:rPr>
-              <a:t>Do you have experimental variation? </a:t>
-            </a:r>
-          </a:p>
-          <a:p>
-            <a:pPr lvl="1"/>
-            <a:r>
-              <a:rPr lang="en-US" sz="2400" dirty="0">
-                <a:cs typeface="Times New Roman" panose="02020603050405020304" pitchFamily="18" charset="0"/>
-              </a:rPr>
-              <a:t>Balance? </a:t>
-            </a:r>
-          </a:p>
-          <a:p>
-            <a:pPr lvl="1"/>
-            <a:r>
-              <a:rPr lang="en-US" sz="2400" dirty="0">
-                <a:cs typeface="Times New Roman" panose="02020603050405020304" pitchFamily="18" charset="0"/>
-              </a:rPr>
-              <a:t>Is there endogeneity in your design? </a:t>
-            </a:r>
-          </a:p>
-          <a:p>
-            <a:pPr lvl="2"/>
-            <a:r>
-              <a:rPr lang="en-US" sz="2400" dirty="0">
-                <a:cs typeface="Times New Roman" panose="02020603050405020304" pitchFamily="18" charset="0"/>
-              </a:rPr>
-              <a:t>(reverse causality, heterogeneity, measurement/omitted error)</a:t>
-            </a:r>
-          </a:p>
-          <a:p>
-            <a:pPr lvl="1"/>
-            <a:endParaRPr lang="en-US" sz="2600" dirty="0">
-              <a:cs typeface="Times New Roman" panose="02020603050405020304" pitchFamily="18" charset="0"/>
-            </a:endParaRPr>
-          </a:p>
-        </p:txBody>
-      </p:sp>
-    </p:spTree>
-    <p:extLst>
-      <p:ext uri="{BB962C8B-B14F-4D97-AF65-F5344CB8AC3E}">
-        <p14:creationId xmlns:p14="http://schemas.microsoft.com/office/powerpoint/2010/main" val="2277375808"/>
-      </p:ext>
-    </p:extLst>
-  </p:cSld>
-  <p:clrMapOvr>
-    <a:masterClrMapping/>
-  </p:clrMapOvr>
-</p:sld>
-</file>
-
 <file path=ppt/slides/slide74.xml><?xml version="1.0" encoding="utf-8"?>
 <p:sld xmlns:a="http://schemas.openxmlformats.org/drawingml/2006/main" xmlns:r="http://schemas.openxmlformats.org/officeDocument/2006/relationships" xmlns:p="http://schemas.openxmlformats.org/presentationml/2006/main">
   <p:cSld>
@@ -30068,7 +30130,7 @@
               <a:rPr lang="en-US" sz="3600" dirty="0">
                 <a:cs typeface="Times New Roman" panose="02020603050405020304" pitchFamily="18" charset="0"/>
               </a:rPr>
-              <a:t>Where do we get the identification?</a:t>
+              <a:t>Choosing an Empirical Strategy</a:t>
             </a:r>
             <a:endParaRPr lang="en-US" sz="3600" dirty="0">
               <a:latin typeface="Times New Roman" panose="02020603050405020304" pitchFamily="18" charset="0"/>
@@ -30089,8 +30151,8 @@
         </p:nvSpPr>
         <p:spPr>
           <a:xfrm>
-            <a:off x="838201" y="1066801"/>
-            <a:ext cx="9786790" cy="5141388"/>
+            <a:off x="762000" y="1066801"/>
+            <a:ext cx="10286999" cy="5141388"/>
           </a:xfrm>
         </p:spPr>
         <p:txBody>
@@ -30099,14 +30161,23 @@
           </a:bodyPr>
           <a:lstStyle/>
           <a:p>
-            <a:r>
-              <a:rPr lang="en-US" sz="2600" dirty="0">
+            <a:pPr marL="0" indent="0">
+              <a:buNone/>
+            </a:pPr>
+            <a:r>
+              <a:rPr lang="en-US" sz="2400" dirty="0">
                 <a:cs typeface="Times New Roman" panose="02020603050405020304" pitchFamily="18" charset="0"/>
               </a:rPr>
-              <a:t>So what are the </a:t>
-            </a:r>
-            <a:r>
-              <a:rPr lang="en-US" sz="2600" b="1" dirty="0">
+              <a:t>Your empirical strategy consists of two (related) components: </a:t>
+            </a:r>
+          </a:p>
+          <a:p>
+            <a:pPr marL="457200" indent="-457200">
+              <a:buFont typeface="+mj-lt"/>
+              <a:buAutoNum type="arabicPeriod"/>
+            </a:pPr>
+            <a:r>
+              <a:rPr lang="en-US" sz="2400" b="1" dirty="0">
                 <a:solidFill>
                   <a:schemeClr val="accent2">
                     <a:lumMod val="75000"/>
@@ -30114,44 +30185,31 @@
                 </a:solidFill>
                 <a:cs typeface="Times New Roman" panose="02020603050405020304" pitchFamily="18" charset="0"/>
               </a:rPr>
-              <a:t>specific</a:t>
-            </a:r>
-            <a:r>
-              <a:rPr lang="en-US" sz="2600" dirty="0">
+              <a:t>Estimation strategy: </a:t>
+            </a:r>
+            <a:r>
+              <a:rPr lang="en-US" sz="2400" dirty="0">
                 <a:cs typeface="Times New Roman" panose="02020603050405020304" pitchFamily="18" charset="0"/>
               </a:rPr>
-              <a:t> data and </a:t>
-            </a:r>
-            <a:r>
-              <a:rPr lang="en-US" sz="2600" b="1" dirty="0">
-                <a:solidFill>
-                  <a:schemeClr val="accent2">
-                    <a:lumMod val="75000"/>
-                  </a:schemeClr>
-                </a:solidFill>
+              <a:t>what is estimated, how, inference, etc.</a:t>
+            </a:r>
+          </a:p>
+          <a:p>
+            <a:pPr lvl="1"/>
+            <a:r>
+              <a:rPr lang="en-US" sz="2400" dirty="0">
                 <a:cs typeface="Times New Roman" panose="02020603050405020304" pitchFamily="18" charset="0"/>
               </a:rPr>
-              <a:t>circumstances</a:t>
-            </a:r>
-            <a:r>
-              <a:rPr lang="en-US" sz="2600" dirty="0">
-                <a:cs typeface="Times New Roman" panose="02020603050405020304" pitchFamily="18" charset="0"/>
-              </a:rPr>
-              <a:t> we need to answer a question? </a:t>
-            </a:r>
-          </a:p>
-          <a:p>
-            <a:pPr marL="0" indent="0">
-              <a:buNone/>
+              <a:t>Put equations in your papers! </a:t>
+            </a:r>
+          </a:p>
+          <a:p>
+            <a:pPr marL="457200" indent="-457200">
+              <a:buFont typeface="+mj-lt"/>
+              <a:buAutoNum type="arabicPeriod"/>
             </a:pPr>
             <a:r>
-              <a:rPr lang="en-US" sz="2600" dirty="0">
-                <a:cs typeface="Times New Roman" panose="02020603050405020304" pitchFamily="18" charset="0"/>
-              </a:rPr>
-              <a:t>The method you use will depend on the </a:t>
-            </a:r>
-            <a:r>
-              <a:rPr lang="en-US" sz="2600" b="1" dirty="0">
+              <a:rPr lang="en-US" sz="2400" b="1" dirty="0">
                 <a:solidFill>
                   <a:schemeClr val="accent3">
                     <a:lumMod val="75000"/>
@@ -30159,61 +30217,53 @@
                 </a:solidFill>
                 <a:cs typeface="Times New Roman" panose="02020603050405020304" pitchFamily="18" charset="0"/>
               </a:rPr>
-              <a:t>variation you have</a:t>
-            </a:r>
-            <a:r>
-              <a:rPr lang="en-US" sz="2600" dirty="0">
+              <a:t>Identification strategy: </a:t>
+            </a:r>
+            <a:r>
+              <a:rPr lang="en-US" sz="2400" dirty="0">
                 <a:cs typeface="Times New Roman" panose="02020603050405020304" pitchFamily="18" charset="0"/>
               </a:rPr>
-              <a:t> </a:t>
+              <a:t>what allows making a causal statement?</a:t>
             </a:r>
           </a:p>
           <a:p>
             <a:pPr lvl="1"/>
             <a:r>
-              <a:rPr lang="en-US" sz="2600" dirty="0">
+              <a:rPr lang="en-US" sz="2400" dirty="0">
                 <a:cs typeface="Times New Roman" panose="02020603050405020304" pitchFamily="18" charset="0"/>
               </a:rPr>
-              <a:t>Variation across units? </a:t>
+              <a:t>Do you have experimental variation? </a:t>
             </a:r>
           </a:p>
           <a:p>
             <a:pPr lvl="1"/>
             <a:r>
-              <a:rPr lang="en-US" sz="2600" dirty="0">
+              <a:rPr lang="en-US" sz="2400" dirty="0">
                 <a:cs typeface="Times New Roman" panose="02020603050405020304" pitchFamily="18" charset="0"/>
               </a:rPr>
-              <a:t>Across time? </a:t>
+              <a:t>Balance? </a:t>
             </a:r>
           </a:p>
           <a:p>
             <a:pPr lvl="1"/>
             <a:r>
-              <a:rPr lang="en-US" sz="2600" dirty="0">
+              <a:rPr lang="en-US" sz="2400" dirty="0">
                 <a:cs typeface="Times New Roman" panose="02020603050405020304" pitchFamily="18" charset="0"/>
               </a:rPr>
-              <a:t>Policy changes</a:t>
+              <a:t>Is there endogeneity in your design? </a:t>
+            </a:r>
+          </a:p>
+          <a:p>
+            <a:pPr lvl="2"/>
+            <a:r>
+              <a:rPr lang="en-US" sz="2400" dirty="0">
+                <a:cs typeface="Times New Roman" panose="02020603050405020304" pitchFamily="18" charset="0"/>
+              </a:rPr>
+              <a:t>(reverse causality, heterogeneity, measurement/omitted error)</a:t>
             </a:r>
           </a:p>
           <a:p>
             <a:pPr lvl="1"/>
-            <a:r>
-              <a:rPr lang="en-US" sz="2600" dirty="0">
-                <a:cs typeface="Times New Roman" panose="02020603050405020304" pitchFamily="18" charset="0"/>
-              </a:rPr>
-              <a:t>Weird policy rules?</a:t>
-            </a:r>
-          </a:p>
-          <a:p>
-            <a:pPr lvl="1"/>
-            <a:r>
-              <a:rPr lang="en-US" sz="2600" dirty="0">
-                <a:cs typeface="Times New Roman" panose="02020603050405020304" pitchFamily="18" charset="0"/>
-              </a:rPr>
-              <a:t>Instruments? </a:t>
-            </a:r>
-          </a:p>
-          <a:p>
             <a:endParaRPr lang="en-US" sz="2600" dirty="0">
               <a:cs typeface="Times New Roman" panose="02020603050405020304" pitchFamily="18" charset="0"/>
             </a:endParaRPr>
@@ -30223,7 +30273,7 @@
     </p:spTree>
     <p:extLst>
       <p:ext uri="{BB962C8B-B14F-4D97-AF65-F5344CB8AC3E}">
-        <p14:creationId xmlns:p14="http://schemas.microsoft.com/office/powerpoint/2010/main" val="2157592303"/>
+        <p14:creationId xmlns:p14="http://schemas.microsoft.com/office/powerpoint/2010/main" val="2277375808"/>
       </p:ext>
     </p:extLst>
   </p:cSld>
@@ -30252,68 +30302,186 @@
       </p:grpSpPr>
       <p:sp>
         <p:nvSpPr>
-          <p:cNvPr id="2" name="Title 1">
-            <a:extLst>
-              <a:ext uri="{FF2B5EF4-FFF2-40B4-BE49-F238E27FC236}">
-                <a16:creationId xmlns:a16="http://schemas.microsoft.com/office/drawing/2014/main" id="{F6693EDF-660D-4391-A114-A6C54268E445}"/>
-              </a:ext>
-            </a:extLst>
-          </p:cNvPr>
-          <p:cNvSpPr>
-            <a:spLocks noGrp="1"/>
-          </p:cNvSpPr>
-          <p:nvPr>
-            <p:ph type="ctrTitle"/>
+          <p:cNvPr id="2" name="Title 1"/>
+          <p:cNvSpPr>
+            <a:spLocks noGrp="1"/>
+          </p:cNvSpPr>
+          <p:nvPr>
+            <p:ph type="title"/>
           </p:nvPr>
         </p:nvSpPr>
         <p:spPr>
           <a:xfrm>
-            <a:off x="1261872" y="758952"/>
-            <a:ext cx="10549128" cy="4041648"/>
+            <a:off x="609600" y="337392"/>
+            <a:ext cx="10439400" cy="624840"/>
           </a:xfrm>
         </p:spPr>
         <p:txBody>
-          <a:bodyPr/>
-          <a:lstStyle/>
-          <a:p>
-            <a:r>
-              <a:rPr lang="en-US" dirty="0"/>
-              <a:t>Communicating Findings</a:t>
-            </a:r>
-          </a:p>
-        </p:txBody>
-      </p:sp>
-      <p:sp>
-        <p:nvSpPr>
-          <p:cNvPr id="3" name="Subtitle 2">
-            <a:extLst>
-              <a:ext uri="{FF2B5EF4-FFF2-40B4-BE49-F238E27FC236}">
-                <a16:creationId xmlns:a16="http://schemas.microsoft.com/office/drawing/2014/main" id="{9A7FADE3-4D7C-4B3A-B023-71CD85AECCCB}"/>
-              </a:ext>
-            </a:extLst>
-          </p:cNvPr>
-          <p:cNvSpPr>
-            <a:spLocks noGrp="1"/>
-          </p:cNvSpPr>
-          <p:nvPr>
-            <p:ph type="subTitle" idx="1"/>
-          </p:nvPr>
-        </p:nvSpPr>
-        <p:spPr/>
-        <p:txBody>
           <a:bodyPr>
-            <a:normAutofit/>
+            <a:noAutofit/>
           </a:bodyPr>
           <a:lstStyle/>
           <a:p>
-            <a:endParaRPr lang="en-US" sz="4400" dirty="0"/>
+            <a:r>
+              <a:rPr lang="en-US" sz="3600" dirty="0">
+                <a:cs typeface="Times New Roman" panose="02020603050405020304" pitchFamily="18" charset="0"/>
+              </a:rPr>
+              <a:t>Where do we get the identification?</a:t>
+            </a:r>
+            <a:endParaRPr lang="en-US" sz="3600" dirty="0">
+              <a:latin typeface="Times New Roman" panose="02020603050405020304" pitchFamily="18" charset="0"/>
+              <a:cs typeface="Times New Roman" panose="02020603050405020304" pitchFamily="18" charset="0"/>
+            </a:endParaRPr>
+          </a:p>
+        </p:txBody>
+      </p:sp>
+      <p:sp>
+        <p:nvSpPr>
+          <p:cNvPr id="3" name="Content Placeholder 2"/>
+          <p:cNvSpPr>
+            <a:spLocks noGrp="1"/>
+          </p:cNvSpPr>
+          <p:nvPr>
+            <p:ph idx="1"/>
+          </p:nvPr>
+        </p:nvSpPr>
+        <p:spPr>
+          <a:xfrm>
+            <a:off x="838201" y="1066801"/>
+            <a:ext cx="9786790" cy="5141388"/>
+          </a:xfrm>
+        </p:spPr>
+        <p:txBody>
+          <a:bodyPr>
+            <a:noAutofit/>
+          </a:bodyPr>
+          <a:lstStyle/>
+          <a:p>
+            <a:r>
+              <a:rPr lang="en-US" sz="2600" dirty="0">
+                <a:cs typeface="Times New Roman" panose="02020603050405020304" pitchFamily="18" charset="0"/>
+              </a:rPr>
+              <a:t>So what are the </a:t>
+            </a:r>
+            <a:r>
+              <a:rPr lang="en-US" sz="2600" b="1" dirty="0">
+                <a:solidFill>
+                  <a:schemeClr val="accent2">
+                    <a:lumMod val="75000"/>
+                  </a:schemeClr>
+                </a:solidFill>
+                <a:cs typeface="Times New Roman" panose="02020603050405020304" pitchFamily="18" charset="0"/>
+              </a:rPr>
+              <a:t>specific</a:t>
+            </a:r>
+            <a:r>
+              <a:rPr lang="en-US" sz="2600" dirty="0">
+                <a:cs typeface="Times New Roman" panose="02020603050405020304" pitchFamily="18" charset="0"/>
+              </a:rPr>
+              <a:t> data and </a:t>
+            </a:r>
+            <a:r>
+              <a:rPr lang="en-US" sz="2600" b="1" dirty="0">
+                <a:solidFill>
+                  <a:schemeClr val="accent2">
+                    <a:lumMod val="75000"/>
+                  </a:schemeClr>
+                </a:solidFill>
+                <a:cs typeface="Times New Roman" panose="02020603050405020304" pitchFamily="18" charset="0"/>
+              </a:rPr>
+              <a:t>circumstances</a:t>
+            </a:r>
+            <a:r>
+              <a:rPr lang="en-US" sz="2600" dirty="0">
+                <a:cs typeface="Times New Roman" panose="02020603050405020304" pitchFamily="18" charset="0"/>
+              </a:rPr>
+              <a:t> we need to answer a question? </a:t>
+            </a:r>
+          </a:p>
+          <a:p>
+            <a:pPr marL="0" indent="0">
+              <a:buNone/>
+            </a:pPr>
+            <a:r>
+              <a:rPr lang="en-US" sz="2600" dirty="0">
+                <a:cs typeface="Times New Roman" panose="02020603050405020304" pitchFamily="18" charset="0"/>
+              </a:rPr>
+              <a:t>The method you use will depend on the </a:t>
+            </a:r>
+            <a:r>
+              <a:rPr lang="en-US" sz="2600" b="1" dirty="0">
+                <a:solidFill>
+                  <a:schemeClr val="accent3">
+                    <a:lumMod val="75000"/>
+                  </a:schemeClr>
+                </a:solidFill>
+                <a:cs typeface="Times New Roman" panose="02020603050405020304" pitchFamily="18" charset="0"/>
+              </a:rPr>
+              <a:t>variation you have</a:t>
+            </a:r>
+            <a:r>
+              <a:rPr lang="en-US" sz="2600" dirty="0">
+                <a:cs typeface="Times New Roman" panose="02020603050405020304" pitchFamily="18" charset="0"/>
+              </a:rPr>
+              <a:t> </a:t>
+            </a:r>
+          </a:p>
+          <a:p>
+            <a:pPr lvl="1"/>
+            <a:r>
+              <a:rPr lang="en-US" sz="2600" dirty="0">
+                <a:cs typeface="Times New Roman" panose="02020603050405020304" pitchFamily="18" charset="0"/>
+              </a:rPr>
+              <a:t>Variation across units? </a:t>
+            </a:r>
+          </a:p>
+          <a:p>
+            <a:pPr lvl="1"/>
+            <a:r>
+              <a:rPr lang="en-US" sz="2600" dirty="0">
+                <a:cs typeface="Times New Roman" panose="02020603050405020304" pitchFamily="18" charset="0"/>
+              </a:rPr>
+              <a:t>Across time? </a:t>
+            </a:r>
+          </a:p>
+          <a:p>
+            <a:pPr lvl="1"/>
+            <a:r>
+              <a:rPr lang="en-US" sz="2600" dirty="0">
+                <a:cs typeface="Times New Roman" panose="02020603050405020304" pitchFamily="18" charset="0"/>
+              </a:rPr>
+              <a:t>Policy changes</a:t>
+            </a:r>
+          </a:p>
+          <a:p>
+            <a:pPr lvl="1"/>
+            <a:r>
+              <a:rPr lang="en-US" sz="2600" dirty="0">
+                <a:cs typeface="Times New Roman" panose="02020603050405020304" pitchFamily="18" charset="0"/>
+              </a:rPr>
+              <a:t>Weird policy rules?</a:t>
+            </a:r>
+          </a:p>
+          <a:p>
+            <a:pPr lvl="1"/>
+            <a:r>
+              <a:rPr lang="en-US" sz="2600" dirty="0">
+                <a:cs typeface="Times New Roman" panose="02020603050405020304" pitchFamily="18" charset="0"/>
+              </a:rPr>
+              <a:t>Instruments? </a:t>
+            </a:r>
+          </a:p>
+          <a:p>
+            <a:endParaRPr lang="en-US" sz="2600" dirty="0">
+              <a:cs typeface="Times New Roman" panose="02020603050405020304" pitchFamily="18" charset="0"/>
+            </a:endParaRPr>
           </a:p>
         </p:txBody>
       </p:sp>
     </p:spTree>
     <p:extLst>
       <p:ext uri="{BB962C8B-B14F-4D97-AF65-F5344CB8AC3E}">
-        <p14:creationId xmlns:p14="http://schemas.microsoft.com/office/powerpoint/2010/main" val="3585368635"/>
+        <p14:creationId xmlns:p14="http://schemas.microsoft.com/office/powerpoint/2010/main" val="2157592303"/>
       </p:ext>
     </p:extLst>
   </p:cSld>
@@ -30342,6 +30510,96 @@
       </p:grpSpPr>
       <p:sp>
         <p:nvSpPr>
+          <p:cNvPr id="2" name="Title 1">
+            <a:extLst>
+              <a:ext uri="{FF2B5EF4-FFF2-40B4-BE49-F238E27FC236}">
+                <a16:creationId xmlns:a16="http://schemas.microsoft.com/office/drawing/2014/main" id="{F6693EDF-660D-4391-A114-A6C54268E445}"/>
+              </a:ext>
+            </a:extLst>
+          </p:cNvPr>
+          <p:cNvSpPr>
+            <a:spLocks noGrp="1"/>
+          </p:cNvSpPr>
+          <p:nvPr>
+            <p:ph type="ctrTitle"/>
+          </p:nvPr>
+        </p:nvSpPr>
+        <p:spPr>
+          <a:xfrm>
+            <a:off x="1261872" y="758952"/>
+            <a:ext cx="10549128" cy="4041648"/>
+          </a:xfrm>
+        </p:spPr>
+        <p:txBody>
+          <a:bodyPr/>
+          <a:lstStyle/>
+          <a:p>
+            <a:r>
+              <a:rPr lang="en-US" dirty="0"/>
+              <a:t>Communicating Findings</a:t>
+            </a:r>
+          </a:p>
+        </p:txBody>
+      </p:sp>
+      <p:sp>
+        <p:nvSpPr>
+          <p:cNvPr id="3" name="Subtitle 2">
+            <a:extLst>
+              <a:ext uri="{FF2B5EF4-FFF2-40B4-BE49-F238E27FC236}">
+                <a16:creationId xmlns:a16="http://schemas.microsoft.com/office/drawing/2014/main" id="{9A7FADE3-4D7C-4B3A-B023-71CD85AECCCB}"/>
+              </a:ext>
+            </a:extLst>
+          </p:cNvPr>
+          <p:cNvSpPr>
+            <a:spLocks noGrp="1"/>
+          </p:cNvSpPr>
+          <p:nvPr>
+            <p:ph type="subTitle" idx="1"/>
+          </p:nvPr>
+        </p:nvSpPr>
+        <p:spPr/>
+        <p:txBody>
+          <a:bodyPr>
+            <a:normAutofit/>
+          </a:bodyPr>
+          <a:lstStyle/>
+          <a:p>
+            <a:endParaRPr lang="en-US" sz="4400" dirty="0"/>
+          </a:p>
+        </p:txBody>
+      </p:sp>
+    </p:spTree>
+    <p:extLst>
+      <p:ext uri="{BB962C8B-B14F-4D97-AF65-F5344CB8AC3E}">
+        <p14:creationId xmlns:p14="http://schemas.microsoft.com/office/powerpoint/2010/main" val="3585368635"/>
+      </p:ext>
+    </p:extLst>
+  </p:cSld>
+  <p:clrMapOvr>
+    <a:masterClrMapping/>
+  </p:clrMapOvr>
+</p:sld>
+</file>
+
+<file path=ppt/slides/slide77.xml><?xml version="1.0" encoding="utf-8"?>
+<p:sld xmlns:a="http://schemas.openxmlformats.org/drawingml/2006/main" xmlns:r="http://schemas.openxmlformats.org/officeDocument/2006/relationships" xmlns:p="http://schemas.openxmlformats.org/presentationml/2006/main">
+  <p:cSld>
+    <p:spTree>
+      <p:nvGrpSpPr>
+        <p:cNvPr id="1" name=""/>
+        <p:cNvGrpSpPr/>
+        <p:nvPr/>
+      </p:nvGrpSpPr>
+      <p:grpSpPr>
+        <a:xfrm>
+          <a:off x="0" y="0"/>
+          <a:ext cx="0" cy="0"/>
+          <a:chOff x="0" y="0"/>
+          <a:chExt cx="0" cy="0"/>
+        </a:xfrm>
+      </p:grpSpPr>
+      <p:sp>
+        <p:nvSpPr>
           <p:cNvPr id="2" name="Title 1"/>
           <p:cNvSpPr>
             <a:spLocks noGrp="1"/>
@@ -30535,7 +30793,7 @@
 </p:sld>
 </file>
 
-<file path=ppt/slides/slide77.xml><?xml version="1.0" encoding="utf-8"?>
+<file path=ppt/slides/slide78.xml><?xml version="1.0" encoding="utf-8"?>
 <p:sld xmlns:a="http://schemas.openxmlformats.org/drawingml/2006/main" xmlns:r="http://schemas.openxmlformats.org/officeDocument/2006/relationships" xmlns:p="http://schemas.openxmlformats.org/presentationml/2006/main">
   <p:cSld>
     <p:spTree>
@@ -30655,7 +30913,7 @@
 </p:sld>
 </file>
 
-<file path=ppt/slides/slide78.xml><?xml version="1.0" encoding="utf-8"?>
+<file path=ppt/slides/slide79.xml><?xml version="1.0" encoding="utf-8"?>
 <p:sld xmlns:a="http://schemas.openxmlformats.org/drawingml/2006/main" xmlns:r="http://schemas.openxmlformats.org/officeDocument/2006/relationships" xmlns:p="http://schemas.openxmlformats.org/presentationml/2006/main">
   <p:cSld>
     <p:spTree>
@@ -30766,126 +31024,6 @@
     <p:extLst>
       <p:ext uri="{BB962C8B-B14F-4D97-AF65-F5344CB8AC3E}">
         <p14:creationId xmlns:p14="http://schemas.microsoft.com/office/powerpoint/2010/main" val="3988444205"/>
-      </p:ext>
-    </p:extLst>
-  </p:cSld>
-  <p:clrMapOvr>
-    <a:masterClrMapping/>
-  </p:clrMapOvr>
-</p:sld>
-</file>
-
-<file path=ppt/slides/slide79.xml><?xml version="1.0" encoding="utf-8"?>
-<p:sld xmlns:a="http://schemas.openxmlformats.org/drawingml/2006/main" xmlns:r="http://schemas.openxmlformats.org/officeDocument/2006/relationships" xmlns:p="http://schemas.openxmlformats.org/presentationml/2006/main">
-  <p:cSld>
-    <p:spTree>
-      <p:nvGrpSpPr>
-        <p:cNvPr id="1" name=""/>
-        <p:cNvGrpSpPr/>
-        <p:nvPr/>
-      </p:nvGrpSpPr>
-      <p:grpSpPr>
-        <a:xfrm>
-          <a:off x="0" y="0"/>
-          <a:ext cx="0" cy="0"/>
-          <a:chOff x="0" y="0"/>
-          <a:chExt cx="0" cy="0"/>
-        </a:xfrm>
-      </p:grpSpPr>
-      <p:sp>
-        <p:nvSpPr>
-          <p:cNvPr id="2" name="Title 1"/>
-          <p:cNvSpPr>
-            <a:spLocks noGrp="1"/>
-          </p:cNvSpPr>
-          <p:nvPr>
-            <p:ph type="title"/>
-          </p:nvPr>
-        </p:nvSpPr>
-        <p:spPr>
-          <a:xfrm>
-            <a:off x="609600" y="337392"/>
-            <a:ext cx="10439400" cy="624840"/>
-          </a:xfrm>
-        </p:spPr>
-        <p:txBody>
-          <a:bodyPr>
-            <a:noAutofit/>
-          </a:bodyPr>
-          <a:lstStyle/>
-          <a:p>
-            <a:r>
-              <a:rPr lang="en-US" sz="3600" dirty="0">
-                <a:cs typeface="Times New Roman" panose="02020603050405020304" pitchFamily="18" charset="0"/>
-              </a:rPr>
-              <a:t>Data Viz: Before (2/2)</a:t>
-            </a:r>
-            <a:endParaRPr lang="en-US" sz="3600" dirty="0">
-              <a:latin typeface="Times New Roman" panose="02020603050405020304" pitchFamily="18" charset="0"/>
-              <a:cs typeface="Times New Roman" panose="02020603050405020304" pitchFamily="18" charset="0"/>
-            </a:endParaRPr>
-          </a:p>
-        </p:txBody>
-      </p:sp>
-      <p:sp>
-        <p:nvSpPr>
-          <p:cNvPr id="6" name="Content Placeholder 5">
-            <a:extLst>
-              <a:ext uri="{FF2B5EF4-FFF2-40B4-BE49-F238E27FC236}">
-                <a16:creationId xmlns:a16="http://schemas.microsoft.com/office/drawing/2014/main" id="{00A23F39-3025-3A5A-66CA-253F1A1CF96F}"/>
-              </a:ext>
-            </a:extLst>
-          </p:cNvPr>
-          <p:cNvSpPr>
-            <a:spLocks noGrp="1"/>
-          </p:cNvSpPr>
-          <p:nvPr>
-            <p:ph idx="1"/>
-          </p:nvPr>
-        </p:nvSpPr>
-        <p:spPr/>
-        <p:txBody>
-          <a:bodyPr/>
-          <a:lstStyle/>
-          <a:p>
-            <a:endParaRPr lang="en-CA"/>
-          </a:p>
-        </p:txBody>
-      </p:sp>
-      <p:pic>
-        <p:nvPicPr>
-          <p:cNvPr id="4" name="Picture 3">
-            <a:extLst>
-              <a:ext uri="{FF2B5EF4-FFF2-40B4-BE49-F238E27FC236}">
-                <a16:creationId xmlns:a16="http://schemas.microsoft.com/office/drawing/2014/main" id="{664DBAFB-5540-F4B1-B42A-384B3CD1BA28}"/>
-              </a:ext>
-            </a:extLst>
-          </p:cNvPr>
-          <p:cNvPicPr>
-            <a:picLocks noChangeAspect="1"/>
-          </p:cNvPicPr>
-          <p:nvPr/>
-        </p:nvPicPr>
-        <p:blipFill>
-          <a:blip r:embed="rId3"/>
-          <a:stretch>
-            <a:fillRect/>
-          </a:stretch>
-        </p:blipFill>
-        <p:spPr>
-          <a:xfrm>
-            <a:off x="2123520" y="1066800"/>
-            <a:ext cx="7944959" cy="5344271"/>
-          </a:xfrm>
-          <a:prstGeom prst="rect">
-            <a:avLst/>
-          </a:prstGeom>
-        </p:spPr>
-      </p:pic>
-    </p:spTree>
-    <p:extLst>
-      <p:ext uri="{BB962C8B-B14F-4D97-AF65-F5344CB8AC3E}">
-        <p14:creationId xmlns:p14="http://schemas.microsoft.com/office/powerpoint/2010/main" val="574472925"/>
       </p:ext>
     </p:extLst>
   </p:cSld>
@@ -31772,6 +31910,126 @@
               <a:rPr lang="en-US" sz="3600" dirty="0">
                 <a:cs typeface="Times New Roman" panose="02020603050405020304" pitchFamily="18" charset="0"/>
               </a:rPr>
+              <a:t>Data Viz: Before (2/2)</a:t>
+            </a:r>
+            <a:endParaRPr lang="en-US" sz="3600" dirty="0">
+              <a:latin typeface="Times New Roman" panose="02020603050405020304" pitchFamily="18" charset="0"/>
+              <a:cs typeface="Times New Roman" panose="02020603050405020304" pitchFamily="18" charset="0"/>
+            </a:endParaRPr>
+          </a:p>
+        </p:txBody>
+      </p:sp>
+      <p:sp>
+        <p:nvSpPr>
+          <p:cNvPr id="6" name="Content Placeholder 5">
+            <a:extLst>
+              <a:ext uri="{FF2B5EF4-FFF2-40B4-BE49-F238E27FC236}">
+                <a16:creationId xmlns:a16="http://schemas.microsoft.com/office/drawing/2014/main" id="{00A23F39-3025-3A5A-66CA-253F1A1CF96F}"/>
+              </a:ext>
+            </a:extLst>
+          </p:cNvPr>
+          <p:cNvSpPr>
+            <a:spLocks noGrp="1"/>
+          </p:cNvSpPr>
+          <p:nvPr>
+            <p:ph idx="1"/>
+          </p:nvPr>
+        </p:nvSpPr>
+        <p:spPr/>
+        <p:txBody>
+          <a:bodyPr/>
+          <a:lstStyle/>
+          <a:p>
+            <a:endParaRPr lang="en-CA"/>
+          </a:p>
+        </p:txBody>
+      </p:sp>
+      <p:pic>
+        <p:nvPicPr>
+          <p:cNvPr id="4" name="Picture 3">
+            <a:extLst>
+              <a:ext uri="{FF2B5EF4-FFF2-40B4-BE49-F238E27FC236}">
+                <a16:creationId xmlns:a16="http://schemas.microsoft.com/office/drawing/2014/main" id="{664DBAFB-5540-F4B1-B42A-384B3CD1BA28}"/>
+              </a:ext>
+            </a:extLst>
+          </p:cNvPr>
+          <p:cNvPicPr>
+            <a:picLocks noChangeAspect="1"/>
+          </p:cNvPicPr>
+          <p:nvPr/>
+        </p:nvPicPr>
+        <p:blipFill>
+          <a:blip r:embed="rId3"/>
+          <a:stretch>
+            <a:fillRect/>
+          </a:stretch>
+        </p:blipFill>
+        <p:spPr>
+          <a:xfrm>
+            <a:off x="2123520" y="1066800"/>
+            <a:ext cx="7944959" cy="5344271"/>
+          </a:xfrm>
+          <a:prstGeom prst="rect">
+            <a:avLst/>
+          </a:prstGeom>
+        </p:spPr>
+      </p:pic>
+    </p:spTree>
+    <p:extLst>
+      <p:ext uri="{BB962C8B-B14F-4D97-AF65-F5344CB8AC3E}">
+        <p14:creationId xmlns:p14="http://schemas.microsoft.com/office/powerpoint/2010/main" val="574472925"/>
+      </p:ext>
+    </p:extLst>
+  </p:cSld>
+  <p:clrMapOvr>
+    <a:masterClrMapping/>
+  </p:clrMapOvr>
+</p:sld>
+</file>
+
+<file path=ppt/slides/slide81.xml><?xml version="1.0" encoding="utf-8"?>
+<p:sld xmlns:a="http://schemas.openxmlformats.org/drawingml/2006/main" xmlns:r="http://schemas.openxmlformats.org/officeDocument/2006/relationships" xmlns:p="http://schemas.openxmlformats.org/presentationml/2006/main">
+  <p:cSld>
+    <p:spTree>
+      <p:nvGrpSpPr>
+        <p:cNvPr id="1" name=""/>
+        <p:cNvGrpSpPr/>
+        <p:nvPr/>
+      </p:nvGrpSpPr>
+      <p:grpSpPr>
+        <a:xfrm>
+          <a:off x="0" y="0"/>
+          <a:ext cx="0" cy="0"/>
+          <a:chOff x="0" y="0"/>
+          <a:chExt cx="0" cy="0"/>
+        </a:xfrm>
+      </p:grpSpPr>
+      <p:sp>
+        <p:nvSpPr>
+          <p:cNvPr id="2" name="Title 1"/>
+          <p:cNvSpPr>
+            <a:spLocks noGrp="1"/>
+          </p:cNvSpPr>
+          <p:nvPr>
+            <p:ph type="title"/>
+          </p:nvPr>
+        </p:nvSpPr>
+        <p:spPr>
+          <a:xfrm>
+            <a:off x="609600" y="337392"/>
+            <a:ext cx="10439400" cy="624840"/>
+          </a:xfrm>
+        </p:spPr>
+        <p:txBody>
+          <a:bodyPr>
+            <a:noAutofit/>
+          </a:bodyPr>
+          <a:lstStyle/>
+          <a:p>
+            <a:r>
+              <a:rPr lang="en-US" sz="3600" dirty="0">
+                <a:cs typeface="Times New Roman" panose="02020603050405020304" pitchFamily="18" charset="0"/>
+              </a:rPr>
               <a:t>Data Viz: After (2/2)</a:t>
             </a:r>
             <a:endParaRPr lang="en-US" sz="3600" dirty="0">
@@ -31849,7 +32107,7 @@
 </p:sld>
 </file>
 
-<file path=ppt/slides/slide81.xml><?xml version="1.0" encoding="utf-8"?>
+<file path=ppt/slides/slide82.xml><?xml version="1.0" encoding="utf-8"?>
 <p:sld xmlns:a="http://schemas.openxmlformats.org/drawingml/2006/main" xmlns:r="http://schemas.openxmlformats.org/officeDocument/2006/relationships" xmlns:p="http://schemas.openxmlformats.org/presentationml/2006/main">
   <p:cSld>
     <p:spTree>
@@ -32218,7 +32476,7 @@
 </p:sld>
 </file>
 
-<file path=ppt/slides/slide82.xml><?xml version="1.0" encoding="utf-8"?>
+<file path=ppt/slides/slide83.xml><?xml version="1.0" encoding="utf-8"?>
 <p:sld xmlns:a="http://schemas.openxmlformats.org/drawingml/2006/main" xmlns:r="http://schemas.openxmlformats.org/officeDocument/2006/relationships" xmlns:p="http://schemas.openxmlformats.org/presentationml/2006/main">
   <p:cSld>
     <p:spTree>
@@ -32345,7 +32603,7 @@
 </p:sld>
 </file>
 
-<file path=ppt/slides/slide83.xml><?xml version="1.0" encoding="utf-8"?>
+<file path=ppt/slides/slide84.xml><?xml version="1.0" encoding="utf-8"?>
 <p:sld xmlns:a="http://schemas.openxmlformats.org/drawingml/2006/main" xmlns:r="http://schemas.openxmlformats.org/officeDocument/2006/relationships" xmlns:p="http://schemas.openxmlformats.org/presentationml/2006/main">
   <p:cSld>
     <p:spTree>

--- a/Lecture05_DataCleaning/Lecture5_DataCleaning-ResearchDesign.pptx
+++ b/Lecture05_DataCleaning/Lecture5_DataCleaning-ResearchDesign.pptx
@@ -290,7 +290,7 @@
           <a:p>
             <a:fld id="{EF911157-0FC2-4F06-8D61-FD647FE4E19D}" type="datetimeFigureOut">
               <a:rPr lang="en-US" smtClean="0"/>
-              <a:t>1/30/2026</a:t>
+              <a:t>2/9/2026</a:t>
             </a:fld>
             <a:endParaRPr lang="en-US"/>
           </a:p>
@@ -606,23 +606,6 @@
           <a:bodyPr/>
           <a:lstStyle/>
           <a:p>
-            <a:pPr marL="0" indent="0">
-              <a:buFont typeface="Arial" panose="020B0604020202020204" pitchFamily="34" charset="0"/>
-              <a:buNone/>
-            </a:pPr>
-            <a:r>
-              <a:rPr lang="en-US" dirty="0"/>
-              <a:t>What do you do if you don’t have a question? Read through the data dictionaries here, then do some descriptive work! (next week is reading week)</a:t>
-            </a:r>
-          </a:p>
-          <a:p>
-            <a:pPr marL="0" indent="0">
-              <a:buFont typeface="Arial" panose="020B0604020202020204" pitchFamily="34" charset="0"/>
-              <a:buNone/>
-            </a:pPr>
-            <a:endParaRPr lang="en-US" dirty="0"/>
-          </a:p>
-          <a:p>
             <a:r>
               <a:rPr lang="en-US" dirty="0"/>
               <a:t>Logistics notes: </a:t>
@@ -653,7 +636,7 @@
             </a:r>
             <a:r>
               <a:rPr lang="en-US" dirty="0"/>
-              <a:t> – note that your research question + teams are due in two weeks (with an outline due two weeks after that), so you should commit by then to one of the two options</a:t>
+              <a:t> – note that your research question + teams are due in two weeks (with an outline due two weeks after that), so you should commit by then to one of the two options. Referee reports start being available next week with consistency!</a:t>
             </a:r>
           </a:p>
           <a:p>
@@ -1770,7 +1753,10 @@
           <a:bodyPr/>
           <a:lstStyle/>
           <a:p>
-            <a:endParaRPr lang="en-US" dirty="0"/>
+            <a:r>
+              <a:rPr lang="en-US" dirty="0"/>
+              <a:t>If you’re still uncommitted to research paper/referee report, maybe let me try to convince you to do a research project!</a:t>
+            </a:r>
           </a:p>
         </p:txBody>
       </p:sp>
@@ -4174,7 +4160,15 @@
               <a:rPr lang="en-US" i="1" dirty="0"/>
               <a:t>for your thesis)</a:t>
             </a:r>
-            <a:endParaRPr lang="en-US" dirty="0"/>
+          </a:p>
+          <a:p>
+            <a:endParaRPr lang="en-US" i="1" dirty="0"/>
+          </a:p>
+          <a:p>
+            <a:r>
+              <a:rPr lang="en-US" dirty="0"/>
+              <a:t>What do you do if you don’t have a question? Read through the data dictionaries here, then do some descriptive work! </a:t>
+            </a:r>
           </a:p>
         </p:txBody>
       </p:sp>
@@ -9542,7 +9536,7 @@
             <a:fld id="{0972D05C-DCFB-4BB6-B49C-AC126BF3ED2C}" type="datetimeFigureOut">
               <a:rPr lang="en-US" smtClean="0"/>
               <a:pPr/>
-              <a:t>1/30/2026</a:t>
+              <a:t>2/9/2026</a:t>
             </a:fld>
             <a:endParaRPr lang="en-US"/>
           </a:p>
@@ -9779,7 +9773,7 @@
             <a:fld id="{0972D05C-DCFB-4BB6-B49C-AC126BF3ED2C}" type="datetimeFigureOut">
               <a:rPr lang="en-US" smtClean="0"/>
               <a:pPr/>
-              <a:t>1/30/2026</a:t>
+              <a:t>2/9/2026</a:t>
             </a:fld>
             <a:endParaRPr lang="en-US"/>
           </a:p>
@@ -9961,7 +9955,7 @@
             <a:fld id="{0972D05C-DCFB-4BB6-B49C-AC126BF3ED2C}" type="datetimeFigureOut">
               <a:rPr lang="en-US" smtClean="0"/>
               <a:pPr/>
-              <a:t>1/30/2026</a:t>
+              <a:t>2/9/2026</a:t>
             </a:fld>
             <a:endParaRPr lang="en-US"/>
           </a:p>
@@ -10133,7 +10127,7 @@
             <a:fld id="{0972D05C-DCFB-4BB6-B49C-AC126BF3ED2C}" type="datetimeFigureOut">
               <a:rPr lang="en-US" smtClean="0"/>
               <a:pPr/>
-              <a:t>1/30/2026</a:t>
+              <a:t>2/9/2026</a:t>
             </a:fld>
             <a:endParaRPr lang="en-US"/>
           </a:p>
@@ -10389,7 +10383,7 @@
             <a:fld id="{0972D05C-DCFB-4BB6-B49C-AC126BF3ED2C}" type="datetimeFigureOut">
               <a:rPr lang="en-US" smtClean="0"/>
               <a:pPr/>
-              <a:t>1/30/2026</a:t>
+              <a:t>2/9/2026</a:t>
             </a:fld>
             <a:endParaRPr lang="en-US"/>
           </a:p>
@@ -10717,7 +10711,7 @@
             <a:fld id="{0972D05C-DCFB-4BB6-B49C-AC126BF3ED2C}" type="datetimeFigureOut">
               <a:rPr lang="en-US" smtClean="0"/>
               <a:pPr/>
-              <a:t>1/30/2026</a:t>
+              <a:t>2/9/2026</a:t>
             </a:fld>
             <a:endParaRPr lang="en-US"/>
           </a:p>
@@ -11170,7 +11164,7 @@
             <a:fld id="{0972D05C-DCFB-4BB6-B49C-AC126BF3ED2C}" type="datetimeFigureOut">
               <a:rPr lang="en-US" smtClean="0"/>
               <a:pPr/>
-              <a:t>1/30/2026</a:t>
+              <a:t>2/9/2026</a:t>
             </a:fld>
             <a:endParaRPr lang="en-US"/>
           </a:p>
@@ -11290,7 +11284,7 @@
             <a:fld id="{0972D05C-DCFB-4BB6-B49C-AC126BF3ED2C}" type="datetimeFigureOut">
               <a:rPr lang="en-US" smtClean="0"/>
               <a:pPr/>
-              <a:t>1/30/2026</a:t>
+              <a:t>2/9/2026</a:t>
             </a:fld>
             <a:endParaRPr lang="en-US"/>
           </a:p>
@@ -11387,7 +11381,7 @@
             <a:fld id="{0972D05C-DCFB-4BB6-B49C-AC126BF3ED2C}" type="datetimeFigureOut">
               <a:rPr lang="en-US" smtClean="0"/>
               <a:pPr/>
-              <a:t>1/30/2026</a:t>
+              <a:t>2/9/2026</a:t>
             </a:fld>
             <a:endParaRPr lang="en-US"/>
           </a:p>
@@ -11676,7 +11670,7 @@
             <a:fld id="{0972D05C-DCFB-4BB6-B49C-AC126BF3ED2C}" type="datetimeFigureOut">
               <a:rPr lang="en-US" smtClean="0"/>
               <a:pPr/>
-              <a:t>1/30/2026</a:t>
+              <a:t>2/9/2026</a:t>
             </a:fld>
             <a:endParaRPr lang="en-US"/>
           </a:p>
@@ -12000,7 +11994,7 @@
             <a:fld id="{0972D05C-DCFB-4BB6-B49C-AC126BF3ED2C}" type="datetimeFigureOut">
               <a:rPr lang="en-US" smtClean="0"/>
               <a:pPr/>
-              <a:t>1/30/2026</a:t>
+              <a:t>2/9/2026</a:t>
             </a:fld>
             <a:endParaRPr lang="en-US"/>
           </a:p>
@@ -12262,7 +12256,7 @@
             <a:fld id="{0972D05C-DCFB-4BB6-B49C-AC126BF3ED2C}" type="datetimeFigureOut">
               <a:rPr lang="en-US" smtClean="0"/>
               <a:pPr/>
-              <a:t>1/30/2026</a:t>
+              <a:t>2/9/2026</a:t>
             </a:fld>
             <a:endParaRPr lang="en-US" dirty="0"/>
           </a:p>
@@ -12812,7 +12806,7 @@
           <a:p>
             <a:r>
               <a:rPr lang="en-US" sz="2400" dirty="0"/>
-              <a:t>Feb. 2, 2026</a:t>
+              <a:t>Feb. 9, 2026</a:t>
             </a:r>
           </a:p>
           <a:p>
@@ -16748,7 +16742,14 @@
                 <a:cs typeface="Times New Roman" panose="02020603050405020304" pitchFamily="18" charset="0"/>
                 <a:sym typeface="Wingdings" panose="05000000000000000000" pitchFamily="2" charset="2"/>
               </a:rPr>
-              <a:t>(this won’t change</a:t>
+              <a:t>(this </a:t>
+            </a:r>
+            <a:r>
+              <a:rPr lang="en-US" sz="2200">
+                <a:cs typeface="Times New Roman" panose="02020603050405020304" pitchFamily="18" charset="0"/>
+                <a:sym typeface="Wingdings" panose="05000000000000000000" pitchFamily="2" charset="2"/>
+              </a:rPr>
+              <a:t>won’t change)</a:t>
             </a:r>
             <a:endParaRPr lang="en-US" sz="2200" dirty="0">
               <a:cs typeface="Times New Roman" panose="02020603050405020304" pitchFamily="18" charset="0"/>
@@ -20873,7 +20874,17 @@
             </a:pPr>
             <a:r>
               <a:rPr lang="en-US" sz="2200" dirty="0"/>
-              <a:t>Canadian Community Health Survey</a:t>
+              <a:t>Canadian Community Health Survey (</a:t>
+            </a:r>
+            <a:r>
+              <a:rPr lang="en-US" sz="2200" dirty="0">
+                <a:hlinkClick r:id="rId5"/>
+              </a:rPr>
+              <a:t>ODESI</a:t>
+            </a:r>
+            <a:r>
+              <a:rPr lang="en-US" sz="2200" dirty="0"/>
+              <a:t>) </a:t>
             </a:r>
           </a:p>
           <a:p>
@@ -20883,7 +20894,7 @@
             </a:pPr>
             <a:r>
               <a:rPr lang="en-US" sz="2200" dirty="0">
-                <a:hlinkClick r:id="rId5"/>
+                <a:hlinkClick r:id="rId6"/>
               </a:rPr>
               <a:t>https://datacentre.chass.utoronto.ca/</a:t>
             </a:r>
